--- a/Documentazione/PROGETTO 2 PW24.pptx
+++ b/Documentazione/PROGETTO 2 PW24.pptx
@@ -5,10 +5,10 @@
     <p:sldMasterId id="2147483698" r:id="rId4"/>
   </p:sldMasterIdLst>
   <p:notesMasterIdLst>
-    <p:notesMasterId r:id="rId22"/>
+    <p:notesMasterId r:id="rId23"/>
   </p:notesMasterIdLst>
   <p:handoutMasterIdLst>
-    <p:handoutMasterId r:id="rId23"/>
+    <p:handoutMasterId r:id="rId24"/>
   </p:handoutMasterIdLst>
   <p:sldIdLst>
     <p:sldId id="258" r:id="rId5"/>
@@ -20,14 +20,15 @@
     <p:sldId id="266" r:id="rId11"/>
     <p:sldId id="267" r:id="rId12"/>
     <p:sldId id="268" r:id="rId13"/>
-    <p:sldId id="269" r:id="rId14"/>
-    <p:sldId id="270" r:id="rId15"/>
-    <p:sldId id="271" r:id="rId16"/>
-    <p:sldId id="273" r:id="rId17"/>
-    <p:sldId id="274" r:id="rId18"/>
-    <p:sldId id="275" r:id="rId19"/>
-    <p:sldId id="276" r:id="rId20"/>
-    <p:sldId id="277" r:id="rId21"/>
+    <p:sldId id="278" r:id="rId14"/>
+    <p:sldId id="269" r:id="rId15"/>
+    <p:sldId id="270" r:id="rId16"/>
+    <p:sldId id="271" r:id="rId17"/>
+    <p:sldId id="273" r:id="rId18"/>
+    <p:sldId id="274" r:id="rId19"/>
+    <p:sldId id="275" r:id="rId20"/>
+    <p:sldId id="276" r:id="rId21"/>
+    <p:sldId id="277" r:id="rId22"/>
   </p:sldIdLst>
   <p:sldSz cx="12192000" cy="6858000"/>
   <p:notesSz cx="7104063" cy="10234613"/>
@@ -34289,7 +34290,9 @@
           </a:xfrm>
         </p:spPr>
         <p:txBody>
-          <a:bodyPr/>
+          <a:bodyPr>
+            <a:normAutofit/>
+          </a:bodyPr>
           <a:lstStyle/>
           <a:p>
             <a:r>
@@ -34298,21 +34301,16 @@
                   <a:schemeClr val="accent1"/>
                 </a:solidFill>
               </a:rPr>
-              <a:t>Scelte di progetto – Architettura: </a:t>
-            </a:r>
-            <a:r>
-              <a:rPr lang="it-IT" dirty="0" err="1">
+              <a:t>Scelte di progetto – </a:t>
+            </a:r>
+            <a:r>
+              <a:rPr lang="it-IT" dirty="0">
                 <a:solidFill>
                   <a:schemeClr val="accent4"/>
                 </a:solidFill>
               </a:rPr>
-              <a:t>View</a:t>
-            </a:r>
-            <a:endParaRPr lang="it-IT" dirty="0">
-              <a:solidFill>
-                <a:schemeClr val="accent4"/>
-              </a:solidFill>
-            </a:endParaRPr>
+              <a:t>Template con Bootstrap  </a:t>
+            </a:r>
           </a:p>
         </p:txBody>
       </p:sp>
@@ -34360,7 +34358,7 @@
         <p:spPr>
           <a:xfrm>
             <a:off x="1207358" y="1215802"/>
-            <a:ext cx="9942990" cy="1200329"/>
+            <a:ext cx="9942990" cy="426207"/>
           </a:xfrm>
           <a:prstGeom prst="rect">
             <a:avLst/>
@@ -34373,104 +34371,28 @@
           </a:bodyPr>
           <a:lstStyle/>
           <a:p>
-            <a:r>
-              <a:rPr lang="it-IT" dirty="0"/>
-              <a:t>Nel file </a:t>
-            </a:r>
-            <a:r>
-              <a:rPr lang="it-IT" b="1" dirty="0"/>
-              <a:t>views.py</a:t>
-            </a:r>
-            <a:r>
-              <a:rPr lang="it-IT" dirty="0"/>
-              <a:t>, abbiamo definito tutte le funzioni di vista necessarie.</a:t>
-            </a:r>
-          </a:p>
-          <a:p>
-            <a:r>
-              <a:rPr lang="it-IT" sz="1800" dirty="0"/>
-              <a:t>Queste funzioni permettono d</a:t>
-            </a:r>
-            <a:r>
-              <a:rPr lang="it-IT" dirty="0"/>
-              <a:t>i gestire le richieste HTTP in arrivo, determinando quali dati dei modelli sono necessari per ciascuna richiesta.</a:t>
-            </a:r>
-          </a:p>
-          <a:p>
-            <a:r>
-              <a:rPr lang="it-IT" sz="1800" dirty="0"/>
-              <a:t>Dopo aver recuperato i dati, viene preparat</a:t>
-            </a:r>
-            <a:r>
-              <a:rPr lang="it-IT" dirty="0"/>
-              <a:t>a la risposta HTTP che li contiene.</a:t>
-            </a:r>
-            <a:endParaRPr lang="it-IT" sz="1800" dirty="0"/>
-          </a:p>
-        </p:txBody>
-      </p:sp>
-      <p:sp>
-        <p:nvSpPr>
-          <p:cNvPr id="6" name="CasellaDiTesto 5">
-            <a:extLst>
-              <a:ext uri="{FF2B5EF4-FFF2-40B4-BE49-F238E27FC236}">
-                <a16:creationId xmlns:a16="http://schemas.microsoft.com/office/drawing/2014/main" id="{E5570277-DA8D-61E6-509F-DBD264ECFC3E}"/>
-              </a:ext>
-            </a:extLst>
-          </p:cNvPr>
-          <p:cNvSpPr txBox="1"/>
-          <p:nvPr/>
-        </p:nvSpPr>
-        <p:spPr>
-          <a:xfrm>
-            <a:off x="1207358" y="2819663"/>
-            <a:ext cx="9942990" cy="1477328"/>
-          </a:xfrm>
-          <a:prstGeom prst="rect">
-            <a:avLst/>
-          </a:prstGeom>
-          <a:noFill/>
-        </p:spPr>
-        <p:txBody>
-          <a:bodyPr wrap="square" rtlCol="0">
-            <a:spAutoFit/>
-          </a:bodyPr>
-          <a:lstStyle/>
-          <a:p>
-            <a:r>
-              <a:rPr lang="it-IT" b="0" i="0" dirty="0">
-                <a:solidFill>
-                  <a:srgbClr val="111111"/>
-                </a:solidFill>
-                <a:effectLst/>
-              </a:rPr>
-              <a:t>Nello specifico, abbiamo definito funzioni che consentono di filtrare le tabelle. Questo può essere fatto sia utilizzando il modulo di ricerca inserito nella barra di ricerca del sito web, sia cliccando sui link presenti nelle celle delle varie tabelle.</a:t>
-            </a:r>
-          </a:p>
-          <a:p>
-            <a:r>
-              <a:rPr lang="it-IT" b="0" i="0" dirty="0">
-                <a:solidFill>
-                  <a:srgbClr val="111111"/>
-                </a:solidFill>
-                <a:effectLst/>
-              </a:rPr>
-              <a:t>Inoltre nel file views.py sono state inserite delle classi e delle funzioni necessarie per effettuare le operazioni di CRUD</a:t>
-            </a:r>
-            <a:endParaRPr lang="it-IT" dirty="0">
-              <a:solidFill>
-                <a:srgbClr val="111111"/>
-              </a:solidFill>
-            </a:endParaRPr>
+            <a:pPr>
+              <a:lnSpc>
+                <a:spcPct val="150000"/>
+              </a:lnSpc>
+            </a:pPr>
+            <a:r>
+              <a:rPr lang="it-IT" sz="1600" dirty="0"/>
+              <a:t>Per la realizzazione dei template, a differenza del primo progetto è stato utilizzato anche il framework </a:t>
+            </a:r>
+            <a:r>
+              <a:rPr lang="it-IT" sz="1600" b="1" dirty="0"/>
+              <a:t>Bootstrap</a:t>
+            </a:r>
           </a:p>
         </p:txBody>
       </p:sp>
       <p:pic>
         <p:nvPicPr>
-          <p:cNvPr id="10" name="Immagine 9" descr="Immagine che contiene Carattere, simbolo, logo, cerchio&#10;&#10;Descrizione generata automaticamente">
-            <a:extLst>
-              <a:ext uri="{FF2B5EF4-FFF2-40B4-BE49-F238E27FC236}">
-                <a16:creationId xmlns:a16="http://schemas.microsoft.com/office/drawing/2014/main" id="{42A85257-5CD4-A2E6-A10E-6E82E4D324DB}"/>
+          <p:cNvPr id="7" name="Immagine 6" descr="Immagine che contiene Carattere, simbolo, logo, cerchio&#10;&#10;Descrizione generata automaticamente">
+            <a:extLst>
+              <a:ext uri="{FF2B5EF4-FFF2-40B4-BE49-F238E27FC236}">
+                <a16:creationId xmlns:a16="http://schemas.microsoft.com/office/drawing/2014/main" id="{3C092F74-B6A9-A3F4-E68A-9D3A09A5E314}"/>
               </a:ext>
             </a:extLst>
           </p:cNvPr>
@@ -34497,10 +34419,10 @@
       </p:pic>
       <p:sp>
         <p:nvSpPr>
-          <p:cNvPr id="12" name="Segnaposto numero diapositiva 4">
-            <a:extLst>
-              <a:ext uri="{FF2B5EF4-FFF2-40B4-BE49-F238E27FC236}">
-                <a16:creationId xmlns:a16="http://schemas.microsoft.com/office/drawing/2014/main" id="{05141BDD-D114-AFD4-B1E7-08E0B458C1C0}"/>
+          <p:cNvPr id="9" name="Segnaposto numero diapositiva 4">
+            <a:extLst>
+              <a:ext uri="{FF2B5EF4-FFF2-40B4-BE49-F238E27FC236}">
+                <a16:creationId xmlns:a16="http://schemas.microsoft.com/office/drawing/2014/main" id="{12C9E95B-647D-C4E1-5030-14D4C0102172}"/>
               </a:ext>
             </a:extLst>
           </p:cNvPr>
@@ -34538,10 +34460,155 @@
           </a:p>
         </p:txBody>
       </p:sp>
+      <p:sp>
+        <p:nvSpPr>
+          <p:cNvPr id="5" name="CasellaDiTesto 4">
+            <a:extLst>
+              <a:ext uri="{FF2B5EF4-FFF2-40B4-BE49-F238E27FC236}">
+                <a16:creationId xmlns:a16="http://schemas.microsoft.com/office/drawing/2014/main" id="{5A292B38-2AD2-18DB-6F74-8840DDAF29A8}"/>
+              </a:ext>
+            </a:extLst>
+          </p:cNvPr>
+          <p:cNvSpPr txBox="1"/>
+          <p:nvPr/>
+        </p:nvSpPr>
+        <p:spPr>
+          <a:xfrm>
+            <a:off x="1215105" y="1764890"/>
+            <a:ext cx="9942990" cy="1534203"/>
+          </a:xfrm>
+          <a:prstGeom prst="rect">
+            <a:avLst/>
+          </a:prstGeom>
+          <a:noFill/>
+        </p:spPr>
+        <p:txBody>
+          <a:bodyPr wrap="square" rtlCol="0">
+            <a:spAutoFit/>
+          </a:bodyPr>
+          <a:lstStyle/>
+          <a:p>
+            <a:pPr>
+              <a:lnSpc>
+                <a:spcPct val="150000"/>
+              </a:lnSpc>
+            </a:pPr>
+            <a:r>
+              <a:rPr lang="it-IT" sz="1600" dirty="0"/>
+              <a:t>Principalmente è stato usato per la realizzazione di:</a:t>
+            </a:r>
+          </a:p>
+          <a:p>
+            <a:pPr marL="285750" indent="-285750">
+              <a:lnSpc>
+                <a:spcPct val="150000"/>
+              </a:lnSpc>
+              <a:buFontTx/>
+              <a:buChar char="-"/>
+            </a:pPr>
+            <a:r>
+              <a:rPr lang="it-IT" sz="1600" b="1" dirty="0"/>
+              <a:t>Barra di navigazione</a:t>
+            </a:r>
+          </a:p>
+          <a:p>
+            <a:pPr marL="285750" indent="-285750">
+              <a:lnSpc>
+                <a:spcPct val="150000"/>
+              </a:lnSpc>
+              <a:buFontTx/>
+              <a:buChar char="-"/>
+            </a:pPr>
+            <a:r>
+              <a:rPr lang="it-IT" sz="1600" b="1" dirty="0"/>
+              <a:t>Barra di ricerca</a:t>
+            </a:r>
+          </a:p>
+          <a:p>
+            <a:pPr marL="285750" indent="-285750">
+              <a:lnSpc>
+                <a:spcPct val="150000"/>
+              </a:lnSpc>
+              <a:buFontTx/>
+              <a:buChar char="-"/>
+            </a:pPr>
+            <a:r>
+              <a:rPr lang="it-IT" sz="1600" b="1" dirty="0"/>
+              <a:t>Tabella</a:t>
+            </a:r>
+          </a:p>
+        </p:txBody>
+      </p:sp>
+      <p:sp>
+        <p:nvSpPr>
+          <p:cNvPr id="6" name="CasellaDiTesto 5">
+            <a:extLst>
+              <a:ext uri="{FF2B5EF4-FFF2-40B4-BE49-F238E27FC236}">
+                <a16:creationId xmlns:a16="http://schemas.microsoft.com/office/drawing/2014/main" id="{25571174-8D8E-76D8-2ED0-6F3655CF394D}"/>
+              </a:ext>
+            </a:extLst>
+          </p:cNvPr>
+          <p:cNvSpPr txBox="1"/>
+          <p:nvPr/>
+        </p:nvSpPr>
+        <p:spPr>
+          <a:xfrm>
+            <a:off x="1207358" y="3637530"/>
+            <a:ext cx="9942990" cy="1077218"/>
+          </a:xfrm>
+          <a:prstGeom prst="rect">
+            <a:avLst/>
+          </a:prstGeom>
+          <a:noFill/>
+        </p:spPr>
+        <p:txBody>
+          <a:bodyPr wrap="square" rtlCol="0">
+            <a:spAutoFit/>
+          </a:bodyPr>
+          <a:lstStyle/>
+          <a:p>
+            <a:r>
+              <a:rPr lang="it-IT" sz="1600" dirty="0"/>
+              <a:t>Ad esempio, per quanto riguarda la tabella, abbiamo usato la classe di Bootstrap: </a:t>
+            </a:r>
+            <a:r>
+              <a:rPr lang="it-IT" sz="1600" b="1" dirty="0" err="1"/>
+              <a:t>table-striped</a:t>
+            </a:r>
+            <a:r>
+              <a:rPr lang="it-IT" sz="1600" dirty="0"/>
+              <a:t>.</a:t>
+            </a:r>
+          </a:p>
+          <a:p>
+            <a:r>
+              <a:rPr lang="it-IT" sz="1600" dirty="0"/>
+              <a:t>Questa classe</a:t>
+            </a:r>
+            <a:r>
+              <a:rPr lang="it-IT" sz="1600" b="1" dirty="0"/>
+              <a:t> </a:t>
+            </a:r>
+            <a:r>
+              <a:rPr lang="it-IT" sz="1600" dirty="0"/>
+              <a:t>permette di visualizzare le righe della tabella con un colore di sfondo alternato. La tabella è stata inoltre inserita all’interno di un container-</a:t>
+            </a:r>
+            <a:r>
+              <a:rPr lang="it-IT" sz="1600" dirty="0" err="1"/>
+              <a:t>fluid</a:t>
+            </a:r>
+            <a:r>
+              <a:rPr lang="it-IT" sz="1600" dirty="0"/>
+              <a:t> che le permette di occupare sempre tutto lo spazio che vi è a disposizione.</a:t>
+            </a:r>
+            <a:endParaRPr lang="it-IT" sz="1600" b="1" dirty="0"/>
+          </a:p>
+        </p:txBody>
+      </p:sp>
     </p:spTree>
     <p:extLst>
       <p:ext uri="{BB962C8B-B14F-4D97-AF65-F5344CB8AC3E}">
-        <p14:creationId xmlns:p14="http://schemas.microsoft.com/office/powerpoint/2010/main" val="2391382602"/>
+        <p14:creationId xmlns:p14="http://schemas.microsoft.com/office/powerpoint/2010/main" val="3296994244"/>
       </p:ext>
     </p:extLst>
   </p:cSld>
@@ -34608,7 +34675,7 @@
                   <a:schemeClr val="accent4"/>
                 </a:solidFill>
               </a:rPr>
-              <a:t>Urls</a:t>
+              <a:t>View</a:t>
             </a:r>
             <a:endParaRPr lang="it-IT" dirty="0">
               <a:solidFill>
@@ -34662,7 +34729,7 @@
         <p:spPr>
           <a:xfrm>
             <a:off x="1207358" y="1215802"/>
-            <a:ext cx="9942990" cy="646331"/>
+            <a:ext cx="9942990" cy="1200329"/>
           </a:xfrm>
           <a:prstGeom prst="rect">
             <a:avLst/>
@@ -34681,25 +34748,31 @@
             </a:r>
             <a:r>
               <a:rPr lang="it-IT" b="1" dirty="0"/>
-              <a:t>urls.py</a:t>
+              <a:t>views.py</a:t>
             </a:r>
             <a:r>
               <a:rPr lang="it-IT" dirty="0"/>
-              <a:t>, abbiamo definito tutti i percorsi URL necessari per il sito.</a:t>
-            </a:r>
-          </a:p>
-          <a:p>
+              <a:t>, abbiamo definito tutte le funzioni di vista necessarie.</a:t>
+            </a:r>
+          </a:p>
+          <a:p>
+            <a:r>
+              <a:rPr lang="it-IT" sz="1800" dirty="0"/>
+              <a:t>Queste funzioni permettono d</a:t>
+            </a:r>
             <a:r>
               <a:rPr lang="it-IT" dirty="0"/>
-              <a:t>Ovvero indirizza le varie richieste HTTP alle funzioni definite in </a:t>
-            </a:r>
-            <a:r>
-              <a:rPr lang="it-IT" b="1" dirty="0"/>
-              <a:t>views.py </a:t>
+              <a:t>i gestire le richieste HTTP in arrivo, determinando quali dati dei modelli sono necessari per ciascuna richiesta.</a:t>
+            </a:r>
+          </a:p>
+          <a:p>
+            <a:r>
+              <a:rPr lang="it-IT" sz="1800" dirty="0"/>
+              <a:t>Dopo aver recuperato i dati, viene preparat</a:t>
             </a:r>
             <a:r>
               <a:rPr lang="it-IT" dirty="0"/>
-              <a:t>appropriate.</a:t>
+              <a:t>a la risposta HTTP che li contiene.</a:t>
             </a:r>
             <a:endParaRPr lang="it-IT" sz="1800" dirty="0"/>
           </a:p>
@@ -34707,10 +34780,10 @@
       </p:sp>
       <p:sp>
         <p:nvSpPr>
-          <p:cNvPr id="4" name="CasellaDiTesto 3">
-            <a:extLst>
-              <a:ext uri="{FF2B5EF4-FFF2-40B4-BE49-F238E27FC236}">
-                <a16:creationId xmlns:a16="http://schemas.microsoft.com/office/drawing/2014/main" id="{5EB31EDB-41BF-02BE-7213-46B2A099171D}"/>
+          <p:cNvPr id="6" name="CasellaDiTesto 5">
+            <a:extLst>
+              <a:ext uri="{FF2B5EF4-FFF2-40B4-BE49-F238E27FC236}">
+                <a16:creationId xmlns:a16="http://schemas.microsoft.com/office/drawing/2014/main" id="{E5570277-DA8D-61E6-509F-DBD264ECFC3E}"/>
               </a:ext>
             </a:extLst>
           </p:cNvPr>
@@ -34719,8 +34792,8 @@
         </p:nvSpPr>
         <p:spPr>
           <a:xfrm>
-            <a:off x="1207358" y="1915983"/>
-            <a:ext cx="9942990" cy="1298882"/>
+            <a:off x="1207358" y="2819663"/>
+            <a:ext cx="9942990" cy="1477328"/>
           </a:xfrm>
           <a:prstGeom prst="rect">
             <a:avLst/>
@@ -34733,260 +34806,31 @@
           </a:bodyPr>
           <a:lstStyle/>
           <a:p>
-            <a:pPr>
-              <a:lnSpc>
-                <a:spcPct val="150000"/>
-              </a:lnSpc>
-            </a:pPr>
-            <a:r>
-              <a:rPr lang="it-IT" dirty="0"/>
-              <a:t>Per quanto riguarda il nostro progetto, abbiamo definito i percorsi per:</a:t>
-            </a:r>
-          </a:p>
-          <a:p>
-            <a:pPr marL="285750" indent="-285750">
-              <a:lnSpc>
-                <a:spcPct val="150000"/>
-              </a:lnSpc>
-              <a:buFontTx/>
-              <a:buChar char="-"/>
-            </a:pPr>
-            <a:r>
-              <a:rPr lang="it-IT" dirty="0"/>
-              <a:t>Passare i dati alle tabelle applicando anche i vari filtri</a:t>
-            </a:r>
-          </a:p>
-          <a:p>
-            <a:pPr marL="285750" indent="-285750">
-              <a:lnSpc>
-                <a:spcPct val="150000"/>
-              </a:lnSpc>
-              <a:buFontTx/>
-              <a:buChar char="-"/>
-            </a:pPr>
-            <a:r>
-              <a:rPr lang="it-IT" dirty="0"/>
-              <a:t>Eseguire le operazioni di CRUD</a:t>
-            </a:r>
-          </a:p>
-        </p:txBody>
-      </p:sp>
-      <p:sp>
-        <p:nvSpPr>
-          <p:cNvPr id="5" name="CasellaDiTesto 4">
-            <a:extLst>
-              <a:ext uri="{FF2B5EF4-FFF2-40B4-BE49-F238E27FC236}">
-                <a16:creationId xmlns:a16="http://schemas.microsoft.com/office/drawing/2014/main" id="{F1207CF6-996E-73B7-91B9-C844DC0D98D9}"/>
-              </a:ext>
-            </a:extLst>
-          </p:cNvPr>
-          <p:cNvSpPr txBox="1"/>
-          <p:nvPr/>
-        </p:nvSpPr>
-        <p:spPr>
-          <a:xfrm>
-            <a:off x="1207358" y="3492188"/>
-            <a:ext cx="9942990" cy="369332"/>
-          </a:xfrm>
-          <a:prstGeom prst="rect">
-            <a:avLst/>
-          </a:prstGeom>
-          <a:noFill/>
-        </p:spPr>
-        <p:txBody>
-          <a:bodyPr wrap="square" rtlCol="0">
-            <a:spAutoFit/>
-          </a:bodyPr>
-          <a:lstStyle/>
-          <a:p>
-            <a:r>
-              <a:rPr lang="it-IT" dirty="0"/>
-              <a:t>All’interno di </a:t>
-            </a:r>
-            <a:r>
-              <a:rPr lang="it-IT" b="1" dirty="0" err="1"/>
-              <a:t>urlpatterns</a:t>
-            </a:r>
-            <a:r>
-              <a:rPr lang="it-IT" dirty="0"/>
-              <a:t>, abbiamo inserito i vari percorsi come ad esempio:</a:t>
-            </a:r>
-          </a:p>
-        </p:txBody>
-      </p:sp>
-      <p:sp>
-        <p:nvSpPr>
-          <p:cNvPr id="7" name="CasellaDiTesto 6">
-            <a:extLst>
-              <a:ext uri="{FF2B5EF4-FFF2-40B4-BE49-F238E27FC236}">
-                <a16:creationId xmlns:a16="http://schemas.microsoft.com/office/drawing/2014/main" id="{B8E25596-5796-A48C-7209-3BC470260570}"/>
-              </a:ext>
-            </a:extLst>
-          </p:cNvPr>
-          <p:cNvSpPr txBox="1"/>
-          <p:nvPr/>
-        </p:nvSpPr>
-        <p:spPr>
-          <a:xfrm>
-            <a:off x="1546867" y="3916245"/>
-            <a:ext cx="6056200" cy="338554"/>
-          </a:xfrm>
-          <a:prstGeom prst="rect">
-            <a:avLst/>
-          </a:prstGeom>
-          <a:noFill/>
-        </p:spPr>
-        <p:txBody>
-          <a:bodyPr wrap="square" rtlCol="0">
-            <a:spAutoFit/>
-          </a:bodyPr>
-          <a:lstStyle/>
-          <a:p>
-            <a:r>
-              <a:rPr lang="it-IT" sz="1600" dirty="0" err="1"/>
-              <a:t>path</a:t>
-            </a:r>
-            <a:r>
-              <a:rPr lang="it-IT" sz="1600" dirty="0"/>
-              <a:t>(‘patologia/’ </a:t>
-            </a:r>
-            <a:r>
-              <a:rPr lang="it-IT" sz="1600" dirty="0" err="1"/>
-              <a:t>searchPatologie</a:t>
-            </a:r>
-            <a:r>
-              <a:rPr lang="it-IT" sz="1600" dirty="0"/>
-              <a:t>, </a:t>
-            </a:r>
-            <a:r>
-              <a:rPr lang="it-IT" sz="1600" dirty="0">
+            <a:r>
+              <a:rPr lang="it-IT" b="0" i="0" dirty="0">
                 <a:solidFill>
-                  <a:schemeClr val="accent2"/>
+                  <a:srgbClr val="111111"/>
                 </a:solidFill>
+                <a:effectLst/>
               </a:rPr>
-              <a:t>name</a:t>
-            </a:r>
-            <a:r>
-              <a:rPr lang="it-IT" sz="1600" dirty="0"/>
-              <a:t>=</a:t>
-            </a:r>
-            <a:r>
-              <a:rPr lang="it-IT" sz="1600" dirty="0">
+              <a:t>Nello specifico, abbiamo definito funzioni che consentono di filtrare le tabelle. Questo può essere fatto sia utilizzando il modulo di ricerca inserito nella barra di ricerca del sito web, sia cliccando sui link presenti nelle celle delle varie tabelle.</a:t>
+            </a:r>
+          </a:p>
+          <a:p>
+            <a:r>
+              <a:rPr lang="it-IT" b="0" i="0" dirty="0">
                 <a:solidFill>
-                  <a:schemeClr val="accent3"/>
+                  <a:srgbClr val="111111"/>
                 </a:solidFill>
+                <a:effectLst/>
               </a:rPr>
-              <a:t>‘</a:t>
-            </a:r>
-            <a:r>
-              <a:rPr lang="it-IT" sz="1600" dirty="0" err="1">
-                <a:solidFill>
-                  <a:schemeClr val="accent3"/>
-                </a:solidFill>
-              </a:rPr>
-              <a:t>listaPat</a:t>
-            </a:r>
-            <a:r>
-              <a:rPr lang="it-IT" sz="1600" dirty="0">
-                <a:solidFill>
-                  <a:schemeClr val="accent3"/>
-                </a:solidFill>
-              </a:rPr>
-              <a:t>’)</a:t>
-            </a:r>
-          </a:p>
-        </p:txBody>
-      </p:sp>
-      <p:sp>
-        <p:nvSpPr>
-          <p:cNvPr id="8" name="CasellaDiTesto 7">
-            <a:extLst>
-              <a:ext uri="{FF2B5EF4-FFF2-40B4-BE49-F238E27FC236}">
-                <a16:creationId xmlns:a16="http://schemas.microsoft.com/office/drawing/2014/main" id="{B309D28F-704B-8B4B-267B-FFF8CAADB039}"/>
-              </a:ext>
-            </a:extLst>
-          </p:cNvPr>
-          <p:cNvSpPr txBox="1"/>
-          <p:nvPr/>
-        </p:nvSpPr>
-        <p:spPr>
-          <a:xfrm>
-            <a:off x="6381334" y="3862804"/>
-            <a:ext cx="5226466" cy="1353960"/>
-          </a:xfrm>
-          <a:prstGeom prst="rect">
-            <a:avLst/>
-          </a:prstGeom>
-          <a:noFill/>
-        </p:spPr>
-        <p:txBody>
-          <a:bodyPr wrap="square" rtlCol="0">
-            <a:spAutoFit/>
-          </a:bodyPr>
-          <a:lstStyle/>
-          <a:p>
-            <a:pPr>
-              <a:lnSpc>
-                <a:spcPct val="150000"/>
-              </a:lnSpc>
-            </a:pPr>
-            <a:r>
-              <a:rPr lang="it-IT" sz="1400" dirty="0"/>
-              <a:t>Dove:</a:t>
-            </a:r>
-          </a:p>
-          <a:p>
-            <a:pPr>
-              <a:lnSpc>
-                <a:spcPct val="150000"/>
-              </a:lnSpc>
-            </a:pPr>
-            <a:r>
-              <a:rPr lang="it-IT" sz="1400" dirty="0"/>
-              <a:t>‘patologia/’ : indica </a:t>
-            </a:r>
-            <a:r>
-              <a:rPr lang="it-IT" sz="1400" dirty="0" err="1"/>
-              <a:t>l’url</a:t>
-            </a:r>
-            <a:r>
-              <a:rPr lang="it-IT" sz="1400" dirty="0"/>
-              <a:t> a cui verrà applicata la funzione</a:t>
-            </a:r>
-          </a:p>
-          <a:p>
-            <a:pPr>
-              <a:lnSpc>
-                <a:spcPct val="150000"/>
-              </a:lnSpc>
-            </a:pPr>
-            <a:r>
-              <a:rPr lang="it-IT" sz="1400" dirty="0" err="1"/>
-              <a:t>searchPatologie</a:t>
-            </a:r>
-            <a:r>
-              <a:rPr lang="it-IT" sz="1400" dirty="0"/>
-              <a:t> : è il nome della funzione definita in views.py</a:t>
-            </a:r>
-          </a:p>
-          <a:p>
-            <a:pPr>
-              <a:lnSpc>
-                <a:spcPct val="150000"/>
-              </a:lnSpc>
-            </a:pPr>
-            <a:r>
-              <a:rPr lang="it-IT" sz="1400" dirty="0"/>
-              <a:t>name= ‘</a:t>
-            </a:r>
-            <a:r>
-              <a:rPr lang="it-IT" sz="1400" dirty="0" err="1"/>
-              <a:t>listaPat</a:t>
-            </a:r>
-            <a:r>
-              <a:rPr lang="it-IT" sz="1400" dirty="0"/>
-              <a:t>’ è il nome univoco associato a quel percorso </a:t>
-            </a:r>
+              <a:t>Inoltre nel file views.py sono state inserite delle classi e delle funzioni necessarie per effettuare le operazioni di CRUD</a:t>
+            </a:r>
+            <a:endParaRPr lang="it-IT" dirty="0">
+              <a:solidFill>
+                <a:srgbClr val="111111"/>
+              </a:solidFill>
+            </a:endParaRPr>
           </a:p>
         </p:txBody>
       </p:sp>
@@ -34995,7 +34839,7 @@
           <p:cNvPr id="10" name="Immagine 9" descr="Immagine che contiene Carattere, simbolo, logo, cerchio&#10;&#10;Descrizione generata automaticamente">
             <a:extLst>
               <a:ext uri="{FF2B5EF4-FFF2-40B4-BE49-F238E27FC236}">
-                <a16:creationId xmlns:a16="http://schemas.microsoft.com/office/drawing/2014/main" id="{8F81538B-9C8E-61B4-E1CA-62AC3C2F7C85}"/>
+                <a16:creationId xmlns:a16="http://schemas.microsoft.com/office/drawing/2014/main" id="{42A85257-5CD4-A2E6-A10E-6E82E4D324DB}"/>
               </a:ext>
             </a:extLst>
           </p:cNvPr>
@@ -35025,7 +34869,7 @@
           <p:cNvPr id="12" name="Segnaposto numero diapositiva 4">
             <a:extLst>
               <a:ext uri="{FF2B5EF4-FFF2-40B4-BE49-F238E27FC236}">
-                <a16:creationId xmlns:a16="http://schemas.microsoft.com/office/drawing/2014/main" id="{C0EF2CA4-8E84-C9F2-ABAD-E04E9C0FC1BA}"/>
+                <a16:creationId xmlns:a16="http://schemas.microsoft.com/office/drawing/2014/main" id="{05141BDD-D114-AFD4-B1E7-08E0B458C1C0}"/>
               </a:ext>
             </a:extLst>
           </p:cNvPr>
@@ -35066,7 +34910,7 @@
     </p:spTree>
     <p:extLst>
       <p:ext uri="{BB962C8B-B14F-4D97-AF65-F5344CB8AC3E}">
-        <p14:creationId xmlns:p14="http://schemas.microsoft.com/office/powerpoint/2010/main" val="3575643844"/>
+        <p14:creationId xmlns:p14="http://schemas.microsoft.com/office/powerpoint/2010/main" val="2391382602"/>
       </p:ext>
     </p:extLst>
   </p:cSld>
@@ -35125,8 +34969,21 @@
                   <a:schemeClr val="accent1"/>
                 </a:solidFill>
               </a:rPr>
-              <a:t>Scelte di progetto - Admin</a:t>
-            </a:r>
+              <a:t>Scelte di progetto – Architettura: </a:t>
+            </a:r>
+            <a:r>
+              <a:rPr lang="it-IT" dirty="0" err="1">
+                <a:solidFill>
+                  <a:schemeClr val="accent4"/>
+                </a:solidFill>
+              </a:rPr>
+              <a:t>Urls</a:t>
+            </a:r>
+            <a:endParaRPr lang="it-IT" dirty="0">
+              <a:solidFill>
+                <a:schemeClr val="accent4"/>
+              </a:solidFill>
+            </a:endParaRPr>
           </a:p>
         </p:txBody>
       </p:sp>
@@ -35174,7 +35031,7 @@
         <p:spPr>
           <a:xfrm>
             <a:off x="1207358" y="1215802"/>
-            <a:ext cx="9942990" cy="1754326"/>
+            <a:ext cx="9942990" cy="646331"/>
           </a:xfrm>
           <a:prstGeom prst="rect">
             <a:avLst/>
@@ -35189,39 +35046,31 @@
           <a:p>
             <a:r>
               <a:rPr lang="it-IT" dirty="0"/>
-              <a:t>Le varie tabelle sono visibili anche nella sezione </a:t>
+              <a:t>Nel file </a:t>
             </a:r>
             <a:r>
               <a:rPr lang="it-IT" b="1" dirty="0"/>
-              <a:t>admin</a:t>
+              <a:t>urls.py</a:t>
             </a:r>
             <a:r>
               <a:rPr lang="it-IT" dirty="0"/>
-              <a:t>.</a:t>
+              <a:t>, abbiamo definito tutti i percorsi URL necessari per il sito.</a:t>
             </a:r>
           </a:p>
           <a:p>
             <a:r>
               <a:rPr lang="it-IT" dirty="0"/>
-              <a:t>Nel file </a:t>
+              <a:t>Ovvero indirizza le varie richieste HTTP alle funzioni definite in </a:t>
             </a:r>
             <a:r>
               <a:rPr lang="it-IT" b="1" dirty="0"/>
-              <a:t>admin.py</a:t>
+              <a:t>views.py </a:t>
             </a:r>
             <a:r>
               <a:rPr lang="it-IT" dirty="0"/>
-              <a:t>, è infatti possibile vedere che è stata creata una classe per ogni tabelle che si vuole rendere visibile in questa sezione.</a:t>
-            </a:r>
-          </a:p>
-          <a:p>
-            <a:endParaRPr lang="it-IT" dirty="0"/>
-          </a:p>
-          <a:p>
-            <a:r>
-              <a:rPr lang="it-IT" dirty="0"/>
-              <a:t>Le tabelle sono state inserite in questa sezione per monitorarne il contenuto e se necessario apportarne delle modifiche.</a:t>
-            </a:r>
+              <a:t>appropriate.</a:t>
+            </a:r>
+            <a:endParaRPr lang="it-IT" sz="1800" dirty="0"/>
           </a:p>
         </p:txBody>
       </p:sp>
@@ -35230,7 +35079,7 @@
           <p:cNvPr id="4" name="CasellaDiTesto 3">
             <a:extLst>
               <a:ext uri="{FF2B5EF4-FFF2-40B4-BE49-F238E27FC236}">
-                <a16:creationId xmlns:a16="http://schemas.microsoft.com/office/drawing/2014/main" id="{EC29E027-FE96-25A4-F398-C698AEFD9AF3}"/>
+                <a16:creationId xmlns:a16="http://schemas.microsoft.com/office/drawing/2014/main" id="{5EB31EDB-41BF-02BE-7213-46B2A099171D}"/>
               </a:ext>
             </a:extLst>
           </p:cNvPr>
@@ -35239,8 +35088,8 @@
         </p:nvSpPr>
         <p:spPr>
           <a:xfrm>
-            <a:off x="1207358" y="3154668"/>
-            <a:ext cx="9942990" cy="883383"/>
+            <a:off x="1207358" y="1915983"/>
+            <a:ext cx="9942990" cy="1298882"/>
           </a:xfrm>
           <a:prstGeom prst="rect">
             <a:avLst/>
@@ -35260,17 +35109,190 @@
             </a:pPr>
             <a:r>
               <a:rPr lang="it-IT" dirty="0"/>
-              <a:t>Per accedere a questa sezione è sufficiente scrivere </a:t>
-            </a:r>
-            <a:r>
-              <a:rPr lang="it-IT" dirty="0" err="1"/>
-              <a:t>nell’url</a:t>
-            </a:r>
+              <a:t>Per quanto riguarda il nostro progetto, abbiamo definito i percorsi per:</a:t>
+            </a:r>
+          </a:p>
+          <a:p>
+            <a:pPr marL="285750" indent="-285750">
+              <a:lnSpc>
+                <a:spcPct val="150000"/>
+              </a:lnSpc>
+              <a:buFontTx/>
+              <a:buChar char="-"/>
+            </a:pPr>
             <a:r>
               <a:rPr lang="it-IT" dirty="0"/>
-              <a:t> del browser:</a:t>
-            </a:r>
-          </a:p>
+              <a:t>Passare i dati alle tabelle applicando anche i vari filtri</a:t>
+            </a:r>
+          </a:p>
+          <a:p>
+            <a:pPr marL="285750" indent="-285750">
+              <a:lnSpc>
+                <a:spcPct val="150000"/>
+              </a:lnSpc>
+              <a:buFontTx/>
+              <a:buChar char="-"/>
+            </a:pPr>
+            <a:r>
+              <a:rPr lang="it-IT" dirty="0"/>
+              <a:t>Eseguire le operazioni di CRUD</a:t>
+            </a:r>
+          </a:p>
+        </p:txBody>
+      </p:sp>
+      <p:sp>
+        <p:nvSpPr>
+          <p:cNvPr id="5" name="CasellaDiTesto 4">
+            <a:extLst>
+              <a:ext uri="{FF2B5EF4-FFF2-40B4-BE49-F238E27FC236}">
+                <a16:creationId xmlns:a16="http://schemas.microsoft.com/office/drawing/2014/main" id="{F1207CF6-996E-73B7-91B9-C844DC0D98D9}"/>
+              </a:ext>
+            </a:extLst>
+          </p:cNvPr>
+          <p:cNvSpPr txBox="1"/>
+          <p:nvPr/>
+        </p:nvSpPr>
+        <p:spPr>
+          <a:xfrm>
+            <a:off x="1207358" y="3492188"/>
+            <a:ext cx="9942990" cy="369332"/>
+          </a:xfrm>
+          <a:prstGeom prst="rect">
+            <a:avLst/>
+          </a:prstGeom>
+          <a:noFill/>
+        </p:spPr>
+        <p:txBody>
+          <a:bodyPr wrap="square" rtlCol="0">
+            <a:spAutoFit/>
+          </a:bodyPr>
+          <a:lstStyle/>
+          <a:p>
+            <a:r>
+              <a:rPr lang="it-IT" dirty="0"/>
+              <a:t>All’interno di </a:t>
+            </a:r>
+            <a:r>
+              <a:rPr lang="it-IT" b="1" dirty="0" err="1"/>
+              <a:t>urlpatterns</a:t>
+            </a:r>
+            <a:r>
+              <a:rPr lang="it-IT" dirty="0"/>
+              <a:t>, abbiamo inserito i vari percorsi come ad esempio:</a:t>
+            </a:r>
+          </a:p>
+        </p:txBody>
+      </p:sp>
+      <p:sp>
+        <p:nvSpPr>
+          <p:cNvPr id="7" name="CasellaDiTesto 6">
+            <a:extLst>
+              <a:ext uri="{FF2B5EF4-FFF2-40B4-BE49-F238E27FC236}">
+                <a16:creationId xmlns:a16="http://schemas.microsoft.com/office/drawing/2014/main" id="{B8E25596-5796-A48C-7209-3BC470260570}"/>
+              </a:ext>
+            </a:extLst>
+          </p:cNvPr>
+          <p:cNvSpPr txBox="1"/>
+          <p:nvPr/>
+        </p:nvSpPr>
+        <p:spPr>
+          <a:xfrm>
+            <a:off x="1546867" y="3916245"/>
+            <a:ext cx="6056200" cy="338554"/>
+          </a:xfrm>
+          <a:prstGeom prst="rect">
+            <a:avLst/>
+          </a:prstGeom>
+          <a:noFill/>
+        </p:spPr>
+        <p:txBody>
+          <a:bodyPr wrap="square" rtlCol="0">
+            <a:spAutoFit/>
+          </a:bodyPr>
+          <a:lstStyle/>
+          <a:p>
+            <a:r>
+              <a:rPr lang="it-IT" sz="1600" dirty="0" err="1"/>
+              <a:t>path</a:t>
+            </a:r>
+            <a:r>
+              <a:rPr lang="it-IT" sz="1600" dirty="0"/>
+              <a:t>(‘patologia/’ </a:t>
+            </a:r>
+            <a:r>
+              <a:rPr lang="it-IT" sz="1600" dirty="0" err="1"/>
+              <a:t>searchPatologie</a:t>
+            </a:r>
+            <a:r>
+              <a:rPr lang="it-IT" sz="1600" dirty="0"/>
+              <a:t>, </a:t>
+            </a:r>
+            <a:r>
+              <a:rPr lang="it-IT" sz="1600" dirty="0">
+                <a:solidFill>
+                  <a:schemeClr val="accent2"/>
+                </a:solidFill>
+              </a:rPr>
+              <a:t>name</a:t>
+            </a:r>
+            <a:r>
+              <a:rPr lang="it-IT" sz="1600" dirty="0"/>
+              <a:t>=</a:t>
+            </a:r>
+            <a:r>
+              <a:rPr lang="it-IT" sz="1600" dirty="0">
+                <a:solidFill>
+                  <a:schemeClr val="accent3"/>
+                </a:solidFill>
+              </a:rPr>
+              <a:t>‘</a:t>
+            </a:r>
+            <a:r>
+              <a:rPr lang="it-IT" sz="1600" dirty="0" err="1">
+                <a:solidFill>
+                  <a:schemeClr val="accent3"/>
+                </a:solidFill>
+              </a:rPr>
+              <a:t>listaPat</a:t>
+            </a:r>
+            <a:r>
+              <a:rPr lang="it-IT" sz="1600" dirty="0">
+                <a:solidFill>
+                  <a:schemeClr val="accent3"/>
+                </a:solidFill>
+              </a:rPr>
+              <a:t>’)</a:t>
+            </a:r>
+          </a:p>
+        </p:txBody>
+      </p:sp>
+      <p:sp>
+        <p:nvSpPr>
+          <p:cNvPr id="8" name="CasellaDiTesto 7">
+            <a:extLst>
+              <a:ext uri="{FF2B5EF4-FFF2-40B4-BE49-F238E27FC236}">
+                <a16:creationId xmlns:a16="http://schemas.microsoft.com/office/drawing/2014/main" id="{B309D28F-704B-8B4B-267B-FFF8CAADB039}"/>
+              </a:ext>
+            </a:extLst>
+          </p:cNvPr>
+          <p:cNvSpPr txBox="1"/>
+          <p:nvPr/>
+        </p:nvSpPr>
+        <p:spPr>
+          <a:xfrm>
+            <a:off x="6381334" y="3862804"/>
+            <a:ext cx="5226466" cy="1353960"/>
+          </a:xfrm>
+          <a:prstGeom prst="rect">
+            <a:avLst/>
+          </a:prstGeom>
+          <a:noFill/>
+        </p:spPr>
+        <p:txBody>
+          <a:bodyPr wrap="square" rtlCol="0">
+            <a:spAutoFit/>
+          </a:bodyPr>
+          <a:lstStyle/>
           <a:p>
             <a:pPr>
               <a:lnSpc>
@@ -35278,96 +35300,71 @@
               </a:lnSpc>
             </a:pPr>
             <a:r>
-              <a:rPr lang="it-IT" dirty="0"/>
-              <a:t>« </a:t>
-            </a:r>
-            <a:r>
-              <a:rPr lang="it-IT" dirty="0">
-                <a:hlinkClick r:id="rId2"/>
-              </a:rPr>
-              <a:t>http://localhost:8000/admin/</a:t>
-            </a:r>
-            <a:r>
-              <a:rPr lang="it-IT" dirty="0"/>
-              <a:t> »</a:t>
-            </a:r>
-          </a:p>
-        </p:txBody>
-      </p:sp>
-      <p:sp>
-        <p:nvSpPr>
-          <p:cNvPr id="5" name="CasellaDiTesto 4">
-            <a:extLst>
-              <a:ext uri="{FF2B5EF4-FFF2-40B4-BE49-F238E27FC236}">
-                <a16:creationId xmlns:a16="http://schemas.microsoft.com/office/drawing/2014/main" id="{CD7F6B4B-BBC1-E200-55C1-D2F438B76209}"/>
-              </a:ext>
-            </a:extLst>
-          </p:cNvPr>
-          <p:cNvSpPr txBox="1"/>
-          <p:nvPr/>
-        </p:nvSpPr>
-        <p:spPr>
-          <a:xfrm>
-            <a:off x="1207358" y="4185929"/>
-            <a:ext cx="9942990" cy="1200329"/>
-          </a:xfrm>
-          <a:prstGeom prst="rect">
-            <a:avLst/>
-          </a:prstGeom>
-          <a:noFill/>
-        </p:spPr>
-        <p:txBody>
-          <a:bodyPr wrap="square" rtlCol="0">
-            <a:spAutoFit/>
-          </a:bodyPr>
-          <a:lstStyle/>
-          <a:p>
-            <a:r>
-              <a:rPr lang="it-IT" dirty="0"/>
-              <a:t>Se le credenziali non sono già state create, è possibile aggiungere un utente dal terminale con il comando: </a:t>
-            </a:r>
-            <a:r>
-              <a:rPr lang="it-IT" dirty="0" err="1"/>
-              <a:t>python</a:t>
-            </a:r>
-            <a:r>
-              <a:rPr lang="it-IT" dirty="0"/>
-              <a:t> manage.py </a:t>
-            </a:r>
-            <a:r>
-              <a:rPr lang="it-IT" dirty="0" err="1"/>
-              <a:t>createsuperuser</a:t>
-            </a:r>
-            <a:r>
-              <a:rPr lang="it-IT" dirty="0"/>
-              <a:t> </a:t>
-            </a:r>
-          </a:p>
-          <a:p>
-            <a:endParaRPr lang="it-IT" dirty="0"/>
-          </a:p>
-          <a:p>
-            <a:r>
-              <a:rPr lang="it-IT" dirty="0">
-                <a:solidFill>
-                  <a:srgbClr val="FF0000"/>
-                </a:solidFill>
-              </a:rPr>
-              <a:t>NOTA: </a:t>
-            </a:r>
-            <a:r>
-              <a:rPr lang="it-IT" dirty="0"/>
-              <a:t>il comando funziona se si è all’interno dell’ambiente virtuale Django (slide 5)</a:t>
+              <a:rPr lang="it-IT" sz="1400" dirty="0"/>
+              <a:t>Dove:</a:t>
+            </a:r>
+          </a:p>
+          <a:p>
+            <a:pPr>
+              <a:lnSpc>
+                <a:spcPct val="150000"/>
+              </a:lnSpc>
+            </a:pPr>
+            <a:r>
+              <a:rPr lang="it-IT" sz="1400" dirty="0"/>
+              <a:t>‘patologia/’ : indica </a:t>
+            </a:r>
+            <a:r>
+              <a:rPr lang="it-IT" sz="1400" dirty="0" err="1"/>
+              <a:t>l’url</a:t>
+            </a:r>
+            <a:r>
+              <a:rPr lang="it-IT" sz="1400" dirty="0"/>
+              <a:t> a cui verrà applicata la funzione</a:t>
+            </a:r>
+          </a:p>
+          <a:p>
+            <a:pPr>
+              <a:lnSpc>
+                <a:spcPct val="150000"/>
+              </a:lnSpc>
+            </a:pPr>
+            <a:r>
+              <a:rPr lang="it-IT" sz="1400" dirty="0" err="1"/>
+              <a:t>searchPatologie</a:t>
+            </a:r>
+            <a:r>
+              <a:rPr lang="it-IT" sz="1400" dirty="0"/>
+              <a:t> : è il nome della funzione definita in views.py</a:t>
+            </a:r>
+          </a:p>
+          <a:p>
+            <a:pPr>
+              <a:lnSpc>
+                <a:spcPct val="150000"/>
+              </a:lnSpc>
+            </a:pPr>
+            <a:r>
+              <a:rPr lang="it-IT" sz="1400" dirty="0"/>
+              <a:t>name= ‘</a:t>
+            </a:r>
+            <a:r>
+              <a:rPr lang="it-IT" sz="1400" dirty="0" err="1"/>
+              <a:t>listaPat</a:t>
+            </a:r>
+            <a:r>
+              <a:rPr lang="it-IT" sz="1400" dirty="0"/>
+              <a:t>’ è il nome univoco associato a quel percorso </a:t>
             </a:r>
           </a:p>
         </p:txBody>
       </p:sp>
       <p:pic>
         <p:nvPicPr>
-          <p:cNvPr id="7" name="Immagine 6" descr="Immagine che contiene Carattere, simbolo, logo, cerchio&#10;&#10;Descrizione generata automaticamente">
-            <a:extLst>
-              <a:ext uri="{FF2B5EF4-FFF2-40B4-BE49-F238E27FC236}">
-                <a16:creationId xmlns:a16="http://schemas.microsoft.com/office/drawing/2014/main" id="{69DED9F1-83E6-19FB-6A4E-9D2E20598D3D}"/>
+          <p:cNvPr id="10" name="Immagine 9" descr="Immagine che contiene Carattere, simbolo, logo, cerchio&#10;&#10;Descrizione generata automaticamente">
+            <a:extLst>
+              <a:ext uri="{FF2B5EF4-FFF2-40B4-BE49-F238E27FC236}">
+                <a16:creationId xmlns:a16="http://schemas.microsoft.com/office/drawing/2014/main" id="{8F81538B-9C8E-61B4-E1CA-62AC3C2F7C85}"/>
               </a:ext>
             </a:extLst>
           </p:cNvPr>
@@ -35377,7 +35374,7 @@
           <p:nvPr/>
         </p:nvPicPr>
         <p:blipFill>
-          <a:blip r:embed="rId3"/>
+          <a:blip r:embed="rId2"/>
           <a:stretch>
             <a:fillRect/>
           </a:stretch>
@@ -35394,10 +35391,10 @@
       </p:pic>
       <p:sp>
         <p:nvSpPr>
-          <p:cNvPr id="8" name="Segnaposto numero diapositiva 4">
-            <a:extLst>
-              <a:ext uri="{FF2B5EF4-FFF2-40B4-BE49-F238E27FC236}">
-                <a16:creationId xmlns:a16="http://schemas.microsoft.com/office/drawing/2014/main" id="{2D754621-4430-DA91-8761-1E383DE5C33B}"/>
+          <p:cNvPr id="12" name="Segnaposto numero diapositiva 4">
+            <a:extLst>
+              <a:ext uri="{FF2B5EF4-FFF2-40B4-BE49-F238E27FC236}">
+                <a16:creationId xmlns:a16="http://schemas.microsoft.com/office/drawing/2014/main" id="{C0EF2CA4-8E84-C9F2-ABAD-E04E9C0FC1BA}"/>
               </a:ext>
             </a:extLst>
           </p:cNvPr>
@@ -35438,7 +35435,7 @@
     </p:spTree>
     <p:extLst>
       <p:ext uri="{BB962C8B-B14F-4D97-AF65-F5344CB8AC3E}">
-        <p14:creationId xmlns:p14="http://schemas.microsoft.com/office/powerpoint/2010/main" val="3570315730"/>
+        <p14:creationId xmlns:p14="http://schemas.microsoft.com/office/powerpoint/2010/main" val="3575643844"/>
       </p:ext>
     </p:extLst>
   </p:cSld>
@@ -35467,31 +35464,6 @@
       </p:grpSpPr>
       <p:sp>
         <p:nvSpPr>
-          <p:cNvPr id="8" name="Segnaposto immagine 7">
-            <a:extLst>
-              <a:ext uri="{FF2B5EF4-FFF2-40B4-BE49-F238E27FC236}">
-                <a16:creationId xmlns:a16="http://schemas.microsoft.com/office/drawing/2014/main" id="{EE4891CD-1D2A-40B3-F6DD-B05B4D2E0602}"/>
-              </a:ext>
-            </a:extLst>
-          </p:cNvPr>
-          <p:cNvSpPr>
-            <a:spLocks noGrp="1"/>
-          </p:cNvSpPr>
-          <p:nvPr>
-            <p:ph type="pic" sz="quarter" idx="15"/>
-          </p:nvPr>
-        </p:nvSpPr>
-        <p:spPr/>
-        <p:txBody>
-          <a:bodyPr/>
-          <a:lstStyle/>
-          <a:p>
-            <a:endParaRPr lang="it-IT"/>
-          </a:p>
-        </p:txBody>
-      </p:sp>
-      <p:sp>
-        <p:nvSpPr>
           <p:cNvPr id="11" name="Titolo 10">
             <a:extLst>
               <a:ext uri="{FF2B5EF4-FFF2-40B4-BE49-F238E27FC236}">
@@ -35508,8 +35480,8 @@
         </p:nvSpPr>
         <p:spPr>
           <a:xfrm>
-            <a:off x="1527519" y="630859"/>
-            <a:ext cx="7425981" cy="1536580"/>
+            <a:off x="928800" y="1"/>
+            <a:ext cx="10515600" cy="1285818"/>
           </a:xfrm>
         </p:spPr>
         <p:txBody>
@@ -35522,84 +35494,249 @@
                   <a:schemeClr val="accent1"/>
                 </a:solidFill>
               </a:rPr>
-              <a:t>Risultato finale </a:t>
-            </a:r>
+              <a:t>Scelte di progetto - Admin</a:t>
+            </a:r>
+          </a:p>
+        </p:txBody>
+      </p:sp>
+      <p:sp>
+        <p:nvSpPr>
+          <p:cNvPr id="3" name="Segnaposto piè di pagina 2">
+            <a:extLst>
+              <a:ext uri="{FF2B5EF4-FFF2-40B4-BE49-F238E27FC236}">
+                <a16:creationId xmlns:a16="http://schemas.microsoft.com/office/drawing/2014/main" id="{84703E29-AC52-9E6C-5C3C-51694061752D}"/>
+              </a:ext>
+            </a:extLst>
+          </p:cNvPr>
+          <p:cNvSpPr>
+            <a:spLocks noGrp="1"/>
+          </p:cNvSpPr>
+          <p:nvPr>
+            <p:ph type="ftr" sz="quarter" idx="11"/>
+          </p:nvPr>
+        </p:nvSpPr>
+        <p:spPr/>
+        <p:txBody>
+          <a:bodyPr/>
+          <a:lstStyle/>
+          <a:p>
+            <a:pPr rtl="0"/>
+            <a:r>
+              <a:rPr lang="it-IT" noProof="0" dirty="0"/>
+              <a:t>Progetto 2 PW24</a:t>
+            </a:r>
+          </a:p>
+        </p:txBody>
+      </p:sp>
+      <p:sp>
+        <p:nvSpPr>
+          <p:cNvPr id="2" name="CasellaDiTesto 1">
+            <a:extLst>
+              <a:ext uri="{FF2B5EF4-FFF2-40B4-BE49-F238E27FC236}">
+                <a16:creationId xmlns:a16="http://schemas.microsoft.com/office/drawing/2014/main" id="{7DA02532-27A4-B1F1-7DF0-1FACC0297590}"/>
+              </a:ext>
+            </a:extLst>
+          </p:cNvPr>
+          <p:cNvSpPr txBox="1"/>
+          <p:nvPr/>
+        </p:nvSpPr>
+        <p:spPr>
+          <a:xfrm>
+            <a:off x="1207358" y="1215802"/>
+            <a:ext cx="9942990" cy="1754326"/>
+          </a:xfrm>
+          <a:prstGeom prst="rect">
+            <a:avLst/>
+          </a:prstGeom>
+          <a:noFill/>
+        </p:spPr>
+        <p:txBody>
+          <a:bodyPr wrap="square" rtlCol="0">
+            <a:spAutoFit/>
+          </a:bodyPr>
+          <a:lstStyle/>
+          <a:p>
+            <a:r>
+              <a:rPr lang="it-IT" dirty="0"/>
+              <a:t>Le varie tabelle sono visibili anche nella sezione </a:t>
+            </a:r>
+            <a:r>
+              <a:rPr lang="it-IT" b="1" dirty="0"/>
+              <a:t>admin</a:t>
+            </a:r>
+            <a:r>
+              <a:rPr lang="it-IT" dirty="0"/>
+              <a:t>.</a:t>
+            </a:r>
+          </a:p>
+          <a:p>
+            <a:r>
+              <a:rPr lang="it-IT" dirty="0"/>
+              <a:t>Nel file </a:t>
+            </a:r>
+            <a:r>
+              <a:rPr lang="it-IT" b="1" dirty="0"/>
+              <a:t>admin.py</a:t>
+            </a:r>
+            <a:r>
+              <a:rPr lang="it-IT" dirty="0"/>
+              <a:t>, è infatti possibile vedere che è stata creata una classe per ogni tabelle che si vuole rendere visibile in questa sezione.</a:t>
+            </a:r>
+          </a:p>
+          <a:p>
+            <a:endParaRPr lang="it-IT" dirty="0"/>
+          </a:p>
+          <a:p>
+            <a:r>
+              <a:rPr lang="it-IT" dirty="0"/>
+              <a:t>Le tabelle sono state inserite in questa sezione per monitorarne il contenuto e se necessario apportarne delle modifiche.</a:t>
+            </a:r>
+          </a:p>
+        </p:txBody>
+      </p:sp>
+      <p:sp>
+        <p:nvSpPr>
+          <p:cNvPr id="4" name="CasellaDiTesto 3">
+            <a:extLst>
+              <a:ext uri="{FF2B5EF4-FFF2-40B4-BE49-F238E27FC236}">
+                <a16:creationId xmlns:a16="http://schemas.microsoft.com/office/drawing/2014/main" id="{EC29E027-FE96-25A4-F398-C698AEFD9AF3}"/>
+              </a:ext>
+            </a:extLst>
+          </p:cNvPr>
+          <p:cNvSpPr txBox="1"/>
+          <p:nvPr/>
+        </p:nvSpPr>
+        <p:spPr>
+          <a:xfrm>
+            <a:off x="1207358" y="3154668"/>
+            <a:ext cx="9942990" cy="883383"/>
+          </a:xfrm>
+          <a:prstGeom prst="rect">
+            <a:avLst/>
+          </a:prstGeom>
+          <a:noFill/>
+        </p:spPr>
+        <p:txBody>
+          <a:bodyPr wrap="square" rtlCol="0">
+            <a:spAutoFit/>
+          </a:bodyPr>
+          <a:lstStyle/>
+          <a:p>
+            <a:pPr>
+              <a:lnSpc>
+                <a:spcPct val="150000"/>
+              </a:lnSpc>
+            </a:pPr>
+            <a:r>
+              <a:rPr lang="it-IT" dirty="0"/>
+              <a:t>Per accedere a questa sezione è sufficiente scrivere </a:t>
+            </a:r>
+            <a:r>
+              <a:rPr lang="it-IT" dirty="0" err="1"/>
+              <a:t>nell’url</a:t>
+            </a:r>
+            <a:r>
+              <a:rPr lang="it-IT" dirty="0"/>
+              <a:t> del browser:</a:t>
+            </a:r>
+          </a:p>
+          <a:p>
+            <a:pPr>
+              <a:lnSpc>
+                <a:spcPct val="150000"/>
+              </a:lnSpc>
+            </a:pPr>
+            <a:r>
+              <a:rPr lang="it-IT" dirty="0"/>
+              <a:t>« </a:t>
+            </a:r>
+            <a:r>
+              <a:rPr lang="it-IT" dirty="0">
+                <a:hlinkClick r:id="rId2"/>
+              </a:rPr>
+              <a:t>http://localhost:8000/admin/</a:t>
+            </a:r>
+            <a:r>
+              <a:rPr lang="it-IT" dirty="0"/>
+              <a:t> »</a:t>
+            </a:r>
+          </a:p>
+        </p:txBody>
+      </p:sp>
+      <p:sp>
+        <p:nvSpPr>
+          <p:cNvPr id="5" name="CasellaDiTesto 4">
+            <a:extLst>
+              <a:ext uri="{FF2B5EF4-FFF2-40B4-BE49-F238E27FC236}">
+                <a16:creationId xmlns:a16="http://schemas.microsoft.com/office/drawing/2014/main" id="{CD7F6B4B-BBC1-E200-55C1-D2F438B76209}"/>
+              </a:ext>
+            </a:extLst>
+          </p:cNvPr>
+          <p:cNvSpPr txBox="1"/>
+          <p:nvPr/>
+        </p:nvSpPr>
+        <p:spPr>
+          <a:xfrm>
+            <a:off x="1207358" y="4185929"/>
+            <a:ext cx="9942990" cy="1200329"/>
+          </a:xfrm>
+          <a:prstGeom prst="rect">
+            <a:avLst/>
+          </a:prstGeom>
+          <a:noFill/>
+        </p:spPr>
+        <p:txBody>
+          <a:bodyPr wrap="square" rtlCol="0">
+            <a:spAutoFit/>
+          </a:bodyPr>
+          <a:lstStyle/>
+          <a:p>
+            <a:r>
+              <a:rPr lang="it-IT" dirty="0"/>
+              <a:t>Se le credenziali non sono già state create, è possibile aggiungere un utente dal terminale con il comando: </a:t>
+            </a:r>
+            <a:r>
+              <a:rPr lang="it-IT" dirty="0" err="1"/>
+              <a:t>python</a:t>
+            </a:r>
+            <a:r>
+              <a:rPr lang="it-IT" dirty="0"/>
+              <a:t> manage.py </a:t>
+            </a:r>
+            <a:r>
+              <a:rPr lang="it-IT" dirty="0" err="1"/>
+              <a:t>createsuperuser</a:t>
+            </a:r>
+            <a:r>
+              <a:rPr lang="it-IT" dirty="0"/>
+              <a:t> </a:t>
+            </a:r>
+          </a:p>
+          <a:p>
+            <a:endParaRPr lang="it-IT" dirty="0"/>
+          </a:p>
+          <a:p>
             <a:r>
               <a:rPr lang="it-IT" dirty="0">
                 <a:solidFill>
-                  <a:schemeClr val="tx2">
-                    <a:lumMod val="10000"/>
-                    <a:lumOff val="90000"/>
-                  </a:schemeClr>
+                  <a:srgbClr val="FF0000"/>
                 </a:solidFill>
               </a:rPr>
-              <a:t>|</a:t>
-            </a:r>
-            <a:r>
-              <a:rPr lang="it-IT" dirty="0">
-                <a:solidFill>
-                  <a:schemeClr val="accent1"/>
-                </a:solidFill>
-              </a:rPr>
-              <a:t> </a:t>
-            </a:r>
-            <a:r>
-              <a:rPr lang="it-IT" sz="3200" dirty="0">
-                <a:solidFill>
-                  <a:schemeClr val="tx2">
-                    <a:lumMod val="10000"/>
-                    <a:lumOff val="90000"/>
-                  </a:schemeClr>
-                </a:solidFill>
-              </a:rPr>
-              <a:t>pagina ricoveri</a:t>
-            </a:r>
-            <a:endParaRPr lang="it-IT" dirty="0">
-              <a:solidFill>
-                <a:schemeClr val="tx2">
-                  <a:lumMod val="10000"/>
-                  <a:lumOff val="90000"/>
-                </a:schemeClr>
-              </a:solidFill>
-            </a:endParaRPr>
-          </a:p>
-        </p:txBody>
-      </p:sp>
-      <p:sp>
-        <p:nvSpPr>
-          <p:cNvPr id="3" name="Segnaposto piè di pagina 2">
-            <a:extLst>
-              <a:ext uri="{FF2B5EF4-FFF2-40B4-BE49-F238E27FC236}">
-                <a16:creationId xmlns:a16="http://schemas.microsoft.com/office/drawing/2014/main" id="{84703E29-AC52-9E6C-5C3C-51694061752D}"/>
-              </a:ext>
-            </a:extLst>
-          </p:cNvPr>
-          <p:cNvSpPr>
-            <a:spLocks noGrp="1"/>
-          </p:cNvSpPr>
-          <p:nvPr>
-            <p:ph type="ftr" sz="quarter" idx="11"/>
-          </p:nvPr>
-        </p:nvSpPr>
-        <p:spPr/>
-        <p:txBody>
-          <a:bodyPr/>
-          <a:lstStyle/>
-          <a:p>
-            <a:pPr rtl="0"/>
-            <a:r>
-              <a:rPr lang="it-IT" noProof="0" dirty="0"/>
-              <a:t>Progetto 2 PW24</a:t>
+              <a:t>NOTA: </a:t>
+            </a:r>
+            <a:r>
+              <a:rPr lang="it-IT" dirty="0"/>
+              <a:t>il comando funziona se si è all’interno dell’ambiente virtuale Django (slide 5)</a:t>
             </a:r>
           </a:p>
         </p:txBody>
       </p:sp>
       <p:pic>
         <p:nvPicPr>
-          <p:cNvPr id="6" name="Immagine 5" descr="Immagine che contiene Carattere, simbolo, logo, cerchio&#10;&#10;Descrizione generata automaticamente">
-            <a:extLst>
-              <a:ext uri="{FF2B5EF4-FFF2-40B4-BE49-F238E27FC236}">
-                <a16:creationId xmlns:a16="http://schemas.microsoft.com/office/drawing/2014/main" id="{4CD26430-B9C8-FA00-460F-3097A96CB06B}"/>
+          <p:cNvPr id="7" name="Immagine 6" descr="Immagine che contiene Carattere, simbolo, logo, cerchio&#10;&#10;Descrizione generata automaticamente">
+            <a:extLst>
+              <a:ext uri="{FF2B5EF4-FFF2-40B4-BE49-F238E27FC236}">
+                <a16:creationId xmlns:a16="http://schemas.microsoft.com/office/drawing/2014/main" id="{69DED9F1-83E6-19FB-6A4E-9D2E20598D3D}"/>
               </a:ext>
             </a:extLst>
           </p:cNvPr>
@@ -35609,15 +35746,15 @@
           <p:nvPr/>
         </p:nvPicPr>
         <p:blipFill>
-          <a:blip r:embed="rId2"/>
+          <a:blip r:embed="rId3"/>
           <a:stretch>
             <a:fillRect/>
           </a:stretch>
         </p:blipFill>
         <p:spPr>
           <a:xfrm>
-            <a:off x="10331630" y="1003500"/>
-            <a:ext cx="2503879" cy="990600"/>
+            <a:off x="9712735" y="5988286"/>
+            <a:ext cx="1989070" cy="786928"/>
           </a:xfrm>
           <a:prstGeom prst="rect">
             <a:avLst/>
@@ -35626,10 +35763,10 @@
       </p:pic>
       <p:sp>
         <p:nvSpPr>
-          <p:cNvPr id="9" name="Segnaposto numero diapositiva 4">
-            <a:extLst>
-              <a:ext uri="{FF2B5EF4-FFF2-40B4-BE49-F238E27FC236}">
-                <a16:creationId xmlns:a16="http://schemas.microsoft.com/office/drawing/2014/main" id="{A98C0E76-382D-5B01-6BF5-19BA12DA4847}"/>
+          <p:cNvPr id="8" name="Segnaposto numero diapositiva 4">
+            <a:extLst>
+              <a:ext uri="{FF2B5EF4-FFF2-40B4-BE49-F238E27FC236}">
+                <a16:creationId xmlns:a16="http://schemas.microsoft.com/office/drawing/2014/main" id="{2D754621-4430-DA91-8761-1E383DE5C33B}"/>
               </a:ext>
             </a:extLst>
           </p:cNvPr>
@@ -35670,7 +35807,7 @@
     </p:spTree>
     <p:extLst>
       <p:ext uri="{BB962C8B-B14F-4D97-AF65-F5344CB8AC3E}">
-        <p14:creationId xmlns:p14="http://schemas.microsoft.com/office/powerpoint/2010/main" val="1640461309"/>
+        <p14:creationId xmlns:p14="http://schemas.microsoft.com/office/powerpoint/2010/main" val="3570315730"/>
       </p:ext>
     </p:extLst>
   </p:cSld>
@@ -35784,7 +35921,7 @@
                   </a:schemeClr>
                 </a:solidFill>
               </a:rPr>
-              <a:t>pagina ospedali</a:t>
+              <a:t>pagina ricoveri</a:t>
             </a:r>
             <a:endParaRPr lang="it-IT" dirty="0">
               <a:solidFill>
@@ -35858,10 +35995,10 @@
       </p:pic>
       <p:sp>
         <p:nvSpPr>
-          <p:cNvPr id="2" name="Segnaposto numero diapositiva 4">
-            <a:extLst>
-              <a:ext uri="{FF2B5EF4-FFF2-40B4-BE49-F238E27FC236}">
-                <a16:creationId xmlns:a16="http://schemas.microsoft.com/office/drawing/2014/main" id="{291262BA-7CC2-0524-F453-B03EE12AAC25}"/>
+          <p:cNvPr id="9" name="Segnaposto numero diapositiva 4">
+            <a:extLst>
+              <a:ext uri="{FF2B5EF4-FFF2-40B4-BE49-F238E27FC236}">
+                <a16:creationId xmlns:a16="http://schemas.microsoft.com/office/drawing/2014/main" id="{A98C0E76-382D-5B01-6BF5-19BA12DA4847}"/>
               </a:ext>
             </a:extLst>
           </p:cNvPr>
@@ -35902,7 +36039,7 @@
     </p:spTree>
     <p:extLst>
       <p:ext uri="{BB962C8B-B14F-4D97-AF65-F5344CB8AC3E}">
-        <p14:creationId xmlns:p14="http://schemas.microsoft.com/office/powerpoint/2010/main" val="1680417324"/>
+        <p14:creationId xmlns:p14="http://schemas.microsoft.com/office/powerpoint/2010/main" val="1640461309"/>
       </p:ext>
     </p:extLst>
   </p:cSld>
@@ -36016,7 +36153,7 @@
                   </a:schemeClr>
                 </a:solidFill>
               </a:rPr>
-              <a:t>pagina cittadini</a:t>
+              <a:t>pagina ospedali</a:t>
             </a:r>
             <a:endParaRPr lang="it-IT" dirty="0">
               <a:solidFill>
@@ -36093,7 +36230,7 @@
           <p:cNvPr id="2" name="Segnaposto numero diapositiva 4">
             <a:extLst>
               <a:ext uri="{FF2B5EF4-FFF2-40B4-BE49-F238E27FC236}">
-                <a16:creationId xmlns:a16="http://schemas.microsoft.com/office/drawing/2014/main" id="{50ECBF56-38E6-AD8B-E7A4-69F851A4BEC9}"/>
+                <a16:creationId xmlns:a16="http://schemas.microsoft.com/office/drawing/2014/main" id="{291262BA-7CC2-0524-F453-B03EE12AAC25}"/>
               </a:ext>
             </a:extLst>
           </p:cNvPr>
@@ -36134,7 +36271,7 @@
     </p:spTree>
     <p:extLst>
       <p:ext uri="{BB962C8B-B14F-4D97-AF65-F5344CB8AC3E}">
-        <p14:creationId xmlns:p14="http://schemas.microsoft.com/office/powerpoint/2010/main" val="2335572923"/>
+        <p14:creationId xmlns:p14="http://schemas.microsoft.com/office/powerpoint/2010/main" val="1680417324"/>
       </p:ext>
     </p:extLst>
   </p:cSld>
@@ -36248,7 +36385,7 @@
                   </a:schemeClr>
                 </a:solidFill>
               </a:rPr>
-              <a:t>pagina patologie</a:t>
+              <a:t>pagina cittadini</a:t>
             </a:r>
             <a:endParaRPr lang="it-IT" dirty="0">
               <a:solidFill>
@@ -36325,7 +36462,7 @@
           <p:cNvPr id="2" name="Segnaposto numero diapositiva 4">
             <a:extLst>
               <a:ext uri="{FF2B5EF4-FFF2-40B4-BE49-F238E27FC236}">
-                <a16:creationId xmlns:a16="http://schemas.microsoft.com/office/drawing/2014/main" id="{BB56EF3B-138E-2BFE-48D0-310B917C3967}"/>
+                <a16:creationId xmlns:a16="http://schemas.microsoft.com/office/drawing/2014/main" id="{50ECBF56-38E6-AD8B-E7A4-69F851A4BEC9}"/>
               </a:ext>
             </a:extLst>
           </p:cNvPr>
@@ -36366,7 +36503,7 @@
     </p:spTree>
     <p:extLst>
       <p:ext uri="{BB962C8B-B14F-4D97-AF65-F5344CB8AC3E}">
-        <p14:creationId xmlns:p14="http://schemas.microsoft.com/office/powerpoint/2010/main" val="1754579361"/>
+        <p14:creationId xmlns:p14="http://schemas.microsoft.com/office/powerpoint/2010/main" val="2335572923"/>
       </p:ext>
     </p:extLst>
   </p:cSld>
@@ -36480,7 +36617,7 @@
                   </a:schemeClr>
                 </a:solidFill>
               </a:rPr>
-              <a:t>CRUD</a:t>
+              <a:t>pagina patologie</a:t>
             </a:r>
             <a:endParaRPr lang="it-IT" dirty="0">
               <a:solidFill>
@@ -36557,7 +36694,7 @@
           <p:cNvPr id="2" name="Segnaposto numero diapositiva 4">
             <a:extLst>
               <a:ext uri="{FF2B5EF4-FFF2-40B4-BE49-F238E27FC236}">
-                <a16:creationId xmlns:a16="http://schemas.microsoft.com/office/drawing/2014/main" id="{2FA5C7E0-AD0D-7C50-BE49-B9115F4D3DD8}"/>
+                <a16:creationId xmlns:a16="http://schemas.microsoft.com/office/drawing/2014/main" id="{BB56EF3B-138E-2BFE-48D0-310B917C3967}"/>
               </a:ext>
             </a:extLst>
           </p:cNvPr>
@@ -36595,6 +36732,271 @@
           </a:p>
         </p:txBody>
       </p:sp>
+    </p:spTree>
+    <p:extLst>
+      <p:ext uri="{BB962C8B-B14F-4D97-AF65-F5344CB8AC3E}">
+        <p14:creationId xmlns:p14="http://schemas.microsoft.com/office/powerpoint/2010/main" val="1754579361"/>
+      </p:ext>
+    </p:extLst>
+  </p:cSld>
+  <p:clrMapOvr>
+    <a:masterClrMapping/>
+  </p:clrMapOvr>
+</p:sld>
+</file>
+
+<file path=ppt/slides/slide18.xml><?xml version="1.0" encoding="utf-8"?>
+<p:sld xmlns:a="http://schemas.openxmlformats.org/drawingml/2006/main" xmlns:r="http://schemas.openxmlformats.org/officeDocument/2006/relationships" xmlns:p="http://schemas.openxmlformats.org/presentationml/2006/main">
+  <p:cSld>
+    <p:spTree>
+      <p:nvGrpSpPr>
+        <p:cNvPr id="1" name=""/>
+        <p:cNvGrpSpPr/>
+        <p:nvPr/>
+      </p:nvGrpSpPr>
+      <p:grpSpPr>
+        <a:xfrm>
+          <a:off x="0" y="0"/>
+          <a:ext cx="0" cy="0"/>
+          <a:chOff x="0" y="0"/>
+          <a:chExt cx="0" cy="0"/>
+        </a:xfrm>
+      </p:grpSpPr>
+      <p:sp>
+        <p:nvSpPr>
+          <p:cNvPr id="11" name="Titolo 10">
+            <a:extLst>
+              <a:ext uri="{FF2B5EF4-FFF2-40B4-BE49-F238E27FC236}">
+                <a16:creationId xmlns:a16="http://schemas.microsoft.com/office/drawing/2014/main" id="{E0E38440-8484-CEC9-1620-196A97C63707}"/>
+              </a:ext>
+            </a:extLst>
+          </p:cNvPr>
+          <p:cNvSpPr>
+            <a:spLocks noGrp="1"/>
+          </p:cNvSpPr>
+          <p:nvPr>
+            <p:ph type="title"/>
+          </p:nvPr>
+        </p:nvSpPr>
+        <p:spPr>
+          <a:xfrm>
+            <a:off x="1527519" y="630859"/>
+            <a:ext cx="7425981" cy="1536580"/>
+          </a:xfrm>
+        </p:spPr>
+        <p:txBody>
+          <a:bodyPr/>
+          <a:lstStyle/>
+          <a:p>
+            <a:r>
+              <a:rPr lang="it-IT" dirty="0">
+                <a:solidFill>
+                  <a:schemeClr val="accent1"/>
+                </a:solidFill>
+              </a:rPr>
+              <a:t>Risultato finale </a:t>
+            </a:r>
+            <a:r>
+              <a:rPr lang="it-IT" dirty="0">
+                <a:solidFill>
+                  <a:schemeClr val="tx2">
+                    <a:lumMod val="10000"/>
+                    <a:lumOff val="90000"/>
+                  </a:schemeClr>
+                </a:solidFill>
+              </a:rPr>
+              <a:t>|</a:t>
+            </a:r>
+            <a:r>
+              <a:rPr lang="it-IT" dirty="0">
+                <a:solidFill>
+                  <a:schemeClr val="accent1"/>
+                </a:solidFill>
+              </a:rPr>
+              <a:t> </a:t>
+            </a:r>
+            <a:r>
+              <a:rPr lang="it-IT" sz="3200" dirty="0">
+                <a:solidFill>
+                  <a:schemeClr val="tx2">
+                    <a:lumMod val="10000"/>
+                    <a:lumOff val="90000"/>
+                  </a:schemeClr>
+                </a:solidFill>
+              </a:rPr>
+              <a:t>Create e update</a:t>
+            </a:r>
+            <a:endParaRPr lang="it-IT" dirty="0">
+              <a:solidFill>
+                <a:schemeClr val="tx2">
+                  <a:lumMod val="10000"/>
+                  <a:lumOff val="90000"/>
+                </a:schemeClr>
+              </a:solidFill>
+            </a:endParaRPr>
+          </a:p>
+        </p:txBody>
+      </p:sp>
+      <p:sp>
+        <p:nvSpPr>
+          <p:cNvPr id="3" name="Segnaposto piè di pagina 2">
+            <a:extLst>
+              <a:ext uri="{FF2B5EF4-FFF2-40B4-BE49-F238E27FC236}">
+                <a16:creationId xmlns:a16="http://schemas.microsoft.com/office/drawing/2014/main" id="{84703E29-AC52-9E6C-5C3C-51694061752D}"/>
+              </a:ext>
+            </a:extLst>
+          </p:cNvPr>
+          <p:cNvSpPr>
+            <a:spLocks noGrp="1"/>
+          </p:cNvSpPr>
+          <p:nvPr>
+            <p:ph type="ftr" sz="quarter" idx="11"/>
+          </p:nvPr>
+        </p:nvSpPr>
+        <p:spPr/>
+        <p:txBody>
+          <a:bodyPr/>
+          <a:lstStyle/>
+          <a:p>
+            <a:pPr rtl="0"/>
+            <a:r>
+              <a:rPr lang="it-IT" noProof="0" dirty="0"/>
+              <a:t>Progetto 2 PW24</a:t>
+            </a:r>
+          </a:p>
+        </p:txBody>
+      </p:sp>
+      <p:pic>
+        <p:nvPicPr>
+          <p:cNvPr id="6" name="Immagine 5" descr="Immagine che contiene Carattere, simbolo, logo, cerchio&#10;&#10;Descrizione generata automaticamente">
+            <a:extLst>
+              <a:ext uri="{FF2B5EF4-FFF2-40B4-BE49-F238E27FC236}">
+                <a16:creationId xmlns:a16="http://schemas.microsoft.com/office/drawing/2014/main" id="{4CD26430-B9C8-FA00-460F-3097A96CB06B}"/>
+              </a:ext>
+            </a:extLst>
+          </p:cNvPr>
+          <p:cNvPicPr>
+            <a:picLocks noChangeAspect="1"/>
+          </p:cNvPicPr>
+          <p:nvPr/>
+        </p:nvPicPr>
+        <p:blipFill>
+          <a:blip r:embed="rId2"/>
+          <a:stretch>
+            <a:fillRect/>
+          </a:stretch>
+        </p:blipFill>
+        <p:spPr>
+          <a:xfrm>
+            <a:off x="10331630" y="1003500"/>
+            <a:ext cx="2503879" cy="990600"/>
+          </a:xfrm>
+          <a:prstGeom prst="rect">
+            <a:avLst/>
+          </a:prstGeom>
+        </p:spPr>
+      </p:pic>
+      <p:sp>
+        <p:nvSpPr>
+          <p:cNvPr id="2" name="Segnaposto numero diapositiva 4">
+            <a:extLst>
+              <a:ext uri="{FF2B5EF4-FFF2-40B4-BE49-F238E27FC236}">
+                <a16:creationId xmlns:a16="http://schemas.microsoft.com/office/drawing/2014/main" id="{2FA5C7E0-AD0D-7C50-BE49-B9115F4D3DD8}"/>
+              </a:ext>
+            </a:extLst>
+          </p:cNvPr>
+          <p:cNvSpPr>
+            <a:spLocks noGrp="1"/>
+          </p:cNvSpPr>
+          <p:nvPr>
+            <p:ph type="sldNum" sz="quarter" idx="12"/>
+          </p:nvPr>
+        </p:nvSpPr>
+        <p:spPr>
+          <a:xfrm>
+            <a:off x="9335670" y="6391039"/>
+            <a:ext cx="2743200" cy="365125"/>
+          </a:xfrm>
+        </p:spPr>
+        <p:txBody>
+          <a:bodyPr/>
+          <a:lstStyle/>
+          <a:p>
+            <a:pPr rtl="0"/>
+            <a:fld id="{95CBEC59-7FF9-4688-98DF-89832A0C9025}" type="slidenum">
+              <a:rPr lang="it-IT" noProof="0" smtClean="0">
+                <a:solidFill>
+                  <a:schemeClr val="bg1"/>
+                </a:solidFill>
+              </a:rPr>
+              <a:t>18</a:t>
+            </a:fld>
+            <a:endParaRPr lang="it-IT" noProof="0" dirty="0">
+              <a:solidFill>
+                <a:schemeClr val="bg1"/>
+              </a:solidFill>
+            </a:endParaRPr>
+          </a:p>
+        </p:txBody>
+      </p:sp>
+      <p:pic>
+        <p:nvPicPr>
+          <p:cNvPr id="12" name="Immagine 11">
+            <a:extLst>
+              <a:ext uri="{FF2B5EF4-FFF2-40B4-BE49-F238E27FC236}">
+                <a16:creationId xmlns:a16="http://schemas.microsoft.com/office/drawing/2014/main" id="{B6E4651B-C170-542C-0A69-84670769808F}"/>
+              </a:ext>
+            </a:extLst>
+          </p:cNvPr>
+          <p:cNvPicPr>
+            <a:picLocks noChangeAspect="1"/>
+          </p:cNvPicPr>
+          <p:nvPr/>
+        </p:nvPicPr>
+        <p:blipFill>
+          <a:blip r:embed="rId3"/>
+          <a:srcRect/>
+          <a:stretch/>
+        </p:blipFill>
+        <p:spPr>
+          <a:xfrm>
+            <a:off x="291937" y="2536555"/>
+            <a:ext cx="5495869" cy="3193126"/>
+          </a:xfrm>
+          <a:prstGeom prst="rect">
+            <a:avLst/>
+          </a:prstGeom>
+        </p:spPr>
+      </p:pic>
+      <p:pic>
+        <p:nvPicPr>
+          <p:cNvPr id="13" name="Immagine 12">
+            <a:extLst>
+              <a:ext uri="{FF2B5EF4-FFF2-40B4-BE49-F238E27FC236}">
+                <a16:creationId xmlns:a16="http://schemas.microsoft.com/office/drawing/2014/main" id="{0D8ABC25-2EB6-DFDB-EB26-A494F493519F}"/>
+              </a:ext>
+            </a:extLst>
+          </p:cNvPr>
+          <p:cNvPicPr>
+            <a:picLocks noChangeAspect="1"/>
+          </p:cNvPicPr>
+          <p:nvPr/>
+        </p:nvPicPr>
+        <p:blipFill>
+          <a:blip r:embed="rId3"/>
+          <a:srcRect/>
+          <a:stretch/>
+        </p:blipFill>
+        <p:spPr>
+          <a:xfrm>
+            <a:off x="6404195" y="2536555"/>
+            <a:ext cx="5495869" cy="3193126"/>
+          </a:xfrm>
+          <a:prstGeom prst="rect">
+            <a:avLst/>
+          </a:prstGeom>
+        </p:spPr>
+      </p:pic>
     </p:spTree>
     <p:extLst>
       <p:ext uri="{BB962C8B-B14F-4D97-AF65-F5344CB8AC3E}">
@@ -36728,7 +37130,7 @@
             </a:pPr>
             <a:r>
               <a:rPr lang="it-IT" dirty="0"/>
-              <a:t>Per il secondo progetto del corso di « Programmazione Web» abbiamo scelto di ristrutturare il 1° progetto utilizzando le seguenti tecnologie:</a:t>
+              <a:t>Per il secondo progetto del corso di «Programmazione Web» abbiamo scelto di ristrutturare il 1° progetto utilizzando le seguenti tecnologie:</a:t>
             </a:r>
           </a:p>
         </p:txBody>
@@ -37543,8 +37945,8 @@
         </p:nvSpPr>
         <p:spPr>
           <a:xfrm>
-            <a:off x="1527519" y="3557320"/>
-            <a:ext cx="3535548" cy="1937547"/>
+            <a:off x="1325812" y="3429000"/>
+            <a:ext cx="4331743" cy="2205317"/>
           </a:xfrm>
           <a:prstGeom prst="rect">
             <a:avLst/>
@@ -37643,7 +38045,7 @@
                   <a:srgbClr val="00B0F0"/>
                 </a:solidFill>
               </a:rPr>
-              <a:t>	- Template</a:t>
+              <a:t>	- Template / template con bootstrap</a:t>
             </a:r>
           </a:p>
           <a:p>
@@ -40396,15 +40798,6 @@
 </file>
 
 <file path=customXml/item1.xml><?xml version="1.0" encoding="utf-8"?>
-<p:properties xmlns:p="http://schemas.microsoft.com/office/2006/metadata/properties" xmlns:xsi="http://www.w3.org/2001/XMLSchema-instance" xmlns:pc="http://schemas.microsoft.com/office/infopath/2007/PartnerControls">
-  <documentManagement>
-    <Status xmlns="71af3243-3dd4-4a8d-8c0d-dd76da1f02a5">Not started</Status>
-    <MediaServiceKeyPoints xmlns="71af3243-3dd4-4a8d-8c0d-dd76da1f02a5" xsi:nil="true"/>
-  </documentManagement>
-</p:properties>
-</file>
-
-<file path=customXml/item2.xml><?xml version="1.0" encoding="utf-8"?>
 <ct:contentTypeSchema xmlns:ct="http://schemas.microsoft.com/office/2006/metadata/contentType" xmlns:ma="http://schemas.microsoft.com/office/2006/metadata/properties/metaAttributes" ct:_="" ma:_="" ma:contentTypeName="Document" ma:contentTypeID="0x01010079F111ED35F8CC479449609E8A0923A6" ma:contentTypeVersion="12" ma:contentTypeDescription="Create a new document." ma:contentTypeScope="" ma:versionID="f9fc9171bb41dc08635275f351de8590">
   <xsd:schema xmlns:xsd="http://www.w3.org/2001/XMLSchema" xmlns:xs="http://www.w3.org/2001/XMLSchema" xmlns:p="http://schemas.microsoft.com/office/2006/metadata/properties" xmlns:ns2="71af3243-3dd4-4a8d-8c0d-dd76da1f02a5" xmlns:ns3="16c05727-aa75-4e4a-9b5f-8a80a1165891" targetNamespace="http://schemas.microsoft.com/office/2006/metadata/properties" ma:root="true" ma:fieldsID="29387215989a890c06011de04edfe97d" ns2:_="" ns3:_="">
     <xsd:import namespace="71af3243-3dd4-4a8d-8c0d-dd76da1f02a5"/>
@@ -40625,6 +41018,15 @@
 </ct:contentTypeSchema>
 </file>
 
+<file path=customXml/item2.xml><?xml version="1.0" encoding="utf-8"?>
+<p:properties xmlns:p="http://schemas.microsoft.com/office/2006/metadata/properties" xmlns:xsi="http://www.w3.org/2001/XMLSchema-instance" xmlns:pc="http://schemas.microsoft.com/office/infopath/2007/PartnerControls">
+  <documentManagement>
+    <Status xmlns="71af3243-3dd4-4a8d-8c0d-dd76da1f02a5">Not started</Status>
+    <MediaServiceKeyPoints xmlns="71af3243-3dd4-4a8d-8c0d-dd76da1f02a5" xsi:nil="true"/>
+  </documentManagement>
+</p:properties>
+</file>
+
 <file path=customXml/item3.xml><?xml version="1.0" encoding="utf-8"?>
 <?mso-contentType ?>
 <FormTemplates xmlns="http://schemas.microsoft.com/sharepoint/v3/contenttype/forms">
@@ -40635,23 +41037,6 @@
 </file>
 
 <file path=customXml/itemProps1.xml><?xml version="1.0" encoding="utf-8"?>
-<ds:datastoreItem xmlns:ds="http://schemas.openxmlformats.org/officeDocument/2006/customXml" ds:itemID="{4242AFFF-C96F-4C05-9045-3240A5329ECA}">
-  <ds:schemaRefs>
-    <ds:schemaRef ds:uri="71af3243-3dd4-4a8d-8c0d-dd76da1f02a5"/>
-    <ds:schemaRef ds:uri="http://schemas.microsoft.com/office/infopath/2007/PartnerControls"/>
-    <ds:schemaRef ds:uri="http://purl.org/dc/terms/"/>
-    <ds:schemaRef ds:uri="http://www.w3.org/XML/1998/namespace"/>
-    <ds:schemaRef ds:uri="16c05727-aa75-4e4a-9b5f-8a80a1165891"/>
-    <ds:schemaRef ds:uri="http://schemas.microsoft.com/office/2006/documentManagement/types"/>
-    <ds:schemaRef ds:uri="http://purl.org/dc/elements/1.1/"/>
-    <ds:schemaRef ds:uri="http://schemas.openxmlformats.org/package/2006/metadata/core-properties"/>
-    <ds:schemaRef ds:uri="http://schemas.microsoft.com/office/2006/metadata/properties"/>
-    <ds:schemaRef ds:uri="http://purl.org/dc/dcmitype/"/>
-  </ds:schemaRefs>
-</ds:datastoreItem>
-</file>
-
-<file path=customXml/itemProps2.xml><?xml version="1.0" encoding="utf-8"?>
 <ds:datastoreItem xmlns:ds="http://schemas.openxmlformats.org/officeDocument/2006/customXml" ds:itemID="{504F5DC0-7B0F-411B-A0C5-A1B1D5EB33B4}">
   <ds:schemaRefs>
     <ds:schemaRef ds:uri="http://schemas.microsoft.com/office/2006/metadata/contentType"/>
@@ -40670,6 +41055,23 @@
 </ds:datastoreItem>
 </file>
 
+<file path=customXml/itemProps2.xml><?xml version="1.0" encoding="utf-8"?>
+<ds:datastoreItem xmlns:ds="http://schemas.openxmlformats.org/officeDocument/2006/customXml" ds:itemID="{4242AFFF-C96F-4C05-9045-3240A5329ECA}">
+  <ds:schemaRefs>
+    <ds:schemaRef ds:uri="71af3243-3dd4-4a8d-8c0d-dd76da1f02a5"/>
+    <ds:schemaRef ds:uri="http://schemas.microsoft.com/office/infopath/2007/PartnerControls"/>
+    <ds:schemaRef ds:uri="http://purl.org/dc/terms/"/>
+    <ds:schemaRef ds:uri="http://www.w3.org/XML/1998/namespace"/>
+    <ds:schemaRef ds:uri="16c05727-aa75-4e4a-9b5f-8a80a1165891"/>
+    <ds:schemaRef ds:uri="http://schemas.microsoft.com/office/2006/documentManagement/types"/>
+    <ds:schemaRef ds:uri="http://purl.org/dc/elements/1.1/"/>
+    <ds:schemaRef ds:uri="http://schemas.openxmlformats.org/package/2006/metadata/core-properties"/>
+    <ds:schemaRef ds:uri="http://schemas.microsoft.com/office/2006/metadata/properties"/>
+    <ds:schemaRef ds:uri="http://purl.org/dc/dcmitype/"/>
+  </ds:schemaRefs>
+</ds:datastoreItem>
+</file>
+
 <file path=customXml/itemProps3.xml><?xml version="1.0" encoding="utf-8"?>
 <ds:datastoreItem xmlns:ds="http://schemas.openxmlformats.org/officeDocument/2006/customXml" ds:itemID="{817F9CC6-F7CA-41EA-81DA-97EFF19429B6}">
   <ds:schemaRefs>

--- a/Documentazione/PROGETTO 2 PW24.pptx
+++ b/Documentazione/PROGETTO 2 PW24.pptx
@@ -35836,31 +35836,6 @@
       </p:grpSpPr>
       <p:sp>
         <p:nvSpPr>
-          <p:cNvPr id="8" name="Segnaposto immagine 7">
-            <a:extLst>
-              <a:ext uri="{FF2B5EF4-FFF2-40B4-BE49-F238E27FC236}">
-                <a16:creationId xmlns:a16="http://schemas.microsoft.com/office/drawing/2014/main" id="{EE4891CD-1D2A-40B3-F6DD-B05B4D2E0602}"/>
-              </a:ext>
-            </a:extLst>
-          </p:cNvPr>
-          <p:cNvSpPr>
-            <a:spLocks noGrp="1"/>
-          </p:cNvSpPr>
-          <p:nvPr>
-            <p:ph type="pic" sz="quarter" idx="15"/>
-          </p:nvPr>
-        </p:nvSpPr>
-        <p:spPr/>
-        <p:txBody>
-          <a:bodyPr/>
-          <a:lstStyle/>
-          <a:p>
-            <a:endParaRPr lang="it-IT"/>
-          </a:p>
-        </p:txBody>
-      </p:sp>
-      <p:sp>
-        <p:nvSpPr>
           <p:cNvPr id="11" name="Titolo 10">
             <a:extLst>
               <a:ext uri="{FF2B5EF4-FFF2-40B4-BE49-F238E27FC236}">
@@ -36036,6 +36011,35 @@
           </a:p>
         </p:txBody>
       </p:sp>
+      <p:pic>
+        <p:nvPicPr>
+          <p:cNvPr id="10" name="Immagine 9">
+            <a:extLst>
+              <a:ext uri="{FF2B5EF4-FFF2-40B4-BE49-F238E27FC236}">
+                <a16:creationId xmlns:a16="http://schemas.microsoft.com/office/drawing/2014/main" id="{C09B49B8-038D-79D8-AC8C-9D3FACF374AC}"/>
+              </a:ext>
+            </a:extLst>
+          </p:cNvPr>
+          <p:cNvPicPr>
+            <a:picLocks noChangeAspect="1"/>
+          </p:cNvPicPr>
+          <p:nvPr/>
+        </p:nvPicPr>
+        <p:blipFill>
+          <a:blip r:embed="rId3"/>
+          <a:srcRect/>
+          <a:stretch/>
+        </p:blipFill>
+        <p:spPr>
+          <a:xfrm>
+            <a:off x="2157649" y="2005378"/>
+            <a:ext cx="7876703" cy="4305006"/>
+          </a:xfrm>
+          <a:prstGeom prst="rect">
+            <a:avLst/>
+          </a:prstGeom>
+        </p:spPr>
+      </p:pic>
     </p:spTree>
     <p:extLst>
       <p:ext uri="{BB962C8B-B14F-4D97-AF65-F5344CB8AC3E}">
@@ -36068,31 +36072,6 @@
       </p:grpSpPr>
       <p:sp>
         <p:nvSpPr>
-          <p:cNvPr id="8" name="Segnaposto immagine 7">
-            <a:extLst>
-              <a:ext uri="{FF2B5EF4-FFF2-40B4-BE49-F238E27FC236}">
-                <a16:creationId xmlns:a16="http://schemas.microsoft.com/office/drawing/2014/main" id="{EE4891CD-1D2A-40B3-F6DD-B05B4D2E0602}"/>
-              </a:ext>
-            </a:extLst>
-          </p:cNvPr>
-          <p:cNvSpPr>
-            <a:spLocks noGrp="1"/>
-          </p:cNvSpPr>
-          <p:nvPr>
-            <p:ph type="pic" sz="quarter" idx="15"/>
-          </p:nvPr>
-        </p:nvSpPr>
-        <p:spPr/>
-        <p:txBody>
-          <a:bodyPr/>
-          <a:lstStyle/>
-          <a:p>
-            <a:endParaRPr lang="it-IT"/>
-          </a:p>
-        </p:txBody>
-      </p:sp>
-      <p:sp>
-        <p:nvSpPr>
           <p:cNvPr id="11" name="Titolo 10">
             <a:extLst>
               <a:ext uri="{FF2B5EF4-FFF2-40B4-BE49-F238E27FC236}">
@@ -36268,6 +36247,35 @@
           </a:p>
         </p:txBody>
       </p:sp>
+      <p:pic>
+        <p:nvPicPr>
+          <p:cNvPr id="4" name="Immagine 3">
+            <a:extLst>
+              <a:ext uri="{FF2B5EF4-FFF2-40B4-BE49-F238E27FC236}">
+                <a16:creationId xmlns:a16="http://schemas.microsoft.com/office/drawing/2014/main" id="{D4FAC44E-7B37-2897-FC47-0751CF22366A}"/>
+              </a:ext>
+            </a:extLst>
+          </p:cNvPr>
+          <p:cNvPicPr>
+            <a:picLocks noChangeAspect="1"/>
+          </p:cNvPicPr>
+          <p:nvPr/>
+        </p:nvPicPr>
+        <p:blipFill>
+          <a:blip r:embed="rId3"/>
+          <a:srcRect/>
+          <a:stretch/>
+        </p:blipFill>
+        <p:spPr>
+          <a:xfrm>
+            <a:off x="2160984" y="2005378"/>
+            <a:ext cx="7870032" cy="4305006"/>
+          </a:xfrm>
+          <a:prstGeom prst="rect">
+            <a:avLst/>
+          </a:prstGeom>
+        </p:spPr>
+      </p:pic>
     </p:spTree>
     <p:extLst>
       <p:ext uri="{BB962C8B-B14F-4D97-AF65-F5344CB8AC3E}">
@@ -36300,31 +36308,6 @@
       </p:grpSpPr>
       <p:sp>
         <p:nvSpPr>
-          <p:cNvPr id="8" name="Segnaposto immagine 7">
-            <a:extLst>
-              <a:ext uri="{FF2B5EF4-FFF2-40B4-BE49-F238E27FC236}">
-                <a16:creationId xmlns:a16="http://schemas.microsoft.com/office/drawing/2014/main" id="{EE4891CD-1D2A-40B3-F6DD-B05B4D2E0602}"/>
-              </a:ext>
-            </a:extLst>
-          </p:cNvPr>
-          <p:cNvSpPr>
-            <a:spLocks noGrp="1"/>
-          </p:cNvSpPr>
-          <p:nvPr>
-            <p:ph type="pic" sz="quarter" idx="15"/>
-          </p:nvPr>
-        </p:nvSpPr>
-        <p:spPr/>
-        <p:txBody>
-          <a:bodyPr/>
-          <a:lstStyle/>
-          <a:p>
-            <a:endParaRPr lang="it-IT"/>
-          </a:p>
-        </p:txBody>
-      </p:sp>
-      <p:sp>
-        <p:nvSpPr>
           <p:cNvPr id="11" name="Titolo 10">
             <a:extLst>
               <a:ext uri="{FF2B5EF4-FFF2-40B4-BE49-F238E27FC236}">
@@ -36500,6 +36483,35 @@
           </a:p>
         </p:txBody>
       </p:sp>
+      <p:pic>
+        <p:nvPicPr>
+          <p:cNvPr id="4" name="Immagine 3">
+            <a:extLst>
+              <a:ext uri="{FF2B5EF4-FFF2-40B4-BE49-F238E27FC236}">
+                <a16:creationId xmlns:a16="http://schemas.microsoft.com/office/drawing/2014/main" id="{4CEAC1D9-ED33-61CC-45DD-8E48F5DD52DE}"/>
+              </a:ext>
+            </a:extLst>
+          </p:cNvPr>
+          <p:cNvPicPr>
+            <a:picLocks noChangeAspect="1"/>
+          </p:cNvPicPr>
+          <p:nvPr/>
+        </p:nvPicPr>
+        <p:blipFill>
+          <a:blip r:embed="rId3"/>
+          <a:srcRect/>
+          <a:stretch/>
+        </p:blipFill>
+        <p:spPr>
+          <a:xfrm>
+            <a:off x="2170955" y="2005378"/>
+            <a:ext cx="7850091" cy="4305006"/>
+          </a:xfrm>
+          <a:prstGeom prst="rect">
+            <a:avLst/>
+          </a:prstGeom>
+        </p:spPr>
+      </p:pic>
     </p:spTree>
     <p:extLst>
       <p:ext uri="{BB962C8B-B14F-4D97-AF65-F5344CB8AC3E}">
@@ -36532,31 +36544,6 @@
       </p:grpSpPr>
       <p:sp>
         <p:nvSpPr>
-          <p:cNvPr id="8" name="Segnaposto immagine 7">
-            <a:extLst>
-              <a:ext uri="{FF2B5EF4-FFF2-40B4-BE49-F238E27FC236}">
-                <a16:creationId xmlns:a16="http://schemas.microsoft.com/office/drawing/2014/main" id="{EE4891CD-1D2A-40B3-F6DD-B05B4D2E0602}"/>
-              </a:ext>
-            </a:extLst>
-          </p:cNvPr>
-          <p:cNvSpPr>
-            <a:spLocks noGrp="1"/>
-          </p:cNvSpPr>
-          <p:nvPr>
-            <p:ph type="pic" sz="quarter" idx="15"/>
-          </p:nvPr>
-        </p:nvSpPr>
-        <p:spPr/>
-        <p:txBody>
-          <a:bodyPr/>
-          <a:lstStyle/>
-          <a:p>
-            <a:endParaRPr lang="it-IT"/>
-          </a:p>
-        </p:txBody>
-      </p:sp>
-      <p:sp>
-        <p:nvSpPr>
           <p:cNvPr id="11" name="Titolo 10">
             <a:extLst>
               <a:ext uri="{FF2B5EF4-FFF2-40B4-BE49-F238E27FC236}">
@@ -36732,6 +36719,35 @@
           </a:p>
         </p:txBody>
       </p:sp>
+      <p:pic>
+        <p:nvPicPr>
+          <p:cNvPr id="4" name="Immagine 3">
+            <a:extLst>
+              <a:ext uri="{FF2B5EF4-FFF2-40B4-BE49-F238E27FC236}">
+                <a16:creationId xmlns:a16="http://schemas.microsoft.com/office/drawing/2014/main" id="{64D0A390-572B-67FF-7B94-ADF5B7427FDB}"/>
+              </a:ext>
+            </a:extLst>
+          </p:cNvPr>
+          <p:cNvPicPr>
+            <a:picLocks noChangeAspect="1"/>
+          </p:cNvPicPr>
+          <p:nvPr/>
+        </p:nvPicPr>
+        <p:blipFill>
+          <a:blip r:embed="rId3"/>
+          <a:srcRect/>
+          <a:stretch/>
+        </p:blipFill>
+        <p:spPr>
+          <a:xfrm>
+            <a:off x="2164313" y="2005378"/>
+            <a:ext cx="7863374" cy="4305006"/>
+          </a:xfrm>
+          <a:prstGeom prst="rect">
+            <a:avLst/>
+          </a:prstGeom>
+        </p:spPr>
+      </p:pic>
     </p:spTree>
     <p:extLst>
       <p:ext uri="{BB962C8B-B14F-4D97-AF65-F5344CB8AC3E}">
@@ -40798,6 +40814,15 @@
 </file>
 
 <file path=customXml/item1.xml><?xml version="1.0" encoding="utf-8"?>
+<p:properties xmlns:p="http://schemas.microsoft.com/office/2006/metadata/properties" xmlns:xsi="http://www.w3.org/2001/XMLSchema-instance" xmlns:pc="http://schemas.microsoft.com/office/infopath/2007/PartnerControls">
+  <documentManagement>
+    <Status xmlns="71af3243-3dd4-4a8d-8c0d-dd76da1f02a5">Not started</Status>
+    <MediaServiceKeyPoints xmlns="71af3243-3dd4-4a8d-8c0d-dd76da1f02a5" xsi:nil="true"/>
+  </documentManagement>
+</p:properties>
+</file>
+
+<file path=customXml/item2.xml><?xml version="1.0" encoding="utf-8"?>
 <ct:contentTypeSchema xmlns:ct="http://schemas.microsoft.com/office/2006/metadata/contentType" xmlns:ma="http://schemas.microsoft.com/office/2006/metadata/properties/metaAttributes" ct:_="" ma:_="" ma:contentTypeName="Document" ma:contentTypeID="0x01010079F111ED35F8CC479449609E8A0923A6" ma:contentTypeVersion="12" ma:contentTypeDescription="Create a new document." ma:contentTypeScope="" ma:versionID="f9fc9171bb41dc08635275f351de8590">
   <xsd:schema xmlns:xsd="http://www.w3.org/2001/XMLSchema" xmlns:xs="http://www.w3.org/2001/XMLSchema" xmlns:p="http://schemas.microsoft.com/office/2006/metadata/properties" xmlns:ns2="71af3243-3dd4-4a8d-8c0d-dd76da1f02a5" xmlns:ns3="16c05727-aa75-4e4a-9b5f-8a80a1165891" targetNamespace="http://schemas.microsoft.com/office/2006/metadata/properties" ma:root="true" ma:fieldsID="29387215989a890c06011de04edfe97d" ns2:_="" ns3:_="">
     <xsd:import namespace="71af3243-3dd4-4a8d-8c0d-dd76da1f02a5"/>
@@ -41018,15 +41043,6 @@
 </ct:contentTypeSchema>
 </file>
 
-<file path=customXml/item2.xml><?xml version="1.0" encoding="utf-8"?>
-<p:properties xmlns:p="http://schemas.microsoft.com/office/2006/metadata/properties" xmlns:xsi="http://www.w3.org/2001/XMLSchema-instance" xmlns:pc="http://schemas.microsoft.com/office/infopath/2007/PartnerControls">
-  <documentManagement>
-    <Status xmlns="71af3243-3dd4-4a8d-8c0d-dd76da1f02a5">Not started</Status>
-    <MediaServiceKeyPoints xmlns="71af3243-3dd4-4a8d-8c0d-dd76da1f02a5" xsi:nil="true"/>
-  </documentManagement>
-</p:properties>
-</file>
-
 <file path=customXml/item3.xml><?xml version="1.0" encoding="utf-8"?>
 <?mso-contentType ?>
 <FormTemplates xmlns="http://schemas.microsoft.com/sharepoint/v3/contenttype/forms">
@@ -41037,6 +41053,23 @@
 </file>
 
 <file path=customXml/itemProps1.xml><?xml version="1.0" encoding="utf-8"?>
+<ds:datastoreItem xmlns:ds="http://schemas.openxmlformats.org/officeDocument/2006/customXml" ds:itemID="{4242AFFF-C96F-4C05-9045-3240A5329ECA}">
+  <ds:schemaRefs>
+    <ds:schemaRef ds:uri="71af3243-3dd4-4a8d-8c0d-dd76da1f02a5"/>
+    <ds:schemaRef ds:uri="http://schemas.microsoft.com/office/infopath/2007/PartnerControls"/>
+    <ds:schemaRef ds:uri="http://purl.org/dc/terms/"/>
+    <ds:schemaRef ds:uri="http://www.w3.org/XML/1998/namespace"/>
+    <ds:schemaRef ds:uri="16c05727-aa75-4e4a-9b5f-8a80a1165891"/>
+    <ds:schemaRef ds:uri="http://schemas.microsoft.com/office/2006/documentManagement/types"/>
+    <ds:schemaRef ds:uri="http://purl.org/dc/elements/1.1/"/>
+    <ds:schemaRef ds:uri="http://schemas.openxmlformats.org/package/2006/metadata/core-properties"/>
+    <ds:schemaRef ds:uri="http://schemas.microsoft.com/office/2006/metadata/properties"/>
+    <ds:schemaRef ds:uri="http://purl.org/dc/dcmitype/"/>
+  </ds:schemaRefs>
+</ds:datastoreItem>
+</file>
+
+<file path=customXml/itemProps2.xml><?xml version="1.0" encoding="utf-8"?>
 <ds:datastoreItem xmlns:ds="http://schemas.openxmlformats.org/officeDocument/2006/customXml" ds:itemID="{504F5DC0-7B0F-411B-A0C5-A1B1D5EB33B4}">
   <ds:schemaRefs>
     <ds:schemaRef ds:uri="http://schemas.microsoft.com/office/2006/metadata/contentType"/>
@@ -41055,23 +41088,6 @@
 </ds:datastoreItem>
 </file>
 
-<file path=customXml/itemProps2.xml><?xml version="1.0" encoding="utf-8"?>
-<ds:datastoreItem xmlns:ds="http://schemas.openxmlformats.org/officeDocument/2006/customXml" ds:itemID="{4242AFFF-C96F-4C05-9045-3240A5329ECA}">
-  <ds:schemaRefs>
-    <ds:schemaRef ds:uri="71af3243-3dd4-4a8d-8c0d-dd76da1f02a5"/>
-    <ds:schemaRef ds:uri="http://schemas.microsoft.com/office/infopath/2007/PartnerControls"/>
-    <ds:schemaRef ds:uri="http://purl.org/dc/terms/"/>
-    <ds:schemaRef ds:uri="http://www.w3.org/XML/1998/namespace"/>
-    <ds:schemaRef ds:uri="16c05727-aa75-4e4a-9b5f-8a80a1165891"/>
-    <ds:schemaRef ds:uri="http://schemas.microsoft.com/office/2006/documentManagement/types"/>
-    <ds:schemaRef ds:uri="http://purl.org/dc/elements/1.1/"/>
-    <ds:schemaRef ds:uri="http://schemas.openxmlformats.org/package/2006/metadata/core-properties"/>
-    <ds:schemaRef ds:uri="http://schemas.microsoft.com/office/2006/metadata/properties"/>
-    <ds:schemaRef ds:uri="http://purl.org/dc/dcmitype/"/>
-  </ds:schemaRefs>
-</ds:datastoreItem>
-</file>
-
 <file path=customXml/itemProps3.xml><?xml version="1.0" encoding="utf-8"?>
 <ds:datastoreItem xmlns:ds="http://schemas.openxmlformats.org/officeDocument/2006/customXml" ds:itemID="{817F9CC6-F7CA-41EA-81DA-97EFF19429B6}">
   <ds:schemaRefs>

--- a/Documentazione/PROGETTO 2 PW24.pptx
+++ b/Documentazione/PROGETTO 2 PW24.pptx
@@ -5,30 +5,33 @@
     <p:sldMasterId id="2147483698" r:id="rId4"/>
   </p:sldMasterIdLst>
   <p:notesMasterIdLst>
-    <p:notesMasterId r:id="rId23"/>
+    <p:notesMasterId r:id="rId26"/>
   </p:notesMasterIdLst>
   <p:handoutMasterIdLst>
-    <p:handoutMasterId r:id="rId24"/>
+    <p:handoutMasterId r:id="rId27"/>
   </p:handoutMasterIdLst>
   <p:sldIdLst>
     <p:sldId id="258" r:id="rId5"/>
     <p:sldId id="265" r:id="rId6"/>
-    <p:sldId id="259" r:id="rId7"/>
-    <p:sldId id="260" r:id="rId8"/>
-    <p:sldId id="261" r:id="rId9"/>
-    <p:sldId id="262" r:id="rId10"/>
-    <p:sldId id="266" r:id="rId11"/>
-    <p:sldId id="267" r:id="rId12"/>
-    <p:sldId id="268" r:id="rId13"/>
-    <p:sldId id="278" r:id="rId14"/>
-    <p:sldId id="269" r:id="rId15"/>
-    <p:sldId id="270" r:id="rId16"/>
-    <p:sldId id="271" r:id="rId17"/>
-    <p:sldId id="273" r:id="rId18"/>
-    <p:sldId id="274" r:id="rId19"/>
-    <p:sldId id="275" r:id="rId20"/>
-    <p:sldId id="276" r:id="rId21"/>
-    <p:sldId id="277" r:id="rId22"/>
+    <p:sldId id="280" r:id="rId7"/>
+    <p:sldId id="281" r:id="rId8"/>
+    <p:sldId id="259" r:id="rId9"/>
+    <p:sldId id="260" r:id="rId10"/>
+    <p:sldId id="261" r:id="rId11"/>
+    <p:sldId id="262" r:id="rId12"/>
+    <p:sldId id="266" r:id="rId13"/>
+    <p:sldId id="267" r:id="rId14"/>
+    <p:sldId id="268" r:id="rId15"/>
+    <p:sldId id="278" r:id="rId16"/>
+    <p:sldId id="269" r:id="rId17"/>
+    <p:sldId id="270" r:id="rId18"/>
+    <p:sldId id="279" r:id="rId19"/>
+    <p:sldId id="271" r:id="rId20"/>
+    <p:sldId id="273" r:id="rId21"/>
+    <p:sldId id="274" r:id="rId22"/>
+    <p:sldId id="275" r:id="rId23"/>
+    <p:sldId id="276" r:id="rId24"/>
+    <p:sldId id="277" r:id="rId25"/>
   </p:sldIdLst>
   <p:sldSz cx="12192000" cy="6858000"/>
   <p:notesSz cx="7104063" cy="10234613"/>
@@ -234,7 +237,7 @@
             <a:pPr rtl="0"/>
             <a:fld id="{87CAA32E-037C-4447-9605-3BDCF0176106}" type="datetime1">
               <a:rPr lang="it-IT" smtClean="0"/>
-              <a:t>27/07/2024</a:t>
+              <a:t>28/07/2024</a:t>
             </a:fld>
             <a:endParaRPr lang="it-IT"/>
           </a:p>
@@ -416,7 +419,7 @@
             <a:pPr rtl="0"/>
             <a:fld id="{D572BFEC-A54D-4DD2-A885-956C28ED70CE}" type="datetime1">
               <a:rPr lang="it-IT" noProof="0" smtClean="0"/>
-              <a:t>27/07/2024</a:t>
+              <a:t>28/07/2024</a:t>
             </a:fld>
             <a:endParaRPr lang="it-IT" noProof="0"/>
           </a:p>
@@ -920,7 +923,7 @@
             <a:pPr rtl="0"/>
             <a:fld id="{A142BE8D-6400-40C5-BBF9-260577D0F524}" type="datetime1">
               <a:rPr lang="it-IT" noProof="0" smtClean="0"/>
-              <a:t>27/07/2024</a:t>
+              <a:t>28/07/2024</a:t>
             </a:fld>
             <a:endParaRPr lang="it-IT" noProof="0"/>
           </a:p>
@@ -1126,7 +1129,7 @@
             <a:pPr rtl="0"/>
             <a:fld id="{A142BE8D-6400-40C5-BBF9-260577D0F524}" type="datetime1">
               <a:rPr lang="it-IT" noProof="0" smtClean="0"/>
-              <a:t>27/07/2024</a:t>
+              <a:t>28/07/2024</a:t>
             </a:fld>
             <a:endParaRPr lang="it-IT" noProof="0"/>
           </a:p>
@@ -1342,7 +1345,7 @@
             <a:pPr rtl="0"/>
             <a:fld id="{A142BE8D-6400-40C5-BBF9-260577D0F524}" type="datetime1">
               <a:rPr lang="it-IT" noProof="0" smtClean="0"/>
-              <a:t>27/07/2024</a:t>
+              <a:t>28/07/2024</a:t>
             </a:fld>
             <a:endParaRPr lang="it-IT" noProof="0"/>
           </a:p>
@@ -1649,7 +1652,7 @@
             <a:pPr rtl="0"/>
             <a:fld id="{2C95D8C1-6E5C-4F61-A5BA-9AE46695F249}" type="datetime1">
               <a:rPr lang="it-IT" noProof="0" smtClean="0"/>
-              <a:t>27/07/2024</a:t>
+              <a:t>28/07/2024</a:t>
             </a:fld>
             <a:endParaRPr lang="it-IT" noProof="0"/>
           </a:p>
@@ -2150,7 +2153,7 @@
             <a:pPr rtl="0"/>
             <a:fld id="{D78540CD-E25F-4326-93FD-131D42E93307}" type="datetime1">
               <a:rPr lang="it-IT" noProof="0" smtClean="0"/>
-              <a:t>27/07/2024</a:t>
+              <a:t>28/07/2024</a:t>
             </a:fld>
             <a:endParaRPr lang="it-IT" noProof="0"/>
           </a:p>
@@ -2651,7 +2654,7 @@
             <a:pPr rtl="0"/>
             <a:fld id="{E8B25602-C95A-4A52-9F08-0F30D75E64E0}" type="datetime1">
               <a:rPr lang="it-IT" noProof="0" smtClean="0"/>
-              <a:t>27/07/2024</a:t>
+              <a:t>28/07/2024</a:t>
             </a:fld>
             <a:endParaRPr lang="it-IT" noProof="0"/>
           </a:p>
@@ -3147,7 +3150,7 @@
             <a:pPr rtl="0"/>
             <a:fld id="{8A022F1D-FC73-4CA8-A2BF-8A34ADDA27DC}" type="datetime1">
               <a:rPr lang="it-IT" noProof="0" smtClean="0"/>
-              <a:t>27/07/2024</a:t>
+              <a:t>28/07/2024</a:t>
             </a:fld>
             <a:endParaRPr lang="it-IT" noProof="0"/>
           </a:p>
@@ -3642,7 +3645,7 @@
             <a:pPr rtl="0"/>
             <a:fld id="{4C3369BB-8BD3-4037-BB8D-DD0D1D996E3B}" type="datetime1">
               <a:rPr lang="it-IT" noProof="0" smtClean="0"/>
-              <a:t>27/07/2024</a:t>
+              <a:t>28/07/2024</a:t>
             </a:fld>
             <a:endParaRPr lang="it-IT" noProof="0"/>
           </a:p>
@@ -4123,7 +4126,7 @@
             <a:pPr rtl="0"/>
             <a:fld id="{16455F0F-EF5F-46EB-9349-E58F06D2E989}" type="datetime1">
               <a:rPr lang="it-IT" noProof="0" smtClean="0"/>
-              <a:t>27/07/2024</a:t>
+              <a:t>28/07/2024</a:t>
             </a:fld>
             <a:endParaRPr lang="it-IT" noProof="0"/>
           </a:p>
@@ -4799,7 +4802,7 @@
             <a:pPr rtl="0"/>
             <a:fld id="{F57532EC-455F-4DED-91CE-95B071F9BFE5}" type="datetime1">
               <a:rPr lang="it-IT" noProof="0" smtClean="0"/>
-              <a:t>27/07/2024</a:t>
+              <a:t>28/07/2024</a:t>
             </a:fld>
             <a:endParaRPr lang="it-IT" noProof="0"/>
           </a:p>
@@ -5450,7 +5453,7 @@
             <a:pPr rtl="0"/>
             <a:fld id="{A3432A97-C544-4778-91FE-9CDCA8314963}" type="datetime1">
               <a:rPr lang="it-IT" noProof="0" smtClean="0"/>
-              <a:t>27/07/2024</a:t>
+              <a:t>28/07/2024</a:t>
             </a:fld>
             <a:endParaRPr lang="it-IT" noProof="0"/>
           </a:p>
@@ -6003,7 +6006,7 @@
             <a:pPr rtl="0"/>
             <a:fld id="{A142BE8D-6400-40C5-BBF9-260577D0F524}" type="datetime1">
               <a:rPr lang="it-IT" noProof="0" smtClean="0"/>
-              <a:t>27/07/2024</a:t>
+              <a:t>28/07/2024</a:t>
             </a:fld>
             <a:endParaRPr lang="it-IT" noProof="0"/>
           </a:p>
@@ -6317,7 +6320,7 @@
             <a:pPr rtl="0"/>
             <a:fld id="{59F6D8C2-54ED-4F09-989E-21E36996C2DB}" type="datetime1">
               <a:rPr lang="it-IT" noProof="0" smtClean="0"/>
-              <a:t>27/07/2024</a:t>
+              <a:t>28/07/2024</a:t>
             </a:fld>
             <a:endParaRPr lang="it-IT" noProof="0"/>
           </a:p>
@@ -7027,7 +7030,7 @@
             <a:pPr rtl="0"/>
             <a:fld id="{87847B55-AF6C-4CB6-9B35-04736632172F}" type="datetime1">
               <a:rPr lang="it-IT" noProof="0" smtClean="0"/>
-              <a:t>27/07/2024</a:t>
+              <a:t>28/07/2024</a:t>
             </a:fld>
             <a:endParaRPr lang="it-IT" noProof="0"/>
           </a:p>
@@ -7660,7 +7663,7 @@
             <a:pPr rtl="0"/>
             <a:fld id="{745C44F1-167A-490F-87EC-24452D82757A}" type="datetime1">
               <a:rPr lang="it-IT" noProof="0" smtClean="0"/>
-              <a:t>27/07/2024</a:t>
+              <a:t>28/07/2024</a:t>
             </a:fld>
             <a:endParaRPr lang="it-IT" noProof="0"/>
           </a:p>
@@ -8257,7 +8260,7 @@
             <a:pPr rtl="0"/>
             <a:fld id="{710F174D-485F-4C0D-8186-6BD9458EB0B0}" type="datetime1">
               <a:rPr lang="it-IT" noProof="0" smtClean="0"/>
-              <a:t>27/07/2024</a:t>
+              <a:t>28/07/2024</a:t>
             </a:fld>
             <a:endParaRPr lang="it-IT" noProof="0"/>
           </a:p>
@@ -8753,7 +8756,7 @@
             <a:pPr rtl="0"/>
             <a:fld id="{C0F28C79-6191-4010-A3CF-D695BA0B8053}" type="datetime1">
               <a:rPr lang="it-IT" noProof="0" smtClean="0"/>
-              <a:t>27/07/2024</a:t>
+              <a:t>28/07/2024</a:t>
             </a:fld>
             <a:endParaRPr lang="it-IT" noProof="0"/>
           </a:p>
@@ -9339,7 +9342,7 @@
             <a:pPr rtl="0"/>
             <a:fld id="{3BFBD049-9859-4453-A590-18CBAD270121}" type="datetime1">
               <a:rPr lang="it-IT" noProof="0" smtClean="0"/>
-              <a:t>27/07/2024</a:t>
+              <a:t>28/07/2024</a:t>
             </a:fld>
             <a:endParaRPr lang="it-IT" noProof="0"/>
           </a:p>
@@ -10291,7 +10294,7 @@
             <a:pPr rtl="0"/>
             <a:fld id="{352A609E-BA86-4A02-ADA6-2A3909B3FB90}" type="datetime1">
               <a:rPr lang="it-IT" noProof="0" smtClean="0"/>
-              <a:t>27/07/2024</a:t>
+              <a:t>28/07/2024</a:t>
             </a:fld>
             <a:endParaRPr lang="it-IT" noProof="0"/>
           </a:p>
@@ -10988,7 +10991,7 @@
             <a:pPr rtl="0"/>
             <a:fld id="{60632694-D3D1-465D-A4C0-77D4C1ACE5B6}" type="datetime1">
               <a:rPr lang="it-IT" noProof="0" smtClean="0"/>
-              <a:t>27/07/2024</a:t>
+              <a:t>28/07/2024</a:t>
             </a:fld>
             <a:endParaRPr lang="it-IT" noProof="0"/>
           </a:p>
@@ -11839,7 +11842,7 @@
             <a:pPr rtl="0"/>
             <a:fld id="{C5886014-8002-428D-B618-F318B16F27B3}" type="datetime1">
               <a:rPr lang="it-IT" noProof="0" smtClean="0"/>
-              <a:t>27/07/2024</a:t>
+              <a:t>28/07/2024</a:t>
             </a:fld>
             <a:endParaRPr lang="it-IT" noProof="0"/>
           </a:p>
@@ -12786,7 +12789,7 @@
             <a:pPr rtl="0"/>
             <a:fld id="{74D19C64-C95C-46F9-824F-D0CA3CEB11DB}" type="datetime1">
               <a:rPr lang="it-IT" noProof="0" smtClean="0"/>
-              <a:t>27/07/2024</a:t>
+              <a:t>28/07/2024</a:t>
             </a:fld>
             <a:endParaRPr lang="it-IT" noProof="0"/>
           </a:p>
@@ -13706,7 +13709,7 @@
             <a:pPr rtl="0"/>
             <a:fld id="{A142BE8D-6400-40C5-BBF9-260577D0F524}" type="datetime1">
               <a:rPr lang="it-IT" noProof="0" smtClean="0"/>
-              <a:t>27/07/2024</a:t>
+              <a:t>28/07/2024</a:t>
             </a:fld>
             <a:endParaRPr lang="it-IT" noProof="0"/>
           </a:p>
@@ -13942,7 +13945,7 @@
             <a:pPr rtl="0"/>
             <a:fld id="{30F1A14A-DB6F-484B-8CEC-FBF9F48E1624}" type="datetime1">
               <a:rPr lang="it-IT" noProof="0" smtClean="0"/>
-              <a:t>27/07/2024</a:t>
+              <a:t>28/07/2024</a:t>
             </a:fld>
             <a:endParaRPr lang="it-IT" noProof="0"/>
           </a:p>
@@ -14438,7 +14441,7 @@
             <a:pPr rtl="0"/>
             <a:fld id="{796B75F8-0B66-47AC-A12C-885887B61BD1}" type="datetime1">
               <a:rPr lang="it-IT" noProof="0" smtClean="0"/>
-              <a:t>27/07/2024</a:t>
+              <a:t>28/07/2024</a:t>
             </a:fld>
             <a:endParaRPr lang="it-IT" noProof="0"/>
           </a:p>
@@ -14942,7 +14945,7 @@
             <a:pPr rtl="0"/>
             <a:fld id="{E9C66C2C-B139-402E-B3C0-5EE4357BF8B1}" type="datetime1">
               <a:rPr lang="it-IT" noProof="0" smtClean="0"/>
-              <a:t>27/07/2024</a:t>
+              <a:t>28/07/2024</a:t>
             </a:fld>
             <a:endParaRPr lang="it-IT" noProof="0"/>
           </a:p>
@@ -15484,7 +15487,7 @@
             <a:pPr rtl="0"/>
             <a:fld id="{3710F08F-A8C4-4B07-A6EC-B9F90EBB2F06}" type="datetime1">
               <a:rPr lang="it-IT" noProof="0" smtClean="0"/>
-              <a:t>27/07/2024</a:t>
+              <a:t>28/07/2024</a:t>
             </a:fld>
             <a:endParaRPr lang="it-IT" noProof="0"/>
           </a:p>
@@ -15906,7 +15909,7 @@
             <a:pPr rtl="0"/>
             <a:fld id="{9234F350-BF67-4A42-ADD9-A1B18F9D9FF1}" type="datetime1">
               <a:rPr lang="it-IT" noProof="0" smtClean="0"/>
-              <a:t>27/07/2024</a:t>
+              <a:t>28/07/2024</a:t>
             </a:fld>
             <a:endParaRPr lang="it-IT" noProof="0"/>
           </a:p>
@@ -16916,7 +16919,7 @@
             <a:pPr rtl="0"/>
             <a:fld id="{E90EC6B1-4A91-48DB-A4A3-7CC53A3A4590}" type="datetime1">
               <a:rPr lang="it-IT" noProof="0" smtClean="0"/>
-              <a:t>27/07/2024</a:t>
+              <a:t>28/07/2024</a:t>
             </a:fld>
             <a:endParaRPr lang="it-IT" noProof="0"/>
           </a:p>
@@ -17741,7 +17744,7 @@
             <a:pPr rtl="0"/>
             <a:fld id="{21007A3D-976A-4BA5-BDC9-C1986BB9D91A}" type="datetime1">
               <a:rPr lang="it-IT" noProof="0" smtClean="0"/>
-              <a:t>27/07/2024</a:t>
+              <a:t>28/07/2024</a:t>
             </a:fld>
             <a:endParaRPr lang="it-IT" noProof="0"/>
           </a:p>
@@ -18635,7 +18638,7 @@
             <a:pPr rtl="0"/>
             <a:fld id="{B78BC7AB-C14C-4E3A-B05C-0F24703C82F0}" type="datetime1">
               <a:rPr lang="it-IT" noProof="0" smtClean="0"/>
-              <a:t>27/07/2024</a:t>
+              <a:t>28/07/2024</a:t>
             </a:fld>
             <a:endParaRPr lang="it-IT" noProof="0"/>
           </a:p>
@@ -19635,7 +19638,7 @@
             <a:pPr rtl="0"/>
             <a:fld id="{7C2D9110-B491-4A5C-9BBA-BC7683150D14}" type="datetime1">
               <a:rPr lang="it-IT" noProof="0" smtClean="0"/>
-              <a:t>27/07/2024</a:t>
+              <a:t>28/07/2024</a:t>
             </a:fld>
             <a:endParaRPr lang="it-IT" noProof="0"/>
           </a:p>
@@ -20320,7 +20323,7 @@
             <a:pPr rtl="0"/>
             <a:fld id="{E58D878A-23DC-4B68-AE4B-88B32B9289DD}" type="datetime1">
               <a:rPr lang="it-IT" noProof="0" smtClean="0"/>
-              <a:t>27/07/2024</a:t>
+              <a:t>28/07/2024</a:t>
             </a:fld>
             <a:endParaRPr lang="it-IT" noProof="0"/>
           </a:p>
@@ -20858,7 +20861,7 @@
             <a:pPr rtl="0"/>
             <a:fld id="{A142BE8D-6400-40C5-BBF9-260577D0F524}" type="datetime1">
               <a:rPr lang="it-IT" noProof="0" smtClean="0"/>
-              <a:t>27/07/2024</a:t>
+              <a:t>28/07/2024</a:t>
             </a:fld>
             <a:endParaRPr lang="it-IT" noProof="0"/>
           </a:p>
@@ -21276,7 +21279,7 @@
             <a:pPr rtl="0"/>
             <a:fld id="{74A0372B-E5F7-4E31-BF16-33A6C0C0E23C}" type="datetime1">
               <a:rPr lang="it-IT" noProof="0" smtClean="0"/>
-              <a:t>27/07/2024</a:t>
+              <a:t>28/07/2024</a:t>
             </a:fld>
             <a:endParaRPr lang="it-IT" noProof="0"/>
           </a:p>
@@ -22020,7 +22023,7 @@
             <a:pPr rtl="0"/>
             <a:fld id="{AE8F8728-B4B7-45E1-AAA2-041DA0A58165}" type="datetime1">
               <a:rPr lang="it-IT" noProof="0" smtClean="0"/>
-              <a:t>27/07/2024</a:t>
+              <a:t>28/07/2024</a:t>
             </a:fld>
             <a:endParaRPr lang="it-IT" noProof="0"/>
           </a:p>
@@ -22536,7 +22539,7 @@
             <a:pPr rtl="0"/>
             <a:fld id="{CC12CE97-06CA-4025-991D-C77DDB5478F4}" type="datetime1">
               <a:rPr lang="it-IT" noProof="0" smtClean="0"/>
-              <a:t>27/07/2024</a:t>
+              <a:t>28/07/2024</a:t>
             </a:fld>
             <a:endParaRPr lang="it-IT" noProof="0"/>
           </a:p>
@@ -24561,7 +24564,7 @@
             <a:pPr rtl="0"/>
             <a:fld id="{1CA6AC23-550F-4283-8959-F80B43E81C9E}" type="datetime1">
               <a:rPr lang="it-IT" noProof="0" smtClean="0"/>
-              <a:t>27/07/2024</a:t>
+              <a:t>28/07/2024</a:t>
             </a:fld>
             <a:endParaRPr lang="it-IT" noProof="0"/>
           </a:p>
@@ -26411,7 +26414,7 @@
             <a:pPr rtl="0"/>
             <a:fld id="{DEAA353D-599F-4826-B762-A0615CF8155E}" type="datetime1">
               <a:rPr lang="it-IT" noProof="0" smtClean="0"/>
-              <a:t>27/07/2024</a:t>
+              <a:t>28/07/2024</a:t>
             </a:fld>
             <a:endParaRPr lang="it-IT" noProof="0"/>
           </a:p>
@@ -28400,7 +28403,7 @@
             <a:pPr rtl="0"/>
             <a:fld id="{0DD5F243-3CC1-4F88-9F1B-469795547355}" type="datetime1">
               <a:rPr lang="it-IT" noProof="0" smtClean="0"/>
-              <a:t>27/07/2024</a:t>
+              <a:t>28/07/2024</a:t>
             </a:fld>
             <a:endParaRPr lang="it-IT" noProof="0"/>
           </a:p>
@@ -30272,7 +30275,7 @@
             <a:pPr rtl="0"/>
             <a:fld id="{7AAF60E5-5800-417A-A72B-0CF02044F5BD}" type="datetime1">
               <a:rPr lang="it-IT" noProof="0" smtClean="0"/>
-              <a:t>27/07/2024</a:t>
+              <a:t>28/07/2024</a:t>
             </a:fld>
             <a:endParaRPr lang="it-IT" noProof="0"/>
           </a:p>
@@ -30857,7 +30860,7 @@
             <a:pPr rtl="0"/>
             <a:fld id="{13BD1A64-3B26-4D44-8D57-7CB5D555CFC4}" type="datetime1">
               <a:rPr lang="it-IT" noProof="0" smtClean="0"/>
-              <a:t>27/07/2024</a:t>
+              <a:t>28/07/2024</a:t>
             </a:fld>
             <a:endParaRPr lang="it-IT" noProof="0"/>
           </a:p>
@@ -31360,7 +31363,7 @@
             <a:pPr rtl="0"/>
             <a:fld id="{0DD99074-A7DB-475A-A627-71F2CA3389F0}" type="datetime1">
               <a:rPr lang="it-IT" noProof="0" smtClean="0"/>
-              <a:t>27/07/2024</a:t>
+              <a:t>28/07/2024</a:t>
             </a:fld>
             <a:endParaRPr lang="it-IT" noProof="0"/>
           </a:p>
@@ -31855,7 +31858,7 @@
             <a:pPr rtl="0"/>
             <a:fld id="{72FEF768-305A-4E74-8D20-9C452F74D9D1}" type="datetime1">
               <a:rPr lang="it-IT" noProof="0" smtClean="0"/>
-              <a:t>27/07/2024</a:t>
+              <a:t>28/07/2024</a:t>
             </a:fld>
             <a:endParaRPr lang="it-IT" noProof="0"/>
           </a:p>
@@ -32472,7 +32475,7 @@
             <a:pPr rtl="0"/>
             <a:fld id="{A142BE8D-6400-40C5-BBF9-260577D0F524}" type="datetime1">
               <a:rPr lang="it-IT" noProof="0" smtClean="0"/>
-              <a:t>27/07/2024</a:t>
+              <a:t>28/07/2024</a:t>
             </a:fld>
             <a:endParaRPr lang="it-IT" noProof="0"/>
           </a:p>
@@ -32621,7 +32624,7 @@
             <a:pPr rtl="0"/>
             <a:fld id="{A142BE8D-6400-40C5-BBF9-260577D0F524}" type="datetime1">
               <a:rPr lang="it-IT" noProof="0" smtClean="0"/>
-              <a:t>27/07/2024</a:t>
+              <a:t>28/07/2024</a:t>
             </a:fld>
             <a:endParaRPr lang="it-IT" noProof="0"/>
           </a:p>
@@ -32742,7 +32745,7 @@
             <a:pPr rtl="0"/>
             <a:fld id="{A142BE8D-6400-40C5-BBF9-260577D0F524}" type="datetime1">
               <a:rPr lang="it-IT" noProof="0" smtClean="0"/>
-              <a:t>27/07/2024</a:t>
+              <a:t>28/07/2024</a:t>
             </a:fld>
             <a:endParaRPr lang="it-IT" noProof="0"/>
           </a:p>
@@ -33061,7 +33064,7 @@
             <a:pPr rtl="0"/>
             <a:fld id="{A142BE8D-6400-40C5-BBF9-260577D0F524}" type="datetime1">
               <a:rPr lang="it-IT" noProof="0" smtClean="0"/>
-              <a:t>27/07/2024</a:t>
+              <a:t>28/07/2024</a:t>
             </a:fld>
             <a:endParaRPr lang="it-IT" noProof="0"/>
           </a:p>
@@ -33357,7 +33360,7 @@
             <a:pPr rtl="0"/>
             <a:fld id="{A142BE8D-6400-40C5-BBF9-260577D0F524}" type="datetime1">
               <a:rPr lang="it-IT" noProof="0" smtClean="0"/>
-              <a:t>27/07/2024</a:t>
+              <a:t>28/07/2024</a:t>
             </a:fld>
             <a:endParaRPr lang="it-IT" noProof="0"/>
           </a:p>
@@ -33606,7 +33609,7 @@
             <a:pPr rtl="0"/>
             <a:fld id="{A142BE8D-6400-40C5-BBF9-260577D0F524}" type="datetime1">
               <a:rPr lang="it-IT" noProof="0" smtClean="0"/>
-              <a:t>27/07/2024</a:t>
+              <a:t>28/07/2024</a:t>
             </a:fld>
             <a:endParaRPr lang="it-IT" noProof="0"/>
           </a:p>
@@ -34290,9 +34293,7 @@
           </a:xfrm>
         </p:spPr>
         <p:txBody>
-          <a:bodyPr>
-            <a:normAutofit/>
-          </a:bodyPr>
+          <a:bodyPr/>
           <a:lstStyle/>
           <a:p>
             <a:r>
@@ -34301,7 +34302,7 @@
                   <a:schemeClr val="accent1"/>
                 </a:solidFill>
               </a:rPr>
-              <a:t>Scelte di progetto – </a:t>
+              <a:t>Scelte di progetto – Architettura: </a:t>
             </a:r>
             <a:r>
               <a:rPr lang="it-IT" dirty="0">
@@ -34309,7 +34310,7 @@
                   <a:schemeClr val="accent4"/>
                 </a:solidFill>
               </a:rPr>
-              <a:t>Template con Bootstrap  </a:t>
+              <a:t>Model</a:t>
             </a:r>
           </a:p>
         </p:txBody>
@@ -34358,7 +34359,7 @@
         <p:spPr>
           <a:xfrm>
             <a:off x="1207358" y="1215802"/>
-            <a:ext cx="9942990" cy="426207"/>
+            <a:ext cx="9942990" cy="2314544"/>
           </a:xfrm>
           <a:prstGeom prst="rect">
             <a:avLst/>
@@ -34378,21 +34379,491 @@
             </a:pPr>
             <a:r>
               <a:rPr lang="it-IT" sz="1600" dirty="0"/>
-              <a:t>Per la realizzazione dei template, a differenza del primo progetto è stato utilizzato anche il framework </a:t>
-            </a:r>
-            <a:r>
-              <a:rPr lang="it-IT" sz="1600" b="1" dirty="0"/>
-              <a:t>Bootstrap</a:t>
-            </a:r>
+              <a:t>Per prima cosa abbiamo definito i modelli nel file models.py al cui interno possiamo trovare:</a:t>
+            </a:r>
+          </a:p>
+          <a:p>
+            <a:pPr marL="285750" indent="-285750">
+              <a:lnSpc>
+                <a:spcPct val="150000"/>
+              </a:lnSpc>
+              <a:buFontTx/>
+              <a:buChar char="-"/>
+            </a:pPr>
+            <a:r>
+              <a:rPr lang="it-IT" sz="1600" dirty="0"/>
+              <a:t>Modello della tabella delle patologie</a:t>
+            </a:r>
+          </a:p>
+          <a:p>
+            <a:pPr marL="285750" indent="-285750">
+              <a:lnSpc>
+                <a:spcPct val="150000"/>
+              </a:lnSpc>
+              <a:buFontTx/>
+              <a:buChar char="-"/>
+            </a:pPr>
+            <a:r>
+              <a:rPr lang="it-IT" sz="1600" dirty="0"/>
+              <a:t>Modello della tabella dei cittadini</a:t>
+            </a:r>
+          </a:p>
+          <a:p>
+            <a:pPr marL="285750" indent="-285750">
+              <a:lnSpc>
+                <a:spcPct val="150000"/>
+              </a:lnSpc>
+              <a:buFontTx/>
+              <a:buChar char="-"/>
+            </a:pPr>
+            <a:r>
+              <a:rPr lang="it-IT" sz="1600" dirty="0"/>
+              <a:t>Modello della tabella degli ospedali</a:t>
+            </a:r>
+          </a:p>
+          <a:p>
+            <a:pPr marL="285750" indent="-285750">
+              <a:lnSpc>
+                <a:spcPct val="150000"/>
+              </a:lnSpc>
+              <a:buFontTx/>
+              <a:buChar char="-"/>
+            </a:pPr>
+            <a:r>
+              <a:rPr lang="it-IT" sz="1600" dirty="0"/>
+              <a:t>Modello della tabella dei ricoveri</a:t>
+            </a:r>
+          </a:p>
+          <a:p>
+            <a:pPr marL="285750" indent="-285750">
+              <a:lnSpc>
+                <a:spcPct val="150000"/>
+              </a:lnSpc>
+              <a:buFontTx/>
+              <a:buChar char="-"/>
+            </a:pPr>
+            <a:r>
+              <a:rPr lang="it-IT" sz="1600" dirty="0"/>
+              <a:t>Modello della tabella patologie-ricoveri</a:t>
+            </a:r>
+          </a:p>
+        </p:txBody>
+      </p:sp>
+      <p:sp>
+        <p:nvSpPr>
+          <p:cNvPr id="8" name="CasellaDiTesto 7">
+            <a:extLst>
+              <a:ext uri="{FF2B5EF4-FFF2-40B4-BE49-F238E27FC236}">
+                <a16:creationId xmlns:a16="http://schemas.microsoft.com/office/drawing/2014/main" id="{EF606EE9-D081-2546-4F37-004EDF889842}"/>
+              </a:ext>
+            </a:extLst>
+          </p:cNvPr>
+          <p:cNvSpPr txBox="1"/>
+          <p:nvPr/>
+        </p:nvSpPr>
+        <p:spPr>
+          <a:xfrm>
+            <a:off x="1207358" y="3539237"/>
+            <a:ext cx="9942990" cy="830997"/>
+          </a:xfrm>
+          <a:prstGeom prst="rect">
+            <a:avLst/>
+          </a:prstGeom>
+          <a:noFill/>
+        </p:spPr>
+        <p:txBody>
+          <a:bodyPr wrap="square" rtlCol="0">
+            <a:spAutoFit/>
+          </a:bodyPr>
+          <a:lstStyle/>
+          <a:p>
+            <a:r>
+              <a:rPr lang="it-IT" sz="1600" dirty="0"/>
+              <a:t>Un modello rappresenta la struttura che deve avere la tabella all’interno del Data Base. In Django ciascuna tabella viene definita come una classe all’interno della quale vengono inseriti gli attributi (colonne della tabella)</a:t>
+            </a:r>
+          </a:p>
+          <a:p>
+            <a:r>
+              <a:rPr lang="it-IT" sz="1600" dirty="0"/>
+              <a:t>Ad esempio per la tabella patologie:</a:t>
+            </a:r>
+          </a:p>
+        </p:txBody>
+      </p:sp>
+      <p:sp>
+        <p:nvSpPr>
+          <p:cNvPr id="10" name="CasellaDiTesto 9">
+            <a:extLst>
+              <a:ext uri="{FF2B5EF4-FFF2-40B4-BE49-F238E27FC236}">
+                <a16:creationId xmlns:a16="http://schemas.microsoft.com/office/drawing/2014/main" id="{1148589B-6B0F-39FB-9ABA-A00BCBBC6213}"/>
+              </a:ext>
+            </a:extLst>
+          </p:cNvPr>
+          <p:cNvSpPr txBox="1"/>
+          <p:nvPr/>
+        </p:nvSpPr>
+        <p:spPr>
+          <a:xfrm>
+            <a:off x="4607707" y="4093846"/>
+            <a:ext cx="3545693" cy="1477328"/>
+          </a:xfrm>
+          <a:prstGeom prst="rect">
+            <a:avLst/>
+          </a:prstGeom>
+          <a:noFill/>
+        </p:spPr>
+        <p:txBody>
+          <a:bodyPr wrap="square" rtlCol="0">
+            <a:spAutoFit/>
+          </a:bodyPr>
+          <a:lstStyle/>
+          <a:p>
+            <a:r>
+              <a:rPr lang="it-IT" sz="1000" dirty="0">
+                <a:solidFill>
+                  <a:schemeClr val="accent2"/>
+                </a:solidFill>
+              </a:rPr>
+              <a:t>class</a:t>
+            </a:r>
+            <a:r>
+              <a:rPr lang="it-IT" sz="1000" dirty="0"/>
+              <a:t> </a:t>
+            </a:r>
+            <a:r>
+              <a:rPr lang="it-IT" sz="1000" dirty="0" err="1"/>
+              <a:t>PatologiaTable</a:t>
+            </a:r>
+            <a:r>
+              <a:rPr lang="it-IT" sz="1000" dirty="0"/>
+              <a:t>(</a:t>
+            </a:r>
+            <a:r>
+              <a:rPr lang="it-IT" sz="1000" dirty="0" err="1"/>
+              <a:t>models.Model</a:t>
+            </a:r>
+            <a:r>
+              <a:rPr lang="it-IT" sz="1000" dirty="0"/>
+              <a:t>):</a:t>
+            </a:r>
+          </a:p>
+          <a:p>
+            <a:r>
+              <a:rPr lang="it-IT" sz="1000" dirty="0"/>
+              <a:t>    codice = </a:t>
+            </a:r>
+            <a:r>
+              <a:rPr lang="it-IT" sz="1000" dirty="0" err="1"/>
+              <a:t>models.CharField</a:t>
+            </a:r>
+            <a:r>
+              <a:rPr lang="it-IT" sz="1000" dirty="0"/>
+              <a:t>(</a:t>
+            </a:r>
+            <a:r>
+              <a:rPr lang="it-IT" sz="1000" dirty="0" err="1">
+                <a:solidFill>
+                  <a:schemeClr val="accent2"/>
+                </a:solidFill>
+              </a:rPr>
+              <a:t>max_length</a:t>
+            </a:r>
+            <a:r>
+              <a:rPr lang="it-IT" sz="1000" dirty="0"/>
+              <a:t>=</a:t>
+            </a:r>
+            <a:r>
+              <a:rPr lang="it-IT" sz="1000" dirty="0">
+                <a:solidFill>
+                  <a:schemeClr val="accent1">
+                    <a:lumMod val="60000"/>
+                    <a:lumOff val="40000"/>
+                  </a:schemeClr>
+                </a:solidFill>
+              </a:rPr>
+              <a:t>10</a:t>
+            </a:r>
+            <a:r>
+              <a:rPr lang="it-IT" sz="1000" dirty="0"/>
+              <a:t>)</a:t>
+            </a:r>
+          </a:p>
+          <a:p>
+            <a:r>
+              <a:rPr lang="it-IT" sz="1000" dirty="0"/>
+              <a:t>    nome = </a:t>
+            </a:r>
+            <a:r>
+              <a:rPr lang="it-IT" sz="1000" dirty="0" err="1"/>
+              <a:t>models.CharField</a:t>
+            </a:r>
+            <a:r>
+              <a:rPr lang="it-IT" sz="1000" dirty="0"/>
+              <a:t>(</a:t>
+            </a:r>
+            <a:r>
+              <a:rPr lang="it-IT" sz="1000" dirty="0" err="1">
+                <a:solidFill>
+                  <a:schemeClr val="accent2"/>
+                </a:solidFill>
+              </a:rPr>
+              <a:t>max_length</a:t>
+            </a:r>
+            <a:r>
+              <a:rPr lang="it-IT" sz="1000" dirty="0"/>
+              <a:t>=</a:t>
+            </a:r>
+            <a:r>
+              <a:rPr lang="it-IT" sz="1000" dirty="0">
+                <a:solidFill>
+                  <a:schemeClr val="accent1">
+                    <a:lumMod val="60000"/>
+                    <a:lumOff val="40000"/>
+                  </a:schemeClr>
+                </a:solidFill>
+              </a:rPr>
+              <a:t>120</a:t>
+            </a:r>
+            <a:r>
+              <a:rPr lang="it-IT" sz="1000" dirty="0"/>
+              <a:t>)</a:t>
+            </a:r>
+          </a:p>
+          <a:p>
+            <a:r>
+              <a:rPr lang="it-IT" sz="1000" dirty="0"/>
+              <a:t>    </a:t>
+            </a:r>
+            <a:r>
+              <a:rPr lang="it-IT" sz="1000" dirty="0" err="1"/>
+              <a:t>criticita</a:t>
+            </a:r>
+            <a:r>
+              <a:rPr lang="it-IT" sz="1000" dirty="0"/>
+              <a:t> = </a:t>
+            </a:r>
+            <a:r>
+              <a:rPr lang="it-IT" sz="1000" dirty="0" err="1"/>
+              <a:t>models.CharField</a:t>
+            </a:r>
+            <a:r>
+              <a:rPr lang="it-IT" sz="1000" dirty="0"/>
+              <a:t>(</a:t>
+            </a:r>
+            <a:r>
+              <a:rPr lang="it-IT" sz="1000" dirty="0" err="1">
+                <a:solidFill>
+                  <a:schemeClr val="accent2"/>
+                </a:solidFill>
+              </a:rPr>
+              <a:t>max_length</a:t>
+            </a:r>
+            <a:r>
+              <a:rPr lang="it-IT" sz="1000" dirty="0"/>
+              <a:t>=</a:t>
+            </a:r>
+            <a:r>
+              <a:rPr lang="it-IT" sz="1000" dirty="0">
+                <a:solidFill>
+                  <a:schemeClr val="accent1">
+                    <a:lumMod val="60000"/>
+                    <a:lumOff val="40000"/>
+                  </a:schemeClr>
+                </a:solidFill>
+              </a:rPr>
+              <a:t>20</a:t>
+            </a:r>
+            <a:r>
+              <a:rPr lang="it-IT" sz="1000" dirty="0"/>
+              <a:t>)</a:t>
+            </a:r>
+          </a:p>
+          <a:p>
+            <a:r>
+              <a:rPr lang="it-IT" sz="1000" dirty="0"/>
+              <a:t>    cronica = </a:t>
+            </a:r>
+            <a:r>
+              <a:rPr lang="it-IT" sz="1000" dirty="0" err="1"/>
+              <a:t>models.CharField</a:t>
+            </a:r>
+            <a:r>
+              <a:rPr lang="it-IT" sz="1000" dirty="0"/>
+              <a:t>(</a:t>
+            </a:r>
+            <a:r>
+              <a:rPr lang="it-IT" sz="1000" dirty="0" err="1">
+                <a:solidFill>
+                  <a:schemeClr val="accent2"/>
+                </a:solidFill>
+              </a:rPr>
+              <a:t>max_length</a:t>
+            </a:r>
+            <a:r>
+              <a:rPr lang="it-IT" sz="1000" dirty="0"/>
+              <a:t>=</a:t>
+            </a:r>
+            <a:r>
+              <a:rPr lang="it-IT" sz="1000" dirty="0">
+                <a:solidFill>
+                  <a:schemeClr val="accent1">
+                    <a:lumMod val="60000"/>
+                    <a:lumOff val="40000"/>
+                  </a:schemeClr>
+                </a:solidFill>
+              </a:rPr>
+              <a:t>1</a:t>
+            </a:r>
+            <a:r>
+              <a:rPr lang="it-IT" sz="1000" dirty="0"/>
+              <a:t>)</a:t>
+            </a:r>
+          </a:p>
+          <a:p>
+            <a:r>
+              <a:rPr lang="it-IT" sz="1000" dirty="0"/>
+              <a:t>    mortale = </a:t>
+            </a:r>
+            <a:r>
+              <a:rPr lang="it-IT" sz="1000" dirty="0" err="1"/>
+              <a:t>models.CharField</a:t>
+            </a:r>
+            <a:r>
+              <a:rPr lang="it-IT" sz="1000" dirty="0"/>
+              <a:t>(</a:t>
+            </a:r>
+            <a:r>
+              <a:rPr lang="it-IT" sz="1000" dirty="0" err="1">
+                <a:solidFill>
+                  <a:schemeClr val="accent2"/>
+                </a:solidFill>
+              </a:rPr>
+              <a:t>max_length</a:t>
+            </a:r>
+            <a:r>
+              <a:rPr lang="it-IT" sz="1000" dirty="0"/>
+              <a:t>=</a:t>
+            </a:r>
+            <a:r>
+              <a:rPr lang="it-IT" sz="1000" dirty="0">
+                <a:solidFill>
+                  <a:schemeClr val="accent1">
+                    <a:lumMod val="60000"/>
+                    <a:lumOff val="40000"/>
+                  </a:schemeClr>
+                </a:solidFill>
+              </a:rPr>
+              <a:t>1</a:t>
+            </a:r>
+            <a:r>
+              <a:rPr lang="it-IT" sz="1000" dirty="0"/>
+              <a:t>)</a:t>
+            </a:r>
+          </a:p>
+          <a:p>
+            <a:endParaRPr lang="it-IT" sz="1000" dirty="0"/>
+          </a:p>
+          <a:p>
+            <a:r>
+              <a:rPr lang="it-IT" sz="1000" dirty="0"/>
+              <a:t>    </a:t>
+            </a:r>
+            <a:r>
+              <a:rPr lang="it-IT" sz="1000" dirty="0" err="1">
+                <a:solidFill>
+                  <a:schemeClr val="accent2"/>
+                </a:solidFill>
+              </a:rPr>
+              <a:t>def</a:t>
+            </a:r>
+            <a:r>
+              <a:rPr lang="it-IT" sz="1000" dirty="0"/>
+              <a:t> </a:t>
+            </a:r>
+            <a:r>
+              <a:rPr lang="it-IT" sz="1000" dirty="0">
+                <a:solidFill>
+                  <a:schemeClr val="accent5">
+                    <a:lumMod val="75000"/>
+                  </a:schemeClr>
+                </a:solidFill>
+              </a:rPr>
+              <a:t>__</a:t>
+            </a:r>
+            <a:r>
+              <a:rPr lang="it-IT" sz="1000" dirty="0" err="1">
+                <a:solidFill>
+                  <a:schemeClr val="accent5">
+                    <a:lumMod val="75000"/>
+                  </a:schemeClr>
+                </a:solidFill>
+              </a:rPr>
+              <a:t>str</a:t>
+            </a:r>
+            <a:r>
+              <a:rPr lang="it-IT" sz="1000" dirty="0">
+                <a:solidFill>
+                  <a:schemeClr val="accent5">
+                    <a:lumMod val="75000"/>
+                  </a:schemeClr>
+                </a:solidFill>
+              </a:rPr>
+              <a:t>__(</a:t>
+            </a:r>
+            <a:r>
+              <a:rPr lang="it-IT" sz="1000" dirty="0">
+                <a:solidFill>
+                  <a:schemeClr val="accent5">
+                    <a:lumMod val="40000"/>
+                    <a:lumOff val="60000"/>
+                  </a:schemeClr>
+                </a:solidFill>
+              </a:rPr>
+              <a:t>self</a:t>
+            </a:r>
+            <a:r>
+              <a:rPr lang="it-IT" sz="1000" dirty="0"/>
+              <a:t>):</a:t>
+            </a:r>
+          </a:p>
+          <a:p>
+            <a:r>
+              <a:rPr lang="it-IT" sz="1000" dirty="0"/>
+              <a:t>        </a:t>
+            </a:r>
+            <a:r>
+              <a:rPr lang="it-IT" sz="1000" dirty="0" err="1"/>
+              <a:t>return</a:t>
+            </a:r>
+            <a:r>
+              <a:rPr lang="it-IT" sz="1000" dirty="0"/>
+              <a:t> </a:t>
+            </a:r>
+            <a:r>
+              <a:rPr lang="it-IT" sz="1000" dirty="0" err="1">
+                <a:solidFill>
+                  <a:schemeClr val="accent5">
+                    <a:lumMod val="40000"/>
+                    <a:lumOff val="60000"/>
+                  </a:schemeClr>
+                </a:solidFill>
+              </a:rPr>
+              <a:t>self</a:t>
+            </a:r>
+            <a:r>
+              <a:rPr lang="it-IT" sz="1000" dirty="0" err="1"/>
+              <a:t>.nome</a:t>
+            </a:r>
+            <a:endParaRPr lang="it-IT" sz="1000" dirty="0"/>
           </a:p>
         </p:txBody>
       </p:sp>
       <p:pic>
         <p:nvPicPr>
-          <p:cNvPr id="7" name="Immagine 6" descr="Immagine che contiene Carattere, simbolo, logo, cerchio&#10;&#10;Descrizione generata automaticamente">
-            <a:extLst>
-              <a:ext uri="{FF2B5EF4-FFF2-40B4-BE49-F238E27FC236}">
-                <a16:creationId xmlns:a16="http://schemas.microsoft.com/office/drawing/2014/main" id="{3C092F74-B6A9-A3F4-E68A-9D3A09A5E314}"/>
+          <p:cNvPr id="13" name="Immagine 12" descr="Immagine che contiene Carattere, simbolo, logo, cerchio&#10;&#10;Descrizione generata automaticamente">
+            <a:extLst>
+              <a:ext uri="{FF2B5EF4-FFF2-40B4-BE49-F238E27FC236}">
+                <a16:creationId xmlns:a16="http://schemas.microsoft.com/office/drawing/2014/main" id="{8A9F216F-E212-1458-7880-D03F79A7CADD}"/>
               </a:ext>
             </a:extLst>
           </p:cNvPr>
@@ -34419,10 +34890,10 @@
       </p:pic>
       <p:sp>
         <p:nvSpPr>
-          <p:cNvPr id="9" name="Segnaposto numero diapositiva 4">
-            <a:extLst>
-              <a:ext uri="{FF2B5EF4-FFF2-40B4-BE49-F238E27FC236}">
-                <a16:creationId xmlns:a16="http://schemas.microsoft.com/office/drawing/2014/main" id="{12C9E95B-647D-C4E1-5030-14D4C0102172}"/>
+          <p:cNvPr id="14" name="Segnaposto numero diapositiva 4">
+            <a:extLst>
+              <a:ext uri="{FF2B5EF4-FFF2-40B4-BE49-F238E27FC236}">
+                <a16:creationId xmlns:a16="http://schemas.microsoft.com/office/drawing/2014/main" id="{9BD11CC4-B65D-F835-70C9-CEBA2ED63E46}"/>
               </a:ext>
             </a:extLst>
           </p:cNvPr>
@@ -34460,155 +34931,10 @@
           </a:p>
         </p:txBody>
       </p:sp>
-      <p:sp>
-        <p:nvSpPr>
-          <p:cNvPr id="5" name="CasellaDiTesto 4">
-            <a:extLst>
-              <a:ext uri="{FF2B5EF4-FFF2-40B4-BE49-F238E27FC236}">
-                <a16:creationId xmlns:a16="http://schemas.microsoft.com/office/drawing/2014/main" id="{5A292B38-2AD2-18DB-6F74-8840DDAF29A8}"/>
-              </a:ext>
-            </a:extLst>
-          </p:cNvPr>
-          <p:cNvSpPr txBox="1"/>
-          <p:nvPr/>
-        </p:nvSpPr>
-        <p:spPr>
-          <a:xfrm>
-            <a:off x="1215105" y="1764890"/>
-            <a:ext cx="9942990" cy="1534203"/>
-          </a:xfrm>
-          <a:prstGeom prst="rect">
-            <a:avLst/>
-          </a:prstGeom>
-          <a:noFill/>
-        </p:spPr>
-        <p:txBody>
-          <a:bodyPr wrap="square" rtlCol="0">
-            <a:spAutoFit/>
-          </a:bodyPr>
-          <a:lstStyle/>
-          <a:p>
-            <a:pPr>
-              <a:lnSpc>
-                <a:spcPct val="150000"/>
-              </a:lnSpc>
-            </a:pPr>
-            <a:r>
-              <a:rPr lang="it-IT" sz="1600" dirty="0"/>
-              <a:t>Principalmente è stato usato per la realizzazione di:</a:t>
-            </a:r>
-          </a:p>
-          <a:p>
-            <a:pPr marL="285750" indent="-285750">
-              <a:lnSpc>
-                <a:spcPct val="150000"/>
-              </a:lnSpc>
-              <a:buFontTx/>
-              <a:buChar char="-"/>
-            </a:pPr>
-            <a:r>
-              <a:rPr lang="it-IT" sz="1600" b="1" dirty="0"/>
-              <a:t>Barra di navigazione</a:t>
-            </a:r>
-          </a:p>
-          <a:p>
-            <a:pPr marL="285750" indent="-285750">
-              <a:lnSpc>
-                <a:spcPct val="150000"/>
-              </a:lnSpc>
-              <a:buFontTx/>
-              <a:buChar char="-"/>
-            </a:pPr>
-            <a:r>
-              <a:rPr lang="it-IT" sz="1600" b="1" dirty="0"/>
-              <a:t>Barra di ricerca</a:t>
-            </a:r>
-          </a:p>
-          <a:p>
-            <a:pPr marL="285750" indent="-285750">
-              <a:lnSpc>
-                <a:spcPct val="150000"/>
-              </a:lnSpc>
-              <a:buFontTx/>
-              <a:buChar char="-"/>
-            </a:pPr>
-            <a:r>
-              <a:rPr lang="it-IT" sz="1600" b="1" dirty="0"/>
-              <a:t>Tabella</a:t>
-            </a:r>
-          </a:p>
-        </p:txBody>
-      </p:sp>
-      <p:sp>
-        <p:nvSpPr>
-          <p:cNvPr id="6" name="CasellaDiTesto 5">
-            <a:extLst>
-              <a:ext uri="{FF2B5EF4-FFF2-40B4-BE49-F238E27FC236}">
-                <a16:creationId xmlns:a16="http://schemas.microsoft.com/office/drawing/2014/main" id="{25571174-8D8E-76D8-2ED0-6F3655CF394D}"/>
-              </a:ext>
-            </a:extLst>
-          </p:cNvPr>
-          <p:cNvSpPr txBox="1"/>
-          <p:nvPr/>
-        </p:nvSpPr>
-        <p:spPr>
-          <a:xfrm>
-            <a:off x="1207358" y="3637530"/>
-            <a:ext cx="9942990" cy="1077218"/>
-          </a:xfrm>
-          <a:prstGeom prst="rect">
-            <a:avLst/>
-          </a:prstGeom>
-          <a:noFill/>
-        </p:spPr>
-        <p:txBody>
-          <a:bodyPr wrap="square" rtlCol="0">
-            <a:spAutoFit/>
-          </a:bodyPr>
-          <a:lstStyle/>
-          <a:p>
-            <a:r>
-              <a:rPr lang="it-IT" sz="1600" dirty="0"/>
-              <a:t>Ad esempio, per quanto riguarda la tabella, abbiamo usato la classe di Bootstrap: </a:t>
-            </a:r>
-            <a:r>
-              <a:rPr lang="it-IT" sz="1600" b="1" dirty="0" err="1"/>
-              <a:t>table-striped</a:t>
-            </a:r>
-            <a:r>
-              <a:rPr lang="it-IT" sz="1600" dirty="0"/>
-              <a:t>.</a:t>
-            </a:r>
-          </a:p>
-          <a:p>
-            <a:r>
-              <a:rPr lang="it-IT" sz="1600" dirty="0"/>
-              <a:t>Questa classe</a:t>
-            </a:r>
-            <a:r>
-              <a:rPr lang="it-IT" sz="1600" b="1" dirty="0"/>
-              <a:t> </a:t>
-            </a:r>
-            <a:r>
-              <a:rPr lang="it-IT" sz="1600" dirty="0"/>
-              <a:t>permette di visualizzare le righe della tabella con un colore di sfondo alternato. La tabella è stata inoltre inserita all’interno di un container-</a:t>
-            </a:r>
-            <a:r>
-              <a:rPr lang="it-IT" sz="1600" dirty="0" err="1"/>
-              <a:t>fluid</a:t>
-            </a:r>
-            <a:r>
-              <a:rPr lang="it-IT" sz="1600" dirty="0"/>
-              <a:t> che le permette di occupare sempre tutto lo spazio che vi è a disposizione.</a:t>
-            </a:r>
-            <a:endParaRPr lang="it-IT" sz="1600" b="1" dirty="0"/>
-          </a:p>
-        </p:txBody>
-      </p:sp>
     </p:spTree>
     <p:extLst>
       <p:ext uri="{BB962C8B-B14F-4D97-AF65-F5344CB8AC3E}">
-        <p14:creationId xmlns:p14="http://schemas.microsoft.com/office/powerpoint/2010/main" val="3296994244"/>
+        <p14:creationId xmlns:p14="http://schemas.microsoft.com/office/powerpoint/2010/main" val="2465345572"/>
       </p:ext>
     </p:extLst>
   </p:cSld>
@@ -34670,18 +34996,13 @@
               <a:t>Scelte di progetto – Architettura: </a:t>
             </a:r>
             <a:r>
-              <a:rPr lang="it-IT" dirty="0" err="1">
+              <a:rPr lang="it-IT" dirty="0">
                 <a:solidFill>
                   <a:schemeClr val="accent4"/>
                 </a:solidFill>
               </a:rPr>
-              <a:t>View</a:t>
-            </a:r>
-            <a:endParaRPr lang="it-IT" dirty="0">
-              <a:solidFill>
-                <a:schemeClr val="accent4"/>
-              </a:solidFill>
-            </a:endParaRPr>
+              <a:t>Template</a:t>
+            </a:r>
           </a:p>
         </p:txBody>
       </p:sp>
@@ -34729,7 +35050,7 @@
         <p:spPr>
           <a:xfrm>
             <a:off x="1207358" y="1215802"/>
-            <a:ext cx="9942990" cy="1200329"/>
+            <a:ext cx="9942990" cy="467885"/>
           </a:xfrm>
           <a:prstGeom prst="rect">
             <a:avLst/>
@@ -34742,48 +35063,28 @@
           </a:bodyPr>
           <a:lstStyle/>
           <a:p>
+            <a:pPr>
+              <a:lnSpc>
+                <a:spcPct val="150000"/>
+              </a:lnSpc>
+            </a:pPr>
             <a:r>
               <a:rPr lang="it-IT" dirty="0"/>
-              <a:t>Nel file </a:t>
-            </a:r>
-            <a:r>
-              <a:rPr lang="it-IT" b="1" dirty="0"/>
-              <a:t>views.py</a:t>
-            </a:r>
-            <a:r>
-              <a:rPr lang="it-IT" dirty="0"/>
-              <a:t>, abbiamo definito tutte le funzioni di vista necessarie.</a:t>
-            </a:r>
-          </a:p>
-          <a:p>
-            <a:r>
-              <a:rPr lang="it-IT" sz="1800" dirty="0"/>
-              <a:t>Queste funzioni permettono d</a:t>
-            </a:r>
-            <a:r>
-              <a:rPr lang="it-IT" dirty="0"/>
-              <a:t>i gestire le richieste HTTP in arrivo, determinando quali dati dei modelli sono necessari per ciascuna richiesta.</a:t>
-            </a:r>
-          </a:p>
-          <a:p>
-            <a:r>
-              <a:rPr lang="it-IT" sz="1800" dirty="0"/>
-              <a:t>Dopo aver recuperato i dati, viene preparat</a:t>
-            </a:r>
-            <a:r>
-              <a:rPr lang="it-IT" dirty="0"/>
-              <a:t>a la risposta HTTP che li contiene.</a:t>
-            </a:r>
-            <a:endParaRPr lang="it-IT" sz="1800" dirty="0"/>
-          </a:p>
-        </p:txBody>
-      </p:sp>
-      <p:sp>
-        <p:nvSpPr>
-          <p:cNvPr id="6" name="CasellaDiTesto 5">
-            <a:extLst>
-              <a:ext uri="{FF2B5EF4-FFF2-40B4-BE49-F238E27FC236}">
-                <a16:creationId xmlns:a16="http://schemas.microsoft.com/office/drawing/2014/main" id="{E5570277-DA8D-61E6-509F-DBD264ECFC3E}"/>
+              <a:t>I template rappresentano le pagine HTML che verranno effettivamente visualizzate nel sito</a:t>
+            </a:r>
+            <a:r>
+              <a:rPr lang="it-IT" sz="1600" dirty="0"/>
+              <a:t>.</a:t>
+            </a:r>
+          </a:p>
+        </p:txBody>
+      </p:sp>
+      <p:sp>
+        <p:nvSpPr>
+          <p:cNvPr id="4" name="CasellaDiTesto 3">
+            <a:extLst>
+              <a:ext uri="{FF2B5EF4-FFF2-40B4-BE49-F238E27FC236}">
+                <a16:creationId xmlns:a16="http://schemas.microsoft.com/office/drawing/2014/main" id="{673C68FB-0A0C-7615-FBAF-E4B0D98FDD1A}"/>
               </a:ext>
             </a:extLst>
           </p:cNvPr>
@@ -34792,8 +35093,8 @@
         </p:nvSpPr>
         <p:spPr>
           <a:xfrm>
-            <a:off x="1207358" y="2819663"/>
-            <a:ext cx="9942990" cy="1477328"/>
+            <a:off x="1207358" y="1961965"/>
+            <a:ext cx="9942990" cy="3416320"/>
           </a:xfrm>
           <a:prstGeom prst="rect">
             <a:avLst/>
@@ -34807,39 +35108,104 @@
           <a:lstStyle/>
           <a:p>
             <a:r>
-              <a:rPr lang="it-IT" b="0" i="0" dirty="0">
+              <a:rPr lang="it-IT" dirty="0"/>
+              <a:t>Inizialmente abbiamo realizzato il template: </a:t>
+            </a:r>
+            <a:r>
+              <a:rPr lang="it-IT" b="1" dirty="0"/>
+              <a:t>base.html </a:t>
+            </a:r>
+            <a:r>
+              <a:rPr lang="it-IT" dirty="0"/>
+              <a:t>al cui interno sono stati inseriti gli elementi comuni a tutte le altre pagine del sito. Facendo in questo modo, abbiamo evitato ripetizioni di codice e soprattutto reso il sito più leggero</a:t>
+            </a:r>
+          </a:p>
+          <a:p>
+            <a:endParaRPr lang="it-IT" b="1" dirty="0"/>
+          </a:p>
+          <a:p>
+            <a:r>
+              <a:rPr lang="it-IT" dirty="0"/>
+              <a:t>Gli altri template (come Ricoveri.html) estendono il template «base.html» inserendo dinamicamente al suo interno un contenuto specifico grazie ai tag:</a:t>
+            </a:r>
+          </a:p>
+          <a:p>
+            <a:r>
+              <a:rPr lang="it-IT" dirty="0"/>
+              <a:t>{% </a:t>
+            </a:r>
+            <a:r>
+              <a:rPr lang="it-IT" dirty="0" err="1">
                 <a:solidFill>
-                  <a:srgbClr val="111111"/>
+                  <a:srgbClr val="FFC000"/>
                 </a:solidFill>
-                <a:effectLst/>
               </a:rPr>
-              <a:t>Nello specifico, abbiamo definito funzioni che consentono di filtrare le tabelle. Questo può essere fatto sia utilizzando il modulo di ricerca inserito nella barra di ricerca del sito web, sia cliccando sui link presenti nelle celle delle varie tabelle.</a:t>
-            </a:r>
-          </a:p>
-          <a:p>
-            <a:r>
-              <a:rPr lang="it-IT" b="0" i="0" dirty="0">
+              <a:t>block</a:t>
+            </a:r>
+            <a:r>
+              <a:rPr lang="it-IT" dirty="0"/>
+              <a:t> nome %} 	 {% </a:t>
+            </a:r>
+            <a:r>
+              <a:rPr lang="it-IT" dirty="0" err="1">
                 <a:solidFill>
-                  <a:srgbClr val="111111"/>
+                  <a:srgbClr val="FFC000"/>
                 </a:solidFill>
-                <a:effectLst/>
               </a:rPr>
-              <a:t>Inoltre nel file views.py sono state inserite delle classi e delle funzioni necessarie per effettuare le operazioni di CRUD</a:t>
-            </a:r>
-            <a:endParaRPr lang="it-IT" dirty="0">
-              <a:solidFill>
-                <a:srgbClr val="111111"/>
-              </a:solidFill>
-            </a:endParaRPr>
+              <a:t>endblock</a:t>
+            </a:r>
+            <a:r>
+              <a:rPr lang="it-IT" dirty="0"/>
+              <a:t> nome %}</a:t>
+            </a:r>
+          </a:p>
+          <a:p>
+            <a:endParaRPr lang="it-IT" dirty="0"/>
+          </a:p>
+          <a:p>
+            <a:r>
+              <a:rPr lang="it-IT" dirty="0"/>
+              <a:t>Nello specifico le parti di codice che vengono inserite dinamicamente dai vari template sono:</a:t>
+            </a:r>
+          </a:p>
+          <a:p>
+            <a:pPr marL="285750" indent="-285750">
+              <a:buFontTx/>
+              <a:buChar char="-"/>
+            </a:pPr>
+            <a:r>
+              <a:rPr lang="it-IT" dirty="0"/>
+              <a:t>Il nome del titolo</a:t>
+            </a:r>
+          </a:p>
+          <a:p>
+            <a:pPr marL="285750" indent="-285750">
+              <a:buFontTx/>
+              <a:buChar char="-"/>
+            </a:pPr>
+            <a:r>
+              <a:rPr lang="it-IT" dirty="0"/>
+              <a:t>Il contenuto del menu a tendina della barra di ricerca</a:t>
+            </a:r>
+          </a:p>
+          <a:p>
+            <a:pPr marL="285750" indent="-285750">
+              <a:buFontTx/>
+              <a:buChar char="-"/>
+            </a:pPr>
+            <a:r>
+              <a:rPr lang="it-IT" dirty="0"/>
+              <a:t>La tabella</a:t>
+            </a:r>
           </a:p>
         </p:txBody>
       </p:sp>
       <p:pic>
         <p:nvPicPr>
-          <p:cNvPr id="10" name="Immagine 9" descr="Immagine che contiene Carattere, simbolo, logo, cerchio&#10;&#10;Descrizione generata automaticamente">
-            <a:extLst>
-              <a:ext uri="{FF2B5EF4-FFF2-40B4-BE49-F238E27FC236}">
-                <a16:creationId xmlns:a16="http://schemas.microsoft.com/office/drawing/2014/main" id="{42A85257-5CD4-A2E6-A10E-6E82E4D324DB}"/>
+          <p:cNvPr id="7" name="Immagine 6" descr="Immagine che contiene Carattere, simbolo, logo, cerchio&#10;&#10;Descrizione generata automaticamente">
+            <a:extLst>
+              <a:ext uri="{FF2B5EF4-FFF2-40B4-BE49-F238E27FC236}">
+                <a16:creationId xmlns:a16="http://schemas.microsoft.com/office/drawing/2014/main" id="{3C092F74-B6A9-A3F4-E68A-9D3A09A5E314}"/>
               </a:ext>
             </a:extLst>
           </p:cNvPr>
@@ -34866,10 +35232,10 @@
       </p:pic>
       <p:sp>
         <p:nvSpPr>
-          <p:cNvPr id="12" name="Segnaposto numero diapositiva 4">
-            <a:extLst>
-              <a:ext uri="{FF2B5EF4-FFF2-40B4-BE49-F238E27FC236}">
-                <a16:creationId xmlns:a16="http://schemas.microsoft.com/office/drawing/2014/main" id="{05141BDD-D114-AFD4-B1E7-08E0B458C1C0}"/>
+          <p:cNvPr id="9" name="Segnaposto numero diapositiva 4">
+            <a:extLst>
+              <a:ext uri="{FF2B5EF4-FFF2-40B4-BE49-F238E27FC236}">
+                <a16:creationId xmlns:a16="http://schemas.microsoft.com/office/drawing/2014/main" id="{12C9E95B-647D-C4E1-5030-14D4C0102172}"/>
               </a:ext>
             </a:extLst>
           </p:cNvPr>
@@ -34910,7 +35276,7 @@
     </p:spTree>
     <p:extLst>
       <p:ext uri="{BB962C8B-B14F-4D97-AF65-F5344CB8AC3E}">
-        <p14:creationId xmlns:p14="http://schemas.microsoft.com/office/powerpoint/2010/main" val="2391382602"/>
+        <p14:creationId xmlns:p14="http://schemas.microsoft.com/office/powerpoint/2010/main" val="2137864691"/>
       </p:ext>
     </p:extLst>
   </p:cSld>
@@ -34960,7 +35326,9 @@
           </a:xfrm>
         </p:spPr>
         <p:txBody>
-          <a:bodyPr/>
+          <a:bodyPr>
+            <a:normAutofit/>
+          </a:bodyPr>
           <a:lstStyle/>
           <a:p>
             <a:r>
@@ -34969,21 +35337,16 @@
                   <a:schemeClr val="accent1"/>
                 </a:solidFill>
               </a:rPr>
-              <a:t>Scelte di progetto – Architettura: </a:t>
-            </a:r>
-            <a:r>
-              <a:rPr lang="it-IT" dirty="0" err="1">
+              <a:t>Scelte di progetto – </a:t>
+            </a:r>
+            <a:r>
+              <a:rPr lang="it-IT" dirty="0">
                 <a:solidFill>
                   <a:schemeClr val="accent4"/>
                 </a:solidFill>
               </a:rPr>
-              <a:t>Urls</a:t>
-            </a:r>
-            <a:endParaRPr lang="it-IT" dirty="0">
-              <a:solidFill>
-                <a:schemeClr val="accent4"/>
-              </a:solidFill>
-            </a:endParaRPr>
+              <a:t>Template con Bootstrap  </a:t>
+            </a:r>
           </a:p>
         </p:txBody>
       </p:sp>
@@ -35031,65 +35394,7 @@
         <p:spPr>
           <a:xfrm>
             <a:off x="1207358" y="1215802"/>
-            <a:ext cx="9942990" cy="646331"/>
-          </a:xfrm>
-          <a:prstGeom prst="rect">
-            <a:avLst/>
-          </a:prstGeom>
-          <a:noFill/>
-        </p:spPr>
-        <p:txBody>
-          <a:bodyPr wrap="square" rtlCol="0">
-            <a:spAutoFit/>
-          </a:bodyPr>
-          <a:lstStyle/>
-          <a:p>
-            <a:r>
-              <a:rPr lang="it-IT" dirty="0"/>
-              <a:t>Nel file </a:t>
-            </a:r>
-            <a:r>
-              <a:rPr lang="it-IT" b="1" dirty="0"/>
-              <a:t>urls.py</a:t>
-            </a:r>
-            <a:r>
-              <a:rPr lang="it-IT" dirty="0"/>
-              <a:t>, abbiamo definito tutti i percorsi URL necessari per il sito.</a:t>
-            </a:r>
-          </a:p>
-          <a:p>
-            <a:r>
-              <a:rPr lang="it-IT" dirty="0"/>
-              <a:t>Ovvero indirizza le varie richieste HTTP alle funzioni definite in </a:t>
-            </a:r>
-            <a:r>
-              <a:rPr lang="it-IT" b="1" dirty="0"/>
-              <a:t>views.py </a:t>
-            </a:r>
-            <a:r>
-              <a:rPr lang="it-IT" dirty="0"/>
-              <a:t>appropriate.</a:t>
-            </a:r>
-            <a:endParaRPr lang="it-IT" sz="1800" dirty="0"/>
-          </a:p>
-        </p:txBody>
-      </p:sp>
-      <p:sp>
-        <p:nvSpPr>
-          <p:cNvPr id="4" name="CasellaDiTesto 3">
-            <a:extLst>
-              <a:ext uri="{FF2B5EF4-FFF2-40B4-BE49-F238E27FC236}">
-                <a16:creationId xmlns:a16="http://schemas.microsoft.com/office/drawing/2014/main" id="{5EB31EDB-41BF-02BE-7213-46B2A099171D}"/>
-              </a:ext>
-            </a:extLst>
-          </p:cNvPr>
-          <p:cNvSpPr txBox="1"/>
-          <p:nvPr/>
-        </p:nvSpPr>
-        <p:spPr>
-          <a:xfrm>
-            <a:off x="1207358" y="1915983"/>
-            <a:ext cx="9942990" cy="1298882"/>
+            <a:ext cx="9942990" cy="426207"/>
           </a:xfrm>
           <a:prstGeom prst="rect">
             <a:avLst/>
@@ -35108,263 +35413,22 @@
               </a:lnSpc>
             </a:pPr>
             <a:r>
-              <a:rPr lang="it-IT" dirty="0"/>
-              <a:t>Per quanto riguarda il nostro progetto, abbiamo definito i percorsi per:</a:t>
-            </a:r>
-          </a:p>
-          <a:p>
-            <a:pPr marL="285750" indent="-285750">
-              <a:lnSpc>
-                <a:spcPct val="150000"/>
-              </a:lnSpc>
-              <a:buFontTx/>
-              <a:buChar char="-"/>
-            </a:pPr>
-            <a:r>
-              <a:rPr lang="it-IT" dirty="0"/>
-              <a:t>Passare i dati alle tabelle applicando anche i vari filtri</a:t>
-            </a:r>
-          </a:p>
-          <a:p>
-            <a:pPr marL="285750" indent="-285750">
-              <a:lnSpc>
-                <a:spcPct val="150000"/>
-              </a:lnSpc>
-              <a:buFontTx/>
-              <a:buChar char="-"/>
-            </a:pPr>
-            <a:r>
-              <a:rPr lang="it-IT" dirty="0"/>
-              <a:t>Eseguire le operazioni di CRUD</a:t>
-            </a:r>
-          </a:p>
-        </p:txBody>
-      </p:sp>
-      <p:sp>
-        <p:nvSpPr>
-          <p:cNvPr id="5" name="CasellaDiTesto 4">
-            <a:extLst>
-              <a:ext uri="{FF2B5EF4-FFF2-40B4-BE49-F238E27FC236}">
-                <a16:creationId xmlns:a16="http://schemas.microsoft.com/office/drawing/2014/main" id="{F1207CF6-996E-73B7-91B9-C844DC0D98D9}"/>
-              </a:ext>
-            </a:extLst>
-          </p:cNvPr>
-          <p:cNvSpPr txBox="1"/>
-          <p:nvPr/>
-        </p:nvSpPr>
-        <p:spPr>
-          <a:xfrm>
-            <a:off x="1207358" y="3492188"/>
-            <a:ext cx="9942990" cy="369332"/>
-          </a:xfrm>
-          <a:prstGeom prst="rect">
-            <a:avLst/>
-          </a:prstGeom>
-          <a:noFill/>
-        </p:spPr>
-        <p:txBody>
-          <a:bodyPr wrap="square" rtlCol="0">
-            <a:spAutoFit/>
-          </a:bodyPr>
-          <a:lstStyle/>
-          <a:p>
-            <a:r>
-              <a:rPr lang="it-IT" dirty="0"/>
-              <a:t>All’interno di </a:t>
-            </a:r>
-            <a:r>
-              <a:rPr lang="it-IT" b="1" dirty="0" err="1"/>
-              <a:t>urlpatterns</a:t>
-            </a:r>
-            <a:r>
-              <a:rPr lang="it-IT" dirty="0"/>
-              <a:t>, abbiamo inserito i vari percorsi come ad esempio:</a:t>
-            </a:r>
-          </a:p>
-        </p:txBody>
-      </p:sp>
-      <p:sp>
-        <p:nvSpPr>
-          <p:cNvPr id="7" name="CasellaDiTesto 6">
-            <a:extLst>
-              <a:ext uri="{FF2B5EF4-FFF2-40B4-BE49-F238E27FC236}">
-                <a16:creationId xmlns:a16="http://schemas.microsoft.com/office/drawing/2014/main" id="{B8E25596-5796-A48C-7209-3BC470260570}"/>
-              </a:ext>
-            </a:extLst>
-          </p:cNvPr>
-          <p:cNvSpPr txBox="1"/>
-          <p:nvPr/>
-        </p:nvSpPr>
-        <p:spPr>
-          <a:xfrm>
-            <a:off x="1546867" y="3916245"/>
-            <a:ext cx="6056200" cy="338554"/>
-          </a:xfrm>
-          <a:prstGeom prst="rect">
-            <a:avLst/>
-          </a:prstGeom>
-          <a:noFill/>
-        </p:spPr>
-        <p:txBody>
-          <a:bodyPr wrap="square" rtlCol="0">
-            <a:spAutoFit/>
-          </a:bodyPr>
-          <a:lstStyle/>
-          <a:p>
-            <a:r>
-              <a:rPr lang="it-IT" sz="1600" dirty="0" err="1"/>
-              <a:t>path</a:t>
-            </a:r>
-            <a:r>
               <a:rPr lang="it-IT" sz="1600" dirty="0"/>
-              <a:t>(‘patologia/’ </a:t>
-            </a:r>
-            <a:r>
-              <a:rPr lang="it-IT" sz="1600" dirty="0" err="1"/>
-              <a:t>searchPatologie</a:t>
-            </a:r>
-            <a:r>
-              <a:rPr lang="it-IT" sz="1600" dirty="0"/>
-              <a:t>, </a:t>
-            </a:r>
-            <a:r>
-              <a:rPr lang="it-IT" sz="1600" dirty="0">
-                <a:solidFill>
-                  <a:schemeClr val="accent2"/>
-                </a:solidFill>
-              </a:rPr>
-              <a:t>name</a:t>
-            </a:r>
-            <a:r>
-              <a:rPr lang="it-IT" sz="1600" dirty="0"/>
-              <a:t>=</a:t>
-            </a:r>
-            <a:r>
-              <a:rPr lang="it-IT" sz="1600" dirty="0">
-                <a:solidFill>
-                  <a:schemeClr val="accent3"/>
-                </a:solidFill>
-              </a:rPr>
-              <a:t>‘</a:t>
-            </a:r>
-            <a:r>
-              <a:rPr lang="it-IT" sz="1600" dirty="0" err="1">
-                <a:solidFill>
-                  <a:schemeClr val="accent3"/>
-                </a:solidFill>
-              </a:rPr>
-              <a:t>listaPat</a:t>
-            </a:r>
-            <a:r>
-              <a:rPr lang="it-IT" sz="1600" dirty="0">
-                <a:solidFill>
-                  <a:schemeClr val="accent3"/>
-                </a:solidFill>
-              </a:rPr>
-              <a:t>’)</a:t>
-            </a:r>
-          </a:p>
-        </p:txBody>
-      </p:sp>
-      <p:sp>
-        <p:nvSpPr>
-          <p:cNvPr id="8" name="CasellaDiTesto 7">
-            <a:extLst>
-              <a:ext uri="{FF2B5EF4-FFF2-40B4-BE49-F238E27FC236}">
-                <a16:creationId xmlns:a16="http://schemas.microsoft.com/office/drawing/2014/main" id="{B309D28F-704B-8B4B-267B-FFF8CAADB039}"/>
-              </a:ext>
-            </a:extLst>
-          </p:cNvPr>
-          <p:cNvSpPr txBox="1"/>
-          <p:nvPr/>
-        </p:nvSpPr>
-        <p:spPr>
-          <a:xfrm>
-            <a:off x="6381334" y="3862804"/>
-            <a:ext cx="5226466" cy="1353960"/>
-          </a:xfrm>
-          <a:prstGeom prst="rect">
-            <a:avLst/>
-          </a:prstGeom>
-          <a:noFill/>
-        </p:spPr>
-        <p:txBody>
-          <a:bodyPr wrap="square" rtlCol="0">
-            <a:spAutoFit/>
-          </a:bodyPr>
-          <a:lstStyle/>
-          <a:p>
-            <a:pPr>
-              <a:lnSpc>
-                <a:spcPct val="150000"/>
-              </a:lnSpc>
-            </a:pPr>
-            <a:r>
-              <a:rPr lang="it-IT" sz="1400" dirty="0"/>
-              <a:t>Dove:</a:t>
-            </a:r>
-          </a:p>
-          <a:p>
-            <a:pPr>
-              <a:lnSpc>
-                <a:spcPct val="150000"/>
-              </a:lnSpc>
-            </a:pPr>
-            <a:r>
-              <a:rPr lang="it-IT" sz="1400" dirty="0"/>
-              <a:t>‘patologia/’ : indica </a:t>
-            </a:r>
-            <a:r>
-              <a:rPr lang="it-IT" sz="1400" dirty="0" err="1"/>
-              <a:t>l’url</a:t>
-            </a:r>
-            <a:r>
-              <a:rPr lang="it-IT" sz="1400" dirty="0"/>
-              <a:t> a cui verrà applicata la funzione</a:t>
-            </a:r>
-          </a:p>
-          <a:p>
-            <a:pPr>
-              <a:lnSpc>
-                <a:spcPct val="150000"/>
-              </a:lnSpc>
-            </a:pPr>
-            <a:r>
-              <a:rPr lang="it-IT" sz="1400" dirty="0" err="1"/>
-              <a:t>searchPatologie</a:t>
-            </a:r>
-            <a:r>
-              <a:rPr lang="it-IT" sz="1400" dirty="0"/>
-              <a:t> : è il nome della funzione definita in views.py</a:t>
-            </a:r>
-          </a:p>
-          <a:p>
-            <a:pPr>
-              <a:lnSpc>
-                <a:spcPct val="150000"/>
-              </a:lnSpc>
-            </a:pPr>
-            <a:r>
-              <a:rPr lang="it-IT" sz="1400" dirty="0"/>
-              <a:t>name= ‘</a:t>
-            </a:r>
-            <a:r>
-              <a:rPr lang="it-IT" sz="1400" dirty="0" err="1"/>
-              <a:t>listaPat</a:t>
-            </a:r>
-            <a:r>
-              <a:rPr lang="it-IT" sz="1400" dirty="0"/>
-              <a:t>’ è il nome univoco associato a quel percorso </a:t>
+              <a:t>Per la realizzazione dei template, a differenza del primo progetto è stato utilizzato anche il framework </a:t>
+            </a:r>
+            <a:r>
+              <a:rPr lang="it-IT" sz="1600" b="1" dirty="0"/>
+              <a:t>Bootstrap</a:t>
             </a:r>
           </a:p>
         </p:txBody>
       </p:sp>
       <p:pic>
         <p:nvPicPr>
-          <p:cNvPr id="10" name="Immagine 9" descr="Immagine che contiene Carattere, simbolo, logo, cerchio&#10;&#10;Descrizione generata automaticamente">
-            <a:extLst>
-              <a:ext uri="{FF2B5EF4-FFF2-40B4-BE49-F238E27FC236}">
-                <a16:creationId xmlns:a16="http://schemas.microsoft.com/office/drawing/2014/main" id="{8F81538B-9C8E-61B4-E1CA-62AC3C2F7C85}"/>
+          <p:cNvPr id="7" name="Immagine 6" descr="Immagine che contiene Carattere, simbolo, logo, cerchio&#10;&#10;Descrizione generata automaticamente">
+            <a:extLst>
+              <a:ext uri="{FF2B5EF4-FFF2-40B4-BE49-F238E27FC236}">
+                <a16:creationId xmlns:a16="http://schemas.microsoft.com/office/drawing/2014/main" id="{3C092F74-B6A9-A3F4-E68A-9D3A09A5E314}"/>
               </a:ext>
             </a:extLst>
           </p:cNvPr>
@@ -35391,10 +35455,10 @@
       </p:pic>
       <p:sp>
         <p:nvSpPr>
-          <p:cNvPr id="12" name="Segnaposto numero diapositiva 4">
-            <a:extLst>
-              <a:ext uri="{FF2B5EF4-FFF2-40B4-BE49-F238E27FC236}">
-                <a16:creationId xmlns:a16="http://schemas.microsoft.com/office/drawing/2014/main" id="{C0EF2CA4-8E84-C9F2-ABAD-E04E9C0FC1BA}"/>
+          <p:cNvPr id="9" name="Segnaposto numero diapositiva 4">
+            <a:extLst>
+              <a:ext uri="{FF2B5EF4-FFF2-40B4-BE49-F238E27FC236}">
+                <a16:creationId xmlns:a16="http://schemas.microsoft.com/office/drawing/2014/main" id="{12C9E95B-647D-C4E1-5030-14D4C0102172}"/>
               </a:ext>
             </a:extLst>
           </p:cNvPr>
@@ -35432,10 +35496,155 @@
           </a:p>
         </p:txBody>
       </p:sp>
+      <p:sp>
+        <p:nvSpPr>
+          <p:cNvPr id="5" name="CasellaDiTesto 4">
+            <a:extLst>
+              <a:ext uri="{FF2B5EF4-FFF2-40B4-BE49-F238E27FC236}">
+                <a16:creationId xmlns:a16="http://schemas.microsoft.com/office/drawing/2014/main" id="{5A292B38-2AD2-18DB-6F74-8840DDAF29A8}"/>
+              </a:ext>
+            </a:extLst>
+          </p:cNvPr>
+          <p:cNvSpPr txBox="1"/>
+          <p:nvPr/>
+        </p:nvSpPr>
+        <p:spPr>
+          <a:xfrm>
+            <a:off x="1215105" y="1764890"/>
+            <a:ext cx="9942990" cy="1534203"/>
+          </a:xfrm>
+          <a:prstGeom prst="rect">
+            <a:avLst/>
+          </a:prstGeom>
+          <a:noFill/>
+        </p:spPr>
+        <p:txBody>
+          <a:bodyPr wrap="square" rtlCol="0">
+            <a:spAutoFit/>
+          </a:bodyPr>
+          <a:lstStyle/>
+          <a:p>
+            <a:pPr>
+              <a:lnSpc>
+                <a:spcPct val="150000"/>
+              </a:lnSpc>
+            </a:pPr>
+            <a:r>
+              <a:rPr lang="it-IT" sz="1600" dirty="0"/>
+              <a:t>Principalmente è stato usato per la realizzazione di:</a:t>
+            </a:r>
+          </a:p>
+          <a:p>
+            <a:pPr marL="285750" indent="-285750">
+              <a:lnSpc>
+                <a:spcPct val="150000"/>
+              </a:lnSpc>
+              <a:buFontTx/>
+              <a:buChar char="-"/>
+            </a:pPr>
+            <a:r>
+              <a:rPr lang="it-IT" sz="1600" b="1" dirty="0"/>
+              <a:t>Barra di navigazione</a:t>
+            </a:r>
+          </a:p>
+          <a:p>
+            <a:pPr marL="285750" indent="-285750">
+              <a:lnSpc>
+                <a:spcPct val="150000"/>
+              </a:lnSpc>
+              <a:buFontTx/>
+              <a:buChar char="-"/>
+            </a:pPr>
+            <a:r>
+              <a:rPr lang="it-IT" sz="1600" b="1" dirty="0"/>
+              <a:t>Barra di ricerca</a:t>
+            </a:r>
+          </a:p>
+          <a:p>
+            <a:pPr marL="285750" indent="-285750">
+              <a:lnSpc>
+                <a:spcPct val="150000"/>
+              </a:lnSpc>
+              <a:buFontTx/>
+              <a:buChar char="-"/>
+            </a:pPr>
+            <a:r>
+              <a:rPr lang="it-IT" sz="1600" b="1" dirty="0"/>
+              <a:t>Tabella</a:t>
+            </a:r>
+          </a:p>
+        </p:txBody>
+      </p:sp>
+      <p:sp>
+        <p:nvSpPr>
+          <p:cNvPr id="6" name="CasellaDiTesto 5">
+            <a:extLst>
+              <a:ext uri="{FF2B5EF4-FFF2-40B4-BE49-F238E27FC236}">
+                <a16:creationId xmlns:a16="http://schemas.microsoft.com/office/drawing/2014/main" id="{25571174-8D8E-76D8-2ED0-6F3655CF394D}"/>
+              </a:ext>
+            </a:extLst>
+          </p:cNvPr>
+          <p:cNvSpPr txBox="1"/>
+          <p:nvPr/>
+        </p:nvSpPr>
+        <p:spPr>
+          <a:xfrm>
+            <a:off x="1207358" y="3637530"/>
+            <a:ext cx="9942990" cy="1077218"/>
+          </a:xfrm>
+          <a:prstGeom prst="rect">
+            <a:avLst/>
+          </a:prstGeom>
+          <a:noFill/>
+        </p:spPr>
+        <p:txBody>
+          <a:bodyPr wrap="square" rtlCol="0">
+            <a:spAutoFit/>
+          </a:bodyPr>
+          <a:lstStyle/>
+          <a:p>
+            <a:r>
+              <a:rPr lang="it-IT" sz="1600" dirty="0"/>
+              <a:t>Ad esempio, per quanto riguarda la tabella, abbiamo usato la classe di Bootstrap: </a:t>
+            </a:r>
+            <a:r>
+              <a:rPr lang="it-IT" sz="1600" b="1" dirty="0" err="1"/>
+              <a:t>table-striped</a:t>
+            </a:r>
+            <a:r>
+              <a:rPr lang="it-IT" sz="1600" dirty="0"/>
+              <a:t>.</a:t>
+            </a:r>
+          </a:p>
+          <a:p>
+            <a:r>
+              <a:rPr lang="it-IT" sz="1600" dirty="0"/>
+              <a:t>Questa classe</a:t>
+            </a:r>
+            <a:r>
+              <a:rPr lang="it-IT" sz="1600" b="1" dirty="0"/>
+              <a:t> </a:t>
+            </a:r>
+            <a:r>
+              <a:rPr lang="it-IT" sz="1600" dirty="0"/>
+              <a:t>permette di visualizzare le righe della tabella con un colore di sfondo alternato. La tabella è stata inoltre inserita all’interno di un container-</a:t>
+            </a:r>
+            <a:r>
+              <a:rPr lang="it-IT" sz="1600" dirty="0" err="1"/>
+              <a:t>fluid</a:t>
+            </a:r>
+            <a:r>
+              <a:rPr lang="it-IT" sz="1600" dirty="0"/>
+              <a:t> che le permette di occupare sempre tutto lo spazio che vi è a disposizione.</a:t>
+            </a:r>
+            <a:endParaRPr lang="it-IT" sz="1600" b="1" dirty="0"/>
+          </a:p>
+        </p:txBody>
+      </p:sp>
     </p:spTree>
     <p:extLst>
       <p:ext uri="{BB962C8B-B14F-4D97-AF65-F5344CB8AC3E}">
-        <p14:creationId xmlns:p14="http://schemas.microsoft.com/office/powerpoint/2010/main" val="3575643844"/>
+        <p14:creationId xmlns:p14="http://schemas.microsoft.com/office/powerpoint/2010/main" val="3296994244"/>
       </p:ext>
     </p:extLst>
   </p:cSld>
@@ -35494,8 +35703,21 @@
                   <a:schemeClr val="accent1"/>
                 </a:solidFill>
               </a:rPr>
-              <a:t>Scelte di progetto - Admin</a:t>
-            </a:r>
+              <a:t>Scelte di progetto – Architettura: </a:t>
+            </a:r>
+            <a:r>
+              <a:rPr lang="it-IT" dirty="0" err="1">
+                <a:solidFill>
+                  <a:schemeClr val="accent4"/>
+                </a:solidFill>
+              </a:rPr>
+              <a:t>View</a:t>
+            </a:r>
+            <a:endParaRPr lang="it-IT" dirty="0">
+              <a:solidFill>
+                <a:schemeClr val="accent4"/>
+              </a:solidFill>
+            </a:endParaRPr>
           </a:p>
         </p:txBody>
       </p:sp>
@@ -35543,7 +35765,7 @@
         <p:spPr>
           <a:xfrm>
             <a:off x="1207358" y="1215802"/>
-            <a:ext cx="9942990" cy="1754326"/>
+            <a:ext cx="9942990" cy="1200329"/>
           </a:xfrm>
           <a:prstGeom prst="rect">
             <a:avLst/>
@@ -35558,48 +35780,46 @@
           <a:p>
             <a:r>
               <a:rPr lang="it-IT" dirty="0"/>
-              <a:t>Le varie tabelle sono visibili anche nella sezione </a:t>
+              <a:t>Nel file </a:t>
             </a:r>
             <a:r>
               <a:rPr lang="it-IT" b="1" dirty="0"/>
-              <a:t>admin</a:t>
+              <a:t>views.py</a:t>
             </a:r>
             <a:r>
               <a:rPr lang="it-IT" dirty="0"/>
-              <a:t>.</a:t>
-            </a:r>
-          </a:p>
-          <a:p>
+              <a:t>, abbiamo definito tutte le funzioni di vista necessarie.</a:t>
+            </a:r>
+          </a:p>
+          <a:p>
+            <a:r>
+              <a:rPr lang="it-IT" sz="1800" dirty="0"/>
+              <a:t>Queste funzioni permettono d</a:t>
+            </a:r>
             <a:r>
               <a:rPr lang="it-IT" dirty="0"/>
-              <a:t>Nel file </a:t>
-            </a:r>
-            <a:r>
-              <a:rPr lang="it-IT" b="1" dirty="0"/>
-              <a:t>admin.py</a:t>
+              <a:t>i gestire le richieste HTTP in arrivo, determinando quali dati dei modelli sono necessari per ciascuna richiesta.</a:t>
+            </a:r>
+          </a:p>
+          <a:p>
+            <a:r>
+              <a:rPr lang="it-IT" sz="1800" dirty="0"/>
+              <a:t>Dopo aver recuperato i dati, viene preparat</a:t>
             </a:r>
             <a:r>
               <a:rPr lang="it-IT" dirty="0"/>
-              <a:t>, è infatti possibile vedere che è stata creata una classe per ogni tabelle che si vuole rendere visibile in questa sezione.</a:t>
-            </a:r>
-          </a:p>
-          <a:p>
-            <a:endParaRPr lang="it-IT" dirty="0"/>
-          </a:p>
-          <a:p>
-            <a:r>
-              <a:rPr lang="it-IT" dirty="0"/>
-              <a:t>Le tabelle sono state inserite in questa sezione per monitorarne il contenuto e se necessario apportarne delle modifiche.</a:t>
-            </a:r>
-          </a:p>
-        </p:txBody>
-      </p:sp>
-      <p:sp>
-        <p:nvSpPr>
-          <p:cNvPr id="4" name="CasellaDiTesto 3">
-            <a:extLst>
-              <a:ext uri="{FF2B5EF4-FFF2-40B4-BE49-F238E27FC236}">
-                <a16:creationId xmlns:a16="http://schemas.microsoft.com/office/drawing/2014/main" id="{EC29E027-FE96-25A4-F398-C698AEFD9AF3}"/>
+              <a:t>a la risposta HTTP che li contiene.</a:t>
+            </a:r>
+            <a:endParaRPr lang="it-IT" sz="1800" dirty="0"/>
+          </a:p>
+        </p:txBody>
+      </p:sp>
+      <p:sp>
+        <p:nvSpPr>
+          <p:cNvPr id="6" name="CasellaDiTesto 5">
+            <a:extLst>
+              <a:ext uri="{FF2B5EF4-FFF2-40B4-BE49-F238E27FC236}">
+                <a16:creationId xmlns:a16="http://schemas.microsoft.com/office/drawing/2014/main" id="{E5570277-DA8D-61E6-509F-DBD264ECFC3E}"/>
               </a:ext>
             </a:extLst>
           </p:cNvPr>
@@ -35608,8 +35828,8 @@
         </p:nvSpPr>
         <p:spPr>
           <a:xfrm>
-            <a:off x="1207358" y="3154668"/>
-            <a:ext cx="9942990" cy="883383"/>
+            <a:off x="1207358" y="2819663"/>
+            <a:ext cx="9942990" cy="1477328"/>
           </a:xfrm>
           <a:prstGeom prst="rect">
             <a:avLst/>
@@ -35622,121 +35842,40 @@
           </a:bodyPr>
           <a:lstStyle/>
           <a:p>
-            <a:pPr>
-              <a:lnSpc>
-                <a:spcPct val="150000"/>
-              </a:lnSpc>
-            </a:pPr>
-            <a:r>
-              <a:rPr lang="it-IT" dirty="0"/>
-              <a:t>Per accedere a questa sezione è sufficiente scrivere </a:t>
-            </a:r>
-            <a:r>
-              <a:rPr lang="it-IT" dirty="0" err="1"/>
-              <a:t>nell’url</a:t>
-            </a:r>
-            <a:r>
-              <a:rPr lang="it-IT" dirty="0"/>
-              <a:t> del browser:</a:t>
-            </a:r>
-          </a:p>
-          <a:p>
-            <a:pPr>
-              <a:lnSpc>
-                <a:spcPct val="150000"/>
-              </a:lnSpc>
-            </a:pPr>
-            <a:r>
-              <a:rPr lang="it-IT" dirty="0"/>
-              <a:t>« </a:t>
-            </a:r>
-            <a:r>
-              <a:rPr lang="it-IT" dirty="0">
-                <a:hlinkClick r:id="rId2"/>
+            <a:r>
+              <a:rPr lang="it-IT" b="0" i="0" dirty="0">
+                <a:solidFill>
+                  <a:srgbClr val="111111"/>
+                </a:solidFill>
+                <a:effectLst/>
               </a:rPr>
-              <a:t>http://localhost:8000/admin/</a:t>
-            </a:r>
-            <a:r>
-              <a:rPr lang="it-IT" dirty="0"/>
-              <a:t> »</a:t>
-            </a:r>
-          </a:p>
-        </p:txBody>
-      </p:sp>
-      <p:sp>
-        <p:nvSpPr>
-          <p:cNvPr id="5" name="CasellaDiTesto 4">
-            <a:extLst>
-              <a:ext uri="{FF2B5EF4-FFF2-40B4-BE49-F238E27FC236}">
-                <a16:creationId xmlns:a16="http://schemas.microsoft.com/office/drawing/2014/main" id="{CD7F6B4B-BBC1-E200-55C1-D2F438B76209}"/>
-              </a:ext>
-            </a:extLst>
-          </p:cNvPr>
-          <p:cNvSpPr txBox="1"/>
-          <p:nvPr/>
-        </p:nvSpPr>
-        <p:spPr>
-          <a:xfrm>
-            <a:off x="1207358" y="4185929"/>
-            <a:ext cx="9942990" cy="1200329"/>
-          </a:xfrm>
-          <a:prstGeom prst="rect">
-            <a:avLst/>
-          </a:prstGeom>
-          <a:noFill/>
-        </p:spPr>
-        <p:txBody>
-          <a:bodyPr wrap="square" rtlCol="0">
-            <a:spAutoFit/>
-          </a:bodyPr>
-          <a:lstStyle/>
-          <a:p>
-            <a:r>
-              <a:rPr lang="it-IT" dirty="0"/>
-              <a:t>Se le credenziali non sono già state create, è possibile aggiungere un utente dal terminale con il comando: </a:t>
-            </a:r>
-            <a:r>
-              <a:rPr lang="it-IT" dirty="0" err="1"/>
-              <a:t>python</a:t>
-            </a:r>
-            <a:r>
-              <a:rPr lang="it-IT" dirty="0"/>
-              <a:t> manage.py </a:t>
-            </a:r>
-            <a:r>
-              <a:rPr lang="it-IT" dirty="0" err="1"/>
-              <a:t>createsuperuser</a:t>
-            </a:r>
-            <a:r>
-              <a:rPr lang="it-IT" dirty="0"/>
-              <a:t> </a:t>
-            </a:r>
-          </a:p>
-          <a:p>
-            <a:endParaRPr lang="it-IT" dirty="0"/>
-          </a:p>
-          <a:p>
-            <a:r>
-              <a:rPr lang="it-IT" dirty="0">
+              <a:t>Nello specifico, abbiamo definito funzioni che consentono di filtrare le tabelle. Questo può essere fatto sia utilizzando il modulo di ricerca inserito nella barra di ricerca del sito web, sia cliccando sui link presenti nelle celle delle varie tabelle.</a:t>
+            </a:r>
+          </a:p>
+          <a:p>
+            <a:r>
+              <a:rPr lang="it-IT" b="0" i="0" dirty="0">
                 <a:solidFill>
-                  <a:srgbClr val="FF0000"/>
+                  <a:srgbClr val="111111"/>
                 </a:solidFill>
+                <a:effectLst/>
               </a:rPr>
-              <a:t>NOTA: </a:t>
-            </a:r>
-            <a:r>
-              <a:rPr lang="it-IT" dirty="0"/>
-              <a:t>il comando funziona se si è all’interno dell’ambiente virtuale Django (slide 5)</a:t>
-            </a:r>
+              <a:t>Inoltre nel file views.py sono state inserite delle classi e delle funzioni necessarie per effettuare le operazioni di CRUD</a:t>
+            </a:r>
+            <a:endParaRPr lang="it-IT" dirty="0">
+              <a:solidFill>
+                <a:srgbClr val="111111"/>
+              </a:solidFill>
+            </a:endParaRPr>
           </a:p>
         </p:txBody>
       </p:sp>
       <p:pic>
         <p:nvPicPr>
-          <p:cNvPr id="7" name="Immagine 6" descr="Immagine che contiene Carattere, simbolo, logo, cerchio&#10;&#10;Descrizione generata automaticamente">
-            <a:extLst>
-              <a:ext uri="{FF2B5EF4-FFF2-40B4-BE49-F238E27FC236}">
-                <a16:creationId xmlns:a16="http://schemas.microsoft.com/office/drawing/2014/main" id="{69DED9F1-83E6-19FB-6A4E-9D2E20598D3D}"/>
+          <p:cNvPr id="10" name="Immagine 9" descr="Immagine che contiene Carattere, simbolo, logo, cerchio&#10;&#10;Descrizione generata automaticamente">
+            <a:extLst>
+              <a:ext uri="{FF2B5EF4-FFF2-40B4-BE49-F238E27FC236}">
+                <a16:creationId xmlns:a16="http://schemas.microsoft.com/office/drawing/2014/main" id="{42A85257-5CD4-A2E6-A10E-6E82E4D324DB}"/>
               </a:ext>
             </a:extLst>
           </p:cNvPr>
@@ -35746,7 +35885,7 @@
           <p:nvPr/>
         </p:nvPicPr>
         <p:blipFill>
-          <a:blip r:embed="rId3"/>
+          <a:blip r:embed="rId2"/>
           <a:stretch>
             <a:fillRect/>
           </a:stretch>
@@ -35763,10 +35902,10 @@
       </p:pic>
       <p:sp>
         <p:nvSpPr>
-          <p:cNvPr id="8" name="Segnaposto numero diapositiva 4">
-            <a:extLst>
-              <a:ext uri="{FF2B5EF4-FFF2-40B4-BE49-F238E27FC236}">
-                <a16:creationId xmlns:a16="http://schemas.microsoft.com/office/drawing/2014/main" id="{2D754621-4430-DA91-8761-1E383DE5C33B}"/>
+          <p:cNvPr id="12" name="Segnaposto numero diapositiva 4">
+            <a:extLst>
+              <a:ext uri="{FF2B5EF4-FFF2-40B4-BE49-F238E27FC236}">
+                <a16:creationId xmlns:a16="http://schemas.microsoft.com/office/drawing/2014/main" id="{05141BDD-D114-AFD4-B1E7-08E0B458C1C0}"/>
               </a:ext>
             </a:extLst>
           </p:cNvPr>
@@ -35804,10 +35943,250 @@
           </a:p>
         </p:txBody>
       </p:sp>
+      <p:sp>
+        <p:nvSpPr>
+          <p:cNvPr id="4" name="CasellaDiTesto 3">
+            <a:extLst>
+              <a:ext uri="{FF2B5EF4-FFF2-40B4-BE49-F238E27FC236}">
+                <a16:creationId xmlns:a16="http://schemas.microsoft.com/office/drawing/2014/main" id="{C1272DDB-0302-4B28-4B48-C1A41F5F7EE9}"/>
+              </a:ext>
+            </a:extLst>
+          </p:cNvPr>
+          <p:cNvSpPr txBox="1"/>
+          <p:nvPr/>
+        </p:nvSpPr>
+        <p:spPr>
+          <a:xfrm>
+            <a:off x="3742129" y="4875499"/>
+            <a:ext cx="4184913" cy="861774"/>
+          </a:xfrm>
+          <a:prstGeom prst="rect">
+            <a:avLst/>
+          </a:prstGeom>
+          <a:noFill/>
+        </p:spPr>
+        <p:txBody>
+          <a:bodyPr wrap="square" rtlCol="0">
+            <a:spAutoFit/>
+          </a:bodyPr>
+          <a:lstStyle/>
+          <a:p>
+            <a:r>
+              <a:rPr lang="it-IT" sz="1000" dirty="0">
+                <a:solidFill>
+                  <a:schemeClr val="accent2"/>
+                </a:solidFill>
+              </a:rPr>
+              <a:t>class</a:t>
+            </a:r>
+            <a:r>
+              <a:rPr lang="it-IT" sz="1000" dirty="0"/>
+              <a:t> </a:t>
+            </a:r>
+            <a:r>
+              <a:rPr lang="it-IT" sz="1000" dirty="0" err="1"/>
+              <a:t>RicoveroTableCreate</a:t>
+            </a:r>
+            <a:r>
+              <a:rPr lang="it-IT" sz="1000" dirty="0"/>
+              <a:t>(</a:t>
+            </a:r>
+            <a:r>
+              <a:rPr lang="it-IT" sz="1000" dirty="0" err="1"/>
+              <a:t>CreateView</a:t>
+            </a:r>
+            <a:r>
+              <a:rPr lang="it-IT" sz="1000" dirty="0"/>
+              <a:t>):</a:t>
+            </a:r>
+          </a:p>
+          <a:p>
+            <a:r>
+              <a:rPr lang="it-IT" sz="1000" dirty="0"/>
+              <a:t>    model = </a:t>
+            </a:r>
+            <a:r>
+              <a:rPr lang="it-IT" sz="1000" dirty="0" err="1"/>
+              <a:t>RicoveroTable</a:t>
+            </a:r>
+            <a:endParaRPr lang="it-IT" sz="1000" dirty="0"/>
+          </a:p>
+          <a:p>
+            <a:r>
+              <a:rPr lang="it-IT" sz="1000" dirty="0"/>
+              <a:t>    </a:t>
+            </a:r>
+            <a:r>
+              <a:rPr lang="it-IT" sz="1000" dirty="0" err="1"/>
+              <a:t>form_class</a:t>
+            </a:r>
+            <a:r>
+              <a:rPr lang="it-IT" sz="1000" dirty="0"/>
+              <a:t> = </a:t>
+            </a:r>
+            <a:r>
+              <a:rPr lang="it-IT" sz="1000" dirty="0" err="1"/>
+              <a:t>RicoveroTableForm</a:t>
+            </a:r>
+            <a:endParaRPr lang="it-IT" sz="1000" dirty="0"/>
+          </a:p>
+          <a:p>
+            <a:r>
+              <a:rPr lang="it-IT" sz="1000" dirty="0"/>
+              <a:t>    </a:t>
+            </a:r>
+            <a:r>
+              <a:rPr lang="it-IT" sz="1000" dirty="0" err="1"/>
+              <a:t>template_name</a:t>
+            </a:r>
+            <a:r>
+              <a:rPr lang="it-IT" sz="1000" dirty="0"/>
+              <a:t> = </a:t>
+            </a:r>
+            <a:r>
+              <a:rPr lang="it-IT" sz="1000" dirty="0">
+                <a:solidFill>
+                  <a:schemeClr val="accent3"/>
+                </a:solidFill>
+              </a:rPr>
+              <a:t>'crud.html'</a:t>
+            </a:r>
+          </a:p>
+          <a:p>
+            <a:r>
+              <a:rPr lang="it-IT" sz="1000" dirty="0"/>
+              <a:t>    </a:t>
+            </a:r>
+            <a:r>
+              <a:rPr lang="it-IT" sz="1000" dirty="0" err="1"/>
+              <a:t>success_url</a:t>
+            </a:r>
+            <a:r>
+              <a:rPr lang="it-IT" sz="1000" dirty="0"/>
+              <a:t> = </a:t>
+            </a:r>
+            <a:r>
+              <a:rPr lang="it-IT" sz="1000" dirty="0" err="1"/>
+              <a:t>reverse_lazy</a:t>
+            </a:r>
+            <a:r>
+              <a:rPr lang="it-IT" sz="1000" dirty="0"/>
+              <a:t>(</a:t>
+            </a:r>
+            <a:r>
+              <a:rPr lang="it-IT" sz="1000" dirty="0">
+                <a:solidFill>
+                  <a:schemeClr val="accent3"/>
+                </a:solidFill>
+              </a:rPr>
+              <a:t>'</a:t>
+            </a:r>
+            <a:r>
+              <a:rPr lang="it-IT" sz="1000" dirty="0" err="1">
+                <a:solidFill>
+                  <a:schemeClr val="accent3"/>
+                </a:solidFill>
+              </a:rPr>
+              <a:t>listaRic</a:t>
+            </a:r>
+            <a:r>
+              <a:rPr lang="it-IT" sz="1000" dirty="0">
+                <a:solidFill>
+                  <a:schemeClr val="accent3"/>
+                </a:solidFill>
+              </a:rPr>
+              <a:t>')</a:t>
+            </a:r>
+          </a:p>
+        </p:txBody>
+      </p:sp>
+      <p:sp>
+        <p:nvSpPr>
+          <p:cNvPr id="5" name="CasellaDiTesto 4">
+            <a:extLst>
+              <a:ext uri="{FF2B5EF4-FFF2-40B4-BE49-F238E27FC236}">
+                <a16:creationId xmlns:a16="http://schemas.microsoft.com/office/drawing/2014/main" id="{EC5833A6-167A-FE1A-20FD-DC3C000B1884}"/>
+              </a:ext>
+            </a:extLst>
+          </p:cNvPr>
+          <p:cNvSpPr txBox="1"/>
+          <p:nvPr/>
+        </p:nvSpPr>
+        <p:spPr>
+          <a:xfrm>
+            <a:off x="1207358" y="4520024"/>
+            <a:ext cx="2774576" cy="646331"/>
+          </a:xfrm>
+          <a:prstGeom prst="rect">
+            <a:avLst/>
+          </a:prstGeom>
+          <a:noFill/>
+        </p:spPr>
+        <p:txBody>
+          <a:bodyPr wrap="square" rtlCol="0">
+            <a:spAutoFit/>
+          </a:bodyPr>
+          <a:lstStyle/>
+          <a:p>
+            <a:r>
+              <a:rPr lang="it-IT" dirty="0"/>
+              <a:t>Esempio di classe per l’operazione di create:</a:t>
+            </a:r>
+          </a:p>
+        </p:txBody>
+      </p:sp>
+      <p:sp>
+        <p:nvSpPr>
+          <p:cNvPr id="7" name="CasellaDiTesto 6">
+            <a:extLst>
+              <a:ext uri="{FF2B5EF4-FFF2-40B4-BE49-F238E27FC236}">
+                <a16:creationId xmlns:a16="http://schemas.microsoft.com/office/drawing/2014/main" id="{34FE2E03-D0C1-E477-66EA-EE8F85A82C43}"/>
+              </a:ext>
+            </a:extLst>
+          </p:cNvPr>
+          <p:cNvSpPr txBox="1"/>
+          <p:nvPr/>
+        </p:nvSpPr>
+        <p:spPr>
+          <a:xfrm>
+            <a:off x="6938159" y="4846663"/>
+            <a:ext cx="2992493" cy="738664"/>
+          </a:xfrm>
+          <a:prstGeom prst="rect">
+            <a:avLst/>
+          </a:prstGeom>
+          <a:noFill/>
+        </p:spPr>
+        <p:txBody>
+          <a:bodyPr wrap="square" rtlCol="0">
+            <a:spAutoFit/>
+          </a:bodyPr>
+          <a:lstStyle/>
+          <a:p>
+            <a:r>
+              <a:rPr lang="it-IT" sz="1400" dirty="0"/>
+              <a:t>Dal codice si nota la suddivisione in: modello della tabella del DB, modello della </a:t>
+            </a:r>
+            <a:r>
+              <a:rPr lang="it-IT" sz="1400" dirty="0" err="1"/>
+              <a:t>form</a:t>
+            </a:r>
+            <a:r>
+              <a:rPr lang="it-IT" sz="1400" dirty="0"/>
+              <a:t>, template e </a:t>
+            </a:r>
+            <a:r>
+              <a:rPr lang="it-IT" sz="1400" dirty="0" err="1"/>
+              <a:t>url</a:t>
+            </a:r>
+            <a:endParaRPr lang="it-IT" sz="1400" dirty="0"/>
+          </a:p>
+        </p:txBody>
+      </p:sp>
     </p:spTree>
     <p:extLst>
       <p:ext uri="{BB962C8B-B14F-4D97-AF65-F5344CB8AC3E}">
-        <p14:creationId xmlns:p14="http://schemas.microsoft.com/office/powerpoint/2010/main" val="3570315730"/>
+        <p14:creationId xmlns:p14="http://schemas.microsoft.com/office/powerpoint/2010/main" val="2391382602"/>
       </p:ext>
     </p:extLst>
   </p:cSld>
@@ -35852,8 +36231,8 @@
         </p:nvSpPr>
         <p:spPr>
           <a:xfrm>
-            <a:off x="1527519" y="630859"/>
-            <a:ext cx="7425981" cy="1536580"/>
+            <a:off x="928800" y="1"/>
+            <a:ext cx="10515600" cy="1285818"/>
           </a:xfrm>
         </p:spPr>
         <p:txBody>
@@ -35866,84 +36245,408 @@
                   <a:schemeClr val="accent1"/>
                 </a:solidFill>
               </a:rPr>
-              <a:t>Risultato finale </a:t>
-            </a:r>
-            <a:r>
-              <a:rPr lang="it-IT" dirty="0">
+              <a:t>Scelte di progetto – Architettura: </a:t>
+            </a:r>
+            <a:r>
+              <a:rPr lang="it-IT" dirty="0" err="1">
                 <a:solidFill>
-                  <a:schemeClr val="tx2">
-                    <a:lumMod val="10000"/>
-                    <a:lumOff val="90000"/>
-                  </a:schemeClr>
+                  <a:schemeClr val="accent4"/>
                 </a:solidFill>
               </a:rPr>
-              <a:t>|</a:t>
-            </a:r>
-            <a:r>
-              <a:rPr lang="it-IT" dirty="0">
+              <a:t>Urls</a:t>
+            </a:r>
+            <a:endParaRPr lang="it-IT" dirty="0">
+              <a:solidFill>
+                <a:schemeClr val="accent4"/>
+              </a:solidFill>
+            </a:endParaRPr>
+          </a:p>
+        </p:txBody>
+      </p:sp>
+      <p:sp>
+        <p:nvSpPr>
+          <p:cNvPr id="3" name="Segnaposto piè di pagina 2">
+            <a:extLst>
+              <a:ext uri="{FF2B5EF4-FFF2-40B4-BE49-F238E27FC236}">
+                <a16:creationId xmlns:a16="http://schemas.microsoft.com/office/drawing/2014/main" id="{84703E29-AC52-9E6C-5C3C-51694061752D}"/>
+              </a:ext>
+            </a:extLst>
+          </p:cNvPr>
+          <p:cNvSpPr>
+            <a:spLocks noGrp="1"/>
+          </p:cNvSpPr>
+          <p:nvPr>
+            <p:ph type="ftr" sz="quarter" idx="11"/>
+          </p:nvPr>
+        </p:nvSpPr>
+        <p:spPr/>
+        <p:txBody>
+          <a:bodyPr/>
+          <a:lstStyle/>
+          <a:p>
+            <a:pPr rtl="0"/>
+            <a:r>
+              <a:rPr lang="it-IT" noProof="0" dirty="0"/>
+              <a:t>Progetto 2 PW24</a:t>
+            </a:r>
+          </a:p>
+        </p:txBody>
+      </p:sp>
+      <p:sp>
+        <p:nvSpPr>
+          <p:cNvPr id="2" name="CasellaDiTesto 1">
+            <a:extLst>
+              <a:ext uri="{FF2B5EF4-FFF2-40B4-BE49-F238E27FC236}">
+                <a16:creationId xmlns:a16="http://schemas.microsoft.com/office/drawing/2014/main" id="{7DA02532-27A4-B1F1-7DF0-1FACC0297590}"/>
+              </a:ext>
+            </a:extLst>
+          </p:cNvPr>
+          <p:cNvSpPr txBox="1"/>
+          <p:nvPr/>
+        </p:nvSpPr>
+        <p:spPr>
+          <a:xfrm>
+            <a:off x="1207358" y="1215802"/>
+            <a:ext cx="9942990" cy="646331"/>
+          </a:xfrm>
+          <a:prstGeom prst="rect">
+            <a:avLst/>
+          </a:prstGeom>
+          <a:noFill/>
+        </p:spPr>
+        <p:txBody>
+          <a:bodyPr wrap="square" rtlCol="0">
+            <a:spAutoFit/>
+          </a:bodyPr>
+          <a:lstStyle/>
+          <a:p>
+            <a:r>
+              <a:rPr lang="it-IT" dirty="0"/>
+              <a:t>Nel file </a:t>
+            </a:r>
+            <a:r>
+              <a:rPr lang="it-IT" b="1" dirty="0"/>
+              <a:t>urls.py</a:t>
+            </a:r>
+            <a:r>
+              <a:rPr lang="it-IT" dirty="0"/>
+              <a:t>, abbiamo definito tutti i percorsi URL necessari per il sito.</a:t>
+            </a:r>
+          </a:p>
+          <a:p>
+            <a:r>
+              <a:rPr lang="it-IT" dirty="0"/>
+              <a:t>Ovvero indirizza le varie richieste HTTP alle funzioni definite in </a:t>
+            </a:r>
+            <a:r>
+              <a:rPr lang="it-IT" b="1" dirty="0"/>
+              <a:t>views.py </a:t>
+            </a:r>
+            <a:r>
+              <a:rPr lang="it-IT" dirty="0"/>
+              <a:t>appropriate.</a:t>
+            </a:r>
+            <a:endParaRPr lang="it-IT" sz="1800" dirty="0"/>
+          </a:p>
+        </p:txBody>
+      </p:sp>
+      <p:sp>
+        <p:nvSpPr>
+          <p:cNvPr id="4" name="CasellaDiTesto 3">
+            <a:extLst>
+              <a:ext uri="{FF2B5EF4-FFF2-40B4-BE49-F238E27FC236}">
+                <a16:creationId xmlns:a16="http://schemas.microsoft.com/office/drawing/2014/main" id="{5EB31EDB-41BF-02BE-7213-46B2A099171D}"/>
+              </a:ext>
+            </a:extLst>
+          </p:cNvPr>
+          <p:cNvSpPr txBox="1"/>
+          <p:nvPr/>
+        </p:nvSpPr>
+        <p:spPr>
+          <a:xfrm>
+            <a:off x="1207358" y="1915983"/>
+            <a:ext cx="9942990" cy="1298882"/>
+          </a:xfrm>
+          <a:prstGeom prst="rect">
+            <a:avLst/>
+          </a:prstGeom>
+          <a:noFill/>
+        </p:spPr>
+        <p:txBody>
+          <a:bodyPr wrap="square" rtlCol="0">
+            <a:spAutoFit/>
+          </a:bodyPr>
+          <a:lstStyle/>
+          <a:p>
+            <a:pPr>
+              <a:lnSpc>
+                <a:spcPct val="150000"/>
+              </a:lnSpc>
+            </a:pPr>
+            <a:r>
+              <a:rPr lang="it-IT" dirty="0"/>
+              <a:t>Per quanto riguarda il nostro progetto, abbiamo definito i percorsi per:</a:t>
+            </a:r>
+          </a:p>
+          <a:p>
+            <a:pPr marL="285750" indent="-285750">
+              <a:lnSpc>
+                <a:spcPct val="150000"/>
+              </a:lnSpc>
+              <a:buFontTx/>
+              <a:buChar char="-"/>
+            </a:pPr>
+            <a:r>
+              <a:rPr lang="it-IT" dirty="0"/>
+              <a:t>Passare i dati alle tabelle applicando anche i vari filtri</a:t>
+            </a:r>
+          </a:p>
+          <a:p>
+            <a:pPr marL="285750" indent="-285750">
+              <a:lnSpc>
+                <a:spcPct val="150000"/>
+              </a:lnSpc>
+              <a:buFontTx/>
+              <a:buChar char="-"/>
+            </a:pPr>
+            <a:r>
+              <a:rPr lang="it-IT" dirty="0"/>
+              <a:t>Eseguire le operazioni di CRUD</a:t>
+            </a:r>
+          </a:p>
+        </p:txBody>
+      </p:sp>
+      <p:sp>
+        <p:nvSpPr>
+          <p:cNvPr id="5" name="CasellaDiTesto 4">
+            <a:extLst>
+              <a:ext uri="{FF2B5EF4-FFF2-40B4-BE49-F238E27FC236}">
+                <a16:creationId xmlns:a16="http://schemas.microsoft.com/office/drawing/2014/main" id="{F1207CF6-996E-73B7-91B9-C844DC0D98D9}"/>
+              </a:ext>
+            </a:extLst>
+          </p:cNvPr>
+          <p:cNvSpPr txBox="1"/>
+          <p:nvPr/>
+        </p:nvSpPr>
+        <p:spPr>
+          <a:xfrm>
+            <a:off x="1207358" y="3492188"/>
+            <a:ext cx="9942990" cy="369332"/>
+          </a:xfrm>
+          <a:prstGeom prst="rect">
+            <a:avLst/>
+          </a:prstGeom>
+          <a:noFill/>
+        </p:spPr>
+        <p:txBody>
+          <a:bodyPr wrap="square" rtlCol="0">
+            <a:spAutoFit/>
+          </a:bodyPr>
+          <a:lstStyle/>
+          <a:p>
+            <a:r>
+              <a:rPr lang="it-IT" dirty="0"/>
+              <a:t>All’interno di </a:t>
+            </a:r>
+            <a:r>
+              <a:rPr lang="it-IT" b="1" dirty="0" err="1"/>
+              <a:t>urlpatterns</a:t>
+            </a:r>
+            <a:r>
+              <a:rPr lang="it-IT" dirty="0"/>
+              <a:t>, abbiamo inserito i vari percorsi come ad esempio:</a:t>
+            </a:r>
+          </a:p>
+        </p:txBody>
+      </p:sp>
+      <p:sp>
+        <p:nvSpPr>
+          <p:cNvPr id="7" name="CasellaDiTesto 6">
+            <a:extLst>
+              <a:ext uri="{FF2B5EF4-FFF2-40B4-BE49-F238E27FC236}">
+                <a16:creationId xmlns:a16="http://schemas.microsoft.com/office/drawing/2014/main" id="{B8E25596-5796-A48C-7209-3BC470260570}"/>
+              </a:ext>
+            </a:extLst>
+          </p:cNvPr>
+          <p:cNvSpPr txBox="1"/>
+          <p:nvPr/>
+        </p:nvSpPr>
+        <p:spPr>
+          <a:xfrm>
+            <a:off x="1546867" y="3916245"/>
+            <a:ext cx="6056200" cy="338554"/>
+          </a:xfrm>
+          <a:prstGeom prst="rect">
+            <a:avLst/>
+          </a:prstGeom>
+          <a:noFill/>
+        </p:spPr>
+        <p:txBody>
+          <a:bodyPr wrap="square" rtlCol="0">
+            <a:spAutoFit/>
+          </a:bodyPr>
+          <a:lstStyle/>
+          <a:p>
+            <a:r>
+              <a:rPr lang="it-IT" sz="1600" dirty="0" err="1"/>
+              <a:t>path</a:t>
+            </a:r>
+            <a:r>
+              <a:rPr lang="it-IT" sz="1600" dirty="0"/>
+              <a:t>(‘patologia/’ </a:t>
+            </a:r>
+            <a:r>
+              <a:rPr lang="it-IT" sz="1600" dirty="0" err="1"/>
+              <a:t>searchPatologie</a:t>
+            </a:r>
+            <a:r>
+              <a:rPr lang="it-IT" sz="1600" dirty="0"/>
+              <a:t>, </a:t>
+            </a:r>
+            <a:r>
+              <a:rPr lang="it-IT" sz="1600" dirty="0">
                 <a:solidFill>
-                  <a:schemeClr val="accent1"/>
+                  <a:schemeClr val="accent2"/>
                 </a:solidFill>
               </a:rPr>
-              <a:t> </a:t>
-            </a:r>
-            <a:r>
-              <a:rPr lang="it-IT" sz="3200" dirty="0">
+              <a:t>name</a:t>
+            </a:r>
+            <a:r>
+              <a:rPr lang="it-IT" sz="1600" dirty="0"/>
+              <a:t>=</a:t>
+            </a:r>
+            <a:r>
+              <a:rPr lang="it-IT" sz="1600" dirty="0">
                 <a:solidFill>
-                  <a:schemeClr val="tx2">
-                    <a:lumMod val="10000"/>
-                    <a:lumOff val="90000"/>
-                  </a:schemeClr>
+                  <a:schemeClr val="accent3"/>
                 </a:solidFill>
               </a:rPr>
-              <a:t>pagina ricoveri</a:t>
-            </a:r>
-            <a:endParaRPr lang="it-IT" dirty="0">
-              <a:solidFill>
-                <a:schemeClr val="tx2">
-                  <a:lumMod val="10000"/>
-                  <a:lumOff val="90000"/>
-                </a:schemeClr>
-              </a:solidFill>
-            </a:endParaRPr>
-          </a:p>
-        </p:txBody>
-      </p:sp>
-      <p:sp>
-        <p:nvSpPr>
-          <p:cNvPr id="3" name="Segnaposto piè di pagina 2">
-            <a:extLst>
-              <a:ext uri="{FF2B5EF4-FFF2-40B4-BE49-F238E27FC236}">
-                <a16:creationId xmlns:a16="http://schemas.microsoft.com/office/drawing/2014/main" id="{84703E29-AC52-9E6C-5C3C-51694061752D}"/>
-              </a:ext>
-            </a:extLst>
-          </p:cNvPr>
-          <p:cNvSpPr>
-            <a:spLocks noGrp="1"/>
-          </p:cNvSpPr>
-          <p:nvPr>
-            <p:ph type="ftr" sz="quarter" idx="11"/>
-          </p:nvPr>
-        </p:nvSpPr>
-        <p:spPr/>
-        <p:txBody>
-          <a:bodyPr/>
+              <a:t>‘</a:t>
+            </a:r>
+            <a:r>
+              <a:rPr lang="it-IT" sz="1600" dirty="0" err="1">
+                <a:solidFill>
+                  <a:schemeClr val="accent3"/>
+                </a:solidFill>
+              </a:rPr>
+              <a:t>listaPat</a:t>
+            </a:r>
+            <a:r>
+              <a:rPr lang="it-IT" sz="1600" dirty="0">
+                <a:solidFill>
+                  <a:schemeClr val="accent3"/>
+                </a:solidFill>
+              </a:rPr>
+              <a:t>’)</a:t>
+            </a:r>
+          </a:p>
+        </p:txBody>
+      </p:sp>
+      <p:sp>
+        <p:nvSpPr>
+          <p:cNvPr id="8" name="CasellaDiTesto 7">
+            <a:extLst>
+              <a:ext uri="{FF2B5EF4-FFF2-40B4-BE49-F238E27FC236}">
+                <a16:creationId xmlns:a16="http://schemas.microsoft.com/office/drawing/2014/main" id="{B309D28F-704B-8B4B-267B-FFF8CAADB039}"/>
+              </a:ext>
+            </a:extLst>
+          </p:cNvPr>
+          <p:cNvSpPr txBox="1"/>
+          <p:nvPr/>
+        </p:nvSpPr>
+        <p:spPr>
+          <a:xfrm>
+            <a:off x="6381334" y="3862804"/>
+            <a:ext cx="5226466" cy="1353960"/>
+          </a:xfrm>
+          <a:prstGeom prst="rect">
+            <a:avLst/>
+          </a:prstGeom>
+          <a:noFill/>
+        </p:spPr>
+        <p:txBody>
+          <a:bodyPr wrap="square" rtlCol="0">
+            <a:spAutoFit/>
+          </a:bodyPr>
           <a:lstStyle/>
           <a:p>
-            <a:pPr rtl="0"/>
-            <a:r>
-              <a:rPr lang="it-IT" noProof="0" dirty="0"/>
-              <a:t>Progetto 2 PW24</a:t>
+            <a:pPr>
+              <a:lnSpc>
+                <a:spcPct val="150000"/>
+              </a:lnSpc>
+            </a:pPr>
+            <a:r>
+              <a:rPr lang="it-IT" sz="1400" dirty="0"/>
+              <a:t>Dove:</a:t>
+            </a:r>
+          </a:p>
+          <a:p>
+            <a:pPr marL="285750" indent="-285750">
+              <a:lnSpc>
+                <a:spcPct val="150000"/>
+              </a:lnSpc>
+              <a:buFont typeface="Arial" panose="020B0604020202020204" pitchFamily="34" charset="0"/>
+              <a:buChar char="•"/>
+            </a:pPr>
+            <a:r>
+              <a:rPr lang="it-IT" sz="1400" dirty="0"/>
+              <a:t>‘patologia/’ : indica </a:t>
+            </a:r>
+            <a:r>
+              <a:rPr lang="it-IT" sz="1400" dirty="0" err="1"/>
+              <a:t>l’url</a:t>
+            </a:r>
+            <a:r>
+              <a:rPr lang="it-IT" sz="1400" dirty="0"/>
+              <a:t> a cui verrà applicata la funzione</a:t>
+            </a:r>
+          </a:p>
+          <a:p>
+            <a:pPr marL="285750" indent="-285750">
+              <a:lnSpc>
+                <a:spcPct val="150000"/>
+              </a:lnSpc>
+              <a:buFont typeface="Arial" panose="020B0604020202020204" pitchFamily="34" charset="0"/>
+              <a:buChar char="•"/>
+            </a:pPr>
+            <a:r>
+              <a:rPr lang="it-IT" sz="1400" dirty="0" err="1"/>
+              <a:t>searchPatologie</a:t>
+            </a:r>
+            <a:r>
+              <a:rPr lang="it-IT" sz="1400" dirty="0"/>
+              <a:t> : è il nome della funzione definita in views.py</a:t>
+            </a:r>
+          </a:p>
+          <a:p>
+            <a:pPr marL="285750" indent="-285750">
+              <a:lnSpc>
+                <a:spcPct val="150000"/>
+              </a:lnSpc>
+              <a:buFont typeface="Arial" panose="020B0604020202020204" pitchFamily="34" charset="0"/>
+              <a:buChar char="•"/>
+            </a:pPr>
+            <a:r>
+              <a:rPr lang="it-IT" sz="1400" dirty="0"/>
+              <a:t>name= ‘</a:t>
+            </a:r>
+            <a:r>
+              <a:rPr lang="it-IT" sz="1400" dirty="0" err="1"/>
+              <a:t>listaPat</a:t>
+            </a:r>
+            <a:r>
+              <a:rPr lang="it-IT" sz="1400" dirty="0"/>
+              <a:t>’ è il nome univoco associato a quel percorso </a:t>
             </a:r>
           </a:p>
         </p:txBody>
       </p:sp>
       <p:pic>
         <p:nvPicPr>
-          <p:cNvPr id="6" name="Immagine 5" descr="Immagine che contiene Carattere, simbolo, logo, cerchio&#10;&#10;Descrizione generata automaticamente">
-            <a:extLst>
-              <a:ext uri="{FF2B5EF4-FFF2-40B4-BE49-F238E27FC236}">
-                <a16:creationId xmlns:a16="http://schemas.microsoft.com/office/drawing/2014/main" id="{4CD26430-B9C8-FA00-460F-3097A96CB06B}"/>
+          <p:cNvPr id="10" name="Immagine 9" descr="Immagine che contiene Carattere, simbolo, logo, cerchio&#10;&#10;Descrizione generata automaticamente">
+            <a:extLst>
+              <a:ext uri="{FF2B5EF4-FFF2-40B4-BE49-F238E27FC236}">
+                <a16:creationId xmlns:a16="http://schemas.microsoft.com/office/drawing/2014/main" id="{8F81538B-9C8E-61B4-E1CA-62AC3C2F7C85}"/>
               </a:ext>
             </a:extLst>
           </p:cNvPr>
@@ -35960,8 +36663,8 @@
         </p:blipFill>
         <p:spPr>
           <a:xfrm>
-            <a:off x="10331630" y="1003500"/>
-            <a:ext cx="2503879" cy="990600"/>
+            <a:off x="9712735" y="5988286"/>
+            <a:ext cx="1989070" cy="786928"/>
           </a:xfrm>
           <a:prstGeom prst="rect">
             <a:avLst/>
@@ -35970,10 +36673,10 @@
       </p:pic>
       <p:sp>
         <p:nvSpPr>
-          <p:cNvPr id="9" name="Segnaposto numero diapositiva 4">
-            <a:extLst>
-              <a:ext uri="{FF2B5EF4-FFF2-40B4-BE49-F238E27FC236}">
-                <a16:creationId xmlns:a16="http://schemas.microsoft.com/office/drawing/2014/main" id="{A98C0E76-382D-5B01-6BF5-19BA12DA4847}"/>
+          <p:cNvPr id="12" name="Segnaposto numero diapositiva 4">
+            <a:extLst>
+              <a:ext uri="{FF2B5EF4-FFF2-40B4-BE49-F238E27FC236}">
+                <a16:creationId xmlns:a16="http://schemas.microsoft.com/office/drawing/2014/main" id="{C0EF2CA4-8E84-C9F2-ABAD-E04E9C0FC1BA}"/>
               </a:ext>
             </a:extLst>
           </p:cNvPr>
@@ -36011,39 +36714,10 @@
           </a:p>
         </p:txBody>
       </p:sp>
-      <p:pic>
-        <p:nvPicPr>
-          <p:cNvPr id="10" name="Immagine 9">
-            <a:extLst>
-              <a:ext uri="{FF2B5EF4-FFF2-40B4-BE49-F238E27FC236}">
-                <a16:creationId xmlns:a16="http://schemas.microsoft.com/office/drawing/2014/main" id="{C09B49B8-038D-79D8-AC8C-9D3FACF374AC}"/>
-              </a:ext>
-            </a:extLst>
-          </p:cNvPr>
-          <p:cNvPicPr>
-            <a:picLocks noChangeAspect="1"/>
-          </p:cNvPicPr>
-          <p:nvPr/>
-        </p:nvPicPr>
-        <p:blipFill>
-          <a:blip r:embed="rId3"/>
-          <a:srcRect/>
-          <a:stretch/>
-        </p:blipFill>
-        <p:spPr>
-          <a:xfrm>
-            <a:off x="2157649" y="2005378"/>
-            <a:ext cx="7876703" cy="4305006"/>
-          </a:xfrm>
-          <a:prstGeom prst="rect">
-            <a:avLst/>
-          </a:prstGeom>
-        </p:spPr>
-      </p:pic>
     </p:spTree>
     <p:extLst>
       <p:ext uri="{BB962C8B-B14F-4D97-AF65-F5344CB8AC3E}">
-        <p14:creationId xmlns:p14="http://schemas.microsoft.com/office/powerpoint/2010/main" val="1640461309"/>
+        <p14:creationId xmlns:p14="http://schemas.microsoft.com/office/powerpoint/2010/main" val="3575643844"/>
       </p:ext>
     </p:extLst>
   </p:cSld>
@@ -36088,8 +36762,8 @@
         </p:nvSpPr>
         <p:spPr>
           <a:xfrm>
-            <a:off x="1527519" y="630859"/>
-            <a:ext cx="7425981" cy="1536580"/>
+            <a:off x="928800" y="1"/>
+            <a:ext cx="10515600" cy="1285818"/>
           </a:xfrm>
         </p:spPr>
         <p:txBody>
@@ -36102,46 +36776,8 @@
                   <a:schemeClr val="accent1"/>
                 </a:solidFill>
               </a:rPr>
-              <a:t>Risultato finale </a:t>
-            </a:r>
-            <a:r>
-              <a:rPr lang="it-IT" dirty="0">
-                <a:solidFill>
-                  <a:schemeClr val="tx2">
-                    <a:lumMod val="10000"/>
-                    <a:lumOff val="90000"/>
-                  </a:schemeClr>
-                </a:solidFill>
-              </a:rPr>
-              <a:t>|</a:t>
-            </a:r>
-            <a:r>
-              <a:rPr lang="it-IT" dirty="0">
-                <a:solidFill>
-                  <a:schemeClr val="accent1"/>
-                </a:solidFill>
-              </a:rPr>
-              <a:t> </a:t>
-            </a:r>
-            <a:r>
-              <a:rPr lang="it-IT" sz="3200" dirty="0">
-                <a:solidFill>
-                  <a:schemeClr val="tx2">
-                    <a:lumMod val="10000"/>
-                    <a:lumOff val="90000"/>
-                  </a:schemeClr>
-                </a:solidFill>
-              </a:rPr>
-              <a:t>pagina ospedali</a:t>
-            </a:r>
-            <a:endParaRPr lang="it-IT" dirty="0">
-              <a:solidFill>
-                <a:schemeClr val="tx2">
-                  <a:lumMod val="10000"/>
-                  <a:lumOff val="90000"/>
-                </a:schemeClr>
-              </a:solidFill>
-            </a:endParaRPr>
+              <a:t>Scelte di progetto – CRUD</a:t>
+            </a:r>
           </a:p>
         </p:txBody>
       </p:sp>
@@ -36174,12 +36810,55 @@
           </a:p>
         </p:txBody>
       </p:sp>
+      <p:sp>
+        <p:nvSpPr>
+          <p:cNvPr id="2" name="CasellaDiTesto 1">
+            <a:extLst>
+              <a:ext uri="{FF2B5EF4-FFF2-40B4-BE49-F238E27FC236}">
+                <a16:creationId xmlns:a16="http://schemas.microsoft.com/office/drawing/2014/main" id="{7DA02532-27A4-B1F1-7DF0-1FACC0297590}"/>
+              </a:ext>
+            </a:extLst>
+          </p:cNvPr>
+          <p:cNvSpPr txBox="1"/>
+          <p:nvPr/>
+        </p:nvSpPr>
+        <p:spPr>
+          <a:xfrm>
+            <a:off x="1207358" y="1215802"/>
+            <a:ext cx="9942990" cy="923330"/>
+          </a:xfrm>
+          <a:prstGeom prst="rect">
+            <a:avLst/>
+          </a:prstGeom>
+          <a:noFill/>
+        </p:spPr>
+        <p:txBody>
+          <a:bodyPr wrap="square" rtlCol="0">
+            <a:spAutoFit/>
+          </a:bodyPr>
+          <a:lstStyle/>
+          <a:p>
+            <a:r>
+              <a:rPr lang="it-IT" dirty="0"/>
+              <a:t>Per quanto riguarda le operazioni di create e update, sono state realizzate delle classi all’interno del file forms.py che permettono di dare una struttura al </a:t>
+            </a:r>
+            <a:r>
+              <a:rPr lang="it-IT" dirty="0" err="1"/>
+              <a:t>form</a:t>
+            </a:r>
+            <a:r>
+              <a:rPr lang="it-IT" dirty="0"/>
+              <a:t> necessario per la creazione e la modifica dei dati nel DB.</a:t>
+            </a:r>
+          </a:p>
+        </p:txBody>
+      </p:sp>
       <p:pic>
         <p:nvPicPr>
-          <p:cNvPr id="6" name="Immagine 5" descr="Immagine che contiene Carattere, simbolo, logo, cerchio&#10;&#10;Descrizione generata automaticamente">
-            <a:extLst>
-              <a:ext uri="{FF2B5EF4-FFF2-40B4-BE49-F238E27FC236}">
-                <a16:creationId xmlns:a16="http://schemas.microsoft.com/office/drawing/2014/main" id="{4CD26430-B9C8-FA00-460F-3097A96CB06B}"/>
+          <p:cNvPr id="7" name="Immagine 6" descr="Immagine che contiene Carattere, simbolo, logo, cerchio&#10;&#10;Descrizione generata automaticamente">
+            <a:extLst>
+              <a:ext uri="{FF2B5EF4-FFF2-40B4-BE49-F238E27FC236}">
+                <a16:creationId xmlns:a16="http://schemas.microsoft.com/office/drawing/2014/main" id="{69DED9F1-83E6-19FB-6A4E-9D2E20598D3D}"/>
               </a:ext>
             </a:extLst>
           </p:cNvPr>
@@ -36196,8 +36875,8 @@
         </p:blipFill>
         <p:spPr>
           <a:xfrm>
-            <a:off x="10331630" y="1003500"/>
-            <a:ext cx="2503879" cy="990600"/>
+            <a:off x="9712735" y="5988286"/>
+            <a:ext cx="1989070" cy="786928"/>
           </a:xfrm>
           <a:prstGeom prst="rect">
             <a:avLst/>
@@ -36206,10 +36885,10 @@
       </p:pic>
       <p:sp>
         <p:nvSpPr>
-          <p:cNvPr id="2" name="Segnaposto numero diapositiva 4">
-            <a:extLst>
-              <a:ext uri="{FF2B5EF4-FFF2-40B4-BE49-F238E27FC236}">
-                <a16:creationId xmlns:a16="http://schemas.microsoft.com/office/drawing/2014/main" id="{291262BA-7CC2-0524-F453-B03EE12AAC25}"/>
+          <p:cNvPr id="8" name="Segnaposto numero diapositiva 4">
+            <a:extLst>
+              <a:ext uri="{FF2B5EF4-FFF2-40B4-BE49-F238E27FC236}">
+                <a16:creationId xmlns:a16="http://schemas.microsoft.com/office/drawing/2014/main" id="{2D754621-4430-DA91-8761-1E383DE5C33B}"/>
               </a:ext>
             </a:extLst>
           </p:cNvPr>
@@ -36247,12 +36926,143 @@
           </a:p>
         </p:txBody>
       </p:sp>
+      <p:sp>
+        <p:nvSpPr>
+          <p:cNvPr id="6" name="CasellaDiTesto 5">
+            <a:extLst>
+              <a:ext uri="{FF2B5EF4-FFF2-40B4-BE49-F238E27FC236}">
+                <a16:creationId xmlns:a16="http://schemas.microsoft.com/office/drawing/2014/main" id="{E31B687F-3153-D371-F52A-BC62A4CADB08}"/>
+              </a:ext>
+            </a:extLst>
+          </p:cNvPr>
+          <p:cNvSpPr txBox="1"/>
+          <p:nvPr/>
+        </p:nvSpPr>
+        <p:spPr>
+          <a:xfrm>
+            <a:off x="1207358" y="2349838"/>
+            <a:ext cx="9942990" cy="1754326"/>
+          </a:xfrm>
+          <a:prstGeom prst="rect">
+            <a:avLst/>
+          </a:prstGeom>
+          <a:noFill/>
+        </p:spPr>
+        <p:txBody>
+          <a:bodyPr wrap="square" rtlCol="0">
+            <a:spAutoFit/>
+          </a:bodyPr>
+          <a:lstStyle/>
+          <a:p>
+            <a:r>
+              <a:rPr lang="it-IT" b="0" i="0" dirty="0">
+                <a:solidFill>
+                  <a:srgbClr val="111111"/>
+                </a:solidFill>
+                <a:effectLst/>
+              </a:rPr>
+              <a:t>I valori visualizzati nella </a:t>
+            </a:r>
+            <a:r>
+              <a:rPr lang="it-IT" b="0" i="0" dirty="0" err="1">
+                <a:solidFill>
+                  <a:srgbClr val="111111"/>
+                </a:solidFill>
+                <a:effectLst/>
+              </a:rPr>
+              <a:t>form</a:t>
+            </a:r>
+            <a:r>
+              <a:rPr lang="it-IT" b="0" i="0" dirty="0">
+                <a:solidFill>
+                  <a:srgbClr val="111111"/>
+                </a:solidFill>
+                <a:effectLst/>
+              </a:rPr>
+              <a:t> ‘create’ differiscono da quelli nella </a:t>
+            </a:r>
+            <a:r>
+              <a:rPr lang="it-IT" b="0" i="0" dirty="0" err="1">
+                <a:solidFill>
+                  <a:srgbClr val="111111"/>
+                </a:solidFill>
+                <a:effectLst/>
+              </a:rPr>
+              <a:t>form</a:t>
+            </a:r>
+            <a:r>
+              <a:rPr lang="it-IT" b="0" i="0" dirty="0">
+                <a:solidFill>
+                  <a:srgbClr val="111111"/>
+                </a:solidFill>
+                <a:effectLst/>
+              </a:rPr>
+              <a:t> ‘update’. Nella </a:t>
+            </a:r>
+            <a:r>
+              <a:rPr lang="it-IT" b="0" i="0" dirty="0" err="1">
+                <a:solidFill>
+                  <a:srgbClr val="111111"/>
+                </a:solidFill>
+                <a:effectLst/>
+              </a:rPr>
+              <a:t>form</a:t>
+            </a:r>
+            <a:r>
+              <a:rPr lang="it-IT" b="0" i="0" dirty="0">
+                <a:solidFill>
+                  <a:srgbClr val="111111"/>
+                </a:solidFill>
+                <a:effectLst/>
+              </a:rPr>
+              <a:t> ‘update’, i vari campi vengono inizializzati con i valori del database corrispondenti alla </a:t>
+            </a:r>
+            <a:r>
+              <a:rPr lang="it-IT" b="0" i="0" dirty="0" err="1">
+                <a:solidFill>
+                  <a:srgbClr val="111111"/>
+                </a:solidFill>
+                <a:effectLst/>
+              </a:rPr>
+              <a:t>tupla</a:t>
+            </a:r>
+            <a:r>
+              <a:rPr lang="it-IT" b="0" i="0" dirty="0">
+                <a:solidFill>
+                  <a:srgbClr val="111111"/>
+                </a:solidFill>
+                <a:effectLst/>
+              </a:rPr>
+              <a:t> che si desidera modificare. Al contrario, nella </a:t>
+            </a:r>
+            <a:r>
+              <a:rPr lang="it-IT" b="0" i="0" dirty="0" err="1">
+                <a:solidFill>
+                  <a:srgbClr val="111111"/>
+                </a:solidFill>
+                <a:effectLst/>
+              </a:rPr>
+              <a:t>form</a:t>
+            </a:r>
+            <a:r>
+              <a:rPr lang="it-IT" b="0" i="0" dirty="0">
+                <a:solidFill>
+                  <a:srgbClr val="111111"/>
+                </a:solidFill>
+                <a:effectLst/>
+              </a:rPr>
+              <a:t> ‘create’, i campi sono inizialmente vuoti e l’utente ha la possibilità di selezionare qualsiasi valore presente nel database da un menu a tendina. Per facilitare l’inserimento, i dati nel menu a tendina (sia in ‘create’ che in ‘update’) sono ordinati alfabeticamente.</a:t>
+            </a:r>
+            <a:endParaRPr lang="it-IT" dirty="0"/>
+          </a:p>
+        </p:txBody>
+      </p:sp>
       <p:pic>
         <p:nvPicPr>
-          <p:cNvPr id="4" name="Immagine 3">
-            <a:extLst>
-              <a:ext uri="{FF2B5EF4-FFF2-40B4-BE49-F238E27FC236}">
-                <a16:creationId xmlns:a16="http://schemas.microsoft.com/office/drawing/2014/main" id="{D4FAC44E-7B37-2897-FC47-0751CF22366A}"/>
+          <p:cNvPr id="10" name="Immagine 9">
+            <a:extLst>
+              <a:ext uri="{FF2B5EF4-FFF2-40B4-BE49-F238E27FC236}">
+                <a16:creationId xmlns:a16="http://schemas.microsoft.com/office/drawing/2014/main" id="{D752FB4C-F867-8B4A-1970-77296766E33E}"/>
               </a:ext>
             </a:extLst>
           </p:cNvPr>
@@ -36263,23 +37073,59 @@
         </p:nvPicPr>
         <p:blipFill>
           <a:blip r:embed="rId3"/>
-          <a:srcRect/>
-          <a:stretch/>
+          <a:stretch>
+            <a:fillRect/>
+          </a:stretch>
         </p:blipFill>
         <p:spPr>
           <a:xfrm>
-            <a:off x="2160984" y="2005378"/>
-            <a:ext cx="7870032" cy="4305006"/>
+            <a:off x="4458003" y="4289312"/>
+            <a:ext cx="1203209" cy="1546722"/>
           </a:xfrm>
           <a:prstGeom prst="rect">
             <a:avLst/>
           </a:prstGeom>
         </p:spPr>
       </p:pic>
+      <p:sp>
+        <p:nvSpPr>
+          <p:cNvPr id="12" name="CasellaDiTesto 11">
+            <a:extLst>
+              <a:ext uri="{FF2B5EF4-FFF2-40B4-BE49-F238E27FC236}">
+                <a16:creationId xmlns:a16="http://schemas.microsoft.com/office/drawing/2014/main" id="{BC2A9F93-E0A4-3BB8-1D6F-46ADFFC370B9}"/>
+              </a:ext>
+            </a:extLst>
+          </p:cNvPr>
+          <p:cNvSpPr txBox="1"/>
+          <p:nvPr/>
+        </p:nvSpPr>
+        <p:spPr>
+          <a:xfrm>
+            <a:off x="1207358" y="4232692"/>
+            <a:ext cx="3082254" cy="369332"/>
+          </a:xfrm>
+          <a:prstGeom prst="rect">
+            <a:avLst/>
+          </a:prstGeom>
+          <a:noFill/>
+        </p:spPr>
+        <p:txBody>
+          <a:bodyPr wrap="square" rtlCol="0">
+            <a:spAutoFit/>
+          </a:bodyPr>
+          <a:lstStyle/>
+          <a:p>
+            <a:r>
+              <a:rPr lang="it-IT" dirty="0"/>
+              <a:t>Esempio del menu a tendina:</a:t>
+            </a:r>
+          </a:p>
+        </p:txBody>
+      </p:sp>
     </p:spTree>
     <p:extLst>
       <p:ext uri="{BB962C8B-B14F-4D97-AF65-F5344CB8AC3E}">
-        <p14:creationId xmlns:p14="http://schemas.microsoft.com/office/powerpoint/2010/main" val="1680417324"/>
+        <p14:creationId xmlns:p14="http://schemas.microsoft.com/office/powerpoint/2010/main" val="2791993928"/>
       </p:ext>
     </p:extLst>
   </p:cSld>
@@ -36324,8 +37170,8 @@
         </p:nvSpPr>
         <p:spPr>
           <a:xfrm>
-            <a:off x="1527519" y="630859"/>
-            <a:ext cx="7425981" cy="1536580"/>
+            <a:off x="928800" y="1"/>
+            <a:ext cx="10515600" cy="1285818"/>
           </a:xfrm>
         </p:spPr>
         <p:txBody>
@@ -36338,84 +37184,249 @@
                   <a:schemeClr val="accent1"/>
                 </a:solidFill>
               </a:rPr>
-              <a:t>Risultato finale </a:t>
-            </a:r>
+              <a:t>Scelte di progetto - Admin</a:t>
+            </a:r>
+          </a:p>
+        </p:txBody>
+      </p:sp>
+      <p:sp>
+        <p:nvSpPr>
+          <p:cNvPr id="3" name="Segnaposto piè di pagina 2">
+            <a:extLst>
+              <a:ext uri="{FF2B5EF4-FFF2-40B4-BE49-F238E27FC236}">
+                <a16:creationId xmlns:a16="http://schemas.microsoft.com/office/drawing/2014/main" id="{84703E29-AC52-9E6C-5C3C-51694061752D}"/>
+              </a:ext>
+            </a:extLst>
+          </p:cNvPr>
+          <p:cNvSpPr>
+            <a:spLocks noGrp="1"/>
+          </p:cNvSpPr>
+          <p:nvPr>
+            <p:ph type="ftr" sz="quarter" idx="11"/>
+          </p:nvPr>
+        </p:nvSpPr>
+        <p:spPr/>
+        <p:txBody>
+          <a:bodyPr/>
+          <a:lstStyle/>
+          <a:p>
+            <a:pPr rtl="0"/>
+            <a:r>
+              <a:rPr lang="it-IT" noProof="0" dirty="0"/>
+              <a:t>Progetto 2 PW24</a:t>
+            </a:r>
+          </a:p>
+        </p:txBody>
+      </p:sp>
+      <p:sp>
+        <p:nvSpPr>
+          <p:cNvPr id="2" name="CasellaDiTesto 1">
+            <a:extLst>
+              <a:ext uri="{FF2B5EF4-FFF2-40B4-BE49-F238E27FC236}">
+                <a16:creationId xmlns:a16="http://schemas.microsoft.com/office/drawing/2014/main" id="{7DA02532-27A4-B1F1-7DF0-1FACC0297590}"/>
+              </a:ext>
+            </a:extLst>
+          </p:cNvPr>
+          <p:cNvSpPr txBox="1"/>
+          <p:nvPr/>
+        </p:nvSpPr>
+        <p:spPr>
+          <a:xfrm>
+            <a:off x="1207358" y="1215802"/>
+            <a:ext cx="9942990" cy="1754326"/>
+          </a:xfrm>
+          <a:prstGeom prst="rect">
+            <a:avLst/>
+          </a:prstGeom>
+          <a:noFill/>
+        </p:spPr>
+        <p:txBody>
+          <a:bodyPr wrap="square" rtlCol="0">
+            <a:spAutoFit/>
+          </a:bodyPr>
+          <a:lstStyle/>
+          <a:p>
+            <a:r>
+              <a:rPr lang="it-IT" dirty="0"/>
+              <a:t>Le varie tabelle sono visibili anche nella sezione </a:t>
+            </a:r>
+            <a:r>
+              <a:rPr lang="it-IT" b="1" dirty="0"/>
+              <a:t>admin</a:t>
+            </a:r>
+            <a:r>
+              <a:rPr lang="it-IT" dirty="0"/>
+              <a:t>.</a:t>
+            </a:r>
+          </a:p>
+          <a:p>
+            <a:r>
+              <a:rPr lang="it-IT" dirty="0"/>
+              <a:t>Nel file </a:t>
+            </a:r>
+            <a:r>
+              <a:rPr lang="it-IT" b="1" dirty="0"/>
+              <a:t>admin.py</a:t>
+            </a:r>
+            <a:r>
+              <a:rPr lang="it-IT" dirty="0"/>
+              <a:t>, è infatti possibile vedere che è stata creata una classe per ogni tabelle che si vuole rendere visibile in questa sezione.</a:t>
+            </a:r>
+          </a:p>
+          <a:p>
+            <a:endParaRPr lang="it-IT" dirty="0"/>
+          </a:p>
+          <a:p>
+            <a:r>
+              <a:rPr lang="it-IT" dirty="0"/>
+              <a:t>Le tabelle sono state inserite in questa sezione per monitorarne il contenuto e se necessario apportarne delle modifiche.</a:t>
+            </a:r>
+          </a:p>
+        </p:txBody>
+      </p:sp>
+      <p:sp>
+        <p:nvSpPr>
+          <p:cNvPr id="4" name="CasellaDiTesto 3">
+            <a:extLst>
+              <a:ext uri="{FF2B5EF4-FFF2-40B4-BE49-F238E27FC236}">
+                <a16:creationId xmlns:a16="http://schemas.microsoft.com/office/drawing/2014/main" id="{EC29E027-FE96-25A4-F398-C698AEFD9AF3}"/>
+              </a:ext>
+            </a:extLst>
+          </p:cNvPr>
+          <p:cNvSpPr txBox="1"/>
+          <p:nvPr/>
+        </p:nvSpPr>
+        <p:spPr>
+          <a:xfrm>
+            <a:off x="1207358" y="3154668"/>
+            <a:ext cx="9942990" cy="883383"/>
+          </a:xfrm>
+          <a:prstGeom prst="rect">
+            <a:avLst/>
+          </a:prstGeom>
+          <a:noFill/>
+        </p:spPr>
+        <p:txBody>
+          <a:bodyPr wrap="square" rtlCol="0">
+            <a:spAutoFit/>
+          </a:bodyPr>
+          <a:lstStyle/>
+          <a:p>
+            <a:pPr>
+              <a:lnSpc>
+                <a:spcPct val="150000"/>
+              </a:lnSpc>
+            </a:pPr>
+            <a:r>
+              <a:rPr lang="it-IT" dirty="0"/>
+              <a:t>Per accedere a questa sezione è sufficiente scrivere </a:t>
+            </a:r>
+            <a:r>
+              <a:rPr lang="it-IT" dirty="0" err="1"/>
+              <a:t>nell’url</a:t>
+            </a:r>
+            <a:r>
+              <a:rPr lang="it-IT" dirty="0"/>
+              <a:t> del browser:</a:t>
+            </a:r>
+          </a:p>
+          <a:p>
+            <a:pPr>
+              <a:lnSpc>
+                <a:spcPct val="150000"/>
+              </a:lnSpc>
+            </a:pPr>
+            <a:r>
+              <a:rPr lang="it-IT" dirty="0"/>
+              <a:t>« </a:t>
+            </a:r>
+            <a:r>
+              <a:rPr lang="it-IT" dirty="0">
+                <a:hlinkClick r:id="rId2"/>
+              </a:rPr>
+              <a:t>http://localhost:8000/admin/</a:t>
+            </a:r>
+            <a:r>
+              <a:rPr lang="it-IT" dirty="0"/>
+              <a:t> »</a:t>
+            </a:r>
+          </a:p>
+        </p:txBody>
+      </p:sp>
+      <p:sp>
+        <p:nvSpPr>
+          <p:cNvPr id="5" name="CasellaDiTesto 4">
+            <a:extLst>
+              <a:ext uri="{FF2B5EF4-FFF2-40B4-BE49-F238E27FC236}">
+                <a16:creationId xmlns:a16="http://schemas.microsoft.com/office/drawing/2014/main" id="{CD7F6B4B-BBC1-E200-55C1-D2F438B76209}"/>
+              </a:ext>
+            </a:extLst>
+          </p:cNvPr>
+          <p:cNvSpPr txBox="1"/>
+          <p:nvPr/>
+        </p:nvSpPr>
+        <p:spPr>
+          <a:xfrm>
+            <a:off x="1207358" y="4185929"/>
+            <a:ext cx="9942990" cy="1200329"/>
+          </a:xfrm>
+          <a:prstGeom prst="rect">
+            <a:avLst/>
+          </a:prstGeom>
+          <a:noFill/>
+        </p:spPr>
+        <p:txBody>
+          <a:bodyPr wrap="square" rtlCol="0">
+            <a:spAutoFit/>
+          </a:bodyPr>
+          <a:lstStyle/>
+          <a:p>
+            <a:r>
+              <a:rPr lang="it-IT" dirty="0"/>
+              <a:t>Se le credenziali non sono già state create, è possibile aggiungere un utente dal terminale con il comando: </a:t>
+            </a:r>
+            <a:r>
+              <a:rPr lang="it-IT" dirty="0" err="1"/>
+              <a:t>python</a:t>
+            </a:r>
+            <a:r>
+              <a:rPr lang="it-IT" dirty="0"/>
+              <a:t> manage.py </a:t>
+            </a:r>
+            <a:r>
+              <a:rPr lang="it-IT" dirty="0" err="1"/>
+              <a:t>createsuperuser</a:t>
+            </a:r>
+            <a:r>
+              <a:rPr lang="it-IT" dirty="0"/>
+              <a:t> </a:t>
+            </a:r>
+          </a:p>
+          <a:p>
+            <a:endParaRPr lang="it-IT" dirty="0"/>
+          </a:p>
+          <a:p>
             <a:r>
               <a:rPr lang="it-IT" dirty="0">
                 <a:solidFill>
-                  <a:schemeClr val="tx2">
-                    <a:lumMod val="10000"/>
-                    <a:lumOff val="90000"/>
-                  </a:schemeClr>
+                  <a:srgbClr val="FF0000"/>
                 </a:solidFill>
               </a:rPr>
-              <a:t>|</a:t>
-            </a:r>
-            <a:r>
-              <a:rPr lang="it-IT" dirty="0">
-                <a:solidFill>
-                  <a:schemeClr val="accent1"/>
-                </a:solidFill>
-              </a:rPr>
-              <a:t> </a:t>
-            </a:r>
-            <a:r>
-              <a:rPr lang="it-IT" sz="3200" dirty="0">
-                <a:solidFill>
-                  <a:schemeClr val="tx2">
-                    <a:lumMod val="10000"/>
-                    <a:lumOff val="90000"/>
-                  </a:schemeClr>
-                </a:solidFill>
-              </a:rPr>
-              <a:t>pagina cittadini</a:t>
-            </a:r>
-            <a:endParaRPr lang="it-IT" dirty="0">
-              <a:solidFill>
-                <a:schemeClr val="tx2">
-                  <a:lumMod val="10000"/>
-                  <a:lumOff val="90000"/>
-                </a:schemeClr>
-              </a:solidFill>
-            </a:endParaRPr>
-          </a:p>
-        </p:txBody>
-      </p:sp>
-      <p:sp>
-        <p:nvSpPr>
-          <p:cNvPr id="3" name="Segnaposto piè di pagina 2">
-            <a:extLst>
-              <a:ext uri="{FF2B5EF4-FFF2-40B4-BE49-F238E27FC236}">
-                <a16:creationId xmlns:a16="http://schemas.microsoft.com/office/drawing/2014/main" id="{84703E29-AC52-9E6C-5C3C-51694061752D}"/>
-              </a:ext>
-            </a:extLst>
-          </p:cNvPr>
-          <p:cNvSpPr>
-            <a:spLocks noGrp="1"/>
-          </p:cNvSpPr>
-          <p:nvPr>
-            <p:ph type="ftr" sz="quarter" idx="11"/>
-          </p:nvPr>
-        </p:nvSpPr>
-        <p:spPr/>
-        <p:txBody>
-          <a:bodyPr/>
-          <a:lstStyle/>
-          <a:p>
-            <a:pPr rtl="0"/>
-            <a:r>
-              <a:rPr lang="it-IT" noProof="0" dirty="0"/>
-              <a:t>Progetto 2 PW24</a:t>
+              <a:t>NOTA: </a:t>
+            </a:r>
+            <a:r>
+              <a:rPr lang="it-IT" dirty="0"/>
+              <a:t>il comando funziona se si è all’interno dell’ambiente virtuale Django (slide 5)</a:t>
             </a:r>
           </a:p>
         </p:txBody>
       </p:sp>
       <p:pic>
         <p:nvPicPr>
-          <p:cNvPr id="6" name="Immagine 5" descr="Immagine che contiene Carattere, simbolo, logo, cerchio&#10;&#10;Descrizione generata automaticamente">
-            <a:extLst>
-              <a:ext uri="{FF2B5EF4-FFF2-40B4-BE49-F238E27FC236}">
-                <a16:creationId xmlns:a16="http://schemas.microsoft.com/office/drawing/2014/main" id="{4CD26430-B9C8-FA00-460F-3097A96CB06B}"/>
+          <p:cNvPr id="7" name="Immagine 6" descr="Immagine che contiene Carattere, simbolo, logo, cerchio&#10;&#10;Descrizione generata automaticamente">
+            <a:extLst>
+              <a:ext uri="{FF2B5EF4-FFF2-40B4-BE49-F238E27FC236}">
+                <a16:creationId xmlns:a16="http://schemas.microsoft.com/office/drawing/2014/main" id="{69DED9F1-83E6-19FB-6A4E-9D2E20598D3D}"/>
               </a:ext>
             </a:extLst>
           </p:cNvPr>
@@ -36425,15 +37436,15 @@
           <p:nvPr/>
         </p:nvPicPr>
         <p:blipFill>
-          <a:blip r:embed="rId2"/>
+          <a:blip r:embed="rId3"/>
           <a:stretch>
             <a:fillRect/>
           </a:stretch>
         </p:blipFill>
         <p:spPr>
           <a:xfrm>
-            <a:off x="10331630" y="1003500"/>
-            <a:ext cx="2503879" cy="990600"/>
+            <a:off x="9712735" y="5988286"/>
+            <a:ext cx="1989070" cy="786928"/>
           </a:xfrm>
           <a:prstGeom prst="rect">
             <a:avLst/>
@@ -36442,10 +37453,10 @@
       </p:pic>
       <p:sp>
         <p:nvSpPr>
-          <p:cNvPr id="2" name="Segnaposto numero diapositiva 4">
-            <a:extLst>
-              <a:ext uri="{FF2B5EF4-FFF2-40B4-BE49-F238E27FC236}">
-                <a16:creationId xmlns:a16="http://schemas.microsoft.com/office/drawing/2014/main" id="{50ECBF56-38E6-AD8B-E7A4-69F851A4BEC9}"/>
+          <p:cNvPr id="8" name="Segnaposto numero diapositiva 4">
+            <a:extLst>
+              <a:ext uri="{FF2B5EF4-FFF2-40B4-BE49-F238E27FC236}">
+                <a16:creationId xmlns:a16="http://schemas.microsoft.com/office/drawing/2014/main" id="{2D754621-4430-DA91-8761-1E383DE5C33B}"/>
               </a:ext>
             </a:extLst>
           </p:cNvPr>
@@ -36483,39 +37494,10 @@
           </a:p>
         </p:txBody>
       </p:sp>
-      <p:pic>
-        <p:nvPicPr>
-          <p:cNvPr id="4" name="Immagine 3">
-            <a:extLst>
-              <a:ext uri="{FF2B5EF4-FFF2-40B4-BE49-F238E27FC236}">
-                <a16:creationId xmlns:a16="http://schemas.microsoft.com/office/drawing/2014/main" id="{4CEAC1D9-ED33-61CC-45DD-8E48F5DD52DE}"/>
-              </a:ext>
-            </a:extLst>
-          </p:cNvPr>
-          <p:cNvPicPr>
-            <a:picLocks noChangeAspect="1"/>
-          </p:cNvPicPr>
-          <p:nvPr/>
-        </p:nvPicPr>
-        <p:blipFill>
-          <a:blip r:embed="rId3"/>
-          <a:srcRect/>
-          <a:stretch/>
-        </p:blipFill>
-        <p:spPr>
-          <a:xfrm>
-            <a:off x="2170955" y="2005378"/>
-            <a:ext cx="7850091" cy="4305006"/>
-          </a:xfrm>
-          <a:prstGeom prst="rect">
-            <a:avLst/>
-          </a:prstGeom>
-        </p:spPr>
-      </p:pic>
     </p:spTree>
     <p:extLst>
       <p:ext uri="{BB962C8B-B14F-4D97-AF65-F5344CB8AC3E}">
-        <p14:creationId xmlns:p14="http://schemas.microsoft.com/office/powerpoint/2010/main" val="2335572923"/>
+        <p14:creationId xmlns:p14="http://schemas.microsoft.com/office/powerpoint/2010/main" val="3570315730"/>
       </p:ext>
     </p:extLst>
   </p:cSld>
@@ -36604,7 +37586,7 @@
                   </a:schemeClr>
                 </a:solidFill>
               </a:rPr>
-              <a:t>pagina patologie</a:t>
+              <a:t>pagina ricoveri</a:t>
             </a:r>
             <a:endParaRPr lang="it-IT" dirty="0">
               <a:solidFill>
@@ -36678,10 +37660,10 @@
       </p:pic>
       <p:sp>
         <p:nvSpPr>
-          <p:cNvPr id="2" name="Segnaposto numero diapositiva 4">
-            <a:extLst>
-              <a:ext uri="{FF2B5EF4-FFF2-40B4-BE49-F238E27FC236}">
-                <a16:creationId xmlns:a16="http://schemas.microsoft.com/office/drawing/2014/main" id="{BB56EF3B-138E-2BFE-48D0-310B917C3967}"/>
+          <p:cNvPr id="9" name="Segnaposto numero diapositiva 4">
+            <a:extLst>
+              <a:ext uri="{FF2B5EF4-FFF2-40B4-BE49-F238E27FC236}">
+                <a16:creationId xmlns:a16="http://schemas.microsoft.com/office/drawing/2014/main" id="{A98C0E76-382D-5B01-6BF5-19BA12DA4847}"/>
               </a:ext>
             </a:extLst>
           </p:cNvPr>
@@ -36721,10 +37703,10 @@
       </p:sp>
       <p:pic>
         <p:nvPicPr>
-          <p:cNvPr id="4" name="Immagine 3">
-            <a:extLst>
-              <a:ext uri="{FF2B5EF4-FFF2-40B4-BE49-F238E27FC236}">
-                <a16:creationId xmlns:a16="http://schemas.microsoft.com/office/drawing/2014/main" id="{64D0A390-572B-67FF-7B94-ADF5B7427FDB}"/>
+          <p:cNvPr id="10" name="Immagine 9">
+            <a:extLst>
+              <a:ext uri="{FF2B5EF4-FFF2-40B4-BE49-F238E27FC236}">
+                <a16:creationId xmlns:a16="http://schemas.microsoft.com/office/drawing/2014/main" id="{C09B49B8-038D-79D8-AC8C-9D3FACF374AC}"/>
               </a:ext>
             </a:extLst>
           </p:cNvPr>
@@ -36740,8 +37722,8 @@
         </p:blipFill>
         <p:spPr>
           <a:xfrm>
-            <a:off x="2164313" y="2005378"/>
-            <a:ext cx="7863374" cy="4305006"/>
+            <a:off x="2157649" y="2005378"/>
+            <a:ext cx="7876703" cy="4305006"/>
           </a:xfrm>
           <a:prstGeom prst="rect">
             <a:avLst/>
@@ -36751,7 +37733,7 @@
     </p:spTree>
     <p:extLst>
       <p:ext uri="{BB962C8B-B14F-4D97-AF65-F5344CB8AC3E}">
-        <p14:creationId xmlns:p14="http://schemas.microsoft.com/office/powerpoint/2010/main" val="1754579361"/>
+        <p14:creationId xmlns:p14="http://schemas.microsoft.com/office/powerpoint/2010/main" val="1640461309"/>
       </p:ext>
     </p:extLst>
   </p:cSld>
@@ -36840,7 +37822,7 @@
                   </a:schemeClr>
                 </a:solidFill>
               </a:rPr>
-              <a:t>Create e update</a:t>
+              <a:t>pagina ospedali</a:t>
             </a:r>
             <a:endParaRPr lang="it-IT" dirty="0">
               <a:solidFill>
@@ -36917,7 +37899,7 @@
           <p:cNvPr id="2" name="Segnaposto numero diapositiva 4">
             <a:extLst>
               <a:ext uri="{FF2B5EF4-FFF2-40B4-BE49-F238E27FC236}">
-                <a16:creationId xmlns:a16="http://schemas.microsoft.com/office/drawing/2014/main" id="{2FA5C7E0-AD0D-7C50-BE49-B9115F4D3DD8}"/>
+                <a16:creationId xmlns:a16="http://schemas.microsoft.com/office/drawing/2014/main" id="{291262BA-7CC2-0524-F453-B03EE12AAC25}"/>
               </a:ext>
             </a:extLst>
           </p:cNvPr>
@@ -36957,10 +37939,10 @@
       </p:sp>
       <p:pic>
         <p:nvPicPr>
-          <p:cNvPr id="12" name="Immagine 11">
-            <a:extLst>
-              <a:ext uri="{FF2B5EF4-FFF2-40B4-BE49-F238E27FC236}">
-                <a16:creationId xmlns:a16="http://schemas.microsoft.com/office/drawing/2014/main" id="{B6E4651B-C170-542C-0A69-84670769808F}"/>
+          <p:cNvPr id="4" name="Immagine 3">
+            <a:extLst>
+              <a:ext uri="{FF2B5EF4-FFF2-40B4-BE49-F238E27FC236}">
+                <a16:creationId xmlns:a16="http://schemas.microsoft.com/office/drawing/2014/main" id="{D4FAC44E-7B37-2897-FC47-0751CF22366A}"/>
               </a:ext>
             </a:extLst>
           </p:cNvPr>
@@ -36976,20 +37958,154 @@
         </p:blipFill>
         <p:spPr>
           <a:xfrm>
-            <a:off x="291937" y="2536555"/>
-            <a:ext cx="5495869" cy="3193126"/>
+            <a:off x="2160984" y="2005378"/>
+            <a:ext cx="7870032" cy="4305006"/>
           </a:xfrm>
           <a:prstGeom prst="rect">
             <a:avLst/>
           </a:prstGeom>
         </p:spPr>
       </p:pic>
+    </p:spTree>
+    <p:extLst>
+      <p:ext uri="{BB962C8B-B14F-4D97-AF65-F5344CB8AC3E}">
+        <p14:creationId xmlns:p14="http://schemas.microsoft.com/office/powerpoint/2010/main" val="1680417324"/>
+      </p:ext>
+    </p:extLst>
+  </p:cSld>
+  <p:clrMapOvr>
+    <a:masterClrMapping/>
+  </p:clrMapOvr>
+</p:sld>
+</file>
+
+<file path=ppt/slides/slide19.xml><?xml version="1.0" encoding="utf-8"?>
+<p:sld xmlns:a="http://schemas.openxmlformats.org/drawingml/2006/main" xmlns:r="http://schemas.openxmlformats.org/officeDocument/2006/relationships" xmlns:p="http://schemas.openxmlformats.org/presentationml/2006/main">
+  <p:cSld>
+    <p:spTree>
+      <p:nvGrpSpPr>
+        <p:cNvPr id="1" name=""/>
+        <p:cNvGrpSpPr/>
+        <p:nvPr/>
+      </p:nvGrpSpPr>
+      <p:grpSpPr>
+        <a:xfrm>
+          <a:off x="0" y="0"/>
+          <a:ext cx="0" cy="0"/>
+          <a:chOff x="0" y="0"/>
+          <a:chExt cx="0" cy="0"/>
+        </a:xfrm>
+      </p:grpSpPr>
+      <p:sp>
+        <p:nvSpPr>
+          <p:cNvPr id="11" name="Titolo 10">
+            <a:extLst>
+              <a:ext uri="{FF2B5EF4-FFF2-40B4-BE49-F238E27FC236}">
+                <a16:creationId xmlns:a16="http://schemas.microsoft.com/office/drawing/2014/main" id="{E0E38440-8484-CEC9-1620-196A97C63707}"/>
+              </a:ext>
+            </a:extLst>
+          </p:cNvPr>
+          <p:cNvSpPr>
+            <a:spLocks noGrp="1"/>
+          </p:cNvSpPr>
+          <p:nvPr>
+            <p:ph type="title"/>
+          </p:nvPr>
+        </p:nvSpPr>
+        <p:spPr>
+          <a:xfrm>
+            <a:off x="1527519" y="630859"/>
+            <a:ext cx="7425981" cy="1536580"/>
+          </a:xfrm>
+        </p:spPr>
+        <p:txBody>
+          <a:bodyPr/>
+          <a:lstStyle/>
+          <a:p>
+            <a:r>
+              <a:rPr lang="it-IT" dirty="0">
+                <a:solidFill>
+                  <a:schemeClr val="accent1"/>
+                </a:solidFill>
+              </a:rPr>
+              <a:t>Risultato finale </a:t>
+            </a:r>
+            <a:r>
+              <a:rPr lang="it-IT" dirty="0">
+                <a:solidFill>
+                  <a:schemeClr val="tx2">
+                    <a:lumMod val="10000"/>
+                    <a:lumOff val="90000"/>
+                  </a:schemeClr>
+                </a:solidFill>
+              </a:rPr>
+              <a:t>|</a:t>
+            </a:r>
+            <a:r>
+              <a:rPr lang="it-IT" dirty="0">
+                <a:solidFill>
+                  <a:schemeClr val="accent1"/>
+                </a:solidFill>
+              </a:rPr>
+              <a:t> </a:t>
+            </a:r>
+            <a:r>
+              <a:rPr lang="it-IT" sz="3200" dirty="0">
+                <a:solidFill>
+                  <a:schemeClr val="tx2">
+                    <a:lumMod val="10000"/>
+                    <a:lumOff val="90000"/>
+                  </a:schemeClr>
+                </a:solidFill>
+              </a:rPr>
+              <a:t>pagina cittadini</a:t>
+            </a:r>
+            <a:endParaRPr lang="it-IT" dirty="0">
+              <a:solidFill>
+                <a:schemeClr val="tx2">
+                  <a:lumMod val="10000"/>
+                  <a:lumOff val="90000"/>
+                </a:schemeClr>
+              </a:solidFill>
+            </a:endParaRPr>
+          </a:p>
+        </p:txBody>
+      </p:sp>
+      <p:sp>
+        <p:nvSpPr>
+          <p:cNvPr id="3" name="Segnaposto piè di pagina 2">
+            <a:extLst>
+              <a:ext uri="{FF2B5EF4-FFF2-40B4-BE49-F238E27FC236}">
+                <a16:creationId xmlns:a16="http://schemas.microsoft.com/office/drawing/2014/main" id="{84703E29-AC52-9E6C-5C3C-51694061752D}"/>
+              </a:ext>
+            </a:extLst>
+          </p:cNvPr>
+          <p:cNvSpPr>
+            <a:spLocks noGrp="1"/>
+          </p:cNvSpPr>
+          <p:nvPr>
+            <p:ph type="ftr" sz="quarter" idx="11"/>
+          </p:nvPr>
+        </p:nvSpPr>
+        <p:spPr/>
+        <p:txBody>
+          <a:bodyPr/>
+          <a:lstStyle/>
+          <a:p>
+            <a:pPr rtl="0"/>
+            <a:r>
+              <a:rPr lang="it-IT" noProof="0" dirty="0"/>
+              <a:t>Progetto 2 PW24</a:t>
+            </a:r>
+          </a:p>
+        </p:txBody>
+      </p:sp>
       <p:pic>
         <p:nvPicPr>
-          <p:cNvPr id="13" name="Immagine 12">
-            <a:extLst>
-              <a:ext uri="{FF2B5EF4-FFF2-40B4-BE49-F238E27FC236}">
-                <a16:creationId xmlns:a16="http://schemas.microsoft.com/office/drawing/2014/main" id="{0D8ABC25-2EB6-DFDB-EB26-A494F493519F}"/>
+          <p:cNvPr id="6" name="Immagine 5" descr="Immagine che contiene Carattere, simbolo, logo, cerchio&#10;&#10;Descrizione generata automaticamente">
+            <a:extLst>
+              <a:ext uri="{FF2B5EF4-FFF2-40B4-BE49-F238E27FC236}">
+                <a16:creationId xmlns:a16="http://schemas.microsoft.com/office/drawing/2014/main" id="{4CD26430-B9C8-FA00-460F-3097A96CB06B}"/>
               </a:ext>
             </a:extLst>
           </p:cNvPr>
@@ -36999,14 +38115,87 @@
           <p:nvPr/>
         </p:nvPicPr>
         <p:blipFill>
+          <a:blip r:embed="rId2"/>
+          <a:stretch>
+            <a:fillRect/>
+          </a:stretch>
+        </p:blipFill>
+        <p:spPr>
+          <a:xfrm>
+            <a:off x="10331630" y="1003500"/>
+            <a:ext cx="2503879" cy="990600"/>
+          </a:xfrm>
+          <a:prstGeom prst="rect">
+            <a:avLst/>
+          </a:prstGeom>
+        </p:spPr>
+      </p:pic>
+      <p:sp>
+        <p:nvSpPr>
+          <p:cNvPr id="2" name="Segnaposto numero diapositiva 4">
+            <a:extLst>
+              <a:ext uri="{FF2B5EF4-FFF2-40B4-BE49-F238E27FC236}">
+                <a16:creationId xmlns:a16="http://schemas.microsoft.com/office/drawing/2014/main" id="{50ECBF56-38E6-AD8B-E7A4-69F851A4BEC9}"/>
+              </a:ext>
+            </a:extLst>
+          </p:cNvPr>
+          <p:cNvSpPr>
+            <a:spLocks noGrp="1"/>
+          </p:cNvSpPr>
+          <p:nvPr>
+            <p:ph type="sldNum" sz="quarter" idx="12"/>
+          </p:nvPr>
+        </p:nvSpPr>
+        <p:spPr>
+          <a:xfrm>
+            <a:off x="9335670" y="6391039"/>
+            <a:ext cx="2743200" cy="365125"/>
+          </a:xfrm>
+        </p:spPr>
+        <p:txBody>
+          <a:bodyPr/>
+          <a:lstStyle/>
+          <a:p>
+            <a:pPr rtl="0"/>
+            <a:fld id="{95CBEC59-7FF9-4688-98DF-89832A0C9025}" type="slidenum">
+              <a:rPr lang="it-IT" noProof="0" smtClean="0">
+                <a:solidFill>
+                  <a:schemeClr val="bg1"/>
+                </a:solidFill>
+              </a:rPr>
+              <a:t>19</a:t>
+            </a:fld>
+            <a:endParaRPr lang="it-IT" noProof="0" dirty="0">
+              <a:solidFill>
+                <a:schemeClr val="bg1"/>
+              </a:solidFill>
+            </a:endParaRPr>
+          </a:p>
+        </p:txBody>
+      </p:sp>
+      <p:pic>
+        <p:nvPicPr>
+          <p:cNvPr id="4" name="Immagine 3">
+            <a:extLst>
+              <a:ext uri="{FF2B5EF4-FFF2-40B4-BE49-F238E27FC236}">
+                <a16:creationId xmlns:a16="http://schemas.microsoft.com/office/drawing/2014/main" id="{4CEAC1D9-ED33-61CC-45DD-8E48F5DD52DE}"/>
+              </a:ext>
+            </a:extLst>
+          </p:cNvPr>
+          <p:cNvPicPr>
+            <a:picLocks noChangeAspect="1"/>
+          </p:cNvPicPr>
+          <p:nvPr/>
+        </p:nvPicPr>
+        <p:blipFill rotWithShape="1">
           <a:blip r:embed="rId3"/>
-          <a:srcRect/>
+          <a:srcRect t="274"/>
           <a:stretch/>
         </p:blipFill>
         <p:spPr>
           <a:xfrm>
-            <a:off x="6404195" y="2536555"/>
-            <a:ext cx="5495869" cy="3193126"/>
+            <a:off x="2170955" y="1994100"/>
+            <a:ext cx="7850091" cy="4316283"/>
           </a:xfrm>
           <a:prstGeom prst="rect">
             <a:avLst/>
@@ -37016,7 +38205,7 @@
     </p:spTree>
     <p:extLst>
       <p:ext uri="{BB962C8B-B14F-4D97-AF65-F5344CB8AC3E}">
-        <p14:creationId xmlns:p14="http://schemas.microsoft.com/office/powerpoint/2010/main" val="3235516255"/>
+        <p14:creationId xmlns:p14="http://schemas.microsoft.com/office/powerpoint/2010/main" val="2335572923"/>
       </p:ext>
     </p:extLst>
   </p:cSld>
@@ -37327,6 +38516,507 @@
 </p:sld>
 </file>
 
+<file path=ppt/slides/slide20.xml><?xml version="1.0" encoding="utf-8"?>
+<p:sld xmlns:a="http://schemas.openxmlformats.org/drawingml/2006/main" xmlns:r="http://schemas.openxmlformats.org/officeDocument/2006/relationships" xmlns:p="http://schemas.openxmlformats.org/presentationml/2006/main">
+  <p:cSld>
+    <p:spTree>
+      <p:nvGrpSpPr>
+        <p:cNvPr id="1" name=""/>
+        <p:cNvGrpSpPr/>
+        <p:nvPr/>
+      </p:nvGrpSpPr>
+      <p:grpSpPr>
+        <a:xfrm>
+          <a:off x="0" y="0"/>
+          <a:ext cx="0" cy="0"/>
+          <a:chOff x="0" y="0"/>
+          <a:chExt cx="0" cy="0"/>
+        </a:xfrm>
+      </p:grpSpPr>
+      <p:sp>
+        <p:nvSpPr>
+          <p:cNvPr id="11" name="Titolo 10">
+            <a:extLst>
+              <a:ext uri="{FF2B5EF4-FFF2-40B4-BE49-F238E27FC236}">
+                <a16:creationId xmlns:a16="http://schemas.microsoft.com/office/drawing/2014/main" id="{E0E38440-8484-CEC9-1620-196A97C63707}"/>
+              </a:ext>
+            </a:extLst>
+          </p:cNvPr>
+          <p:cNvSpPr>
+            <a:spLocks noGrp="1"/>
+          </p:cNvSpPr>
+          <p:nvPr>
+            <p:ph type="title"/>
+          </p:nvPr>
+        </p:nvSpPr>
+        <p:spPr>
+          <a:xfrm>
+            <a:off x="1527519" y="630859"/>
+            <a:ext cx="7425981" cy="1536580"/>
+          </a:xfrm>
+        </p:spPr>
+        <p:txBody>
+          <a:bodyPr/>
+          <a:lstStyle/>
+          <a:p>
+            <a:r>
+              <a:rPr lang="it-IT" dirty="0">
+                <a:solidFill>
+                  <a:schemeClr val="accent1"/>
+                </a:solidFill>
+              </a:rPr>
+              <a:t>Risultato finale </a:t>
+            </a:r>
+            <a:r>
+              <a:rPr lang="it-IT" dirty="0">
+                <a:solidFill>
+                  <a:schemeClr val="tx2">
+                    <a:lumMod val="10000"/>
+                    <a:lumOff val="90000"/>
+                  </a:schemeClr>
+                </a:solidFill>
+              </a:rPr>
+              <a:t>|</a:t>
+            </a:r>
+            <a:r>
+              <a:rPr lang="it-IT" dirty="0">
+                <a:solidFill>
+                  <a:schemeClr val="accent1"/>
+                </a:solidFill>
+              </a:rPr>
+              <a:t> </a:t>
+            </a:r>
+            <a:r>
+              <a:rPr lang="it-IT" sz="3200" dirty="0">
+                <a:solidFill>
+                  <a:schemeClr val="tx2">
+                    <a:lumMod val="10000"/>
+                    <a:lumOff val="90000"/>
+                  </a:schemeClr>
+                </a:solidFill>
+              </a:rPr>
+              <a:t>pagina patologie</a:t>
+            </a:r>
+            <a:endParaRPr lang="it-IT" dirty="0">
+              <a:solidFill>
+                <a:schemeClr val="tx2">
+                  <a:lumMod val="10000"/>
+                  <a:lumOff val="90000"/>
+                </a:schemeClr>
+              </a:solidFill>
+            </a:endParaRPr>
+          </a:p>
+        </p:txBody>
+      </p:sp>
+      <p:sp>
+        <p:nvSpPr>
+          <p:cNvPr id="3" name="Segnaposto piè di pagina 2">
+            <a:extLst>
+              <a:ext uri="{FF2B5EF4-FFF2-40B4-BE49-F238E27FC236}">
+                <a16:creationId xmlns:a16="http://schemas.microsoft.com/office/drawing/2014/main" id="{84703E29-AC52-9E6C-5C3C-51694061752D}"/>
+              </a:ext>
+            </a:extLst>
+          </p:cNvPr>
+          <p:cNvSpPr>
+            <a:spLocks noGrp="1"/>
+          </p:cNvSpPr>
+          <p:nvPr>
+            <p:ph type="ftr" sz="quarter" idx="11"/>
+          </p:nvPr>
+        </p:nvSpPr>
+        <p:spPr/>
+        <p:txBody>
+          <a:bodyPr/>
+          <a:lstStyle/>
+          <a:p>
+            <a:pPr rtl="0"/>
+            <a:r>
+              <a:rPr lang="it-IT" noProof="0" dirty="0"/>
+              <a:t>Progetto 2 PW24</a:t>
+            </a:r>
+          </a:p>
+        </p:txBody>
+      </p:sp>
+      <p:pic>
+        <p:nvPicPr>
+          <p:cNvPr id="6" name="Immagine 5" descr="Immagine che contiene Carattere, simbolo, logo, cerchio&#10;&#10;Descrizione generata automaticamente">
+            <a:extLst>
+              <a:ext uri="{FF2B5EF4-FFF2-40B4-BE49-F238E27FC236}">
+                <a16:creationId xmlns:a16="http://schemas.microsoft.com/office/drawing/2014/main" id="{4CD26430-B9C8-FA00-460F-3097A96CB06B}"/>
+              </a:ext>
+            </a:extLst>
+          </p:cNvPr>
+          <p:cNvPicPr>
+            <a:picLocks noChangeAspect="1"/>
+          </p:cNvPicPr>
+          <p:nvPr/>
+        </p:nvPicPr>
+        <p:blipFill>
+          <a:blip r:embed="rId2"/>
+          <a:stretch>
+            <a:fillRect/>
+          </a:stretch>
+        </p:blipFill>
+        <p:spPr>
+          <a:xfrm>
+            <a:off x="10331630" y="1003500"/>
+            <a:ext cx="2503879" cy="990600"/>
+          </a:xfrm>
+          <a:prstGeom prst="rect">
+            <a:avLst/>
+          </a:prstGeom>
+        </p:spPr>
+      </p:pic>
+      <p:sp>
+        <p:nvSpPr>
+          <p:cNvPr id="2" name="Segnaposto numero diapositiva 4">
+            <a:extLst>
+              <a:ext uri="{FF2B5EF4-FFF2-40B4-BE49-F238E27FC236}">
+                <a16:creationId xmlns:a16="http://schemas.microsoft.com/office/drawing/2014/main" id="{BB56EF3B-138E-2BFE-48D0-310B917C3967}"/>
+              </a:ext>
+            </a:extLst>
+          </p:cNvPr>
+          <p:cNvSpPr>
+            <a:spLocks noGrp="1"/>
+          </p:cNvSpPr>
+          <p:nvPr>
+            <p:ph type="sldNum" sz="quarter" idx="12"/>
+          </p:nvPr>
+        </p:nvSpPr>
+        <p:spPr>
+          <a:xfrm>
+            <a:off x="9335670" y="6391039"/>
+            <a:ext cx="2743200" cy="365125"/>
+          </a:xfrm>
+        </p:spPr>
+        <p:txBody>
+          <a:bodyPr/>
+          <a:lstStyle/>
+          <a:p>
+            <a:pPr rtl="0"/>
+            <a:fld id="{95CBEC59-7FF9-4688-98DF-89832A0C9025}" type="slidenum">
+              <a:rPr lang="it-IT" noProof="0" smtClean="0">
+                <a:solidFill>
+                  <a:schemeClr val="bg1"/>
+                </a:solidFill>
+              </a:rPr>
+              <a:t>20</a:t>
+            </a:fld>
+            <a:endParaRPr lang="it-IT" noProof="0" dirty="0">
+              <a:solidFill>
+                <a:schemeClr val="bg1"/>
+              </a:solidFill>
+            </a:endParaRPr>
+          </a:p>
+        </p:txBody>
+      </p:sp>
+      <p:pic>
+        <p:nvPicPr>
+          <p:cNvPr id="4" name="Immagine 3">
+            <a:extLst>
+              <a:ext uri="{FF2B5EF4-FFF2-40B4-BE49-F238E27FC236}">
+                <a16:creationId xmlns:a16="http://schemas.microsoft.com/office/drawing/2014/main" id="{64D0A390-572B-67FF-7B94-ADF5B7427FDB}"/>
+              </a:ext>
+            </a:extLst>
+          </p:cNvPr>
+          <p:cNvPicPr>
+            <a:picLocks noChangeAspect="1"/>
+          </p:cNvPicPr>
+          <p:nvPr/>
+        </p:nvPicPr>
+        <p:blipFill>
+          <a:blip r:embed="rId3"/>
+          <a:srcRect/>
+          <a:stretch/>
+        </p:blipFill>
+        <p:spPr>
+          <a:xfrm>
+            <a:off x="2164313" y="2005378"/>
+            <a:ext cx="7863374" cy="4305006"/>
+          </a:xfrm>
+          <a:prstGeom prst="rect">
+            <a:avLst/>
+          </a:prstGeom>
+        </p:spPr>
+      </p:pic>
+    </p:spTree>
+    <p:extLst>
+      <p:ext uri="{BB962C8B-B14F-4D97-AF65-F5344CB8AC3E}">
+        <p14:creationId xmlns:p14="http://schemas.microsoft.com/office/powerpoint/2010/main" val="1754579361"/>
+      </p:ext>
+    </p:extLst>
+  </p:cSld>
+  <p:clrMapOvr>
+    <a:masterClrMapping/>
+  </p:clrMapOvr>
+</p:sld>
+</file>
+
+<file path=ppt/slides/slide21.xml><?xml version="1.0" encoding="utf-8"?>
+<p:sld xmlns:a="http://schemas.openxmlformats.org/drawingml/2006/main" xmlns:r="http://schemas.openxmlformats.org/officeDocument/2006/relationships" xmlns:p="http://schemas.openxmlformats.org/presentationml/2006/main">
+  <p:cSld>
+    <p:spTree>
+      <p:nvGrpSpPr>
+        <p:cNvPr id="1" name=""/>
+        <p:cNvGrpSpPr/>
+        <p:nvPr/>
+      </p:nvGrpSpPr>
+      <p:grpSpPr>
+        <a:xfrm>
+          <a:off x="0" y="0"/>
+          <a:ext cx="0" cy="0"/>
+          <a:chOff x="0" y="0"/>
+          <a:chExt cx="0" cy="0"/>
+        </a:xfrm>
+      </p:grpSpPr>
+      <p:sp>
+        <p:nvSpPr>
+          <p:cNvPr id="11" name="Titolo 10">
+            <a:extLst>
+              <a:ext uri="{FF2B5EF4-FFF2-40B4-BE49-F238E27FC236}">
+                <a16:creationId xmlns:a16="http://schemas.microsoft.com/office/drawing/2014/main" id="{E0E38440-8484-CEC9-1620-196A97C63707}"/>
+              </a:ext>
+            </a:extLst>
+          </p:cNvPr>
+          <p:cNvSpPr>
+            <a:spLocks noGrp="1"/>
+          </p:cNvSpPr>
+          <p:nvPr>
+            <p:ph type="title"/>
+          </p:nvPr>
+        </p:nvSpPr>
+        <p:spPr>
+          <a:xfrm>
+            <a:off x="1527519" y="630859"/>
+            <a:ext cx="7425981" cy="1536580"/>
+          </a:xfrm>
+        </p:spPr>
+        <p:txBody>
+          <a:bodyPr/>
+          <a:lstStyle/>
+          <a:p>
+            <a:r>
+              <a:rPr lang="it-IT" dirty="0">
+                <a:solidFill>
+                  <a:schemeClr val="accent1"/>
+                </a:solidFill>
+              </a:rPr>
+              <a:t>Risultato finale </a:t>
+            </a:r>
+            <a:r>
+              <a:rPr lang="it-IT" dirty="0">
+                <a:solidFill>
+                  <a:schemeClr val="tx2">
+                    <a:lumMod val="10000"/>
+                    <a:lumOff val="90000"/>
+                  </a:schemeClr>
+                </a:solidFill>
+              </a:rPr>
+              <a:t>|</a:t>
+            </a:r>
+            <a:r>
+              <a:rPr lang="it-IT" dirty="0">
+                <a:solidFill>
+                  <a:schemeClr val="accent1"/>
+                </a:solidFill>
+              </a:rPr>
+              <a:t> </a:t>
+            </a:r>
+            <a:r>
+              <a:rPr lang="it-IT" sz="3200" dirty="0">
+                <a:solidFill>
+                  <a:schemeClr val="tx2">
+                    <a:lumMod val="10000"/>
+                    <a:lumOff val="90000"/>
+                  </a:schemeClr>
+                </a:solidFill>
+              </a:rPr>
+              <a:t>Create e update</a:t>
+            </a:r>
+            <a:endParaRPr lang="it-IT" dirty="0">
+              <a:solidFill>
+                <a:schemeClr val="tx2">
+                  <a:lumMod val="10000"/>
+                  <a:lumOff val="90000"/>
+                </a:schemeClr>
+              </a:solidFill>
+            </a:endParaRPr>
+          </a:p>
+        </p:txBody>
+      </p:sp>
+      <p:sp>
+        <p:nvSpPr>
+          <p:cNvPr id="3" name="Segnaposto piè di pagina 2">
+            <a:extLst>
+              <a:ext uri="{FF2B5EF4-FFF2-40B4-BE49-F238E27FC236}">
+                <a16:creationId xmlns:a16="http://schemas.microsoft.com/office/drawing/2014/main" id="{84703E29-AC52-9E6C-5C3C-51694061752D}"/>
+              </a:ext>
+            </a:extLst>
+          </p:cNvPr>
+          <p:cNvSpPr>
+            <a:spLocks noGrp="1"/>
+          </p:cNvSpPr>
+          <p:nvPr>
+            <p:ph type="ftr" sz="quarter" idx="11"/>
+          </p:nvPr>
+        </p:nvSpPr>
+        <p:spPr/>
+        <p:txBody>
+          <a:bodyPr/>
+          <a:lstStyle/>
+          <a:p>
+            <a:pPr rtl="0"/>
+            <a:r>
+              <a:rPr lang="it-IT" noProof="0" dirty="0"/>
+              <a:t>Progetto 2 PW24</a:t>
+            </a:r>
+          </a:p>
+        </p:txBody>
+      </p:sp>
+      <p:pic>
+        <p:nvPicPr>
+          <p:cNvPr id="6" name="Immagine 5" descr="Immagine che contiene Carattere, simbolo, logo, cerchio&#10;&#10;Descrizione generata automaticamente">
+            <a:extLst>
+              <a:ext uri="{FF2B5EF4-FFF2-40B4-BE49-F238E27FC236}">
+                <a16:creationId xmlns:a16="http://schemas.microsoft.com/office/drawing/2014/main" id="{4CD26430-B9C8-FA00-460F-3097A96CB06B}"/>
+              </a:ext>
+            </a:extLst>
+          </p:cNvPr>
+          <p:cNvPicPr>
+            <a:picLocks noChangeAspect="1"/>
+          </p:cNvPicPr>
+          <p:nvPr/>
+        </p:nvPicPr>
+        <p:blipFill>
+          <a:blip r:embed="rId2"/>
+          <a:stretch>
+            <a:fillRect/>
+          </a:stretch>
+        </p:blipFill>
+        <p:spPr>
+          <a:xfrm>
+            <a:off x="10331630" y="1003500"/>
+            <a:ext cx="2503879" cy="990600"/>
+          </a:xfrm>
+          <a:prstGeom prst="rect">
+            <a:avLst/>
+          </a:prstGeom>
+        </p:spPr>
+      </p:pic>
+      <p:sp>
+        <p:nvSpPr>
+          <p:cNvPr id="2" name="Segnaposto numero diapositiva 4">
+            <a:extLst>
+              <a:ext uri="{FF2B5EF4-FFF2-40B4-BE49-F238E27FC236}">
+                <a16:creationId xmlns:a16="http://schemas.microsoft.com/office/drawing/2014/main" id="{2FA5C7E0-AD0D-7C50-BE49-B9115F4D3DD8}"/>
+              </a:ext>
+            </a:extLst>
+          </p:cNvPr>
+          <p:cNvSpPr>
+            <a:spLocks noGrp="1"/>
+          </p:cNvSpPr>
+          <p:nvPr>
+            <p:ph type="sldNum" sz="quarter" idx="12"/>
+          </p:nvPr>
+        </p:nvSpPr>
+        <p:spPr>
+          <a:xfrm>
+            <a:off x="9335670" y="6391039"/>
+            <a:ext cx="2743200" cy="365125"/>
+          </a:xfrm>
+        </p:spPr>
+        <p:txBody>
+          <a:bodyPr/>
+          <a:lstStyle/>
+          <a:p>
+            <a:pPr rtl="0"/>
+            <a:fld id="{95CBEC59-7FF9-4688-98DF-89832A0C9025}" type="slidenum">
+              <a:rPr lang="it-IT" noProof="0" smtClean="0">
+                <a:solidFill>
+                  <a:schemeClr val="bg1"/>
+                </a:solidFill>
+              </a:rPr>
+              <a:t>21</a:t>
+            </a:fld>
+            <a:endParaRPr lang="it-IT" noProof="0" dirty="0">
+              <a:solidFill>
+                <a:schemeClr val="bg1"/>
+              </a:solidFill>
+            </a:endParaRPr>
+          </a:p>
+        </p:txBody>
+      </p:sp>
+      <p:pic>
+        <p:nvPicPr>
+          <p:cNvPr id="12" name="Immagine 11">
+            <a:extLst>
+              <a:ext uri="{FF2B5EF4-FFF2-40B4-BE49-F238E27FC236}">
+                <a16:creationId xmlns:a16="http://schemas.microsoft.com/office/drawing/2014/main" id="{B6E4651B-C170-542C-0A69-84670769808F}"/>
+              </a:ext>
+            </a:extLst>
+          </p:cNvPr>
+          <p:cNvPicPr>
+            <a:picLocks noChangeAspect="1"/>
+          </p:cNvPicPr>
+          <p:nvPr/>
+        </p:nvPicPr>
+        <p:blipFill>
+          <a:blip r:embed="rId3"/>
+          <a:srcRect/>
+          <a:stretch/>
+        </p:blipFill>
+        <p:spPr>
+          <a:xfrm>
+            <a:off x="291937" y="2536555"/>
+            <a:ext cx="5495869" cy="3193126"/>
+          </a:xfrm>
+          <a:prstGeom prst="rect">
+            <a:avLst/>
+          </a:prstGeom>
+        </p:spPr>
+      </p:pic>
+      <p:pic>
+        <p:nvPicPr>
+          <p:cNvPr id="13" name="Immagine 12">
+            <a:extLst>
+              <a:ext uri="{FF2B5EF4-FFF2-40B4-BE49-F238E27FC236}">
+                <a16:creationId xmlns:a16="http://schemas.microsoft.com/office/drawing/2014/main" id="{0D8ABC25-2EB6-DFDB-EB26-A494F493519F}"/>
+              </a:ext>
+            </a:extLst>
+          </p:cNvPr>
+          <p:cNvPicPr>
+            <a:picLocks noChangeAspect="1"/>
+          </p:cNvPicPr>
+          <p:nvPr/>
+        </p:nvPicPr>
+        <p:blipFill>
+          <a:blip r:embed="rId3"/>
+          <a:srcRect/>
+          <a:stretch/>
+        </p:blipFill>
+        <p:spPr>
+          <a:xfrm>
+            <a:off x="6404195" y="2536555"/>
+            <a:ext cx="5495869" cy="3193126"/>
+          </a:xfrm>
+          <a:prstGeom prst="rect">
+            <a:avLst/>
+          </a:prstGeom>
+        </p:spPr>
+      </p:pic>
+    </p:spTree>
+    <p:extLst>
+      <p:ext uri="{BB962C8B-B14F-4D97-AF65-F5344CB8AC3E}">
+        <p14:creationId xmlns:p14="http://schemas.microsoft.com/office/powerpoint/2010/main" val="3235516255"/>
+      </p:ext>
+    </p:extLst>
+  </p:cSld>
+  <p:clrMapOvr>
+    <a:masterClrMapping/>
+  </p:clrMapOvr>
+</p:sld>
+</file>
+
 <file path=ppt/slides/slide3.xml><?xml version="1.0" encoding="utf-8"?>
 <p:sld xmlns:a="http://schemas.openxmlformats.org/drawingml/2006/main" xmlns:r="http://schemas.openxmlformats.org/officeDocument/2006/relationships" xmlns:p="http://schemas.openxmlformats.org/presentationml/2006/main">
   <p:cSld>
@@ -37376,7 +39066,7 @@
                   <a:schemeClr val="accent1"/>
                 </a:solidFill>
               </a:rPr>
-              <a:t>Avvio del server locale Django</a:t>
+              <a:t>Struttura della directory</a:t>
             </a:r>
           </a:p>
         </p:txBody>
@@ -37456,7 +39146,7 @@
     </p:spTree>
     <p:extLst>
       <p:ext uri="{BB962C8B-B14F-4D97-AF65-F5344CB8AC3E}">
-        <p14:creationId xmlns:p14="http://schemas.microsoft.com/office/powerpoint/2010/main" val="2463130916"/>
+        <p14:creationId xmlns:p14="http://schemas.microsoft.com/office/powerpoint/2010/main" val="1604730682"/>
       </p:ext>
     </p:extLst>
   </p:cSld>
@@ -37515,7 +39205,7 @@
                   <a:schemeClr val="accent1"/>
                 </a:solidFill>
               </a:rPr>
-              <a:t>Avvio di un server locale Django</a:t>
+              <a:t>Struttura della directory</a:t>
             </a:r>
           </a:p>
         </p:txBody>
@@ -37564,7 +39254,7 @@
         <p:spPr>
           <a:xfrm>
             <a:off x="1207358" y="1215802"/>
-            <a:ext cx="9942990" cy="4524315"/>
+            <a:ext cx="9942990" cy="369332"/>
           </a:xfrm>
           <a:prstGeom prst="rect">
             <a:avLst/>
@@ -37577,181 +39267,27 @@
           </a:bodyPr>
           <a:lstStyle/>
           <a:p>
-            <a:pPr algn="just">
-              <a:lnSpc>
-                <a:spcPct val="200000"/>
-              </a:lnSpc>
-            </a:pPr>
             <a:r>
               <a:rPr lang="it-IT" dirty="0"/>
-              <a:t>1. Salvare la cartella del progetto in locale</a:t>
-            </a:r>
-          </a:p>
-          <a:p>
-            <a:pPr algn="just">
-              <a:lnSpc>
-                <a:spcPct val="150000"/>
-              </a:lnSpc>
-            </a:pPr>
+              <a:t>All’interno della cartella «</a:t>
+            </a:r>
+            <a:r>
+              <a:rPr lang="it-IT" b="1" dirty="0"/>
+              <a:t>Progetto2_PW24</a:t>
+            </a:r>
             <a:r>
               <a:rPr lang="it-IT" dirty="0"/>
-              <a:t>2. Aprire il terminale e navigare fino alla directory che contiene la cartella .</a:t>
-            </a:r>
-            <a:r>
-              <a:rPr lang="it-IT" dirty="0" err="1"/>
-              <a:t>venv</a:t>
-            </a:r>
-            <a:r>
-              <a:rPr lang="it-IT" dirty="0"/>
-              <a:t> con il comando: </a:t>
-            </a:r>
-            <a:r>
-              <a:rPr lang="it-IT" b="1" dirty="0"/>
-              <a:t>cd</a:t>
-            </a:r>
-          </a:p>
-          <a:p>
-            <a:pPr algn="just">
-              <a:lnSpc>
-                <a:spcPct val="150000"/>
-              </a:lnSpc>
-            </a:pPr>
-            <a:r>
-              <a:rPr lang="it-IT" b="1" dirty="0"/>
-              <a:t> 	</a:t>
-            </a:r>
-            <a:r>
-              <a:rPr lang="it-IT" dirty="0"/>
-              <a:t>(esempio: cd C:\Users\Nome\ProgettoWEB\Progetto2_PW24\Workspace\progetto2_PW)</a:t>
-            </a:r>
-            <a:endParaRPr lang="it-IT" b="1" dirty="0"/>
-          </a:p>
-          <a:p>
-            <a:pPr algn="just">
-              <a:lnSpc>
-                <a:spcPct val="200000"/>
-              </a:lnSpc>
-            </a:pPr>
-            <a:r>
-              <a:rPr lang="it-IT" dirty="0"/>
-              <a:t>3. Attivare l’ambiente virtuale digitando il comando:  </a:t>
-            </a:r>
-            <a:r>
-              <a:rPr lang="it-IT" b="1" dirty="0"/>
-              <a:t>.</a:t>
-            </a:r>
-            <a:r>
-              <a:rPr lang="it-IT" b="1" dirty="0" err="1"/>
-              <a:t>venv</a:t>
-            </a:r>
-            <a:r>
-              <a:rPr lang="it-IT" b="1" dirty="0"/>
-              <a:t>\Scripts\</a:t>
-            </a:r>
-            <a:r>
-              <a:rPr lang="it-IT" b="1" dirty="0" err="1"/>
-              <a:t>activate</a:t>
-            </a:r>
-            <a:endParaRPr lang="it-IT" b="1" dirty="0"/>
-          </a:p>
-          <a:p>
-            <a:pPr algn="just">
-              <a:lnSpc>
-                <a:spcPct val="200000"/>
-              </a:lnSpc>
-            </a:pPr>
-            <a:r>
-              <a:rPr lang="it-IT" dirty="0"/>
-              <a:t>4. Dopo aver eseguito il comando, all’inizio della riga del terminale si dovrebbe vedere </a:t>
-            </a:r>
-            <a:r>
-              <a:rPr lang="it-IT" b="1" dirty="0"/>
-              <a:t>(.</a:t>
-            </a:r>
-            <a:r>
-              <a:rPr lang="it-IT" b="1" dirty="0" err="1"/>
-              <a:t>venv</a:t>
-            </a:r>
-            <a:r>
-              <a:rPr lang="it-IT" b="1" dirty="0"/>
-              <a:t>)</a:t>
-            </a:r>
-          </a:p>
-          <a:p>
-            <a:pPr algn="just">
-              <a:lnSpc>
-                <a:spcPct val="200000"/>
-              </a:lnSpc>
-            </a:pPr>
-            <a:r>
-              <a:rPr lang="it-IT" dirty="0"/>
-              <a:t>5. Avviare il server con il comando: </a:t>
-            </a:r>
-            <a:r>
-              <a:rPr lang="it-IT" b="1" dirty="0" err="1"/>
-              <a:t>python</a:t>
-            </a:r>
-            <a:r>
-              <a:rPr lang="it-IT" b="1" dirty="0"/>
-              <a:t> manage.py </a:t>
-            </a:r>
-            <a:r>
-              <a:rPr lang="it-IT" b="1" dirty="0" err="1"/>
-              <a:t>runserver</a:t>
-            </a:r>
-            <a:endParaRPr lang="it-IT" b="1" dirty="0"/>
-          </a:p>
-          <a:p>
-            <a:pPr algn="just">
-              <a:lnSpc>
-                <a:spcPct val="200000"/>
-              </a:lnSpc>
-            </a:pPr>
-            <a:r>
-              <a:rPr lang="it-IT" dirty="0"/>
-              <a:t>6. Dovrebbe comparire il seguente messaggio nel terminale: </a:t>
-            </a:r>
-          </a:p>
-          <a:p>
-            <a:pPr algn="just">
-              <a:lnSpc>
-                <a:spcPct val="200000"/>
-              </a:lnSpc>
-            </a:pPr>
-            <a:r>
-              <a:rPr lang="it-IT" dirty="0"/>
-              <a:t>7. Visualizzare il sito nel browser premendo con </a:t>
-            </a:r>
-            <a:r>
-              <a:rPr lang="it-IT" dirty="0" err="1"/>
-              <a:t>ctrl+click</a:t>
-            </a:r>
-            <a:r>
-              <a:rPr lang="it-IT" dirty="0"/>
-              <a:t> sinistro su « </a:t>
-            </a:r>
-            <a:r>
-              <a:rPr lang="it-IT" dirty="0">
-                <a:hlinkClick r:id="rId2"/>
-              </a:rPr>
-              <a:t>http://127.0.0.1:8000/</a:t>
-            </a:r>
-            <a:r>
-              <a:rPr lang="it-IT" dirty="0"/>
-              <a:t> »</a:t>
-            </a:r>
-          </a:p>
-          <a:p>
-            <a:endParaRPr lang="it-IT" b="1" dirty="0"/>
+              <a:t>» troviamo le seguenti sottocartelle:</a:t>
+            </a:r>
           </a:p>
         </p:txBody>
       </p:sp>
       <p:pic>
         <p:nvPicPr>
-          <p:cNvPr id="20" name="Immagine 19">
-            <a:extLst>
-              <a:ext uri="{FF2B5EF4-FFF2-40B4-BE49-F238E27FC236}">
-                <a16:creationId xmlns:a16="http://schemas.microsoft.com/office/drawing/2014/main" id="{08E485DB-B0C9-43B0-A040-9719105A4169}"/>
+          <p:cNvPr id="22" name="Immagine 21" descr="Immagine che contiene Carattere, simbolo, logo, cerchio&#10;&#10;Descrizione generata automaticamente">
+            <a:extLst>
+              <a:ext uri="{FF2B5EF4-FFF2-40B4-BE49-F238E27FC236}">
+                <a16:creationId xmlns:a16="http://schemas.microsoft.com/office/drawing/2014/main" id="{60D755FE-647D-3345-E9CF-0F4D4FDCE03A}"/>
               </a:ext>
             </a:extLst>
           </p:cNvPr>
@@ -37761,37 +39297,7 @@
           <p:nvPr/>
         </p:nvPicPr>
         <p:blipFill>
-          <a:blip r:embed="rId3"/>
-          <a:stretch>
-            <a:fillRect/>
-          </a:stretch>
-        </p:blipFill>
-        <p:spPr>
-          <a:xfrm>
-            <a:off x="7325130" y="4360867"/>
-            <a:ext cx="3017356" cy="536024"/>
-          </a:xfrm>
-          <a:prstGeom prst="rect">
-            <a:avLst/>
-          </a:prstGeom>
-        </p:spPr>
-      </p:pic>
-      <p:pic>
-        <p:nvPicPr>
-          <p:cNvPr id="22" name="Immagine 21" descr="Immagine che contiene Carattere, simbolo, logo, cerchio&#10;&#10;Descrizione generata automaticamente">
-            <a:extLst>
-              <a:ext uri="{FF2B5EF4-FFF2-40B4-BE49-F238E27FC236}">
-                <a16:creationId xmlns:a16="http://schemas.microsoft.com/office/drawing/2014/main" id="{60D755FE-647D-3345-E9CF-0F4D4FDCE03A}"/>
-              </a:ext>
-            </a:extLst>
-          </p:cNvPr>
-          <p:cNvPicPr>
-            <a:picLocks noChangeAspect="1"/>
-          </p:cNvPicPr>
-          <p:nvPr/>
-        </p:nvPicPr>
-        <p:blipFill>
-          <a:blip r:embed="rId4"/>
+          <a:blip r:embed="rId2"/>
           <a:stretch>
             <a:fillRect/>
           </a:stretch>
@@ -37849,10 +39355,279 @@
           </a:p>
         </p:txBody>
       </p:sp>
+      <p:pic>
+        <p:nvPicPr>
+          <p:cNvPr id="4" name="Immagine 3">
+            <a:extLst>
+              <a:ext uri="{FF2B5EF4-FFF2-40B4-BE49-F238E27FC236}">
+                <a16:creationId xmlns:a16="http://schemas.microsoft.com/office/drawing/2014/main" id="{0A887BB4-F52D-7B62-F6CD-FF137B56BB9B}"/>
+              </a:ext>
+            </a:extLst>
+          </p:cNvPr>
+          <p:cNvPicPr>
+            <a:picLocks noChangeAspect="1"/>
+          </p:cNvPicPr>
+          <p:nvPr/>
+        </p:nvPicPr>
+        <p:blipFill>
+          <a:blip r:embed="rId3"/>
+          <a:stretch>
+            <a:fillRect/>
+          </a:stretch>
+        </p:blipFill>
+        <p:spPr>
+          <a:xfrm>
+            <a:off x="9515475" y="1285819"/>
+            <a:ext cx="1104900" cy="1837906"/>
+          </a:xfrm>
+          <a:prstGeom prst="rect">
+            <a:avLst/>
+          </a:prstGeom>
+        </p:spPr>
+      </p:pic>
+      <p:sp>
+        <p:nvSpPr>
+          <p:cNvPr id="5" name="CasellaDiTesto 4">
+            <a:extLst>
+              <a:ext uri="{FF2B5EF4-FFF2-40B4-BE49-F238E27FC236}">
+                <a16:creationId xmlns:a16="http://schemas.microsoft.com/office/drawing/2014/main" id="{ECB3881F-FA7D-E958-9926-2C3DD8E5DBCF}"/>
+              </a:ext>
+            </a:extLst>
+          </p:cNvPr>
+          <p:cNvSpPr txBox="1"/>
+          <p:nvPr/>
+        </p:nvSpPr>
+        <p:spPr>
+          <a:xfrm>
+            <a:off x="1207358" y="1876575"/>
+            <a:ext cx="8205120" cy="954107"/>
+          </a:xfrm>
+          <a:prstGeom prst="rect">
+            <a:avLst/>
+          </a:prstGeom>
+          <a:noFill/>
+        </p:spPr>
+        <p:txBody>
+          <a:bodyPr wrap="square" rtlCol="0">
+            <a:spAutoFit/>
+          </a:bodyPr>
+          <a:lstStyle/>
+          <a:p>
+            <a:pPr marL="285750" indent="-285750">
+              <a:buFont typeface="Arial" panose="020B0604020202020204" pitchFamily="34" charset="0"/>
+              <a:buChar char="•"/>
+            </a:pPr>
+            <a:r>
+              <a:rPr lang="it-IT" sz="1400" b="1" dirty="0"/>
+              <a:t>DB</a:t>
+            </a:r>
+            <a:r>
+              <a:rPr lang="it-IT" sz="1400" dirty="0"/>
+              <a:t>: contiene il file </a:t>
+            </a:r>
+            <a:r>
+              <a:rPr lang="it-IT" sz="1400" dirty="0" err="1"/>
+              <a:t>excel</a:t>
+            </a:r>
+            <a:r>
+              <a:rPr lang="it-IT" sz="1400" dirty="0"/>
+              <a:t> dal quale abbiamo estratto i dati e inseriti nel DB </a:t>
+            </a:r>
+            <a:r>
+              <a:rPr lang="it-IT" sz="1400" dirty="0" err="1"/>
+              <a:t>sqlite</a:t>
+            </a:r>
+            <a:endParaRPr lang="it-IT" sz="1400" dirty="0"/>
+          </a:p>
+          <a:p>
+            <a:pPr marL="285750" indent="-285750">
+              <a:buFont typeface="Arial" panose="020B0604020202020204" pitchFamily="34" charset="0"/>
+              <a:buChar char="•"/>
+            </a:pPr>
+            <a:r>
+              <a:rPr lang="it-IT" sz="1400" b="1" dirty="0"/>
+              <a:t>Documentazione</a:t>
+            </a:r>
+            <a:r>
+              <a:rPr lang="it-IT" sz="1400" dirty="0"/>
+              <a:t>: contiene il </a:t>
+            </a:r>
+            <a:r>
+              <a:rPr lang="it-IT" sz="1400" dirty="0" err="1"/>
+              <a:t>powerpoint</a:t>
+            </a:r>
+            <a:r>
+              <a:rPr lang="it-IT" sz="1400" dirty="0"/>
+              <a:t> e il pdf di descrizione del progetto</a:t>
+            </a:r>
+          </a:p>
+          <a:p>
+            <a:pPr marL="285750" indent="-285750">
+              <a:buFont typeface="Arial" panose="020B0604020202020204" pitchFamily="34" charset="0"/>
+              <a:buChar char="•"/>
+            </a:pPr>
+            <a:r>
+              <a:rPr lang="it-IT" sz="1400" b="1" dirty="0"/>
+              <a:t>Images</a:t>
+            </a:r>
+            <a:r>
+              <a:rPr lang="it-IT" sz="1400" dirty="0"/>
+              <a:t>: contiene le immagini mostrate nelle pagine web</a:t>
+            </a:r>
+          </a:p>
+          <a:p>
+            <a:pPr marL="285750" indent="-285750">
+              <a:buFont typeface="Arial" panose="020B0604020202020204" pitchFamily="34" charset="0"/>
+              <a:buChar char="•"/>
+            </a:pPr>
+            <a:r>
+              <a:rPr lang="it-IT" sz="1400" b="1" dirty="0"/>
+              <a:t>Workspace</a:t>
+            </a:r>
+            <a:r>
+              <a:rPr lang="it-IT" sz="1400" dirty="0"/>
+              <a:t>: contiene la cartella con il codice del progetto</a:t>
+            </a:r>
+          </a:p>
+        </p:txBody>
+      </p:sp>
+      <p:sp>
+        <p:nvSpPr>
+          <p:cNvPr id="6" name="CasellaDiTesto 5">
+            <a:extLst>
+              <a:ext uri="{FF2B5EF4-FFF2-40B4-BE49-F238E27FC236}">
+                <a16:creationId xmlns:a16="http://schemas.microsoft.com/office/drawing/2014/main" id="{2BF808ED-679D-B77B-DF5E-EDA5AFCF0EA4}"/>
+              </a:ext>
+            </a:extLst>
+          </p:cNvPr>
+          <p:cNvSpPr txBox="1"/>
+          <p:nvPr/>
+        </p:nvSpPr>
+        <p:spPr>
+          <a:xfrm>
+            <a:off x="1207358" y="3345422"/>
+            <a:ext cx="8205120" cy="1600438"/>
+          </a:xfrm>
+          <a:prstGeom prst="rect">
+            <a:avLst/>
+          </a:prstGeom>
+          <a:noFill/>
+        </p:spPr>
+        <p:txBody>
+          <a:bodyPr wrap="square" rtlCol="0">
+            <a:spAutoFit/>
+          </a:bodyPr>
+          <a:lstStyle/>
+          <a:p>
+            <a:r>
+              <a:rPr lang="it-IT" sz="1400" dirty="0"/>
+              <a:t>All’interno di </a:t>
+            </a:r>
+            <a:r>
+              <a:rPr lang="it-IT" sz="1400" b="1" dirty="0"/>
+              <a:t>workspace</a:t>
+            </a:r>
+            <a:r>
+              <a:rPr lang="it-IT" sz="1400" dirty="0"/>
+              <a:t> troviamo la cartella progetto2_PW la quale contiene:</a:t>
+            </a:r>
+          </a:p>
+          <a:p>
+            <a:endParaRPr lang="it-IT" sz="1400" dirty="0"/>
+          </a:p>
+          <a:p>
+            <a:pPr marL="285750" indent="-285750">
+              <a:buFont typeface="Arial" panose="020B0604020202020204" pitchFamily="34" charset="0"/>
+              <a:buChar char="•"/>
+            </a:pPr>
+            <a:r>
+              <a:rPr lang="it-IT" sz="1400" b="1" dirty="0"/>
+              <a:t>.</a:t>
+            </a:r>
+            <a:r>
+              <a:rPr lang="it-IT" sz="1400" b="1" dirty="0" err="1"/>
+              <a:t>venv</a:t>
+            </a:r>
+            <a:r>
+              <a:rPr lang="it-IT" sz="1400" dirty="0"/>
+              <a:t>: contiene l’ambiente virtuale di Django</a:t>
+            </a:r>
+          </a:p>
+          <a:p>
+            <a:pPr marL="285750" indent="-285750">
+              <a:buFont typeface="Arial" panose="020B0604020202020204" pitchFamily="34" charset="0"/>
+              <a:buChar char="•"/>
+            </a:pPr>
+            <a:r>
+              <a:rPr lang="it-IT" sz="1400" b="1" dirty="0" err="1"/>
+              <a:t>Static</a:t>
+            </a:r>
+            <a:r>
+              <a:rPr lang="it-IT" sz="1400" dirty="0"/>
+              <a:t>: contiene gli elementi statici del progetto come il codice </a:t>
+            </a:r>
+            <a:r>
+              <a:rPr lang="it-IT" sz="1400" dirty="0" err="1"/>
+              <a:t>css</a:t>
+            </a:r>
+            <a:r>
+              <a:rPr lang="it-IT" sz="1400" dirty="0"/>
+              <a:t>, il codice JavaScript e le immagini</a:t>
+            </a:r>
+          </a:p>
+          <a:p>
+            <a:pPr marL="285750" indent="-285750">
+              <a:buFont typeface="Arial" panose="020B0604020202020204" pitchFamily="34" charset="0"/>
+              <a:buChar char="•"/>
+            </a:pPr>
+            <a:r>
+              <a:rPr lang="it-IT" sz="1400" b="1" dirty="0" err="1"/>
+              <a:t>Tables</a:t>
+            </a:r>
+            <a:r>
+              <a:rPr lang="it-IT" sz="1400" dirty="0"/>
+              <a:t>: contiene tutto il codice </a:t>
+            </a:r>
+            <a:r>
+              <a:rPr lang="it-IT" sz="1400" dirty="0" err="1"/>
+              <a:t>python</a:t>
+            </a:r>
+            <a:endParaRPr lang="it-IT" sz="1400" dirty="0"/>
+          </a:p>
+          <a:p>
+            <a:pPr marL="285750" indent="-285750">
+              <a:buFont typeface="Arial" panose="020B0604020202020204" pitchFamily="34" charset="0"/>
+              <a:buChar char="•"/>
+            </a:pPr>
+            <a:r>
+              <a:rPr lang="it-IT" sz="1400" b="1" dirty="0"/>
+              <a:t>Templates</a:t>
+            </a:r>
+            <a:r>
+              <a:rPr lang="it-IT" sz="1400" dirty="0"/>
+              <a:t>: contiene le pagine HTML </a:t>
+            </a:r>
+          </a:p>
+          <a:p>
+            <a:pPr marL="285750" indent="-285750">
+              <a:buFont typeface="Arial" panose="020B0604020202020204" pitchFamily="34" charset="0"/>
+              <a:buChar char="•"/>
+            </a:pPr>
+            <a:r>
+              <a:rPr lang="it-IT" sz="1400" b="1" dirty="0"/>
+              <a:t>db.sqlite3</a:t>
+            </a:r>
+            <a:r>
+              <a:rPr lang="it-IT" sz="1400" dirty="0"/>
+              <a:t>: il Data Base del progetto</a:t>
+            </a:r>
+          </a:p>
+        </p:txBody>
+      </p:sp>
     </p:spTree>
     <p:extLst>
       <p:ext uri="{BB962C8B-B14F-4D97-AF65-F5344CB8AC3E}">
-        <p14:creationId xmlns:p14="http://schemas.microsoft.com/office/powerpoint/2010/main" val="3722760410"/>
+        <p14:creationId xmlns:p14="http://schemas.microsoft.com/office/powerpoint/2010/main" val="1702926711"/>
       </p:ext>
     </p:extLst>
   </p:cSld>
@@ -37911,7 +39686,7 @@
                   <a:schemeClr val="accent1"/>
                 </a:solidFill>
               </a:rPr>
-              <a:t>Scelte di progetto</a:t>
+              <a:t>Avvio del server locale Django</a:t>
             </a:r>
           </a:p>
         </p:txBody>
@@ -37947,218 +39722,10 @@
       </p:sp>
       <p:sp>
         <p:nvSpPr>
-          <p:cNvPr id="2" name="Titolo 12">
-            <a:extLst>
-              <a:ext uri="{FF2B5EF4-FFF2-40B4-BE49-F238E27FC236}">
-                <a16:creationId xmlns:a16="http://schemas.microsoft.com/office/drawing/2014/main" id="{F9CA8496-346C-0DA1-13CE-8F0D2F22D231}"/>
-              </a:ext>
-            </a:extLst>
-          </p:cNvPr>
-          <p:cNvSpPr txBox="1">
-            <a:spLocks/>
-          </p:cNvSpPr>
-          <p:nvPr/>
-        </p:nvSpPr>
-        <p:spPr>
-          <a:xfrm>
-            <a:off x="1325812" y="3429000"/>
-            <a:ext cx="4331743" cy="2205317"/>
-          </a:xfrm>
-          <a:prstGeom prst="rect">
-            <a:avLst/>
-          </a:prstGeom>
-        </p:spPr>
-        <p:txBody>
-          <a:bodyPr vert="horz" lIns="91440" tIns="45720" rIns="91440" bIns="45720" rtlCol="0" anchor="ctr">
-            <a:normAutofit fontScale="47500" lnSpcReduction="20000"/>
-          </a:bodyPr>
-          <a:lstStyle>
-            <a:lvl1pPr algn="l" defTabSz="914400" rtl="0" eaLnBrk="1" latinLnBrk="0" hangingPunct="1">
-              <a:lnSpc>
-                <a:spcPct val="90000"/>
-              </a:lnSpc>
-              <a:spcBef>
-                <a:spcPct val="0"/>
-              </a:spcBef>
-              <a:buNone/>
-              <a:defRPr sz="4400" kern="1200">
-                <a:gradFill flip="none" rotWithShape="1">
-                  <a:gsLst>
-                    <a:gs pos="0">
-                      <a:schemeClr val="bg2"/>
-                    </a:gs>
-                    <a:gs pos="100000">
-                      <a:schemeClr val="accent1"/>
-                    </a:gs>
-                  </a:gsLst>
-                  <a:lin ang="0" scaled="1"/>
-                  <a:tileRect/>
-                </a:gradFill>
-                <a:latin typeface="+mj-lt"/>
-                <a:ea typeface="+mj-ea"/>
-                <a:cs typeface="+mj-cs"/>
-              </a:defRPr>
-            </a:lvl1pPr>
-          </a:lstStyle>
-          <a:p>
-            <a:pPr marL="571500" indent="-571500">
-              <a:lnSpc>
-                <a:spcPct val="120000"/>
-              </a:lnSpc>
-              <a:buFont typeface="Wingdings" panose="05000000000000000000" pitchFamily="2" charset="2"/>
-              <a:buChar char="§"/>
-            </a:pPr>
-            <a:r>
-              <a:rPr lang="it-IT" sz="3600" dirty="0">
-                <a:solidFill>
-                  <a:schemeClr val="accent1"/>
-                </a:solidFill>
-              </a:rPr>
-              <a:t>Version controller</a:t>
-            </a:r>
-          </a:p>
-          <a:p>
-            <a:pPr marL="571500" indent="-571500">
-              <a:lnSpc>
-                <a:spcPct val="120000"/>
-              </a:lnSpc>
-              <a:buFont typeface="Wingdings" panose="05000000000000000000" pitchFamily="2" charset="2"/>
-              <a:buChar char="§"/>
-            </a:pPr>
-            <a:r>
-              <a:rPr lang="it-IT" sz="3600" dirty="0">
-                <a:solidFill>
-                  <a:schemeClr val="accent1"/>
-                </a:solidFill>
-              </a:rPr>
-              <a:t>Architettura</a:t>
-            </a:r>
-          </a:p>
-          <a:p>
-            <a:pPr>
-              <a:lnSpc>
-                <a:spcPct val="120000"/>
-              </a:lnSpc>
-            </a:pPr>
-            <a:r>
-              <a:rPr lang="it-IT" sz="3600" dirty="0">
-                <a:solidFill>
-                  <a:srgbClr val="00B0F0"/>
-                </a:solidFill>
-              </a:rPr>
-              <a:t>	- Model</a:t>
-            </a:r>
-          </a:p>
-          <a:p>
-            <a:pPr>
-              <a:lnSpc>
-                <a:spcPct val="120000"/>
-              </a:lnSpc>
-            </a:pPr>
-            <a:r>
-              <a:rPr lang="it-IT" sz="3600" dirty="0">
-                <a:solidFill>
-                  <a:srgbClr val="00B0F0"/>
-                </a:solidFill>
-              </a:rPr>
-              <a:t>	- Template / template con bootstrap</a:t>
-            </a:r>
-          </a:p>
-          <a:p>
-            <a:pPr>
-              <a:lnSpc>
-                <a:spcPct val="120000"/>
-              </a:lnSpc>
-            </a:pPr>
-            <a:r>
-              <a:rPr lang="it-IT" sz="3600" dirty="0">
-                <a:solidFill>
-                  <a:srgbClr val="00B0F0"/>
-                </a:solidFill>
-              </a:rPr>
-              <a:t>	- </a:t>
-            </a:r>
-            <a:r>
-              <a:rPr lang="it-IT" sz="3600" dirty="0" err="1">
-                <a:solidFill>
-                  <a:srgbClr val="00B0F0"/>
-                </a:solidFill>
-              </a:rPr>
-              <a:t>View</a:t>
-            </a:r>
-            <a:endParaRPr lang="it-IT" sz="3600" dirty="0">
-              <a:solidFill>
-                <a:srgbClr val="00B0F0"/>
-              </a:solidFill>
-            </a:endParaRPr>
-          </a:p>
-          <a:p>
-            <a:pPr>
-              <a:lnSpc>
-                <a:spcPct val="120000"/>
-              </a:lnSpc>
-            </a:pPr>
-            <a:r>
-              <a:rPr lang="it-IT" sz="3600" dirty="0">
-                <a:solidFill>
-                  <a:srgbClr val="00B0F0"/>
-                </a:solidFill>
-              </a:rPr>
-              <a:t>	- </a:t>
-            </a:r>
-            <a:r>
-              <a:rPr lang="it-IT" sz="3600" dirty="0" err="1">
-                <a:solidFill>
-                  <a:srgbClr val="00B0F0"/>
-                </a:solidFill>
-              </a:rPr>
-              <a:t>Urls</a:t>
-            </a:r>
-            <a:endParaRPr lang="it-IT" sz="3600" dirty="0">
-              <a:solidFill>
-                <a:srgbClr val="00B0F0"/>
-              </a:solidFill>
-            </a:endParaRPr>
-          </a:p>
-          <a:p>
-            <a:pPr marL="571500" indent="-571500">
-              <a:lnSpc>
-                <a:spcPct val="120000"/>
-              </a:lnSpc>
-              <a:buFont typeface="Wingdings" panose="05000000000000000000" pitchFamily="2" charset="2"/>
-              <a:buChar char="§"/>
-            </a:pPr>
-            <a:r>
-              <a:rPr lang="it-IT" sz="3600" dirty="0">
-                <a:solidFill>
-                  <a:schemeClr val="accent1"/>
-                </a:solidFill>
-              </a:rPr>
-              <a:t>Admin</a:t>
-            </a:r>
-          </a:p>
-          <a:p>
-            <a:pPr marL="742950" lvl="1" indent="-285750">
-              <a:buFontTx/>
-              <a:buChar char="-"/>
-            </a:pPr>
-            <a:r>
-              <a:rPr lang="it-IT" sz="100" dirty="0">
-                <a:solidFill>
-                  <a:schemeClr val="accent1"/>
-                </a:solidFill>
-              </a:rPr>
-              <a:t>-</a:t>
-            </a:r>
-          </a:p>
-        </p:txBody>
-      </p:sp>
-      <p:sp>
-        <p:nvSpPr>
-          <p:cNvPr id="3" name="Segnaposto numero diapositiva 4">
-            <a:extLst>
-              <a:ext uri="{FF2B5EF4-FFF2-40B4-BE49-F238E27FC236}">
-                <a16:creationId xmlns:a16="http://schemas.microsoft.com/office/drawing/2014/main" id="{D874F690-C08C-2296-31CE-9914AA4A5A60}"/>
+          <p:cNvPr id="17" name="Segnaposto numero diapositiva 4">
+            <a:extLst>
+              <a:ext uri="{FF2B5EF4-FFF2-40B4-BE49-F238E27FC236}">
+                <a16:creationId xmlns:a16="http://schemas.microsoft.com/office/drawing/2014/main" id="{4F2C56AA-2B16-CEA4-9119-7168F1813C2C}"/>
               </a:ext>
             </a:extLst>
           </p:cNvPr>
@@ -38199,7 +39766,7 @@
     </p:spTree>
     <p:extLst>
       <p:ext uri="{BB962C8B-B14F-4D97-AF65-F5344CB8AC3E}">
-        <p14:creationId xmlns:p14="http://schemas.microsoft.com/office/powerpoint/2010/main" val="4294678624"/>
+        <p14:creationId xmlns:p14="http://schemas.microsoft.com/office/powerpoint/2010/main" val="2463130916"/>
       </p:ext>
     </p:extLst>
   </p:cSld>
@@ -38258,7 +39825,7 @@
                   <a:schemeClr val="accent1"/>
                 </a:solidFill>
               </a:rPr>
-              <a:t>Scelte di progetto – Version controller</a:t>
+              <a:t>Avvio di un server locale Django</a:t>
             </a:r>
           </a:p>
         </p:txBody>
@@ -38294,10 +39861,10 @@
       </p:sp>
       <p:sp>
         <p:nvSpPr>
-          <p:cNvPr id="2" name="CasellaDiTesto 1">
-            <a:extLst>
-              <a:ext uri="{FF2B5EF4-FFF2-40B4-BE49-F238E27FC236}">
-                <a16:creationId xmlns:a16="http://schemas.microsoft.com/office/drawing/2014/main" id="{7DA02532-27A4-B1F1-7DF0-1FACC0297590}"/>
+          <p:cNvPr id="14" name="CasellaDiTesto 13">
+            <a:extLst>
+              <a:ext uri="{FF2B5EF4-FFF2-40B4-BE49-F238E27FC236}">
+                <a16:creationId xmlns:a16="http://schemas.microsoft.com/office/drawing/2014/main" id="{9C767ED2-E6DA-4F03-78B1-6A6A4E304587}"/>
               </a:ext>
             </a:extLst>
           </p:cNvPr>
@@ -38307,7 +39874,7 @@
         <p:spPr>
           <a:xfrm>
             <a:off x="1207358" y="1215802"/>
-            <a:ext cx="9942990" cy="2129878"/>
+            <a:ext cx="9942990" cy="4524315"/>
           </a:xfrm>
           <a:prstGeom prst="rect">
             <a:avLst/>
@@ -38320,72 +39887,181 @@
           </a:bodyPr>
           <a:lstStyle/>
           <a:p>
-            <a:pPr>
+            <a:pPr algn="just">
+              <a:lnSpc>
+                <a:spcPct val="200000"/>
+              </a:lnSpc>
+            </a:pPr>
+            <a:r>
+              <a:rPr lang="it-IT" dirty="0"/>
+              <a:t>1. Salvare la cartella del progetto in locale</a:t>
+            </a:r>
+          </a:p>
+          <a:p>
+            <a:pPr algn="just">
               <a:lnSpc>
                 <a:spcPct val="150000"/>
               </a:lnSpc>
             </a:pPr>
             <a:r>
               <a:rPr lang="it-IT" dirty="0"/>
-              <a:t>Abbiamo scelto di sviluppare il progetto utilizzando </a:t>
+              <a:t>2. Aprire il terminale e navigare fino alla directory che contiene la cartella .</a:t>
+            </a:r>
+            <a:r>
+              <a:rPr lang="it-IT" dirty="0" err="1"/>
+              <a:t>venv</a:t>
+            </a:r>
+            <a:r>
+              <a:rPr lang="it-IT" dirty="0"/>
+              <a:t> con il comando: </a:t>
             </a:r>
             <a:r>
               <a:rPr lang="it-IT" b="1" dirty="0"/>
-              <a:t>GitHub</a:t>
-            </a:r>
-            <a:r>
-              <a:rPr lang="it-IT" dirty="0"/>
-              <a:t> come remote principale per la repository e piattaforma di collaborazione.</a:t>
-            </a:r>
-          </a:p>
-          <a:p>
-            <a:pPr>
+              <a:t>cd</a:t>
+            </a:r>
+          </a:p>
+          <a:p>
+            <a:pPr algn="just">
               <a:lnSpc>
                 <a:spcPct val="150000"/>
               </a:lnSpc>
             </a:pPr>
-            <a:endParaRPr lang="it-IT" dirty="0"/>
-          </a:p>
-          <a:p>
-            <a:pPr>
+            <a:r>
+              <a:rPr lang="it-IT" b="1" dirty="0"/>
+              <a:t> 	</a:t>
+            </a:r>
+            <a:r>
+              <a:rPr lang="it-IT" dirty="0"/>
+              <a:t>(esempio: cd C:\Users\Nome\ProgettoWEB\Progetto2_PW24\Workspace\progetto2_PW)</a:t>
+            </a:r>
+            <a:endParaRPr lang="it-IT" b="1" dirty="0"/>
+          </a:p>
+          <a:p>
+            <a:pPr algn="just">
               <a:lnSpc>
-                <a:spcPct val="150000"/>
+                <a:spcPct val="200000"/>
               </a:lnSpc>
             </a:pPr>
             <a:r>
               <a:rPr lang="it-IT" dirty="0"/>
-              <a:t>Infatti l’intero progetto è visibile anche al seguente link:</a:t>
-            </a:r>
-          </a:p>
-          <a:p>
-            <a:pPr>
+              <a:t>3. Attivare l’ambiente virtuale digitando il comando:  </a:t>
+            </a:r>
+            <a:r>
+              <a:rPr lang="it-IT" b="1" dirty="0"/>
+              <a:t>.</a:t>
+            </a:r>
+            <a:r>
+              <a:rPr lang="it-IT" b="1" dirty="0" err="1"/>
+              <a:t>venv</a:t>
+            </a:r>
+            <a:r>
+              <a:rPr lang="it-IT" b="1" dirty="0"/>
+              <a:t>\Scripts\</a:t>
+            </a:r>
+            <a:r>
+              <a:rPr lang="it-IT" b="1" dirty="0" err="1"/>
+              <a:t>activate</a:t>
+            </a:r>
+            <a:endParaRPr lang="it-IT" b="1" dirty="0"/>
+          </a:p>
+          <a:p>
+            <a:pPr algn="just">
               <a:lnSpc>
-                <a:spcPct val="150000"/>
+                <a:spcPct val="200000"/>
               </a:lnSpc>
             </a:pPr>
             <a:r>
               <a:rPr lang="it-IT" dirty="0"/>
-              <a:t>« </a:t>
+              <a:t>4. Dopo aver eseguito il comando, all’inizio della riga del terminale si dovrebbe vedere </a:t>
+            </a:r>
+            <a:r>
+              <a:rPr lang="it-IT" b="1" dirty="0"/>
+              <a:t>(.</a:t>
+            </a:r>
+            <a:r>
+              <a:rPr lang="it-IT" b="1" dirty="0" err="1"/>
+              <a:t>venv</a:t>
+            </a:r>
+            <a:r>
+              <a:rPr lang="it-IT" b="1" dirty="0"/>
+              <a:t>)</a:t>
+            </a:r>
+          </a:p>
+          <a:p>
+            <a:pPr algn="just">
+              <a:lnSpc>
+                <a:spcPct val="200000"/>
+              </a:lnSpc>
+            </a:pPr>
+            <a:r>
+              <a:rPr lang="it-IT" dirty="0"/>
+              <a:t>5. Avviare il server con il comando: </a:t>
+            </a:r>
+            <a:r>
+              <a:rPr lang="it-IT" b="1" dirty="0" err="1"/>
+              <a:t>python</a:t>
+            </a:r>
+            <a:r>
+              <a:rPr lang="it-IT" b="1" dirty="0"/>
+              <a:t> manage.py </a:t>
+            </a:r>
+            <a:r>
+              <a:rPr lang="it-IT" b="1" dirty="0" err="1"/>
+              <a:t>runserver</a:t>
+            </a:r>
+            <a:endParaRPr lang="it-IT" b="1" dirty="0"/>
+          </a:p>
+          <a:p>
+            <a:pPr algn="just">
+              <a:lnSpc>
+                <a:spcPct val="200000"/>
+              </a:lnSpc>
+            </a:pPr>
+            <a:r>
+              <a:rPr lang="it-IT" dirty="0"/>
+              <a:t>6. Dovrebbe comparire il seguente messaggio nel terminale: </a:t>
+            </a:r>
+          </a:p>
+          <a:p>
+            <a:pPr algn="just">
+              <a:lnSpc>
+                <a:spcPct val="200000"/>
+              </a:lnSpc>
+            </a:pPr>
+            <a:r>
+              <a:rPr lang="it-IT" dirty="0"/>
+              <a:t>7. Visualizzare il sito nel browser premendo con </a:t>
+            </a:r>
+            <a:r>
+              <a:rPr lang="it-IT" dirty="0" err="1"/>
+              <a:t>ctrl+click</a:t>
+            </a:r>
+            <a:r>
+              <a:rPr lang="it-IT" dirty="0"/>
+              <a:t> sinistro su « </a:t>
             </a:r>
             <a:r>
               <a:rPr lang="it-IT" dirty="0">
                 <a:hlinkClick r:id="rId2"/>
               </a:rPr>
-              <a:t>https://github.com/DavideBrambilla98/Progetto2_PW24</a:t>
+              <a:t>http://127.0.0.1:8000/</a:t>
             </a:r>
             <a:r>
               <a:rPr lang="it-IT" dirty="0"/>
               <a:t> »</a:t>
             </a:r>
           </a:p>
+          <a:p>
+            <a:endParaRPr lang="it-IT" b="1" dirty="0"/>
+          </a:p>
         </p:txBody>
       </p:sp>
       <p:pic>
         <p:nvPicPr>
-          <p:cNvPr id="6" name="Immagine 5" descr="Immagine che contiene Carattere, simbolo, logo, cerchio&#10;&#10;Descrizione generata automaticamente">
-            <a:extLst>
-              <a:ext uri="{FF2B5EF4-FFF2-40B4-BE49-F238E27FC236}">
-                <a16:creationId xmlns:a16="http://schemas.microsoft.com/office/drawing/2014/main" id="{82001DCE-E518-6065-63DC-1E41BEA9C20F}"/>
+          <p:cNvPr id="20" name="Immagine 19">
+            <a:extLst>
+              <a:ext uri="{FF2B5EF4-FFF2-40B4-BE49-F238E27FC236}">
+                <a16:creationId xmlns:a16="http://schemas.microsoft.com/office/drawing/2014/main" id="{08E485DB-B0C9-43B0-A040-9719105A4169}"/>
               </a:ext>
             </a:extLst>
           </p:cNvPr>
@@ -38402,20 +40078,50 @@
         </p:blipFill>
         <p:spPr>
           <a:xfrm>
-            <a:off x="9712735" y="5988286"/>
-            <a:ext cx="1989070" cy="786928"/>
+            <a:off x="7325130" y="4360867"/>
+            <a:ext cx="3017356" cy="536024"/>
           </a:xfrm>
           <a:prstGeom prst="rect">
             <a:avLst/>
           </a:prstGeom>
         </p:spPr>
       </p:pic>
-      <p:sp>
-        <p:nvSpPr>
-          <p:cNvPr id="7" name="Segnaposto numero diapositiva 4">
-            <a:extLst>
-              <a:ext uri="{FF2B5EF4-FFF2-40B4-BE49-F238E27FC236}">
-                <a16:creationId xmlns:a16="http://schemas.microsoft.com/office/drawing/2014/main" id="{522865D9-6FAF-CDEA-BE3D-9719053924C7}"/>
+      <p:pic>
+        <p:nvPicPr>
+          <p:cNvPr id="22" name="Immagine 21" descr="Immagine che contiene Carattere, simbolo, logo, cerchio&#10;&#10;Descrizione generata automaticamente">
+            <a:extLst>
+              <a:ext uri="{FF2B5EF4-FFF2-40B4-BE49-F238E27FC236}">
+                <a16:creationId xmlns:a16="http://schemas.microsoft.com/office/drawing/2014/main" id="{60D755FE-647D-3345-E9CF-0F4D4FDCE03A}"/>
+              </a:ext>
+            </a:extLst>
+          </p:cNvPr>
+          <p:cNvPicPr>
+            <a:picLocks noChangeAspect="1"/>
+          </p:cNvPicPr>
+          <p:nvPr/>
+        </p:nvPicPr>
+        <p:blipFill>
+          <a:blip r:embed="rId4"/>
+          <a:stretch>
+            <a:fillRect/>
+          </a:stretch>
+        </p:blipFill>
+        <p:spPr>
+          <a:xfrm>
+            <a:off x="9712735" y="5988286"/>
+            <a:ext cx="1989070" cy="786928"/>
+          </a:xfrm>
+          <a:prstGeom prst="rect">
+            <a:avLst/>
+          </a:prstGeom>
+        </p:spPr>
+      </p:pic>
+      <p:sp>
+        <p:nvSpPr>
+          <p:cNvPr id="23" name="Segnaposto numero diapositiva 4">
+            <a:extLst>
+              <a:ext uri="{FF2B5EF4-FFF2-40B4-BE49-F238E27FC236}">
+                <a16:creationId xmlns:a16="http://schemas.microsoft.com/office/drawing/2014/main" id="{ED392B07-B0CE-9D5B-5114-23F7DA6A64B2}"/>
               </a:ext>
             </a:extLst>
           </p:cNvPr>
@@ -38456,7 +40162,7 @@
     </p:spTree>
     <p:extLst>
       <p:ext uri="{BB962C8B-B14F-4D97-AF65-F5344CB8AC3E}">
-        <p14:creationId xmlns:p14="http://schemas.microsoft.com/office/powerpoint/2010/main" val="1523331856"/>
+        <p14:creationId xmlns:p14="http://schemas.microsoft.com/office/powerpoint/2010/main" val="3722760410"/>
       </p:ext>
     </p:extLst>
   </p:cSld>
@@ -38485,10 +40191,10 @@
       </p:grpSpPr>
       <p:sp>
         <p:nvSpPr>
-          <p:cNvPr id="11" name="Titolo 10">
-            <a:extLst>
-              <a:ext uri="{FF2B5EF4-FFF2-40B4-BE49-F238E27FC236}">
-                <a16:creationId xmlns:a16="http://schemas.microsoft.com/office/drawing/2014/main" id="{E0E38440-8484-CEC9-1620-196A97C63707}"/>
+          <p:cNvPr id="13" name="Titolo 12">
+            <a:extLst>
+              <a:ext uri="{FF2B5EF4-FFF2-40B4-BE49-F238E27FC236}">
+                <a16:creationId xmlns:a16="http://schemas.microsoft.com/office/drawing/2014/main" id="{E1AE58BE-B3C4-2F3B-78A7-6696394D5DB0}"/>
               </a:ext>
             </a:extLst>
           </p:cNvPr>
@@ -38501,8 +40207,8 @@
         </p:nvSpPr>
         <p:spPr>
           <a:xfrm>
-            <a:off x="928800" y="1"/>
-            <a:ext cx="10515600" cy="1285818"/>
+            <a:off x="1527519" y="1700327"/>
+            <a:ext cx="4331743" cy="1536580"/>
           </a:xfrm>
         </p:spPr>
         <p:txBody>
@@ -38515,17 +40221,17 @@
                   <a:schemeClr val="accent1"/>
                 </a:solidFill>
               </a:rPr>
-              <a:t>Scelte di progetto – Architettura</a:t>
-            </a:r>
-          </a:p>
-        </p:txBody>
-      </p:sp>
-      <p:sp>
-        <p:nvSpPr>
-          <p:cNvPr id="3" name="Segnaposto piè di pagina 2">
-            <a:extLst>
-              <a:ext uri="{FF2B5EF4-FFF2-40B4-BE49-F238E27FC236}">
-                <a16:creationId xmlns:a16="http://schemas.microsoft.com/office/drawing/2014/main" id="{84703E29-AC52-9E6C-5C3C-51694061752D}"/>
+              <a:t>Scelte di progetto</a:t>
+            </a:r>
+          </a:p>
+        </p:txBody>
+      </p:sp>
+      <p:sp>
+        <p:nvSpPr>
+          <p:cNvPr id="4" name="Segnaposto piè di pagina 3">
+            <a:extLst>
+              <a:ext uri="{FF2B5EF4-FFF2-40B4-BE49-F238E27FC236}">
+                <a16:creationId xmlns:a16="http://schemas.microsoft.com/office/drawing/2014/main" id="{1849C601-D638-34C3-6436-FB0758CE65AF}"/>
               </a:ext>
             </a:extLst>
           </p:cNvPr>
@@ -38551,280 +40257,235 @@
       </p:sp>
       <p:sp>
         <p:nvSpPr>
-          <p:cNvPr id="2" name="CasellaDiTesto 1">
-            <a:extLst>
-              <a:ext uri="{FF2B5EF4-FFF2-40B4-BE49-F238E27FC236}">
-                <a16:creationId xmlns:a16="http://schemas.microsoft.com/office/drawing/2014/main" id="{7DA02532-27A4-B1F1-7DF0-1FACC0297590}"/>
-              </a:ext>
-            </a:extLst>
-          </p:cNvPr>
-          <p:cNvSpPr txBox="1"/>
+          <p:cNvPr id="2" name="Titolo 12">
+            <a:extLst>
+              <a:ext uri="{FF2B5EF4-FFF2-40B4-BE49-F238E27FC236}">
+                <a16:creationId xmlns:a16="http://schemas.microsoft.com/office/drawing/2014/main" id="{F9CA8496-346C-0DA1-13CE-8F0D2F22D231}"/>
+              </a:ext>
+            </a:extLst>
+          </p:cNvPr>
+          <p:cNvSpPr txBox="1">
+            <a:spLocks/>
+          </p:cNvSpPr>
           <p:nvPr/>
         </p:nvSpPr>
         <p:spPr>
           <a:xfrm>
-            <a:off x="1207358" y="1215802"/>
-            <a:ext cx="9942990" cy="467885"/>
+            <a:off x="1325812" y="3429000"/>
+            <a:ext cx="4331743" cy="2205317"/>
           </a:xfrm>
           <a:prstGeom prst="rect">
             <a:avLst/>
           </a:prstGeom>
-          <a:noFill/>
-        </p:spPr>
-        <p:txBody>
-          <a:bodyPr wrap="square" rtlCol="0">
-            <a:spAutoFit/>
+        </p:spPr>
+        <p:txBody>
+          <a:bodyPr vert="horz" lIns="91440" tIns="45720" rIns="91440" bIns="45720" rtlCol="0" anchor="ctr">
+            <a:normAutofit fontScale="47500" lnSpcReduction="20000"/>
           </a:bodyPr>
-          <a:lstStyle/>
+          <a:lstStyle>
+            <a:lvl1pPr algn="l" defTabSz="914400" rtl="0" eaLnBrk="1" latinLnBrk="0" hangingPunct="1">
+              <a:lnSpc>
+                <a:spcPct val="90000"/>
+              </a:lnSpc>
+              <a:spcBef>
+                <a:spcPct val="0"/>
+              </a:spcBef>
+              <a:buNone/>
+              <a:defRPr sz="4400" kern="1200">
+                <a:gradFill flip="none" rotWithShape="1">
+                  <a:gsLst>
+                    <a:gs pos="0">
+                      <a:schemeClr val="bg2"/>
+                    </a:gs>
+                    <a:gs pos="100000">
+                      <a:schemeClr val="accent1"/>
+                    </a:gs>
+                  </a:gsLst>
+                  <a:lin ang="0" scaled="1"/>
+                  <a:tileRect/>
+                </a:gradFill>
+                <a:latin typeface="+mj-lt"/>
+                <a:ea typeface="+mj-ea"/>
+                <a:cs typeface="+mj-cs"/>
+              </a:defRPr>
+            </a:lvl1pPr>
+          </a:lstStyle>
+          <a:p>
+            <a:pPr marL="571500" indent="-571500">
+              <a:lnSpc>
+                <a:spcPct val="120000"/>
+              </a:lnSpc>
+              <a:buFont typeface="Wingdings" panose="05000000000000000000" pitchFamily="2" charset="2"/>
+              <a:buChar char="§"/>
+            </a:pPr>
+            <a:r>
+              <a:rPr lang="it-IT" sz="3600" dirty="0">
+                <a:solidFill>
+                  <a:schemeClr val="accent1"/>
+                </a:solidFill>
+              </a:rPr>
+              <a:t>Version controller</a:t>
+            </a:r>
+          </a:p>
+          <a:p>
+            <a:pPr marL="571500" indent="-571500">
+              <a:lnSpc>
+                <a:spcPct val="120000"/>
+              </a:lnSpc>
+              <a:buFont typeface="Wingdings" panose="05000000000000000000" pitchFamily="2" charset="2"/>
+              <a:buChar char="§"/>
+            </a:pPr>
+            <a:r>
+              <a:rPr lang="it-IT" sz="3600" dirty="0">
+                <a:solidFill>
+                  <a:schemeClr val="accent1"/>
+                </a:solidFill>
+              </a:rPr>
+              <a:t>Architettura</a:t>
+            </a:r>
+          </a:p>
           <a:p>
             <a:pPr>
               <a:lnSpc>
-                <a:spcPct val="150000"/>
+                <a:spcPct val="120000"/>
               </a:lnSpc>
             </a:pPr>
             <a:r>
-              <a:rPr lang="it-IT" dirty="0"/>
-              <a:t>Utilizzando Django, l’architettura del software è basata sul pattern Model-Template-</a:t>
-            </a:r>
-            <a:r>
-              <a:rPr lang="it-IT" dirty="0" err="1"/>
+              <a:rPr lang="it-IT" sz="3600" dirty="0">
+                <a:solidFill>
+                  <a:srgbClr val="00B0F0"/>
+                </a:solidFill>
+              </a:rPr>
+              <a:t>	- Model</a:t>
+            </a:r>
+          </a:p>
+          <a:p>
+            <a:pPr>
+              <a:lnSpc>
+                <a:spcPct val="120000"/>
+              </a:lnSpc>
+            </a:pPr>
+            <a:r>
+              <a:rPr lang="it-IT" sz="3600" dirty="0">
+                <a:solidFill>
+                  <a:srgbClr val="00B0F0"/>
+                </a:solidFill>
+              </a:rPr>
+              <a:t>	- Template / template con bootstrap</a:t>
+            </a:r>
+          </a:p>
+          <a:p>
+            <a:pPr>
+              <a:lnSpc>
+                <a:spcPct val="120000"/>
+              </a:lnSpc>
+            </a:pPr>
+            <a:r>
+              <a:rPr lang="it-IT" sz="3600" dirty="0">
+                <a:solidFill>
+                  <a:srgbClr val="00B0F0"/>
+                </a:solidFill>
+              </a:rPr>
+              <a:t>	- </a:t>
+            </a:r>
+            <a:r>
+              <a:rPr lang="it-IT" sz="3600" dirty="0" err="1">
+                <a:solidFill>
+                  <a:srgbClr val="00B0F0"/>
+                </a:solidFill>
+              </a:rPr>
               <a:t>View</a:t>
             </a:r>
-            <a:r>
-              <a:rPr lang="it-IT" dirty="0"/>
-              <a:t> (MTV) </a:t>
-            </a:r>
-          </a:p>
-        </p:txBody>
-      </p:sp>
-      <p:pic>
-        <p:nvPicPr>
-          <p:cNvPr id="2052" name="Picture 4" descr="architettura-MTV">
-            <a:extLst>
-              <a:ext uri="{FF2B5EF4-FFF2-40B4-BE49-F238E27FC236}">
-                <a16:creationId xmlns:a16="http://schemas.microsoft.com/office/drawing/2014/main" id="{D4D9AB3A-9FB3-0EAC-FBD3-6958FEFA302A}"/>
-              </a:ext>
-            </a:extLst>
-          </p:cNvPr>
-          <p:cNvPicPr>
-            <a:picLocks noChangeAspect="1" noChangeArrowheads="1"/>
-          </p:cNvPicPr>
-          <p:nvPr/>
-        </p:nvPicPr>
-        <p:blipFill>
-          <a:blip r:embed="rId2">
-            <a:extLst>
-              <a:ext uri="{28A0092B-C50C-407E-A947-70E740481C1C}">
-                <a14:useLocalDpi xmlns:a14="http://schemas.microsoft.com/office/drawing/2010/main" val="0"/>
-              </a:ext>
-            </a:extLst>
-          </a:blip>
-          <a:srcRect/>
-          <a:stretch>
-            <a:fillRect/>
-          </a:stretch>
-        </p:blipFill>
-        <p:spPr bwMode="auto">
-          <a:xfrm>
-            <a:off x="3032717" y="1876079"/>
-            <a:ext cx="6292272" cy="3460750"/>
-          </a:xfrm>
-          <a:prstGeom prst="rect">
-            <a:avLst/>
-          </a:prstGeom>
-          <a:noFill/>
-          <a:extLst>
-            <a:ext uri="{909E8E84-426E-40DD-AFC4-6F175D3DCCD1}">
-              <a14:hiddenFill xmlns:a14="http://schemas.microsoft.com/office/drawing/2010/main">
+            <a:endParaRPr lang="it-IT" sz="3600" dirty="0">
+              <a:solidFill>
+                <a:srgbClr val="00B0F0"/>
+              </a:solidFill>
+            </a:endParaRPr>
+          </a:p>
+          <a:p>
+            <a:pPr>
+              <a:lnSpc>
+                <a:spcPct val="120000"/>
+              </a:lnSpc>
+            </a:pPr>
+            <a:r>
+              <a:rPr lang="it-IT" sz="3600" dirty="0">
                 <a:solidFill>
-                  <a:srgbClr val="FFFFFF"/>
+                  <a:srgbClr val="00B0F0"/>
                 </a:solidFill>
-              </a14:hiddenFill>
-            </a:ext>
-          </a:extLst>
-        </p:spPr>
-      </p:pic>
-      <p:sp>
-        <p:nvSpPr>
-          <p:cNvPr id="4" name="CasellaDiTesto 3">
-            <a:extLst>
-              <a:ext uri="{FF2B5EF4-FFF2-40B4-BE49-F238E27FC236}">
-                <a16:creationId xmlns:a16="http://schemas.microsoft.com/office/drawing/2014/main" id="{9B58B102-8859-8D39-571D-C207CCA0AD01}"/>
-              </a:ext>
-            </a:extLst>
-          </p:cNvPr>
-          <p:cNvSpPr txBox="1"/>
-          <p:nvPr/>
-        </p:nvSpPr>
-        <p:spPr>
-          <a:xfrm>
-            <a:off x="3289805" y="2073356"/>
-            <a:ext cx="1704056" cy="369332"/>
-          </a:xfrm>
-          <a:prstGeom prst="rect">
-            <a:avLst/>
-          </a:prstGeom>
-          <a:noFill/>
-        </p:spPr>
-        <p:txBody>
-          <a:bodyPr wrap="none" rtlCol="0">
-            <a:spAutoFit/>
-          </a:bodyPr>
-          <a:lstStyle/>
-          <a:p>
-            <a:r>
-              <a:rPr lang="it-IT" dirty="0"/>
-              <a:t>HTTP REQUEST</a:t>
-            </a:r>
-          </a:p>
-        </p:txBody>
-      </p:sp>
-      <p:sp>
-        <p:nvSpPr>
-          <p:cNvPr id="5" name="CasellaDiTesto 4">
-            <a:extLst>
-              <a:ext uri="{FF2B5EF4-FFF2-40B4-BE49-F238E27FC236}">
-                <a16:creationId xmlns:a16="http://schemas.microsoft.com/office/drawing/2014/main" id="{B5C1091A-D5B1-4A85-BC83-5E5B618AAE16}"/>
-              </a:ext>
-            </a:extLst>
-          </p:cNvPr>
-          <p:cNvSpPr txBox="1"/>
-          <p:nvPr/>
-        </p:nvSpPr>
-        <p:spPr>
-          <a:xfrm>
-            <a:off x="7604128" y="3421788"/>
-            <a:ext cx="1869423" cy="369332"/>
-          </a:xfrm>
-          <a:prstGeom prst="rect">
-            <a:avLst/>
-          </a:prstGeom>
-          <a:noFill/>
-        </p:spPr>
-        <p:txBody>
-          <a:bodyPr wrap="none" rtlCol="0">
-            <a:spAutoFit/>
-          </a:bodyPr>
-          <a:lstStyle/>
-          <a:p>
-            <a:r>
-              <a:rPr lang="it-IT" dirty="0"/>
-              <a:t>HTTP RESPONSE</a:t>
-            </a:r>
-          </a:p>
-        </p:txBody>
-      </p:sp>
-      <p:sp>
-        <p:nvSpPr>
-          <p:cNvPr id="6" name="CasellaDiTesto 5">
-            <a:extLst>
-              <a:ext uri="{FF2B5EF4-FFF2-40B4-BE49-F238E27FC236}">
-                <a16:creationId xmlns:a16="http://schemas.microsoft.com/office/drawing/2014/main" id="{A87B23BD-D953-75FB-1551-57256DB505E3}"/>
-              </a:ext>
-            </a:extLst>
-          </p:cNvPr>
-          <p:cNvSpPr txBox="1"/>
-          <p:nvPr/>
-        </p:nvSpPr>
-        <p:spPr>
-          <a:xfrm>
-            <a:off x="6334448" y="2791988"/>
-            <a:ext cx="2300694" cy="307777"/>
-          </a:xfrm>
-          <a:prstGeom prst="rect">
-            <a:avLst/>
-          </a:prstGeom>
-          <a:noFill/>
-        </p:spPr>
-        <p:txBody>
-          <a:bodyPr wrap="none" rtlCol="0">
-            <a:spAutoFit/>
-          </a:bodyPr>
-          <a:lstStyle/>
-          <a:p>
-            <a:r>
-              <a:rPr lang="it-IT" sz="1400" dirty="0"/>
-              <a:t>Richiesta inoltrata alla </a:t>
-            </a:r>
-            <a:r>
-              <a:rPr lang="it-IT" sz="1400" dirty="0" err="1"/>
-              <a:t>view</a:t>
-            </a:r>
-            <a:endParaRPr lang="it-IT" sz="1400" dirty="0"/>
-          </a:p>
-        </p:txBody>
-      </p:sp>
-      <p:sp>
-        <p:nvSpPr>
-          <p:cNvPr id="7" name="CasellaDiTesto 6">
-            <a:extLst>
-              <a:ext uri="{FF2B5EF4-FFF2-40B4-BE49-F238E27FC236}">
-                <a16:creationId xmlns:a16="http://schemas.microsoft.com/office/drawing/2014/main" id="{3A7BB228-5735-3E10-FB7F-98AA3DECD845}"/>
-              </a:ext>
-            </a:extLst>
-          </p:cNvPr>
-          <p:cNvSpPr txBox="1"/>
-          <p:nvPr/>
-        </p:nvSpPr>
-        <p:spPr>
-          <a:xfrm>
-            <a:off x="4211964" y="3995408"/>
-            <a:ext cx="1773049" cy="307777"/>
-          </a:xfrm>
-          <a:prstGeom prst="rect">
-            <a:avLst/>
-          </a:prstGeom>
-          <a:noFill/>
-        </p:spPr>
-        <p:txBody>
-          <a:bodyPr wrap="square" rtlCol="0">
-            <a:spAutoFit/>
-          </a:bodyPr>
-          <a:lstStyle/>
-          <a:p>
-            <a:r>
-              <a:rPr lang="it-IT" sz="1400" dirty="0"/>
-              <a:t>Lettura/scrittura dati</a:t>
-            </a:r>
-          </a:p>
-        </p:txBody>
-      </p:sp>
-      <p:pic>
-        <p:nvPicPr>
-          <p:cNvPr id="9" name="Immagine 8" descr="Immagine che contiene Carattere, simbolo, logo, cerchio&#10;&#10;Descrizione generata automaticamente">
-            <a:extLst>
-              <a:ext uri="{FF2B5EF4-FFF2-40B4-BE49-F238E27FC236}">
-                <a16:creationId xmlns:a16="http://schemas.microsoft.com/office/drawing/2014/main" id="{863034C8-52F3-59BF-7AB0-80BE83A6034D}"/>
-              </a:ext>
-            </a:extLst>
-          </p:cNvPr>
-          <p:cNvPicPr>
-            <a:picLocks noChangeAspect="1"/>
-          </p:cNvPicPr>
-          <p:nvPr/>
-        </p:nvPicPr>
-        <p:blipFill>
-          <a:blip r:embed="rId3"/>
-          <a:stretch>
-            <a:fillRect/>
-          </a:stretch>
-        </p:blipFill>
-        <p:spPr>
-          <a:xfrm>
-            <a:off x="9712735" y="5988286"/>
-            <a:ext cx="1989070" cy="786928"/>
-          </a:xfrm>
-          <a:prstGeom prst="rect">
-            <a:avLst/>
-          </a:prstGeom>
-        </p:spPr>
-      </p:pic>
-      <p:sp>
-        <p:nvSpPr>
-          <p:cNvPr id="10" name="Segnaposto numero diapositiva 4">
-            <a:extLst>
-              <a:ext uri="{FF2B5EF4-FFF2-40B4-BE49-F238E27FC236}">
-                <a16:creationId xmlns:a16="http://schemas.microsoft.com/office/drawing/2014/main" id="{57AD9251-252A-236C-164D-CCFB7FA1234A}"/>
+              </a:rPr>
+              <a:t>	- </a:t>
+            </a:r>
+            <a:r>
+              <a:rPr lang="it-IT" sz="3600" dirty="0" err="1">
+                <a:solidFill>
+                  <a:srgbClr val="00B0F0"/>
+                </a:solidFill>
+              </a:rPr>
+              <a:t>Urls</a:t>
+            </a:r>
+            <a:endParaRPr lang="it-IT" sz="3600" dirty="0">
+              <a:solidFill>
+                <a:srgbClr val="00B0F0"/>
+              </a:solidFill>
+            </a:endParaRPr>
+          </a:p>
+          <a:p>
+            <a:pPr marL="571500" indent="-571500">
+              <a:lnSpc>
+                <a:spcPct val="120000"/>
+              </a:lnSpc>
+              <a:buFont typeface="Wingdings" panose="05000000000000000000" pitchFamily="2" charset="2"/>
+              <a:buChar char="§"/>
+            </a:pPr>
+            <a:r>
+              <a:rPr lang="it-IT" sz="3600" dirty="0">
+                <a:solidFill>
+                  <a:schemeClr val="accent1"/>
+                </a:solidFill>
+              </a:rPr>
+              <a:t>CRUD</a:t>
+            </a:r>
+          </a:p>
+          <a:p>
+            <a:pPr marL="571500" indent="-571500">
+              <a:lnSpc>
+                <a:spcPct val="120000"/>
+              </a:lnSpc>
+              <a:buFont typeface="Wingdings" panose="05000000000000000000" pitchFamily="2" charset="2"/>
+              <a:buChar char="§"/>
+            </a:pPr>
+            <a:r>
+              <a:rPr lang="it-IT" sz="3600" dirty="0">
+                <a:solidFill>
+                  <a:schemeClr val="accent1"/>
+                </a:solidFill>
+              </a:rPr>
+              <a:t>Admin</a:t>
+            </a:r>
+          </a:p>
+          <a:p>
+            <a:pPr marL="742950" lvl="1" indent="-285750">
+              <a:buFontTx/>
+              <a:buChar char="-"/>
+            </a:pPr>
+            <a:r>
+              <a:rPr lang="it-IT" sz="100" dirty="0">
+                <a:solidFill>
+                  <a:schemeClr val="accent1"/>
+                </a:solidFill>
+              </a:rPr>
+              <a:t>-</a:t>
+            </a:r>
+          </a:p>
+        </p:txBody>
+      </p:sp>
+      <p:sp>
+        <p:nvSpPr>
+          <p:cNvPr id="3" name="Segnaposto numero diapositiva 4">
+            <a:extLst>
+              <a:ext uri="{FF2B5EF4-FFF2-40B4-BE49-F238E27FC236}">
+                <a16:creationId xmlns:a16="http://schemas.microsoft.com/office/drawing/2014/main" id="{D874F690-C08C-2296-31CE-9914AA4A5A60}"/>
               </a:ext>
             </a:extLst>
           </p:cNvPr>
@@ -38865,7 +40526,7 @@
     </p:spTree>
     <p:extLst>
       <p:ext uri="{BB962C8B-B14F-4D97-AF65-F5344CB8AC3E}">
-        <p14:creationId xmlns:p14="http://schemas.microsoft.com/office/powerpoint/2010/main" val="1209587335"/>
+        <p14:creationId xmlns:p14="http://schemas.microsoft.com/office/powerpoint/2010/main" val="4294678624"/>
       </p:ext>
     </p:extLst>
   </p:cSld>
@@ -38924,15 +40585,7 @@
                   <a:schemeClr val="accent1"/>
                 </a:solidFill>
               </a:rPr>
-              <a:t>Scelte di progetto – Architettura: </a:t>
-            </a:r>
-            <a:r>
-              <a:rPr lang="it-IT" dirty="0">
-                <a:solidFill>
-                  <a:schemeClr val="accent4"/>
-                </a:solidFill>
-              </a:rPr>
-              <a:t>Model</a:t>
+              <a:t>Scelte di progetto – Version controller</a:t>
             </a:r>
           </a:p>
         </p:txBody>
@@ -38981,7 +40634,7 @@
         <p:spPr>
           <a:xfrm>
             <a:off x="1207358" y="1215802"/>
-            <a:ext cx="9942990" cy="2314544"/>
+            <a:ext cx="9942990" cy="2129878"/>
           </a:xfrm>
           <a:prstGeom prst="rect">
             <a:avLst/>
@@ -39000,492 +40653,66 @@
               </a:lnSpc>
             </a:pPr>
             <a:r>
-              <a:rPr lang="it-IT" sz="1600" dirty="0"/>
-              <a:t>Per prima cosa abbiamo definito i modelli nel file models.py al cui interno possiamo trovare:</a:t>
-            </a:r>
-          </a:p>
-          <a:p>
-            <a:pPr marL="285750" indent="-285750">
+              <a:rPr lang="it-IT" dirty="0"/>
+              <a:t>Abbiamo scelto di sviluppare il progetto utilizzando </a:t>
+            </a:r>
+            <a:r>
+              <a:rPr lang="it-IT" b="1" dirty="0"/>
+              <a:t>GitHub</a:t>
+            </a:r>
+            <a:r>
+              <a:rPr lang="it-IT" dirty="0"/>
+              <a:t> come remote principale per la repository e piattaforma di collaborazione.</a:t>
+            </a:r>
+          </a:p>
+          <a:p>
+            <a:pPr>
               <a:lnSpc>
                 <a:spcPct val="150000"/>
               </a:lnSpc>
-              <a:buFontTx/>
-              <a:buChar char="-"/>
             </a:pPr>
-            <a:r>
-              <a:rPr lang="it-IT" sz="1600" dirty="0"/>
-              <a:t>Modello della tabella delle patologie</a:t>
-            </a:r>
-          </a:p>
-          <a:p>
-            <a:pPr marL="285750" indent="-285750">
+            <a:endParaRPr lang="it-IT" dirty="0"/>
+          </a:p>
+          <a:p>
+            <a:pPr>
               <a:lnSpc>
                 <a:spcPct val="150000"/>
               </a:lnSpc>
-              <a:buFontTx/>
-              <a:buChar char="-"/>
             </a:pPr>
             <a:r>
-              <a:rPr lang="it-IT" sz="1600" dirty="0"/>
-              <a:t>Modello della tabella dei cittadini</a:t>
-            </a:r>
-          </a:p>
-          <a:p>
-            <a:pPr marL="285750" indent="-285750">
+              <a:rPr lang="it-IT" dirty="0"/>
+              <a:t>Infatti l’intero progetto è visibile anche al seguente link:</a:t>
+            </a:r>
+          </a:p>
+          <a:p>
+            <a:pPr>
               <a:lnSpc>
                 <a:spcPct val="150000"/>
               </a:lnSpc>
-              <a:buFontTx/>
-              <a:buChar char="-"/>
             </a:pPr>
             <a:r>
-              <a:rPr lang="it-IT" sz="1600" dirty="0"/>
-              <a:t>Modello della tabella degli ospedali</a:t>
-            </a:r>
-          </a:p>
-          <a:p>
-            <a:pPr marL="285750" indent="-285750">
-              <a:lnSpc>
-                <a:spcPct val="150000"/>
-              </a:lnSpc>
-              <a:buFontTx/>
-              <a:buChar char="-"/>
-            </a:pPr>
-            <a:r>
-              <a:rPr lang="it-IT" sz="1600" dirty="0"/>
-              <a:t>Modello della tabella dei ricoveri</a:t>
-            </a:r>
-          </a:p>
-          <a:p>
-            <a:pPr marL="285750" indent="-285750">
-              <a:lnSpc>
-                <a:spcPct val="150000"/>
-              </a:lnSpc>
-              <a:buFontTx/>
-              <a:buChar char="-"/>
-            </a:pPr>
-            <a:r>
-              <a:rPr lang="it-IT" sz="1600" dirty="0"/>
-              <a:t>Modello della tabella patologie-ricoveri</a:t>
-            </a:r>
-          </a:p>
-        </p:txBody>
-      </p:sp>
-      <p:sp>
-        <p:nvSpPr>
-          <p:cNvPr id="8" name="CasellaDiTesto 7">
-            <a:extLst>
-              <a:ext uri="{FF2B5EF4-FFF2-40B4-BE49-F238E27FC236}">
-                <a16:creationId xmlns:a16="http://schemas.microsoft.com/office/drawing/2014/main" id="{EF606EE9-D081-2546-4F37-004EDF889842}"/>
-              </a:ext>
-            </a:extLst>
-          </p:cNvPr>
-          <p:cNvSpPr txBox="1"/>
-          <p:nvPr/>
-        </p:nvSpPr>
-        <p:spPr>
-          <a:xfrm>
-            <a:off x="1207358" y="3539237"/>
-            <a:ext cx="9942990" cy="830997"/>
-          </a:xfrm>
-          <a:prstGeom prst="rect">
-            <a:avLst/>
-          </a:prstGeom>
-          <a:noFill/>
-        </p:spPr>
-        <p:txBody>
-          <a:bodyPr wrap="square" rtlCol="0">
-            <a:spAutoFit/>
-          </a:bodyPr>
-          <a:lstStyle/>
-          <a:p>
-            <a:r>
-              <a:rPr lang="it-IT" sz="1600" dirty="0"/>
-              <a:t>Un modello rappresenta la struttura che deve avere la tabella all’interno del Data Base. In Django ciascuna tabella viene definita come una classe all’interno della quale vengono inseriti gli attributi (colonne della tabella)</a:t>
-            </a:r>
-          </a:p>
-          <a:p>
-            <a:r>
-              <a:rPr lang="it-IT" sz="1600" dirty="0"/>
-              <a:t>Ad esempio per la tabella patologie:</a:t>
-            </a:r>
-          </a:p>
-        </p:txBody>
-      </p:sp>
-      <p:sp>
-        <p:nvSpPr>
-          <p:cNvPr id="10" name="CasellaDiTesto 9">
-            <a:extLst>
-              <a:ext uri="{FF2B5EF4-FFF2-40B4-BE49-F238E27FC236}">
-                <a16:creationId xmlns:a16="http://schemas.microsoft.com/office/drawing/2014/main" id="{1148589B-6B0F-39FB-9ABA-A00BCBBC6213}"/>
-              </a:ext>
-            </a:extLst>
-          </p:cNvPr>
-          <p:cNvSpPr txBox="1"/>
-          <p:nvPr/>
-        </p:nvSpPr>
-        <p:spPr>
-          <a:xfrm>
-            <a:off x="4607707" y="4093846"/>
-            <a:ext cx="3545693" cy="1477328"/>
-          </a:xfrm>
-          <a:prstGeom prst="rect">
-            <a:avLst/>
-          </a:prstGeom>
-          <a:noFill/>
-        </p:spPr>
-        <p:txBody>
-          <a:bodyPr wrap="square" rtlCol="0">
-            <a:spAutoFit/>
-          </a:bodyPr>
-          <a:lstStyle/>
-          <a:p>
-            <a:r>
-              <a:rPr lang="it-IT" sz="1000" dirty="0">
-                <a:solidFill>
-                  <a:schemeClr val="accent2"/>
-                </a:solidFill>
+              <a:rPr lang="it-IT" dirty="0"/>
+              <a:t>« </a:t>
+            </a:r>
+            <a:r>
+              <a:rPr lang="it-IT" dirty="0">
+                <a:hlinkClick r:id="rId2"/>
               </a:rPr>
-              <a:t>class</a:t>
-            </a:r>
-            <a:r>
-              <a:rPr lang="it-IT" sz="1000" dirty="0"/>
-              <a:t> </a:t>
-            </a:r>
-            <a:r>
-              <a:rPr lang="it-IT" sz="1000" dirty="0" err="1"/>
-              <a:t>PatologiaTable</a:t>
-            </a:r>
-            <a:r>
-              <a:rPr lang="it-IT" sz="1000" dirty="0"/>
-              <a:t>(</a:t>
-            </a:r>
-            <a:r>
-              <a:rPr lang="it-IT" sz="1000" dirty="0" err="1"/>
-              <a:t>models.Model</a:t>
-            </a:r>
-            <a:r>
-              <a:rPr lang="it-IT" sz="1000" dirty="0"/>
-              <a:t>):</a:t>
-            </a:r>
-          </a:p>
-          <a:p>
-            <a:r>
-              <a:rPr lang="it-IT" sz="1000" dirty="0"/>
-              <a:t>    codice = </a:t>
-            </a:r>
-            <a:r>
-              <a:rPr lang="it-IT" sz="1000" dirty="0" err="1"/>
-              <a:t>models.CharField</a:t>
-            </a:r>
-            <a:r>
-              <a:rPr lang="it-IT" sz="1000" dirty="0"/>
-              <a:t>(</a:t>
-            </a:r>
-            <a:r>
-              <a:rPr lang="it-IT" sz="1000" dirty="0" err="1">
-                <a:solidFill>
-                  <a:schemeClr val="accent2"/>
-                </a:solidFill>
-              </a:rPr>
-              <a:t>max_length</a:t>
-            </a:r>
-            <a:r>
-              <a:rPr lang="it-IT" sz="1000" dirty="0"/>
-              <a:t>=</a:t>
-            </a:r>
-            <a:r>
-              <a:rPr lang="it-IT" sz="1000" dirty="0">
-                <a:solidFill>
-                  <a:schemeClr val="accent1">
-                    <a:lumMod val="60000"/>
-                    <a:lumOff val="40000"/>
-                  </a:schemeClr>
-                </a:solidFill>
-              </a:rPr>
-              <a:t>10</a:t>
-            </a:r>
-            <a:r>
-              <a:rPr lang="it-IT" sz="1000" dirty="0"/>
-              <a:t>)</a:t>
-            </a:r>
-          </a:p>
-          <a:p>
-            <a:r>
-              <a:rPr lang="it-IT" sz="1000" dirty="0"/>
-              <a:t>    nome = </a:t>
-            </a:r>
-            <a:r>
-              <a:rPr lang="it-IT" sz="1000" dirty="0" err="1"/>
-              <a:t>models.CharField</a:t>
-            </a:r>
-            <a:r>
-              <a:rPr lang="it-IT" sz="1000" dirty="0"/>
-              <a:t>(</a:t>
-            </a:r>
-            <a:r>
-              <a:rPr lang="it-IT" sz="1000" dirty="0" err="1">
-                <a:solidFill>
-                  <a:schemeClr val="accent2"/>
-                </a:solidFill>
-              </a:rPr>
-              <a:t>max_length</a:t>
-            </a:r>
-            <a:r>
-              <a:rPr lang="it-IT" sz="1000" dirty="0"/>
-              <a:t>=</a:t>
-            </a:r>
-            <a:r>
-              <a:rPr lang="it-IT" sz="1000" dirty="0">
-                <a:solidFill>
-                  <a:schemeClr val="accent1">
-                    <a:lumMod val="60000"/>
-                    <a:lumOff val="40000"/>
-                  </a:schemeClr>
-                </a:solidFill>
-              </a:rPr>
-              <a:t>120</a:t>
-            </a:r>
-            <a:r>
-              <a:rPr lang="it-IT" sz="1000" dirty="0"/>
-              <a:t>)</a:t>
-            </a:r>
-          </a:p>
-          <a:p>
-            <a:r>
-              <a:rPr lang="it-IT" sz="1000" dirty="0"/>
-              <a:t>    </a:t>
-            </a:r>
-            <a:r>
-              <a:rPr lang="it-IT" sz="1000" dirty="0" err="1"/>
-              <a:t>criticita</a:t>
-            </a:r>
-            <a:r>
-              <a:rPr lang="it-IT" sz="1000" dirty="0"/>
-              <a:t> = </a:t>
-            </a:r>
-            <a:r>
-              <a:rPr lang="it-IT" sz="1000" dirty="0" err="1"/>
-              <a:t>models.CharField</a:t>
-            </a:r>
-            <a:r>
-              <a:rPr lang="it-IT" sz="1000" dirty="0"/>
-              <a:t>(</a:t>
-            </a:r>
-            <a:r>
-              <a:rPr lang="it-IT" sz="1000" dirty="0" err="1">
-                <a:solidFill>
-                  <a:schemeClr val="accent2"/>
-                </a:solidFill>
-              </a:rPr>
-              <a:t>max_length</a:t>
-            </a:r>
-            <a:r>
-              <a:rPr lang="it-IT" sz="1000" dirty="0"/>
-              <a:t>=</a:t>
-            </a:r>
-            <a:r>
-              <a:rPr lang="it-IT" sz="1000" dirty="0">
-                <a:solidFill>
-                  <a:schemeClr val="accent1">
-                    <a:lumMod val="60000"/>
-                    <a:lumOff val="40000"/>
-                  </a:schemeClr>
-                </a:solidFill>
-              </a:rPr>
-              <a:t>20</a:t>
-            </a:r>
-            <a:r>
-              <a:rPr lang="it-IT" sz="1000" dirty="0"/>
-              <a:t>)</a:t>
-            </a:r>
-          </a:p>
-          <a:p>
-            <a:r>
-              <a:rPr lang="it-IT" sz="1000" dirty="0"/>
-              <a:t>    cronica = </a:t>
-            </a:r>
-            <a:r>
-              <a:rPr lang="it-IT" sz="1000" dirty="0" err="1"/>
-              <a:t>models.CharField</a:t>
-            </a:r>
-            <a:r>
-              <a:rPr lang="it-IT" sz="1000" dirty="0"/>
-              <a:t>(</a:t>
-            </a:r>
-            <a:r>
-              <a:rPr lang="it-IT" sz="1000" dirty="0" err="1">
-                <a:solidFill>
-                  <a:schemeClr val="accent2"/>
-                </a:solidFill>
-              </a:rPr>
-              <a:t>max_length</a:t>
-            </a:r>
-            <a:r>
-              <a:rPr lang="it-IT" sz="1000" dirty="0"/>
-              <a:t>=</a:t>
-            </a:r>
-            <a:r>
-              <a:rPr lang="it-IT" sz="1000" dirty="0">
-                <a:solidFill>
-                  <a:schemeClr val="accent1">
-                    <a:lumMod val="60000"/>
-                    <a:lumOff val="40000"/>
-                  </a:schemeClr>
-                </a:solidFill>
-              </a:rPr>
-              <a:t>1</a:t>
-            </a:r>
-            <a:r>
-              <a:rPr lang="it-IT" sz="1000" dirty="0"/>
-              <a:t>)</a:t>
-            </a:r>
-          </a:p>
-          <a:p>
-            <a:r>
-              <a:rPr lang="it-IT" sz="1000" dirty="0"/>
-              <a:t>    mortale = </a:t>
-            </a:r>
-            <a:r>
-              <a:rPr lang="it-IT" sz="1000" dirty="0" err="1"/>
-              <a:t>models.CharField</a:t>
-            </a:r>
-            <a:r>
-              <a:rPr lang="it-IT" sz="1000" dirty="0"/>
-              <a:t>(</a:t>
-            </a:r>
-            <a:r>
-              <a:rPr lang="it-IT" sz="1000" dirty="0" err="1">
-                <a:solidFill>
-                  <a:schemeClr val="accent2"/>
-                </a:solidFill>
-              </a:rPr>
-              <a:t>max_length</a:t>
-            </a:r>
-            <a:r>
-              <a:rPr lang="it-IT" sz="1000" dirty="0"/>
-              <a:t>=</a:t>
-            </a:r>
-            <a:r>
-              <a:rPr lang="it-IT" sz="1000" dirty="0">
-                <a:solidFill>
-                  <a:schemeClr val="accent1">
-                    <a:lumMod val="60000"/>
-                    <a:lumOff val="40000"/>
-                  </a:schemeClr>
-                </a:solidFill>
-              </a:rPr>
-              <a:t>1</a:t>
-            </a:r>
-            <a:r>
-              <a:rPr lang="it-IT" sz="1000" dirty="0"/>
-              <a:t>)</a:t>
-            </a:r>
-          </a:p>
-          <a:p>
-            <a:endParaRPr lang="it-IT" sz="1000" dirty="0"/>
-          </a:p>
-          <a:p>
-            <a:r>
-              <a:rPr lang="it-IT" sz="1000" dirty="0"/>
-              <a:t>    </a:t>
-            </a:r>
-            <a:r>
-              <a:rPr lang="it-IT" sz="1000" dirty="0" err="1">
-                <a:solidFill>
-                  <a:schemeClr val="accent2"/>
-                </a:solidFill>
-              </a:rPr>
-              <a:t>def</a:t>
-            </a:r>
-            <a:r>
-              <a:rPr lang="it-IT" sz="1000" dirty="0"/>
-              <a:t> </a:t>
-            </a:r>
-            <a:r>
-              <a:rPr lang="it-IT" sz="1000" dirty="0">
-                <a:solidFill>
-                  <a:schemeClr val="accent5">
-                    <a:lumMod val="75000"/>
-                  </a:schemeClr>
-                </a:solidFill>
-              </a:rPr>
-              <a:t>__</a:t>
-            </a:r>
-            <a:r>
-              <a:rPr lang="it-IT" sz="1000" dirty="0" err="1">
-                <a:solidFill>
-                  <a:schemeClr val="accent5">
-                    <a:lumMod val="75000"/>
-                  </a:schemeClr>
-                </a:solidFill>
-              </a:rPr>
-              <a:t>str</a:t>
-            </a:r>
-            <a:r>
-              <a:rPr lang="it-IT" sz="1000" dirty="0">
-                <a:solidFill>
-                  <a:schemeClr val="accent5">
-                    <a:lumMod val="75000"/>
-                  </a:schemeClr>
-                </a:solidFill>
-              </a:rPr>
-              <a:t>__(</a:t>
-            </a:r>
-            <a:r>
-              <a:rPr lang="it-IT" sz="1000" dirty="0">
-                <a:solidFill>
-                  <a:schemeClr val="accent5">
-                    <a:lumMod val="40000"/>
-                    <a:lumOff val="60000"/>
-                  </a:schemeClr>
-                </a:solidFill>
-              </a:rPr>
-              <a:t>self</a:t>
-            </a:r>
-            <a:r>
-              <a:rPr lang="it-IT" sz="1000" dirty="0"/>
-              <a:t>):</a:t>
-            </a:r>
-          </a:p>
-          <a:p>
-            <a:r>
-              <a:rPr lang="it-IT" sz="1000" dirty="0"/>
-              <a:t>        </a:t>
-            </a:r>
-            <a:r>
-              <a:rPr lang="it-IT" sz="1000" dirty="0" err="1"/>
-              <a:t>return</a:t>
-            </a:r>
-            <a:r>
-              <a:rPr lang="it-IT" sz="1000" dirty="0"/>
-              <a:t> </a:t>
-            </a:r>
-            <a:r>
-              <a:rPr lang="it-IT" sz="1000" dirty="0" err="1">
-                <a:solidFill>
-                  <a:schemeClr val="accent5">
-                    <a:lumMod val="40000"/>
-                    <a:lumOff val="60000"/>
-                  </a:schemeClr>
-                </a:solidFill>
-              </a:rPr>
-              <a:t>self</a:t>
-            </a:r>
-            <a:r>
-              <a:rPr lang="it-IT" sz="1000" dirty="0" err="1"/>
-              <a:t>.nome</a:t>
-            </a:r>
-            <a:endParaRPr lang="it-IT" sz="1000" dirty="0"/>
+              <a:t>https://github.com/DavideBrambilla98/Progetto2_PW24</a:t>
+            </a:r>
+            <a:r>
+              <a:rPr lang="it-IT" dirty="0"/>
+              <a:t> »</a:t>
+            </a:r>
           </a:p>
         </p:txBody>
       </p:sp>
       <p:pic>
         <p:nvPicPr>
-          <p:cNvPr id="13" name="Immagine 12" descr="Immagine che contiene Carattere, simbolo, logo, cerchio&#10;&#10;Descrizione generata automaticamente">
-            <a:extLst>
-              <a:ext uri="{FF2B5EF4-FFF2-40B4-BE49-F238E27FC236}">
-                <a16:creationId xmlns:a16="http://schemas.microsoft.com/office/drawing/2014/main" id="{8A9F216F-E212-1458-7880-D03F79A7CADD}"/>
+          <p:cNvPr id="6" name="Immagine 5" descr="Immagine che contiene Carattere, simbolo, logo, cerchio&#10;&#10;Descrizione generata automaticamente">
+            <a:extLst>
+              <a:ext uri="{FF2B5EF4-FFF2-40B4-BE49-F238E27FC236}">
+                <a16:creationId xmlns:a16="http://schemas.microsoft.com/office/drawing/2014/main" id="{82001DCE-E518-6065-63DC-1E41BEA9C20F}"/>
               </a:ext>
             </a:extLst>
           </p:cNvPr>
@@ -39495,7 +40722,7 @@
           <p:nvPr/>
         </p:nvPicPr>
         <p:blipFill>
-          <a:blip r:embed="rId2"/>
+          <a:blip r:embed="rId3"/>
           <a:stretch>
             <a:fillRect/>
           </a:stretch>
@@ -39512,10 +40739,10 @@
       </p:pic>
       <p:sp>
         <p:nvSpPr>
-          <p:cNvPr id="14" name="Segnaposto numero diapositiva 4">
-            <a:extLst>
-              <a:ext uri="{FF2B5EF4-FFF2-40B4-BE49-F238E27FC236}">
-                <a16:creationId xmlns:a16="http://schemas.microsoft.com/office/drawing/2014/main" id="{9BD11CC4-B65D-F835-70C9-CEBA2ED63E46}"/>
+          <p:cNvPr id="7" name="Segnaposto numero diapositiva 4">
+            <a:extLst>
+              <a:ext uri="{FF2B5EF4-FFF2-40B4-BE49-F238E27FC236}">
+                <a16:creationId xmlns:a16="http://schemas.microsoft.com/office/drawing/2014/main" id="{522865D9-6FAF-CDEA-BE3D-9719053924C7}"/>
               </a:ext>
             </a:extLst>
           </p:cNvPr>
@@ -39556,7 +40783,7 @@
     </p:spTree>
     <p:extLst>
       <p:ext uri="{BB962C8B-B14F-4D97-AF65-F5344CB8AC3E}">
-        <p14:creationId xmlns:p14="http://schemas.microsoft.com/office/powerpoint/2010/main" val="2465345572"/>
+        <p14:creationId xmlns:p14="http://schemas.microsoft.com/office/powerpoint/2010/main" val="1523331856"/>
       </p:ext>
     </p:extLst>
   </p:cSld>
@@ -39615,15 +40842,7 @@
                   <a:schemeClr val="accent1"/>
                 </a:solidFill>
               </a:rPr>
-              <a:t>Scelte di progetto – Architettura: </a:t>
-            </a:r>
-            <a:r>
-              <a:rPr lang="it-IT" dirty="0">
-                <a:solidFill>
-                  <a:schemeClr val="accent4"/>
-                </a:solidFill>
-              </a:rPr>
-              <a:t>Template</a:t>
+              <a:t>Scelte di progetto – Architettura</a:t>
             </a:r>
           </a:p>
         </p:txBody>
@@ -39692,36 +40911,197 @@
             </a:pPr>
             <a:r>
               <a:rPr lang="it-IT" dirty="0"/>
-              <a:t>I template rappresentano le pagine HTML che verranno effettivamente visualizzate nel sito</a:t>
-            </a:r>
-            <a:r>
-              <a:rPr lang="it-IT" sz="1600" dirty="0"/>
-              <a:t>.</a:t>
-            </a:r>
-          </a:p>
-        </p:txBody>
-      </p:sp>
-      <p:sp>
-        <p:nvSpPr>
-          <p:cNvPr id="4" name="CasellaDiTesto 3">
-            <a:extLst>
-              <a:ext uri="{FF2B5EF4-FFF2-40B4-BE49-F238E27FC236}">
-                <a16:creationId xmlns:a16="http://schemas.microsoft.com/office/drawing/2014/main" id="{673C68FB-0A0C-7615-FBAF-E4B0D98FDD1A}"/>
-              </a:ext>
-            </a:extLst>
-          </p:cNvPr>
-          <p:cNvSpPr txBox="1"/>
+              <a:t>Utilizzando Django, l’architettura del software è basata sul pattern Model-Template-</a:t>
+            </a:r>
+            <a:r>
+              <a:rPr lang="it-IT" dirty="0" err="1"/>
+              <a:t>View</a:t>
+            </a:r>
+            <a:r>
+              <a:rPr lang="it-IT" dirty="0"/>
+              <a:t> (MTV) </a:t>
+            </a:r>
+          </a:p>
+        </p:txBody>
+      </p:sp>
+      <p:pic>
+        <p:nvPicPr>
+          <p:cNvPr id="2052" name="Picture 4" descr="architettura-MTV">
+            <a:extLst>
+              <a:ext uri="{FF2B5EF4-FFF2-40B4-BE49-F238E27FC236}">
+                <a16:creationId xmlns:a16="http://schemas.microsoft.com/office/drawing/2014/main" id="{D4D9AB3A-9FB3-0EAC-FBD3-6958FEFA302A}"/>
+              </a:ext>
+            </a:extLst>
+          </p:cNvPr>
+          <p:cNvPicPr>
+            <a:picLocks noChangeAspect="1" noChangeArrowheads="1"/>
+          </p:cNvPicPr>
           <p:nvPr/>
-        </p:nvSpPr>
-        <p:spPr>
-          <a:xfrm>
-            <a:off x="1207358" y="1961965"/>
-            <a:ext cx="9942990" cy="3416320"/>
+        </p:nvPicPr>
+        <p:blipFill>
+          <a:blip r:embed="rId2">
+            <a:extLst>
+              <a:ext uri="{28A0092B-C50C-407E-A947-70E740481C1C}">
+                <a14:useLocalDpi xmlns:a14="http://schemas.microsoft.com/office/drawing/2010/main" val="0"/>
+              </a:ext>
+            </a:extLst>
+          </a:blip>
+          <a:srcRect/>
+          <a:stretch>
+            <a:fillRect/>
+          </a:stretch>
+        </p:blipFill>
+        <p:spPr bwMode="auto">
+          <a:xfrm>
+            <a:off x="3032717" y="1876079"/>
+            <a:ext cx="6292272" cy="3460750"/>
           </a:xfrm>
           <a:prstGeom prst="rect">
             <a:avLst/>
           </a:prstGeom>
           <a:noFill/>
+          <a:extLst>
+            <a:ext uri="{909E8E84-426E-40DD-AFC4-6F175D3DCCD1}">
+              <a14:hiddenFill xmlns:a14="http://schemas.microsoft.com/office/drawing/2010/main">
+                <a:solidFill>
+                  <a:srgbClr val="FFFFFF"/>
+                </a:solidFill>
+              </a14:hiddenFill>
+            </a:ext>
+          </a:extLst>
+        </p:spPr>
+      </p:pic>
+      <p:sp>
+        <p:nvSpPr>
+          <p:cNvPr id="4" name="CasellaDiTesto 3">
+            <a:extLst>
+              <a:ext uri="{FF2B5EF4-FFF2-40B4-BE49-F238E27FC236}">
+                <a16:creationId xmlns:a16="http://schemas.microsoft.com/office/drawing/2014/main" id="{9B58B102-8859-8D39-571D-C207CCA0AD01}"/>
+              </a:ext>
+            </a:extLst>
+          </p:cNvPr>
+          <p:cNvSpPr txBox="1"/>
+          <p:nvPr/>
+        </p:nvSpPr>
+        <p:spPr>
+          <a:xfrm>
+            <a:off x="3289805" y="2073356"/>
+            <a:ext cx="1704056" cy="369332"/>
+          </a:xfrm>
+          <a:prstGeom prst="rect">
+            <a:avLst/>
+          </a:prstGeom>
+          <a:noFill/>
+        </p:spPr>
+        <p:txBody>
+          <a:bodyPr wrap="none" rtlCol="0">
+            <a:spAutoFit/>
+          </a:bodyPr>
+          <a:lstStyle/>
+          <a:p>
+            <a:r>
+              <a:rPr lang="it-IT" dirty="0"/>
+              <a:t>HTTP REQUEST</a:t>
+            </a:r>
+          </a:p>
+        </p:txBody>
+      </p:sp>
+      <p:sp>
+        <p:nvSpPr>
+          <p:cNvPr id="5" name="CasellaDiTesto 4">
+            <a:extLst>
+              <a:ext uri="{FF2B5EF4-FFF2-40B4-BE49-F238E27FC236}">
+                <a16:creationId xmlns:a16="http://schemas.microsoft.com/office/drawing/2014/main" id="{B5C1091A-D5B1-4A85-BC83-5E5B618AAE16}"/>
+              </a:ext>
+            </a:extLst>
+          </p:cNvPr>
+          <p:cNvSpPr txBox="1"/>
+          <p:nvPr/>
+        </p:nvSpPr>
+        <p:spPr>
+          <a:xfrm>
+            <a:off x="7604128" y="3421788"/>
+            <a:ext cx="1869423" cy="369332"/>
+          </a:xfrm>
+          <a:prstGeom prst="rect">
+            <a:avLst/>
+          </a:prstGeom>
+          <a:noFill/>
+        </p:spPr>
+        <p:txBody>
+          <a:bodyPr wrap="none" rtlCol="0">
+            <a:spAutoFit/>
+          </a:bodyPr>
+          <a:lstStyle/>
+          <a:p>
+            <a:r>
+              <a:rPr lang="it-IT" dirty="0"/>
+              <a:t>HTTP RESPONSE</a:t>
+            </a:r>
+          </a:p>
+        </p:txBody>
+      </p:sp>
+      <p:sp>
+        <p:nvSpPr>
+          <p:cNvPr id="6" name="CasellaDiTesto 5">
+            <a:extLst>
+              <a:ext uri="{FF2B5EF4-FFF2-40B4-BE49-F238E27FC236}">
+                <a16:creationId xmlns:a16="http://schemas.microsoft.com/office/drawing/2014/main" id="{A87B23BD-D953-75FB-1551-57256DB505E3}"/>
+              </a:ext>
+            </a:extLst>
+          </p:cNvPr>
+          <p:cNvSpPr txBox="1"/>
+          <p:nvPr/>
+        </p:nvSpPr>
+        <p:spPr>
+          <a:xfrm>
+            <a:off x="6334448" y="2791988"/>
+            <a:ext cx="2300694" cy="307777"/>
+          </a:xfrm>
+          <a:prstGeom prst="rect">
+            <a:avLst/>
+          </a:prstGeom>
+          <a:noFill/>
+        </p:spPr>
+        <p:txBody>
+          <a:bodyPr wrap="none" rtlCol="0">
+            <a:spAutoFit/>
+          </a:bodyPr>
+          <a:lstStyle/>
+          <a:p>
+            <a:r>
+              <a:rPr lang="it-IT" sz="1400" dirty="0"/>
+              <a:t>Richiesta inoltrata alla </a:t>
+            </a:r>
+            <a:r>
+              <a:rPr lang="it-IT" sz="1400" dirty="0" err="1"/>
+              <a:t>view</a:t>
+            </a:r>
+            <a:endParaRPr lang="it-IT" sz="1400" dirty="0"/>
+          </a:p>
+        </p:txBody>
+      </p:sp>
+      <p:sp>
+        <p:nvSpPr>
+          <p:cNvPr id="7" name="CasellaDiTesto 6">
+            <a:extLst>
+              <a:ext uri="{FF2B5EF4-FFF2-40B4-BE49-F238E27FC236}">
+                <a16:creationId xmlns:a16="http://schemas.microsoft.com/office/drawing/2014/main" id="{3A7BB228-5735-3E10-FB7F-98AA3DECD845}"/>
+              </a:ext>
+            </a:extLst>
+          </p:cNvPr>
+          <p:cNvSpPr txBox="1"/>
+          <p:nvPr/>
+        </p:nvSpPr>
+        <p:spPr>
+          <a:xfrm>
+            <a:off x="4211964" y="3995408"/>
+            <a:ext cx="1773049" cy="307777"/>
+          </a:xfrm>
+          <a:prstGeom prst="rect">
+            <a:avLst/>
+          </a:prstGeom>
+          <a:noFill/>
         </p:spPr>
         <p:txBody>
           <a:bodyPr wrap="square" rtlCol="0">
@@ -39730,104 +41110,18 @@
           <a:lstStyle/>
           <a:p>
             <a:r>
-              <a:rPr lang="it-IT" dirty="0"/>
-              <a:t>Inizialmente abbiamo realizzato il template: </a:t>
-            </a:r>
-            <a:r>
-              <a:rPr lang="it-IT" b="1" dirty="0"/>
-              <a:t>base.html </a:t>
-            </a:r>
-            <a:r>
-              <a:rPr lang="it-IT" dirty="0"/>
-              <a:t>al cui interno sono stati inseriti gli elementi comuni a tutte le altre pagine del sito. Facendo in questo modo, abbiamo evitato ripetizioni di codice e soprattutto reso il sito più leggero</a:t>
-            </a:r>
-          </a:p>
-          <a:p>
-            <a:endParaRPr lang="it-IT" b="1" dirty="0"/>
-          </a:p>
-          <a:p>
-            <a:r>
-              <a:rPr lang="it-IT" dirty="0"/>
-              <a:t>Gli altri template (come Ricoveri.html) estendono il template «base.html» inserendo dinamicamente al suo interno un contenuto specifico grazie ai tag:</a:t>
-            </a:r>
-          </a:p>
-          <a:p>
-            <a:r>
-              <a:rPr lang="it-IT" dirty="0"/>
-              <a:t>{% </a:t>
-            </a:r>
-            <a:r>
-              <a:rPr lang="it-IT" dirty="0" err="1">
-                <a:solidFill>
-                  <a:srgbClr val="FFC000"/>
-                </a:solidFill>
-              </a:rPr>
-              <a:t>block</a:t>
-            </a:r>
-            <a:r>
-              <a:rPr lang="it-IT" dirty="0"/>
-              <a:t> nome %} 	 {% </a:t>
-            </a:r>
-            <a:r>
-              <a:rPr lang="it-IT" dirty="0" err="1">
-                <a:solidFill>
-                  <a:srgbClr val="FFC000"/>
-                </a:solidFill>
-              </a:rPr>
-              <a:t>endblock</a:t>
-            </a:r>
-            <a:r>
-              <a:rPr lang="it-IT" dirty="0"/>
-              <a:t> nome %}</a:t>
-            </a:r>
-          </a:p>
-          <a:p>
-            <a:endParaRPr lang="it-IT" dirty="0"/>
-          </a:p>
-          <a:p>
-            <a:r>
-              <a:rPr lang="it-IT" dirty="0"/>
-              <a:t>Nello specifico le parti di codice che vengono inserite dinamicamente dai vari template sono:</a:t>
-            </a:r>
-          </a:p>
-          <a:p>
-            <a:pPr marL="285750" indent="-285750">
-              <a:buFontTx/>
-              <a:buChar char="-"/>
-            </a:pPr>
-            <a:r>
-              <a:rPr lang="it-IT" dirty="0"/>
-              <a:t>Il nome del titolo</a:t>
-            </a:r>
-          </a:p>
-          <a:p>
-            <a:pPr marL="285750" indent="-285750">
-              <a:buFontTx/>
-              <a:buChar char="-"/>
-            </a:pPr>
-            <a:r>
-              <a:rPr lang="it-IT" dirty="0"/>
-              <a:t>Il contenuto del menu a tendina della barra di ricerca</a:t>
-            </a:r>
-          </a:p>
-          <a:p>
-            <a:pPr marL="285750" indent="-285750">
-              <a:buFontTx/>
-              <a:buChar char="-"/>
-            </a:pPr>
-            <a:r>
-              <a:rPr lang="it-IT" dirty="0"/>
-              <a:t>La tabella</a:t>
+              <a:rPr lang="it-IT" sz="1400" dirty="0"/>
+              <a:t>Lettura/scrittura dati</a:t>
             </a:r>
           </a:p>
         </p:txBody>
       </p:sp>
       <p:pic>
         <p:nvPicPr>
-          <p:cNvPr id="7" name="Immagine 6" descr="Immagine che contiene Carattere, simbolo, logo, cerchio&#10;&#10;Descrizione generata automaticamente">
-            <a:extLst>
-              <a:ext uri="{FF2B5EF4-FFF2-40B4-BE49-F238E27FC236}">
-                <a16:creationId xmlns:a16="http://schemas.microsoft.com/office/drawing/2014/main" id="{3C092F74-B6A9-A3F4-E68A-9D3A09A5E314}"/>
+          <p:cNvPr id="9" name="Immagine 8" descr="Immagine che contiene Carattere, simbolo, logo, cerchio&#10;&#10;Descrizione generata automaticamente">
+            <a:extLst>
+              <a:ext uri="{FF2B5EF4-FFF2-40B4-BE49-F238E27FC236}">
+                <a16:creationId xmlns:a16="http://schemas.microsoft.com/office/drawing/2014/main" id="{863034C8-52F3-59BF-7AB0-80BE83A6034D}"/>
               </a:ext>
             </a:extLst>
           </p:cNvPr>
@@ -39837,7 +41131,7 @@
           <p:nvPr/>
         </p:nvPicPr>
         <p:blipFill>
-          <a:blip r:embed="rId2"/>
+          <a:blip r:embed="rId3"/>
           <a:stretch>
             <a:fillRect/>
           </a:stretch>
@@ -39854,10 +41148,10 @@
       </p:pic>
       <p:sp>
         <p:nvSpPr>
-          <p:cNvPr id="9" name="Segnaposto numero diapositiva 4">
-            <a:extLst>
-              <a:ext uri="{FF2B5EF4-FFF2-40B4-BE49-F238E27FC236}">
-                <a16:creationId xmlns:a16="http://schemas.microsoft.com/office/drawing/2014/main" id="{12C9E95B-647D-C4E1-5030-14D4C0102172}"/>
+          <p:cNvPr id="10" name="Segnaposto numero diapositiva 4">
+            <a:extLst>
+              <a:ext uri="{FF2B5EF4-FFF2-40B4-BE49-F238E27FC236}">
+                <a16:creationId xmlns:a16="http://schemas.microsoft.com/office/drawing/2014/main" id="{57AD9251-252A-236C-164D-CCFB7FA1234A}"/>
               </a:ext>
             </a:extLst>
           </p:cNvPr>
@@ -39898,7 +41192,7 @@
     </p:spTree>
     <p:extLst>
       <p:ext uri="{BB962C8B-B14F-4D97-AF65-F5344CB8AC3E}">
-        <p14:creationId xmlns:p14="http://schemas.microsoft.com/office/powerpoint/2010/main" val="2137864691"/>
+        <p14:creationId xmlns:p14="http://schemas.microsoft.com/office/powerpoint/2010/main" val="1209587335"/>
       </p:ext>
     </p:extLst>
   </p:cSld>
@@ -40814,15 +42108,6 @@
 </file>
 
 <file path=customXml/item1.xml><?xml version="1.0" encoding="utf-8"?>
-<p:properties xmlns:p="http://schemas.microsoft.com/office/2006/metadata/properties" xmlns:xsi="http://www.w3.org/2001/XMLSchema-instance" xmlns:pc="http://schemas.microsoft.com/office/infopath/2007/PartnerControls">
-  <documentManagement>
-    <Status xmlns="71af3243-3dd4-4a8d-8c0d-dd76da1f02a5">Not started</Status>
-    <MediaServiceKeyPoints xmlns="71af3243-3dd4-4a8d-8c0d-dd76da1f02a5" xsi:nil="true"/>
-  </documentManagement>
-</p:properties>
-</file>
-
-<file path=customXml/item2.xml><?xml version="1.0" encoding="utf-8"?>
 <ct:contentTypeSchema xmlns:ct="http://schemas.microsoft.com/office/2006/metadata/contentType" xmlns:ma="http://schemas.microsoft.com/office/2006/metadata/properties/metaAttributes" ct:_="" ma:_="" ma:contentTypeName="Document" ma:contentTypeID="0x01010079F111ED35F8CC479449609E8A0923A6" ma:contentTypeVersion="12" ma:contentTypeDescription="Create a new document." ma:contentTypeScope="" ma:versionID="f9fc9171bb41dc08635275f351de8590">
   <xsd:schema xmlns:xsd="http://www.w3.org/2001/XMLSchema" xmlns:xs="http://www.w3.org/2001/XMLSchema" xmlns:p="http://schemas.microsoft.com/office/2006/metadata/properties" xmlns:ns2="71af3243-3dd4-4a8d-8c0d-dd76da1f02a5" xmlns:ns3="16c05727-aa75-4e4a-9b5f-8a80a1165891" targetNamespace="http://schemas.microsoft.com/office/2006/metadata/properties" ma:root="true" ma:fieldsID="29387215989a890c06011de04edfe97d" ns2:_="" ns3:_="">
     <xsd:import namespace="71af3243-3dd4-4a8d-8c0d-dd76da1f02a5"/>
@@ -41043,6 +42328,15 @@
 </ct:contentTypeSchema>
 </file>
 
+<file path=customXml/item2.xml><?xml version="1.0" encoding="utf-8"?>
+<p:properties xmlns:p="http://schemas.microsoft.com/office/2006/metadata/properties" xmlns:xsi="http://www.w3.org/2001/XMLSchema-instance" xmlns:pc="http://schemas.microsoft.com/office/infopath/2007/PartnerControls">
+  <documentManagement>
+    <Status xmlns="71af3243-3dd4-4a8d-8c0d-dd76da1f02a5">Not started</Status>
+    <MediaServiceKeyPoints xmlns="71af3243-3dd4-4a8d-8c0d-dd76da1f02a5" xsi:nil="true"/>
+  </documentManagement>
+</p:properties>
+</file>
+
 <file path=customXml/item3.xml><?xml version="1.0" encoding="utf-8"?>
 <?mso-contentType ?>
 <FormTemplates xmlns="http://schemas.microsoft.com/sharepoint/v3/contenttype/forms">
@@ -41053,23 +42347,6 @@
 </file>
 
 <file path=customXml/itemProps1.xml><?xml version="1.0" encoding="utf-8"?>
-<ds:datastoreItem xmlns:ds="http://schemas.openxmlformats.org/officeDocument/2006/customXml" ds:itemID="{4242AFFF-C96F-4C05-9045-3240A5329ECA}">
-  <ds:schemaRefs>
-    <ds:schemaRef ds:uri="71af3243-3dd4-4a8d-8c0d-dd76da1f02a5"/>
-    <ds:schemaRef ds:uri="http://schemas.microsoft.com/office/infopath/2007/PartnerControls"/>
-    <ds:schemaRef ds:uri="http://purl.org/dc/terms/"/>
-    <ds:schemaRef ds:uri="http://www.w3.org/XML/1998/namespace"/>
-    <ds:schemaRef ds:uri="16c05727-aa75-4e4a-9b5f-8a80a1165891"/>
-    <ds:schemaRef ds:uri="http://schemas.microsoft.com/office/2006/documentManagement/types"/>
-    <ds:schemaRef ds:uri="http://purl.org/dc/elements/1.1/"/>
-    <ds:schemaRef ds:uri="http://schemas.openxmlformats.org/package/2006/metadata/core-properties"/>
-    <ds:schemaRef ds:uri="http://schemas.microsoft.com/office/2006/metadata/properties"/>
-    <ds:schemaRef ds:uri="http://purl.org/dc/dcmitype/"/>
-  </ds:schemaRefs>
-</ds:datastoreItem>
-</file>
-
-<file path=customXml/itemProps2.xml><?xml version="1.0" encoding="utf-8"?>
 <ds:datastoreItem xmlns:ds="http://schemas.openxmlformats.org/officeDocument/2006/customXml" ds:itemID="{504F5DC0-7B0F-411B-A0C5-A1B1D5EB33B4}">
   <ds:schemaRefs>
     <ds:schemaRef ds:uri="http://schemas.microsoft.com/office/2006/metadata/contentType"/>
@@ -41088,6 +42365,23 @@
 </ds:datastoreItem>
 </file>
 
+<file path=customXml/itemProps2.xml><?xml version="1.0" encoding="utf-8"?>
+<ds:datastoreItem xmlns:ds="http://schemas.openxmlformats.org/officeDocument/2006/customXml" ds:itemID="{4242AFFF-C96F-4C05-9045-3240A5329ECA}">
+  <ds:schemaRefs>
+    <ds:schemaRef ds:uri="71af3243-3dd4-4a8d-8c0d-dd76da1f02a5"/>
+    <ds:schemaRef ds:uri="http://schemas.microsoft.com/office/infopath/2007/PartnerControls"/>
+    <ds:schemaRef ds:uri="http://purl.org/dc/terms/"/>
+    <ds:schemaRef ds:uri="http://www.w3.org/XML/1998/namespace"/>
+    <ds:schemaRef ds:uri="16c05727-aa75-4e4a-9b5f-8a80a1165891"/>
+    <ds:schemaRef ds:uri="http://schemas.microsoft.com/office/2006/documentManagement/types"/>
+    <ds:schemaRef ds:uri="http://purl.org/dc/elements/1.1/"/>
+    <ds:schemaRef ds:uri="http://schemas.openxmlformats.org/package/2006/metadata/core-properties"/>
+    <ds:schemaRef ds:uri="http://schemas.microsoft.com/office/2006/metadata/properties"/>
+    <ds:schemaRef ds:uri="http://purl.org/dc/dcmitype/"/>
+  </ds:schemaRefs>
+</ds:datastoreItem>
+</file>
+
 <file path=customXml/itemProps3.xml><?xml version="1.0" encoding="utf-8"?>
 <ds:datastoreItem xmlns:ds="http://schemas.openxmlformats.org/officeDocument/2006/customXml" ds:itemID="{817F9CC6-F7CA-41EA-81DA-97EFF19429B6}">
   <ds:schemaRefs>

--- a/Documentazione/PROGETTO 2 PW24.pptx
+++ b/Documentazione/PROGETTO 2 PW24.pptx
@@ -36840,7 +36840,15 @@
           <a:p>
             <a:r>
               <a:rPr lang="it-IT" dirty="0"/>
-              <a:t>Per quanto riguarda le operazioni di create e update, sono state realizzate delle classi all’interno del file forms.py che permettono di dare una struttura al </a:t>
+              <a:t>Per quanto riguarda le operazioni di create e update, sono state realizzate delle classi all’interno del file </a:t>
+            </a:r>
+            <a:r>
+              <a:rPr lang="it-IT" b="1" dirty="0"/>
+              <a:t>forms.py </a:t>
+            </a:r>
+            <a:r>
+              <a:rPr lang="it-IT" dirty="0"/>
+              <a:t>che permettono di dare una struttura al </a:t>
             </a:r>
             <a:r>
               <a:rPr lang="it-IT" dirty="0" err="1"/>
@@ -38788,7 +38796,7 @@
         <p:spPr>
           <a:xfrm>
             <a:off x="1527519" y="630859"/>
-            <a:ext cx="7425981" cy="1536580"/>
+            <a:ext cx="8082646" cy="1536580"/>
           </a:xfrm>
         </p:spPr>
         <p:txBody>
@@ -38831,7 +38839,7 @@
                   </a:schemeClr>
                 </a:solidFill>
               </a:rPr>
-              <a:t>Create e update</a:t>
+              <a:t>create update e delete</a:t>
             </a:r>
             <a:endParaRPr lang="it-IT" dirty="0">
               <a:solidFill>
@@ -38967,8 +38975,8 @@
         </p:blipFill>
         <p:spPr>
           <a:xfrm>
-            <a:off x="291937" y="2536555"/>
-            <a:ext cx="5495869" cy="3193126"/>
+            <a:off x="291938" y="2536555"/>
+            <a:ext cx="3598576" cy="2090790"/>
           </a:xfrm>
           <a:prstGeom prst="rect">
             <a:avLst/>
@@ -38996,14 +39004,199 @@
         </p:blipFill>
         <p:spPr>
           <a:xfrm>
-            <a:off x="6404195" y="2536555"/>
-            <a:ext cx="5495869" cy="3193126"/>
+            <a:off x="8301488" y="2536555"/>
+            <a:ext cx="3598576" cy="2090790"/>
           </a:xfrm>
           <a:prstGeom prst="rect">
             <a:avLst/>
           </a:prstGeom>
         </p:spPr>
       </p:pic>
+      <p:pic>
+        <p:nvPicPr>
+          <p:cNvPr id="4" name="Immagine 3">
+            <a:extLst>
+              <a:ext uri="{FF2B5EF4-FFF2-40B4-BE49-F238E27FC236}">
+                <a16:creationId xmlns:a16="http://schemas.microsoft.com/office/drawing/2014/main" id="{31EFD340-F1A7-1F7F-683C-F1C782A3ABD1}"/>
+              </a:ext>
+            </a:extLst>
+          </p:cNvPr>
+          <p:cNvPicPr>
+            <a:picLocks noChangeAspect="1"/>
+          </p:cNvPicPr>
+          <p:nvPr/>
+        </p:nvPicPr>
+        <p:blipFill>
+          <a:blip r:embed="rId4"/>
+          <a:srcRect/>
+          <a:stretch/>
+        </p:blipFill>
+        <p:spPr>
+          <a:xfrm>
+            <a:off x="4296713" y="4688885"/>
+            <a:ext cx="3598576" cy="1967710"/>
+          </a:xfrm>
+          <a:prstGeom prst="rect">
+            <a:avLst/>
+          </a:prstGeom>
+        </p:spPr>
+      </p:pic>
+      <p:sp>
+        <p:nvSpPr>
+          <p:cNvPr id="5" name="CasellaDiTesto 4">
+            <a:extLst>
+              <a:ext uri="{FF2B5EF4-FFF2-40B4-BE49-F238E27FC236}">
+                <a16:creationId xmlns:a16="http://schemas.microsoft.com/office/drawing/2014/main" id="{C63C7044-D348-8F83-A0FE-B1A63545F468}"/>
+              </a:ext>
+            </a:extLst>
+          </p:cNvPr>
+          <p:cNvSpPr txBox="1"/>
+          <p:nvPr/>
+        </p:nvSpPr>
+        <p:spPr>
+          <a:xfrm>
+            <a:off x="4198020" y="4356847"/>
+            <a:ext cx="1193488" cy="369332"/>
+          </a:xfrm>
+          <a:prstGeom prst="rect">
+            <a:avLst/>
+          </a:prstGeom>
+          <a:noFill/>
+        </p:spPr>
+        <p:txBody>
+          <a:bodyPr wrap="square" rtlCol="0">
+            <a:spAutoFit/>
+          </a:bodyPr>
+          <a:lstStyle/>
+          <a:p>
+            <a:r>
+              <a:rPr lang="it-IT" dirty="0">
+                <a:solidFill>
+                  <a:schemeClr val="accent1"/>
+                </a:solidFill>
+              </a:rPr>
+              <a:t>D</a:t>
+            </a:r>
+            <a:r>
+              <a:rPr lang="it-IT" sz="1800" dirty="0">
+                <a:solidFill>
+                  <a:schemeClr val="accent1"/>
+                </a:solidFill>
+              </a:rPr>
+              <a:t>elete:</a:t>
+            </a:r>
+            <a:endParaRPr lang="it-IT" dirty="0">
+              <a:solidFill>
+                <a:schemeClr val="accent1"/>
+              </a:solidFill>
+            </a:endParaRPr>
+          </a:p>
+        </p:txBody>
+      </p:sp>
+      <p:sp>
+        <p:nvSpPr>
+          <p:cNvPr id="7" name="CasellaDiTesto 6">
+            <a:extLst>
+              <a:ext uri="{FF2B5EF4-FFF2-40B4-BE49-F238E27FC236}">
+                <a16:creationId xmlns:a16="http://schemas.microsoft.com/office/drawing/2014/main" id="{25BD9195-25C9-A95C-BC1D-2B6680F04F3B}"/>
+              </a:ext>
+            </a:extLst>
+          </p:cNvPr>
+          <p:cNvSpPr txBox="1"/>
+          <p:nvPr/>
+        </p:nvSpPr>
+        <p:spPr>
+          <a:xfrm>
+            <a:off x="8180666" y="2211123"/>
+            <a:ext cx="1193488" cy="369332"/>
+          </a:xfrm>
+          <a:prstGeom prst="rect">
+            <a:avLst/>
+          </a:prstGeom>
+          <a:noFill/>
+        </p:spPr>
+        <p:txBody>
+          <a:bodyPr wrap="square" rtlCol="0">
+            <a:spAutoFit/>
+          </a:bodyPr>
+          <a:lstStyle/>
+          <a:p>
+            <a:r>
+              <a:rPr lang="it-IT" dirty="0">
+                <a:solidFill>
+                  <a:schemeClr val="accent1"/>
+                </a:solidFill>
+              </a:rPr>
+              <a:t>Update</a:t>
+            </a:r>
+            <a:r>
+              <a:rPr lang="it-IT" sz="1800" dirty="0">
+                <a:solidFill>
+                  <a:schemeClr val="accent1"/>
+                </a:solidFill>
+              </a:rPr>
+              <a:t>:</a:t>
+            </a:r>
+            <a:endParaRPr lang="it-IT" dirty="0">
+              <a:solidFill>
+                <a:schemeClr val="accent1"/>
+              </a:solidFill>
+            </a:endParaRPr>
+          </a:p>
+        </p:txBody>
+      </p:sp>
+      <p:sp>
+        <p:nvSpPr>
+          <p:cNvPr id="8" name="CasellaDiTesto 7">
+            <a:extLst>
+              <a:ext uri="{FF2B5EF4-FFF2-40B4-BE49-F238E27FC236}">
+                <a16:creationId xmlns:a16="http://schemas.microsoft.com/office/drawing/2014/main" id="{B4012FA0-3E65-43C4-F798-3D243B4A7980}"/>
+              </a:ext>
+            </a:extLst>
+          </p:cNvPr>
+          <p:cNvSpPr txBox="1"/>
+          <p:nvPr/>
+        </p:nvSpPr>
+        <p:spPr>
+          <a:xfrm>
+            <a:off x="198356" y="2211123"/>
+            <a:ext cx="1193488" cy="369332"/>
+          </a:xfrm>
+          <a:prstGeom prst="rect">
+            <a:avLst/>
+          </a:prstGeom>
+          <a:noFill/>
+        </p:spPr>
+        <p:txBody>
+          <a:bodyPr wrap="square" rtlCol="0">
+            <a:spAutoFit/>
+          </a:bodyPr>
+          <a:lstStyle/>
+          <a:p>
+            <a:r>
+              <a:rPr lang="it-IT" dirty="0">
+                <a:solidFill>
+                  <a:schemeClr val="accent1"/>
+                </a:solidFill>
+              </a:rPr>
+              <a:t>Create</a:t>
+            </a:r>
+            <a:r>
+              <a:rPr lang="it-IT" sz="1800" dirty="0">
+                <a:solidFill>
+                  <a:schemeClr val="accent1"/>
+                </a:solidFill>
+              </a:rPr>
+              <a:t>:</a:t>
+            </a:r>
+            <a:endParaRPr lang="it-IT" dirty="0">
+              <a:solidFill>
+                <a:schemeClr val="accent1"/>
+              </a:solidFill>
+            </a:endParaRPr>
+          </a:p>
+        </p:txBody>
+      </p:sp>
     </p:spTree>
     <p:extLst>
       <p:ext uri="{BB962C8B-B14F-4D97-AF65-F5344CB8AC3E}">
@@ -39873,8 +40066,8 @@
         </p:nvSpPr>
         <p:spPr>
           <a:xfrm>
-            <a:off x="1207358" y="1215802"/>
-            <a:ext cx="9942990" cy="4524315"/>
+            <a:off x="1207358" y="1343370"/>
+            <a:ext cx="9942990" cy="4031873"/>
           </a:xfrm>
           <a:prstGeom prst="rect">
             <a:avLst/>
@@ -39893,7 +40086,7 @@
               </a:lnSpc>
             </a:pPr>
             <a:r>
-              <a:rPr lang="it-IT" dirty="0"/>
+              <a:rPr lang="it-IT" sz="1400" dirty="0"/>
               <a:t>1. Salvare la cartella del progetto in locale</a:t>
             </a:r>
           </a:p>
@@ -39904,21 +40097,18 @@
               </a:lnSpc>
             </a:pPr>
             <a:r>
-              <a:rPr lang="it-IT" dirty="0"/>
+              <a:rPr lang="it-IT" sz="1400" dirty="0"/>
               <a:t>2. Aprire il terminale e navigare fino alla directory che contiene la cartella .</a:t>
             </a:r>
             <a:r>
-              <a:rPr lang="it-IT" dirty="0" err="1"/>
+              <a:rPr lang="it-IT" sz="1400" dirty="0" err="1"/>
               <a:t>venv</a:t>
             </a:r>
             <a:r>
-              <a:rPr lang="it-IT" dirty="0"/>
-              <a:t> con il comando: </a:t>
-            </a:r>
-            <a:r>
-              <a:rPr lang="it-IT" b="1" dirty="0"/>
-              <a:t>cd</a:t>
-            </a:r>
+              <a:rPr lang="it-IT" sz="1400" dirty="0"/>
+              <a:t> con il comando:</a:t>
+            </a:r>
+            <a:endParaRPr lang="it-IT" sz="1400" b="1" dirty="0"/>
           </a:p>
           <a:p>
             <a:pPr algn="just">
@@ -39927,14 +40117,17 @@
               </a:lnSpc>
             </a:pPr>
             <a:r>
-              <a:rPr lang="it-IT" b="1" dirty="0"/>
-              <a:t> 	</a:t>
-            </a:r>
-            <a:r>
-              <a:rPr lang="it-IT" dirty="0"/>
-              <a:t>(esempio: cd C:\Users\Nome\ProgettoWEB\Progetto2_PW24\Workspace\progetto2_PW)</a:t>
-            </a:r>
-            <a:endParaRPr lang="it-IT" b="1" dirty="0"/>
+              <a:rPr lang="it-IT" sz="1400" b="1" dirty="0"/>
+              <a:t> 	cd </a:t>
+            </a:r>
+            <a:r>
+              <a:rPr lang="it-IT" sz="1400" b="1" dirty="0" err="1"/>
+              <a:t>ProgettoWEB</a:t>
+            </a:r>
+            <a:r>
+              <a:rPr lang="it-IT" sz="1400" b="1" dirty="0"/>
+              <a:t>\Progetto2_PW24\Workspace\progetto2_PW</a:t>
+            </a:r>
           </a:p>
           <a:p>
             <a:pPr algn="just">
@@ -39943,26 +40136,26 @@
               </a:lnSpc>
             </a:pPr>
             <a:r>
-              <a:rPr lang="it-IT" dirty="0"/>
+              <a:rPr lang="it-IT" sz="1400" dirty="0"/>
               <a:t>3. Attivare l’ambiente virtuale digitando il comando:  </a:t>
             </a:r>
             <a:r>
-              <a:rPr lang="it-IT" b="1" dirty="0"/>
+              <a:rPr lang="it-IT" sz="1400" b="1" dirty="0"/>
               <a:t>.</a:t>
             </a:r>
             <a:r>
-              <a:rPr lang="it-IT" b="1" dirty="0" err="1"/>
+              <a:rPr lang="it-IT" sz="1400" b="1" dirty="0" err="1"/>
               <a:t>venv</a:t>
             </a:r>
             <a:r>
-              <a:rPr lang="it-IT" b="1" dirty="0"/>
+              <a:rPr lang="it-IT" sz="1400" b="1" dirty="0"/>
               <a:t>\Scripts\</a:t>
             </a:r>
             <a:r>
-              <a:rPr lang="it-IT" b="1" dirty="0" err="1"/>
+              <a:rPr lang="it-IT" sz="1400" b="1" dirty="0" err="1"/>
               <a:t>activate</a:t>
             </a:r>
-            <a:endParaRPr lang="it-IT" b="1" dirty="0"/>
+            <a:endParaRPr lang="it-IT" sz="1400" b="1" dirty="0"/>
           </a:p>
           <a:p>
             <a:pPr algn="just">
@@ -39971,19 +40164,19 @@
               </a:lnSpc>
             </a:pPr>
             <a:r>
-              <a:rPr lang="it-IT" dirty="0"/>
+              <a:rPr lang="it-IT" sz="1400" dirty="0"/>
               <a:t>4. Dopo aver eseguito il comando, all’inizio della riga del terminale si dovrebbe vedere </a:t>
             </a:r>
             <a:r>
-              <a:rPr lang="it-IT" b="1" dirty="0"/>
+              <a:rPr lang="it-IT" sz="1400" b="1" dirty="0"/>
               <a:t>(.</a:t>
             </a:r>
             <a:r>
-              <a:rPr lang="it-IT" b="1" dirty="0" err="1"/>
+              <a:rPr lang="it-IT" sz="1400" b="1" dirty="0" err="1"/>
               <a:t>venv</a:t>
             </a:r>
             <a:r>
-              <a:rPr lang="it-IT" b="1" dirty="0"/>
+              <a:rPr lang="it-IT" sz="1400" b="1" dirty="0"/>
               <a:t>)</a:t>
             </a:r>
           </a:p>
@@ -39994,22 +40187,30 @@
               </a:lnSpc>
             </a:pPr>
             <a:r>
-              <a:rPr lang="it-IT" dirty="0"/>
-              <a:t>5. Avviare il server con il comando: </a:t>
-            </a:r>
-            <a:r>
-              <a:rPr lang="it-IT" b="1" dirty="0" err="1"/>
-              <a:t>python</a:t>
-            </a:r>
-            <a:r>
-              <a:rPr lang="it-IT" b="1" dirty="0"/>
-              <a:t> manage.py </a:t>
-            </a:r>
-            <a:r>
-              <a:rPr lang="it-IT" b="1" dirty="0" err="1"/>
-              <a:t>runserver</a:t>
-            </a:r>
-            <a:endParaRPr lang="it-IT" b="1" dirty="0"/>
+              <a:rPr lang="it-IT" sz="1400" dirty="0"/>
+              <a:t>5. Se non si ha Django installato, digitare nel terminale: </a:t>
+            </a:r>
+            <a:r>
+              <a:rPr lang="it-IT" sz="1400" b="1" dirty="0" err="1"/>
+              <a:t>pip</a:t>
+            </a:r>
+            <a:r>
+              <a:rPr lang="it-IT" sz="1400" b="1" dirty="0"/>
+              <a:t> </a:t>
+            </a:r>
+            <a:r>
+              <a:rPr lang="it-IT" sz="1400" b="1" dirty="0" err="1"/>
+              <a:t>install</a:t>
+            </a:r>
+            <a:r>
+              <a:rPr lang="it-IT" sz="1400" b="1" dirty="0"/>
+              <a:t> </a:t>
+            </a:r>
+            <a:r>
+              <a:rPr lang="it-IT" sz="1400" b="1" dirty="0" err="1"/>
+              <a:t>django</a:t>
+            </a:r>
+            <a:endParaRPr lang="it-IT" sz="1400" b="1" dirty="0"/>
           </a:p>
           <a:p>
             <a:pPr algn="just">
@@ -40018,9 +40219,22 @@
               </a:lnSpc>
             </a:pPr>
             <a:r>
-              <a:rPr lang="it-IT" dirty="0"/>
-              <a:t>6. Dovrebbe comparire il seguente messaggio nel terminale: </a:t>
-            </a:r>
+              <a:rPr lang="it-IT" sz="1400" dirty="0"/>
+              <a:t>6. Avviare il server con il comando: </a:t>
+            </a:r>
+            <a:r>
+              <a:rPr lang="it-IT" sz="1400" b="1" dirty="0" err="1"/>
+              <a:t>python</a:t>
+            </a:r>
+            <a:r>
+              <a:rPr lang="it-IT" sz="1400" b="1" dirty="0"/>
+              <a:t> manage.py </a:t>
+            </a:r>
+            <a:r>
+              <a:rPr lang="it-IT" sz="1400" b="1" dirty="0" err="1"/>
+              <a:t>runserver</a:t>
+            </a:r>
+            <a:endParaRPr lang="it-IT" sz="1400" b="1" dirty="0"/>
           </a:p>
           <a:p>
             <a:pPr algn="just">
@@ -40029,25 +40243,36 @@
               </a:lnSpc>
             </a:pPr>
             <a:r>
-              <a:rPr lang="it-IT" dirty="0"/>
-              <a:t>7. Visualizzare il sito nel browser premendo con </a:t>
-            </a:r>
-            <a:r>
-              <a:rPr lang="it-IT" dirty="0" err="1"/>
+              <a:rPr lang="it-IT" sz="1400" dirty="0"/>
+              <a:t>7. Dovrebbe comparire il seguente messaggio nel terminale: </a:t>
+            </a:r>
+          </a:p>
+          <a:p>
+            <a:pPr algn="just">
+              <a:lnSpc>
+                <a:spcPct val="200000"/>
+              </a:lnSpc>
+            </a:pPr>
+            <a:r>
+              <a:rPr lang="it-IT" sz="1400" dirty="0"/>
+              <a:t>8. Visualizzare il sito nel browser premendo con </a:t>
+            </a:r>
+            <a:r>
+              <a:rPr lang="it-IT" sz="1400" dirty="0" err="1"/>
               <a:t>ctrl+click</a:t>
             </a:r>
             <a:r>
-              <a:rPr lang="it-IT" dirty="0"/>
+              <a:rPr lang="it-IT" sz="1400" dirty="0"/>
               <a:t> sinistro su « </a:t>
             </a:r>
             <a:r>
-              <a:rPr lang="it-IT" dirty="0">
+              <a:rPr lang="it-IT" sz="1400" dirty="0">
                 <a:hlinkClick r:id="rId2"/>
               </a:rPr>
               <a:t>http://127.0.0.1:8000/</a:t>
             </a:r>
             <a:r>
-              <a:rPr lang="it-IT" dirty="0"/>
+              <a:rPr lang="it-IT" sz="1400" dirty="0"/>
               <a:t> »</a:t>
             </a:r>
           </a:p>
@@ -40078,8 +40303,8 @@
         </p:blipFill>
         <p:spPr>
           <a:xfrm>
-            <a:off x="7325130" y="4360867"/>
-            <a:ext cx="3017356" cy="536024"/>
+            <a:off x="5979409" y="4246947"/>
+            <a:ext cx="2241565" cy="398207"/>
           </a:xfrm>
           <a:prstGeom prst="rect">
             <a:avLst/>
@@ -40156,6 +40381,167 @@
                 <a:schemeClr val="bg1"/>
               </a:solidFill>
             </a:endParaRPr>
+          </a:p>
+        </p:txBody>
+      </p:sp>
+      <p:sp>
+        <p:nvSpPr>
+          <p:cNvPr id="2" name="CasellaDiTesto 1">
+            <a:extLst>
+              <a:ext uri="{FF2B5EF4-FFF2-40B4-BE49-F238E27FC236}">
+                <a16:creationId xmlns:a16="http://schemas.microsoft.com/office/drawing/2014/main" id="{06B4F062-1917-1B9E-96EB-31AD83B03A79}"/>
+              </a:ext>
+            </a:extLst>
+          </p:cNvPr>
+          <p:cNvSpPr txBox="1"/>
+          <p:nvPr/>
+        </p:nvSpPr>
+        <p:spPr>
+          <a:xfrm>
+            <a:off x="922691" y="939740"/>
+            <a:ext cx="10446924" cy="492443"/>
+          </a:xfrm>
+          <a:prstGeom prst="rect">
+            <a:avLst/>
+          </a:prstGeom>
+          <a:noFill/>
+        </p:spPr>
+        <p:txBody>
+          <a:bodyPr wrap="square" rtlCol="0">
+            <a:spAutoFit/>
+          </a:bodyPr>
+          <a:lstStyle/>
+          <a:p>
+            <a:pPr algn="just"/>
+            <a:r>
+              <a:rPr lang="it-IT" sz="1400" b="1" dirty="0">
+                <a:solidFill>
+                  <a:srgbClr val="FF0000"/>
+                </a:solidFill>
+              </a:rPr>
+              <a:t>Premessa: </a:t>
+            </a:r>
+            <a:r>
+              <a:rPr lang="it-IT" sz="1400" b="1" dirty="0"/>
+              <a:t>serve avere </a:t>
+            </a:r>
+            <a:r>
+              <a:rPr lang="it-IT" sz="1400" b="1" dirty="0" err="1"/>
+              <a:t>python</a:t>
+            </a:r>
+            <a:r>
+              <a:rPr lang="it-IT" sz="1400" b="1" dirty="0"/>
+              <a:t> installato </a:t>
+            </a:r>
+            <a:r>
+              <a:rPr lang="it-IT" sz="1200" dirty="0"/>
+              <a:t>( se non installato andare al link: </a:t>
+            </a:r>
+            <a:r>
+              <a:rPr lang="it-IT" sz="1200" dirty="0">
+                <a:hlinkClick r:id="rId5"/>
+              </a:rPr>
+              <a:t>Download Python | Python.org</a:t>
+            </a:r>
+            <a:r>
+              <a:rPr lang="it-IT" sz="1200" dirty="0"/>
+              <a:t> e procedere con l’installazione mettendo le spunte specificate nella </a:t>
+            </a:r>
+            <a:r>
+              <a:rPr lang="it-IT" sz="1200" b="1" dirty="0">
+                <a:solidFill>
+                  <a:srgbClr val="FF0000"/>
+                </a:solidFill>
+              </a:rPr>
+              <a:t>Nota</a:t>
+            </a:r>
+            <a:r>
+              <a:rPr lang="it-IT" sz="1200" dirty="0"/>
+              <a:t>) </a:t>
+            </a:r>
+            <a:endParaRPr lang="it-IT" b="1" dirty="0"/>
+          </a:p>
+        </p:txBody>
+      </p:sp>
+      <p:pic>
+        <p:nvPicPr>
+          <p:cNvPr id="5" name="Immagine 4">
+            <a:extLst>
+              <a:ext uri="{FF2B5EF4-FFF2-40B4-BE49-F238E27FC236}">
+                <a16:creationId xmlns:a16="http://schemas.microsoft.com/office/drawing/2014/main" id="{94D1A50C-C6E9-ED48-99BA-1D6E30D99AFA}"/>
+              </a:ext>
+            </a:extLst>
+          </p:cNvPr>
+          <p:cNvPicPr>
+            <a:picLocks noChangeAspect="1"/>
+          </p:cNvPicPr>
+          <p:nvPr/>
+        </p:nvPicPr>
+        <p:blipFill rotWithShape="1">
+          <a:blip r:embed="rId6"/>
+          <a:srcRect l="4335" t="8219" r="18868" b="37396"/>
+          <a:stretch/>
+        </p:blipFill>
+        <p:spPr>
+          <a:xfrm>
+            <a:off x="10299939" y="5055077"/>
+            <a:ext cx="1839313" cy="801652"/>
+          </a:xfrm>
+          <a:prstGeom prst="rect">
+            <a:avLst/>
+          </a:prstGeom>
+        </p:spPr>
+      </p:pic>
+      <p:sp>
+        <p:nvSpPr>
+          <p:cNvPr id="6" name="CasellaDiTesto 5">
+            <a:extLst>
+              <a:ext uri="{FF2B5EF4-FFF2-40B4-BE49-F238E27FC236}">
+                <a16:creationId xmlns:a16="http://schemas.microsoft.com/office/drawing/2014/main" id="{63FC2A7B-A6A8-7DFC-C284-81D618470A6B}"/>
+              </a:ext>
+            </a:extLst>
+          </p:cNvPr>
+          <p:cNvSpPr txBox="1"/>
+          <p:nvPr/>
+        </p:nvSpPr>
+        <p:spPr>
+          <a:xfrm>
+            <a:off x="922691" y="5373310"/>
+            <a:ext cx="10446924" cy="307777"/>
+          </a:xfrm>
+          <a:prstGeom prst="rect">
+            <a:avLst/>
+          </a:prstGeom>
+          <a:noFill/>
+        </p:spPr>
+        <p:txBody>
+          <a:bodyPr wrap="square" rtlCol="0">
+            <a:spAutoFit/>
+          </a:bodyPr>
+          <a:lstStyle/>
+          <a:p>
+            <a:pPr algn="just"/>
+            <a:r>
+              <a:rPr lang="it-IT" sz="1400" b="1" dirty="0">
+                <a:solidFill>
+                  <a:srgbClr val="FF0000"/>
+                </a:solidFill>
+              </a:rPr>
+              <a:t>Nota: </a:t>
+            </a:r>
+            <a:r>
+              <a:rPr lang="it-IT" sz="1400" dirty="0"/>
+              <a:t>se nel terminale non esegue i comandi con </a:t>
+            </a:r>
+            <a:r>
+              <a:rPr lang="it-IT" sz="1400" dirty="0" err="1"/>
+              <a:t>python</a:t>
+            </a:r>
+            <a:r>
+              <a:rPr lang="it-IT" sz="1400" dirty="0"/>
+              <a:t> assicurarsi di aver messo queste spunte durante l’installazione:</a:t>
+            </a:r>
+            <a:endParaRPr lang="it-IT" dirty="0"/>
           </a:p>
         </p:txBody>
       </p:sp>
@@ -42368,16 +42754,16 @@
 <file path=customXml/itemProps2.xml><?xml version="1.0" encoding="utf-8"?>
 <ds:datastoreItem xmlns:ds="http://schemas.openxmlformats.org/officeDocument/2006/customXml" ds:itemID="{4242AFFF-C96F-4C05-9045-3240A5329ECA}">
   <ds:schemaRefs>
+    <ds:schemaRef ds:uri="http://schemas.openxmlformats.org/package/2006/metadata/core-properties"/>
+    <ds:schemaRef ds:uri="http://purl.org/dc/elements/1.1/"/>
+    <ds:schemaRef ds:uri="http://schemas.microsoft.com/office/2006/documentManagement/types"/>
     <ds:schemaRef ds:uri="71af3243-3dd4-4a8d-8c0d-dd76da1f02a5"/>
+    <ds:schemaRef ds:uri="http://purl.org/dc/dcmitype/"/>
+    <ds:schemaRef ds:uri="http://purl.org/dc/terms/"/>
+    <ds:schemaRef ds:uri="http://schemas.microsoft.com/office/2006/metadata/properties"/>
+    <ds:schemaRef ds:uri="16c05727-aa75-4e4a-9b5f-8a80a1165891"/>
     <ds:schemaRef ds:uri="http://schemas.microsoft.com/office/infopath/2007/PartnerControls"/>
-    <ds:schemaRef ds:uri="http://purl.org/dc/terms/"/>
     <ds:schemaRef ds:uri="http://www.w3.org/XML/1998/namespace"/>
-    <ds:schemaRef ds:uri="16c05727-aa75-4e4a-9b5f-8a80a1165891"/>
-    <ds:schemaRef ds:uri="http://schemas.microsoft.com/office/2006/documentManagement/types"/>
-    <ds:schemaRef ds:uri="http://purl.org/dc/elements/1.1/"/>
-    <ds:schemaRef ds:uri="http://schemas.openxmlformats.org/package/2006/metadata/core-properties"/>
-    <ds:schemaRef ds:uri="http://schemas.microsoft.com/office/2006/metadata/properties"/>
-    <ds:schemaRef ds:uri="http://purl.org/dc/dcmitype/"/>
   </ds:schemaRefs>
 </ds:datastoreItem>
 </file>

--- a/Documentazione/PROGETTO 2 PW24.pptx
+++ b/Documentazione/PROGETTO 2 PW24.pptx
@@ -38975,8 +38975,8 @@
         </p:blipFill>
         <p:spPr>
           <a:xfrm>
-            <a:off x="291938" y="2536555"/>
-            <a:ext cx="3598576" cy="2090790"/>
+            <a:off x="291938" y="2733459"/>
+            <a:ext cx="3598576" cy="1696981"/>
           </a:xfrm>
           <a:prstGeom prst="rect">
             <a:avLst/>
@@ -38989,35 +38989,6 @@
             <a:extLst>
               <a:ext uri="{FF2B5EF4-FFF2-40B4-BE49-F238E27FC236}">
                 <a16:creationId xmlns:a16="http://schemas.microsoft.com/office/drawing/2014/main" id="{0D8ABC25-2EB6-DFDB-EB26-A494F493519F}"/>
-              </a:ext>
-            </a:extLst>
-          </p:cNvPr>
-          <p:cNvPicPr>
-            <a:picLocks noChangeAspect="1"/>
-          </p:cNvPicPr>
-          <p:nvPr/>
-        </p:nvPicPr>
-        <p:blipFill>
-          <a:blip r:embed="rId3"/>
-          <a:srcRect/>
-          <a:stretch/>
-        </p:blipFill>
-        <p:spPr>
-          <a:xfrm>
-            <a:off x="8301488" y="2536555"/>
-            <a:ext cx="3598576" cy="2090790"/>
-          </a:xfrm>
-          <a:prstGeom prst="rect">
-            <a:avLst/>
-          </a:prstGeom>
-        </p:spPr>
-      </p:pic>
-      <p:pic>
-        <p:nvPicPr>
-          <p:cNvPr id="4" name="Immagine 3">
-            <a:extLst>
-              <a:ext uri="{FF2B5EF4-FFF2-40B4-BE49-F238E27FC236}">
-                <a16:creationId xmlns:a16="http://schemas.microsoft.com/office/drawing/2014/main" id="{31EFD340-F1A7-1F7F-683C-F1C782A3ABD1}"/>
               </a:ext>
             </a:extLst>
           </p:cNvPr>
@@ -39028,6 +38999,35 @@
         </p:nvPicPr>
         <p:blipFill>
           <a:blip r:embed="rId4"/>
+          <a:srcRect/>
+          <a:stretch/>
+        </p:blipFill>
+        <p:spPr>
+          <a:xfrm>
+            <a:off x="8301488" y="2731088"/>
+            <a:ext cx="3598576" cy="1701724"/>
+          </a:xfrm>
+          <a:prstGeom prst="rect">
+            <a:avLst/>
+          </a:prstGeom>
+        </p:spPr>
+      </p:pic>
+      <p:pic>
+        <p:nvPicPr>
+          <p:cNvPr id="4" name="Immagine 3">
+            <a:extLst>
+              <a:ext uri="{FF2B5EF4-FFF2-40B4-BE49-F238E27FC236}">
+                <a16:creationId xmlns:a16="http://schemas.microsoft.com/office/drawing/2014/main" id="{31EFD340-F1A7-1F7F-683C-F1C782A3ABD1}"/>
+              </a:ext>
+            </a:extLst>
+          </p:cNvPr>
+          <p:cNvPicPr>
+            <a:picLocks noChangeAspect="1"/>
+          </p:cNvPicPr>
+          <p:nvPr/>
+        </p:nvPicPr>
+        <p:blipFill>
+          <a:blip r:embed="rId5"/>
           <a:srcRect/>
           <a:stretch/>
         </p:blipFill>
@@ -42494,6 +42494,15 @@
 </file>
 
 <file path=customXml/item1.xml><?xml version="1.0" encoding="utf-8"?>
+<p:properties xmlns:p="http://schemas.microsoft.com/office/2006/metadata/properties" xmlns:xsi="http://www.w3.org/2001/XMLSchema-instance" xmlns:pc="http://schemas.microsoft.com/office/infopath/2007/PartnerControls">
+  <documentManagement>
+    <Status xmlns="71af3243-3dd4-4a8d-8c0d-dd76da1f02a5">Not started</Status>
+    <MediaServiceKeyPoints xmlns="71af3243-3dd4-4a8d-8c0d-dd76da1f02a5" xsi:nil="true"/>
+  </documentManagement>
+</p:properties>
+</file>
+
+<file path=customXml/item2.xml><?xml version="1.0" encoding="utf-8"?>
 <ct:contentTypeSchema xmlns:ct="http://schemas.microsoft.com/office/2006/metadata/contentType" xmlns:ma="http://schemas.microsoft.com/office/2006/metadata/properties/metaAttributes" ct:_="" ma:_="" ma:contentTypeName="Document" ma:contentTypeID="0x01010079F111ED35F8CC479449609E8A0923A6" ma:contentTypeVersion="12" ma:contentTypeDescription="Create a new document." ma:contentTypeScope="" ma:versionID="f9fc9171bb41dc08635275f351de8590">
   <xsd:schema xmlns:xsd="http://www.w3.org/2001/XMLSchema" xmlns:xs="http://www.w3.org/2001/XMLSchema" xmlns:p="http://schemas.microsoft.com/office/2006/metadata/properties" xmlns:ns2="71af3243-3dd4-4a8d-8c0d-dd76da1f02a5" xmlns:ns3="16c05727-aa75-4e4a-9b5f-8a80a1165891" targetNamespace="http://schemas.microsoft.com/office/2006/metadata/properties" ma:root="true" ma:fieldsID="29387215989a890c06011de04edfe97d" ns2:_="" ns3:_="">
     <xsd:import namespace="71af3243-3dd4-4a8d-8c0d-dd76da1f02a5"/>
@@ -42714,15 +42723,6 @@
 </ct:contentTypeSchema>
 </file>
 
-<file path=customXml/item2.xml><?xml version="1.0" encoding="utf-8"?>
-<p:properties xmlns:p="http://schemas.microsoft.com/office/2006/metadata/properties" xmlns:xsi="http://www.w3.org/2001/XMLSchema-instance" xmlns:pc="http://schemas.microsoft.com/office/infopath/2007/PartnerControls">
-  <documentManagement>
-    <Status xmlns="71af3243-3dd4-4a8d-8c0d-dd76da1f02a5">Not started</Status>
-    <MediaServiceKeyPoints xmlns="71af3243-3dd4-4a8d-8c0d-dd76da1f02a5" xsi:nil="true"/>
-  </documentManagement>
-</p:properties>
-</file>
-
 <file path=customXml/item3.xml><?xml version="1.0" encoding="utf-8"?>
 <?mso-contentType ?>
 <FormTemplates xmlns="http://schemas.microsoft.com/sharepoint/v3/contenttype/forms">
@@ -42733,6 +42733,23 @@
 </file>
 
 <file path=customXml/itemProps1.xml><?xml version="1.0" encoding="utf-8"?>
+<ds:datastoreItem xmlns:ds="http://schemas.openxmlformats.org/officeDocument/2006/customXml" ds:itemID="{4242AFFF-C96F-4C05-9045-3240A5329ECA}">
+  <ds:schemaRefs>
+    <ds:schemaRef ds:uri="http://schemas.openxmlformats.org/package/2006/metadata/core-properties"/>
+    <ds:schemaRef ds:uri="http://purl.org/dc/elements/1.1/"/>
+    <ds:schemaRef ds:uri="http://schemas.microsoft.com/office/2006/documentManagement/types"/>
+    <ds:schemaRef ds:uri="71af3243-3dd4-4a8d-8c0d-dd76da1f02a5"/>
+    <ds:schemaRef ds:uri="http://purl.org/dc/dcmitype/"/>
+    <ds:schemaRef ds:uri="http://purl.org/dc/terms/"/>
+    <ds:schemaRef ds:uri="http://schemas.microsoft.com/office/2006/metadata/properties"/>
+    <ds:schemaRef ds:uri="16c05727-aa75-4e4a-9b5f-8a80a1165891"/>
+    <ds:schemaRef ds:uri="http://schemas.microsoft.com/office/infopath/2007/PartnerControls"/>
+    <ds:schemaRef ds:uri="http://www.w3.org/XML/1998/namespace"/>
+  </ds:schemaRefs>
+</ds:datastoreItem>
+</file>
+
+<file path=customXml/itemProps2.xml><?xml version="1.0" encoding="utf-8"?>
 <ds:datastoreItem xmlns:ds="http://schemas.openxmlformats.org/officeDocument/2006/customXml" ds:itemID="{504F5DC0-7B0F-411B-A0C5-A1B1D5EB33B4}">
   <ds:schemaRefs>
     <ds:schemaRef ds:uri="http://schemas.microsoft.com/office/2006/metadata/contentType"/>
@@ -42751,23 +42768,6 @@
 </ds:datastoreItem>
 </file>
 
-<file path=customXml/itemProps2.xml><?xml version="1.0" encoding="utf-8"?>
-<ds:datastoreItem xmlns:ds="http://schemas.openxmlformats.org/officeDocument/2006/customXml" ds:itemID="{4242AFFF-C96F-4C05-9045-3240A5329ECA}">
-  <ds:schemaRefs>
-    <ds:schemaRef ds:uri="http://schemas.openxmlformats.org/package/2006/metadata/core-properties"/>
-    <ds:schemaRef ds:uri="http://purl.org/dc/elements/1.1/"/>
-    <ds:schemaRef ds:uri="http://schemas.microsoft.com/office/2006/documentManagement/types"/>
-    <ds:schemaRef ds:uri="71af3243-3dd4-4a8d-8c0d-dd76da1f02a5"/>
-    <ds:schemaRef ds:uri="http://purl.org/dc/dcmitype/"/>
-    <ds:schemaRef ds:uri="http://purl.org/dc/terms/"/>
-    <ds:schemaRef ds:uri="http://schemas.microsoft.com/office/2006/metadata/properties"/>
-    <ds:schemaRef ds:uri="16c05727-aa75-4e4a-9b5f-8a80a1165891"/>
-    <ds:schemaRef ds:uri="http://schemas.microsoft.com/office/infopath/2007/PartnerControls"/>
-    <ds:schemaRef ds:uri="http://www.w3.org/XML/1998/namespace"/>
-  </ds:schemaRefs>
-</ds:datastoreItem>
-</file>
-
 <file path=customXml/itemProps3.xml><?xml version="1.0" encoding="utf-8"?>
 <ds:datastoreItem xmlns:ds="http://schemas.openxmlformats.org/officeDocument/2006/customXml" ds:itemID="{817F9CC6-F7CA-41EA-81DA-97EFF19429B6}">
   <ds:schemaRefs>

--- a/Documentazione/PROGETTO 2 PW24.pptx
+++ b/Documentazione/PROGETTO 2 PW24.pptx
@@ -40067,7 +40067,7 @@
         <p:spPr>
           <a:xfrm>
             <a:off x="1207358" y="1343370"/>
-            <a:ext cx="9942990" cy="4031873"/>
+            <a:ext cx="9942990" cy="3170099"/>
           </a:xfrm>
           <a:prstGeom prst="rect">
             <a:avLst/>
@@ -40098,15 +40098,7 @@
             </a:pPr>
             <a:r>
               <a:rPr lang="it-IT" sz="1400" dirty="0"/>
-              <a:t>2. Aprire il terminale e navigare fino alla directory che contiene la cartella .</a:t>
-            </a:r>
-            <a:r>
-              <a:rPr lang="it-IT" sz="1400" dirty="0" err="1"/>
-              <a:t>venv</a:t>
-            </a:r>
-            <a:r>
-              <a:rPr lang="it-IT" sz="1400" dirty="0"/>
-              <a:t> con il comando:</a:t>
+              <a:t>2. Aprire il terminale e navigare fino alla directory che contiene il codice con il comando:</a:t>
             </a:r>
             <a:endParaRPr lang="it-IT" sz="1400" b="1" dirty="0"/>
           </a:p>
@@ -40137,23 +40129,27 @@
             </a:pPr>
             <a:r>
               <a:rPr lang="it-IT" sz="1400" dirty="0"/>
-              <a:t>3. Attivare l’ambiente virtuale digitando il comando:  </a:t>
+              <a:t>3. Se non si ha Django installato, digitare nel terminale: </a:t>
+            </a:r>
+            <a:r>
+              <a:rPr lang="it-IT" sz="1400" b="1" dirty="0" err="1"/>
+              <a:t>pip</a:t>
             </a:r>
             <a:r>
               <a:rPr lang="it-IT" sz="1400" b="1" dirty="0"/>
-              <a:t>.</a:t>
+              <a:t> </a:t>
             </a:r>
             <a:r>
               <a:rPr lang="it-IT" sz="1400" b="1" dirty="0" err="1"/>
-              <a:t>venv</a:t>
+              <a:t>install</a:t>
             </a:r>
             <a:r>
               <a:rPr lang="it-IT" sz="1400" b="1" dirty="0"/>
-              <a:t>\Scripts\</a:t>
+              <a:t> </a:t>
             </a:r>
             <a:r>
               <a:rPr lang="it-IT" sz="1400" b="1" dirty="0" err="1"/>
-              <a:t>activate</a:t>
+              <a:t>django</a:t>
             </a:r>
             <a:endParaRPr lang="it-IT" sz="1400" b="1" dirty="0"/>
           </a:p>
@@ -40165,20 +40161,21 @@
             </a:pPr>
             <a:r>
               <a:rPr lang="it-IT" sz="1400" dirty="0"/>
-              <a:t>4. Dopo aver eseguito il comando, all’inizio della riga del terminale si dovrebbe vedere </a:t>
+              <a:t>4. Avviare il server con il comando: </a:t>
+            </a:r>
+            <a:r>
+              <a:rPr lang="it-IT" sz="1400" b="1" dirty="0" err="1"/>
+              <a:t>python</a:t>
             </a:r>
             <a:r>
               <a:rPr lang="it-IT" sz="1400" b="1" dirty="0"/>
-              <a:t>(.</a:t>
+              <a:t> manage.py </a:t>
             </a:r>
             <a:r>
               <a:rPr lang="it-IT" sz="1400" b="1" dirty="0" err="1"/>
-              <a:t>venv</a:t>
-            </a:r>
-            <a:r>
-              <a:rPr lang="it-IT" sz="1400" b="1" dirty="0"/>
-              <a:t>)</a:t>
-            </a:r>
+              <a:t>runserver</a:t>
+            </a:r>
+            <a:endParaRPr lang="it-IT" sz="1400" b="1" dirty="0"/>
           </a:p>
           <a:p>
             <a:pPr algn="just">
@@ -40188,29 +40185,8 @@
             </a:pPr>
             <a:r>
               <a:rPr lang="it-IT" sz="1400" dirty="0"/>
-              <a:t>5. Se non si ha Django installato, digitare nel terminale: </a:t>
-            </a:r>
-            <a:r>
-              <a:rPr lang="it-IT" sz="1400" b="1" dirty="0" err="1"/>
-              <a:t>pip</a:t>
-            </a:r>
-            <a:r>
-              <a:rPr lang="it-IT" sz="1400" b="1" dirty="0"/>
-              <a:t> </a:t>
-            </a:r>
-            <a:r>
-              <a:rPr lang="it-IT" sz="1400" b="1" dirty="0" err="1"/>
-              <a:t>install</a:t>
-            </a:r>
-            <a:r>
-              <a:rPr lang="it-IT" sz="1400" b="1" dirty="0"/>
-              <a:t> </a:t>
-            </a:r>
-            <a:r>
-              <a:rPr lang="it-IT" sz="1400" b="1" dirty="0" err="1"/>
-              <a:t>django</a:t>
-            </a:r>
-            <a:endParaRPr lang="it-IT" sz="1400" b="1" dirty="0"/>
+              <a:t>5. Dovrebbe comparire il seguente messaggio nel terminale: </a:t>
+            </a:r>
           </a:p>
           <a:p>
             <a:pPr algn="just">
@@ -40220,42 +40196,7 @@
             </a:pPr>
             <a:r>
               <a:rPr lang="it-IT" sz="1400" dirty="0"/>
-              <a:t>6. Avviare il server con il comando: </a:t>
-            </a:r>
-            <a:r>
-              <a:rPr lang="it-IT" sz="1400" b="1" dirty="0" err="1"/>
-              <a:t>python</a:t>
-            </a:r>
-            <a:r>
-              <a:rPr lang="it-IT" sz="1400" b="1" dirty="0"/>
-              <a:t> manage.py </a:t>
-            </a:r>
-            <a:r>
-              <a:rPr lang="it-IT" sz="1400" b="1" dirty="0" err="1"/>
-              <a:t>runserver</a:t>
-            </a:r>
-            <a:endParaRPr lang="it-IT" sz="1400" b="1" dirty="0"/>
-          </a:p>
-          <a:p>
-            <a:pPr algn="just">
-              <a:lnSpc>
-                <a:spcPct val="200000"/>
-              </a:lnSpc>
-            </a:pPr>
-            <a:r>
-              <a:rPr lang="it-IT" sz="1400" dirty="0"/>
-              <a:t>7. Dovrebbe comparire il seguente messaggio nel terminale: </a:t>
-            </a:r>
-          </a:p>
-          <a:p>
-            <a:pPr algn="just">
-              <a:lnSpc>
-                <a:spcPct val="200000"/>
-              </a:lnSpc>
-            </a:pPr>
-            <a:r>
-              <a:rPr lang="it-IT" sz="1400" dirty="0"/>
-              <a:t>8. Visualizzare il sito nel browser premendo con </a:t>
+              <a:t>6. Visualizzare il sito nel browser premendo con </a:t>
             </a:r>
             <a:r>
               <a:rPr lang="it-IT" sz="1400" dirty="0" err="1"/>
@@ -40303,7 +40244,7 @@
         </p:blipFill>
         <p:spPr>
           <a:xfrm>
-            <a:off x="5979409" y="4246947"/>
+            <a:off x="5979409" y="3372888"/>
             <a:ext cx="2241565" cy="398207"/>
           </a:xfrm>
           <a:prstGeom prst="rect">
@@ -40484,8 +40425,8 @@
         </p:blipFill>
         <p:spPr>
           <a:xfrm>
-            <a:off x="10299939" y="5055077"/>
-            <a:ext cx="1839313" cy="801652"/>
+            <a:off x="1041641" y="4847665"/>
+            <a:ext cx="2173837" cy="947452"/>
           </a:xfrm>
           <a:prstGeom prst="rect">
             <a:avLst/>
@@ -40506,7 +40447,7 @@
         </p:nvSpPr>
         <p:spPr>
           <a:xfrm>
-            <a:off x="922691" y="5373310"/>
+            <a:off x="922691" y="4492519"/>
             <a:ext cx="10446924" cy="307777"/>
           </a:xfrm>
           <a:prstGeom prst="rect">
@@ -42494,15 +42435,6 @@
 </file>
 
 <file path=customXml/item1.xml><?xml version="1.0" encoding="utf-8"?>
-<p:properties xmlns:p="http://schemas.microsoft.com/office/2006/metadata/properties" xmlns:xsi="http://www.w3.org/2001/XMLSchema-instance" xmlns:pc="http://schemas.microsoft.com/office/infopath/2007/PartnerControls">
-  <documentManagement>
-    <Status xmlns="71af3243-3dd4-4a8d-8c0d-dd76da1f02a5">Not started</Status>
-    <MediaServiceKeyPoints xmlns="71af3243-3dd4-4a8d-8c0d-dd76da1f02a5" xsi:nil="true"/>
-  </documentManagement>
-</p:properties>
-</file>
-
-<file path=customXml/item2.xml><?xml version="1.0" encoding="utf-8"?>
 <ct:contentTypeSchema xmlns:ct="http://schemas.microsoft.com/office/2006/metadata/contentType" xmlns:ma="http://schemas.microsoft.com/office/2006/metadata/properties/metaAttributes" ct:_="" ma:_="" ma:contentTypeName="Document" ma:contentTypeID="0x01010079F111ED35F8CC479449609E8A0923A6" ma:contentTypeVersion="12" ma:contentTypeDescription="Create a new document." ma:contentTypeScope="" ma:versionID="f9fc9171bb41dc08635275f351de8590">
   <xsd:schema xmlns:xsd="http://www.w3.org/2001/XMLSchema" xmlns:xs="http://www.w3.org/2001/XMLSchema" xmlns:p="http://schemas.microsoft.com/office/2006/metadata/properties" xmlns:ns2="71af3243-3dd4-4a8d-8c0d-dd76da1f02a5" xmlns:ns3="16c05727-aa75-4e4a-9b5f-8a80a1165891" targetNamespace="http://schemas.microsoft.com/office/2006/metadata/properties" ma:root="true" ma:fieldsID="29387215989a890c06011de04edfe97d" ns2:_="" ns3:_="">
     <xsd:import namespace="71af3243-3dd4-4a8d-8c0d-dd76da1f02a5"/>
@@ -42723,6 +42655,15 @@
 </ct:contentTypeSchema>
 </file>
 
+<file path=customXml/item2.xml><?xml version="1.0" encoding="utf-8"?>
+<p:properties xmlns:p="http://schemas.microsoft.com/office/2006/metadata/properties" xmlns:xsi="http://www.w3.org/2001/XMLSchema-instance" xmlns:pc="http://schemas.microsoft.com/office/infopath/2007/PartnerControls">
+  <documentManagement>
+    <Status xmlns="71af3243-3dd4-4a8d-8c0d-dd76da1f02a5">Not started</Status>
+    <MediaServiceKeyPoints xmlns="71af3243-3dd4-4a8d-8c0d-dd76da1f02a5" xsi:nil="true"/>
+  </documentManagement>
+</p:properties>
+</file>
+
 <file path=customXml/item3.xml><?xml version="1.0" encoding="utf-8"?>
 <?mso-contentType ?>
 <FormTemplates xmlns="http://schemas.microsoft.com/sharepoint/v3/contenttype/forms">
@@ -42733,23 +42674,6 @@
 </file>
 
 <file path=customXml/itemProps1.xml><?xml version="1.0" encoding="utf-8"?>
-<ds:datastoreItem xmlns:ds="http://schemas.openxmlformats.org/officeDocument/2006/customXml" ds:itemID="{4242AFFF-C96F-4C05-9045-3240A5329ECA}">
-  <ds:schemaRefs>
-    <ds:schemaRef ds:uri="http://schemas.openxmlformats.org/package/2006/metadata/core-properties"/>
-    <ds:schemaRef ds:uri="http://purl.org/dc/elements/1.1/"/>
-    <ds:schemaRef ds:uri="http://schemas.microsoft.com/office/2006/documentManagement/types"/>
-    <ds:schemaRef ds:uri="71af3243-3dd4-4a8d-8c0d-dd76da1f02a5"/>
-    <ds:schemaRef ds:uri="http://purl.org/dc/dcmitype/"/>
-    <ds:schemaRef ds:uri="http://purl.org/dc/terms/"/>
-    <ds:schemaRef ds:uri="http://schemas.microsoft.com/office/2006/metadata/properties"/>
-    <ds:schemaRef ds:uri="16c05727-aa75-4e4a-9b5f-8a80a1165891"/>
-    <ds:schemaRef ds:uri="http://schemas.microsoft.com/office/infopath/2007/PartnerControls"/>
-    <ds:schemaRef ds:uri="http://www.w3.org/XML/1998/namespace"/>
-  </ds:schemaRefs>
-</ds:datastoreItem>
-</file>
-
-<file path=customXml/itemProps2.xml><?xml version="1.0" encoding="utf-8"?>
 <ds:datastoreItem xmlns:ds="http://schemas.openxmlformats.org/officeDocument/2006/customXml" ds:itemID="{504F5DC0-7B0F-411B-A0C5-A1B1D5EB33B4}">
   <ds:schemaRefs>
     <ds:schemaRef ds:uri="http://schemas.microsoft.com/office/2006/metadata/contentType"/>
@@ -42768,6 +42692,23 @@
 </ds:datastoreItem>
 </file>
 
+<file path=customXml/itemProps2.xml><?xml version="1.0" encoding="utf-8"?>
+<ds:datastoreItem xmlns:ds="http://schemas.openxmlformats.org/officeDocument/2006/customXml" ds:itemID="{4242AFFF-C96F-4C05-9045-3240A5329ECA}">
+  <ds:schemaRefs>
+    <ds:schemaRef ds:uri="http://schemas.openxmlformats.org/package/2006/metadata/core-properties"/>
+    <ds:schemaRef ds:uri="http://purl.org/dc/elements/1.1/"/>
+    <ds:schemaRef ds:uri="http://schemas.microsoft.com/office/2006/documentManagement/types"/>
+    <ds:schemaRef ds:uri="71af3243-3dd4-4a8d-8c0d-dd76da1f02a5"/>
+    <ds:schemaRef ds:uri="http://purl.org/dc/dcmitype/"/>
+    <ds:schemaRef ds:uri="http://purl.org/dc/terms/"/>
+    <ds:schemaRef ds:uri="http://schemas.microsoft.com/office/2006/metadata/properties"/>
+    <ds:schemaRef ds:uri="16c05727-aa75-4e4a-9b5f-8a80a1165891"/>
+    <ds:schemaRef ds:uri="http://schemas.microsoft.com/office/infopath/2007/PartnerControls"/>
+    <ds:schemaRef ds:uri="http://www.w3.org/XML/1998/namespace"/>
+  </ds:schemaRefs>
+</ds:datastoreItem>
+</file>
+
 <file path=customXml/itemProps3.xml><?xml version="1.0" encoding="utf-8"?>
 <ds:datastoreItem xmlns:ds="http://schemas.openxmlformats.org/officeDocument/2006/customXml" ds:itemID="{817F9CC6-F7CA-41EA-81DA-97EFF19429B6}">
   <ds:schemaRefs>
